--- a/draft-gandhi-spring-sr-enhanced-plm-03.pptx
+++ b/draft-gandhi-spring-sr-enhanced-plm-03.pptx
@@ -17,12 +17,12 @@
     <p:sldId id="1673" r:id="rId5"/>
     <p:sldId id="326" r:id="rId6"/>
     <p:sldId id="1659" r:id="rId7"/>
-    <p:sldId id="1675" r:id="rId8"/>
-    <p:sldId id="1662" r:id="rId9"/>
-    <p:sldId id="1674" r:id="rId10"/>
-    <p:sldId id="1669" r:id="rId11"/>
-    <p:sldId id="1658" r:id="rId12"/>
-    <p:sldId id="1663" r:id="rId13"/>
+    <p:sldId id="1662" r:id="rId8"/>
+    <p:sldId id="1674" r:id="rId9"/>
+    <p:sldId id="1669" r:id="rId10"/>
+    <p:sldId id="1658" r:id="rId11"/>
+    <p:sldId id="1663" r:id="rId12"/>
+    <p:sldId id="1675" r:id="rId13"/>
     <p:sldId id="318" r:id="rId14"/>
     <p:sldId id="303" r:id="rId15"/>
     <p:sldId id="1672" r:id="rId16"/>
@@ -260,7 +260,7 @@
           <a:p>
             <a:fld id="{E8FA3DB5-7722-3F4F-947D-12B203669AD7}" type="datetimeFigureOut">
               <a:rPr lang="en-US" smtClean="0"/>
-              <a:t>9/17/20</a:t>
+              <a:t>9/18/20</a:t>
             </a:fld>
             <a:endParaRPr lang="en-US"/>
           </a:p>
@@ -921,7 +921,7 @@
           <a:bodyPr/>
           <a:lstStyle/>
           <a:p>
-            <a:endParaRPr lang="en-CA" dirty="0"/>
+            <a:endParaRPr lang="en-US" dirty="0"/>
           </a:p>
         </p:txBody>
       </p:sp>
@@ -957,7 +957,7 @@
     </p:spTree>
     <p:extLst>
       <p:ext uri="{BB962C8B-B14F-4D97-AF65-F5344CB8AC3E}">
-        <p14:creationId xmlns:p14="http://schemas.microsoft.com/office/powerpoint/2010/main" val="1667011172"/>
+        <p14:creationId xmlns:p14="http://schemas.microsoft.com/office/powerpoint/2010/main" val="939525286"/>
       </p:ext>
     </p:extLst>
   </p:cSld>
@@ -1038,7 +1038,7 @@
               <a:pPr>
                 <a:defRPr/>
               </a:pPr>
-              <a:t>11</a:t>
+              <a:t>12</a:t>
             </a:fld>
             <a:endParaRPr lang="en-US" altLang="zh-CN"/>
           </a:p>
@@ -1047,7 +1047,7 @@
     </p:spTree>
     <p:extLst>
       <p:ext uri="{BB962C8B-B14F-4D97-AF65-F5344CB8AC3E}">
-        <p14:creationId xmlns:p14="http://schemas.microsoft.com/office/powerpoint/2010/main" val="939525286"/>
+        <p14:creationId xmlns:p14="http://schemas.microsoft.com/office/powerpoint/2010/main" val="1381437362"/>
       </p:ext>
     </p:extLst>
   </p:cSld>
@@ -2062,7 +2062,7 @@
           <a:bodyPr/>
           <a:lstStyle/>
           <a:p>
-            <a:endParaRPr lang="en-US" dirty="0"/>
+            <a:endParaRPr lang="en-CA" dirty="0"/>
           </a:p>
         </p:txBody>
       </p:sp>
@@ -2098,7 +2098,7 @@
     </p:spTree>
     <p:extLst>
       <p:ext uri="{BB962C8B-B14F-4D97-AF65-F5344CB8AC3E}">
-        <p14:creationId xmlns:p14="http://schemas.microsoft.com/office/powerpoint/2010/main" val="2273474938"/>
+        <p14:creationId xmlns:p14="http://schemas.microsoft.com/office/powerpoint/2010/main" val="3363797125"/>
       </p:ext>
     </p:extLst>
   </p:cSld>
@@ -2188,7 +2188,7 @@
     </p:spTree>
     <p:extLst>
       <p:ext uri="{BB962C8B-B14F-4D97-AF65-F5344CB8AC3E}">
-        <p14:creationId xmlns:p14="http://schemas.microsoft.com/office/powerpoint/2010/main" val="3363797125"/>
+        <p14:creationId xmlns:p14="http://schemas.microsoft.com/office/powerpoint/2010/main" val="1391146807"/>
       </p:ext>
     </p:extLst>
   </p:cSld>
@@ -2278,7 +2278,7 @@
     </p:spTree>
     <p:extLst>
       <p:ext uri="{BB962C8B-B14F-4D97-AF65-F5344CB8AC3E}">
-        <p14:creationId xmlns:p14="http://schemas.microsoft.com/office/powerpoint/2010/main" val="1391146807"/>
+        <p14:creationId xmlns:p14="http://schemas.microsoft.com/office/powerpoint/2010/main" val="1667011172"/>
       </p:ext>
     </p:extLst>
   </p:cSld>
@@ -5899,8 +5899,8 @@
         </p:nvSpPr>
         <p:spPr>
           <a:xfrm>
-            <a:off x="0" y="0"/>
-            <a:ext cx="9144000" cy="640642"/>
+            <a:off x="457200" y="0"/>
+            <a:ext cx="8229600" cy="857250"/>
           </a:xfrm>
         </p:spPr>
         <p:txBody>
@@ -5915,24 +5915,143 @@
                 <a:latin typeface="Calibri Light" panose="020F0302020204030204" pitchFamily="34" charset="0"/>
                 <a:cs typeface="Calibri Light" panose="020F0302020204030204" pitchFamily="34" charset="0"/>
               </a:rPr>
-              <a:t>SRv6 with Timestamp and Forward SID Function</a:t>
-            </a:r>
-          </a:p>
-        </p:txBody>
-      </p:sp>
-      <p:sp>
-        <p:nvSpPr>
-          <p:cNvPr id="4" name="Footer Placeholder 3"/>
+              <a:t>ECMP Support for SR Paths</a:t>
+            </a:r>
+          </a:p>
+        </p:txBody>
+      </p:sp>
+      <p:sp>
+        <p:nvSpPr>
+          <p:cNvPr id="3" name="Content Placeholder 2"/>
           <p:cNvSpPr>
             <a:spLocks noGrp="1"/>
           </p:cNvSpPr>
           <p:nvPr>
-            <p:ph type="ftr" sz="quarter" idx="11"/>
+            <p:ph idx="1"/>
           </p:nvPr>
         </p:nvSpPr>
         <p:spPr>
           <a:xfrm>
-            <a:off x="2836126" y="4786312"/>
+            <a:off x="419100" y="912200"/>
+            <a:ext cx="8305800" cy="3564549"/>
+          </a:xfrm>
+        </p:spPr>
+        <p:txBody>
+          <a:bodyPr/>
+          <a:lstStyle/>
+          <a:p>
+            <a:pPr>
+              <a:lnSpc>
+                <a:spcPts val="2280"/>
+              </a:lnSpc>
+              <a:spcBef>
+                <a:spcPts val="0"/>
+              </a:spcBef>
+            </a:pPr>
+            <a:r>
+              <a:rPr lang="en-US" sz="1600" dirty="0"/>
+              <a:t>SR Paths can have ECMPs between the ingress and transit nodes, between transit nodes and between transit and egress nodes.</a:t>
+            </a:r>
+          </a:p>
+          <a:p>
+            <a:pPr>
+              <a:lnSpc>
+                <a:spcPts val="2280"/>
+              </a:lnSpc>
+              <a:spcBef>
+                <a:spcPts val="0"/>
+              </a:spcBef>
+            </a:pPr>
+            <a:r>
+              <a:rPr lang="en-US" sz="1600" dirty="0"/>
+              <a:t>PM probe messages can take advantage of the hashing function in forwarding plane to explore ECMP paths.</a:t>
+            </a:r>
+          </a:p>
+          <a:p>
+            <a:pPr>
+              <a:lnSpc>
+                <a:spcPts val="2280"/>
+              </a:lnSpc>
+              <a:spcBef>
+                <a:spcPts val="0"/>
+              </a:spcBef>
+            </a:pPr>
+            <a:r>
+              <a:rPr lang="en-US" sz="1600" dirty="0"/>
+              <a:t>Existing forwarding mechanisms are applicable to PM probe messages. Examples are:</a:t>
+            </a:r>
+          </a:p>
+          <a:p>
+            <a:pPr lvl="1">
+              <a:lnSpc>
+                <a:spcPts val="2280"/>
+              </a:lnSpc>
+              <a:spcBef>
+                <a:spcPts val="0"/>
+              </a:spcBef>
+            </a:pPr>
+            <a:r>
+              <a:rPr lang="en-US" sz="1600" dirty="0"/>
+              <a:t>For IPv4 when return path is also SR-MPLS</a:t>
+            </a:r>
+          </a:p>
+          <a:p>
+            <a:pPr lvl="2">
+              <a:lnSpc>
+                <a:spcPts val="2280"/>
+              </a:lnSpc>
+              <a:spcBef>
+                <a:spcPts val="0"/>
+              </a:spcBef>
+            </a:pPr>
+            <a:r>
+              <a:rPr lang="en-US" sz="1600" dirty="0"/>
+              <a:t>Sweeping destination address in IPv4 header (e.g. 127/8)</a:t>
+            </a:r>
+          </a:p>
+          <a:p>
+            <a:pPr lvl="1">
+              <a:lnSpc>
+                <a:spcPts val="2280"/>
+              </a:lnSpc>
+              <a:spcBef>
+                <a:spcPts val="0"/>
+              </a:spcBef>
+            </a:pPr>
+            <a:r>
+              <a:rPr lang="en-US" sz="1600" dirty="0"/>
+              <a:t>For IPv6</a:t>
+            </a:r>
+          </a:p>
+          <a:p>
+            <a:pPr lvl="2">
+              <a:lnSpc>
+                <a:spcPts val="2280"/>
+              </a:lnSpc>
+              <a:spcBef>
+                <a:spcPts val="0"/>
+              </a:spcBef>
+            </a:pPr>
+            <a:r>
+              <a:rPr lang="en-US" sz="1600" dirty="0"/>
+              <a:t>Sweeping flow label in IPv6 header</a:t>
+            </a:r>
+          </a:p>
+        </p:txBody>
+      </p:sp>
+      <p:sp>
+        <p:nvSpPr>
+          <p:cNvPr id="4" name="Footer Placeholder 3"/>
+          <p:cNvSpPr>
+            <a:spLocks noGrp="1"/>
+          </p:cNvSpPr>
+          <p:nvPr>
+            <p:ph type="ftr" sz="quarter" idx="11"/>
+          </p:nvPr>
+        </p:nvSpPr>
+        <p:spPr>
+          <a:xfrm>
+            <a:off x="3124200" y="4786312"/>
             <a:ext cx="2895600" cy="357188"/>
           </a:xfrm>
         </p:spPr>
@@ -5976,374 +6095,10 @@
           </a:p>
         </p:txBody>
       </p:sp>
-      <p:sp>
-        <p:nvSpPr>
-          <p:cNvPr id="6" name="Rectangle 5">
-            <a:extLst>
-              <a:ext uri="{FF2B5EF4-FFF2-40B4-BE49-F238E27FC236}">
-                <a16:creationId xmlns:a16="http://schemas.microsoft.com/office/drawing/2014/main" id="{4C15A4CE-6545-5142-97A8-EDA8B07CB60B}"/>
-              </a:ext>
-            </a:extLst>
-          </p:cNvPr>
-          <p:cNvSpPr/>
-          <p:nvPr/>
-        </p:nvSpPr>
-        <p:spPr>
-          <a:xfrm>
-            <a:off x="381000" y="666750"/>
-            <a:ext cx="4643034" cy="3831818"/>
-          </a:xfrm>
-          <a:prstGeom prst="rect">
-            <a:avLst/>
-          </a:prstGeom>
-          <a:solidFill>
-            <a:schemeClr val="accent6">
-              <a:lumMod val="20000"/>
-              <a:lumOff val="80000"/>
-            </a:schemeClr>
-          </a:solidFill>
-        </p:spPr>
-        <p:txBody>
-          <a:bodyPr wrap="square">
-            <a:spAutoFit/>
-          </a:bodyPr>
-          <a:lstStyle/>
-          <a:p>
-            <a:r>
-              <a:rPr lang="en-CA" sz="900" dirty="0">
-                <a:latin typeface="Courier" pitchFamily="2" charset="0"/>
-              </a:rPr>
-              <a:t>+---------------------------------------------------------------+</a:t>
-            </a:r>
-          </a:p>
-          <a:p>
-            <a:r>
-              <a:rPr lang="en-CA" sz="900" dirty="0">
-                <a:latin typeface="Courier" pitchFamily="2" charset="0"/>
-              </a:rPr>
-              <a:t>| IP Header                                                     |</a:t>
-            </a:r>
-          </a:p>
-          <a:p>
-            <a:r>
-              <a:rPr lang="en-CA" sz="900" dirty="0">
-                <a:latin typeface="Courier" pitchFamily="2" charset="0"/>
-              </a:rPr>
-              <a:t>.  Source IP Address = Sender IPv6 Address                      .</a:t>
-            </a:r>
-          </a:p>
-          <a:p>
-            <a:r>
-              <a:rPr lang="en-CA" sz="900" dirty="0">
-                <a:latin typeface="Courier" pitchFamily="2" charset="0"/>
-              </a:rPr>
-              <a:t>.  Destination IP Address = Destination IPv6 Address            .</a:t>
-            </a:r>
-          </a:p>
-          <a:p>
-            <a:r>
-              <a:rPr lang="en-CA" sz="900" dirty="0">
-                <a:latin typeface="Courier" pitchFamily="2" charset="0"/>
-              </a:rPr>
-              <a:t>.                                                               .</a:t>
-            </a:r>
-          </a:p>
-          <a:p>
-            <a:r>
-              <a:rPr lang="en-CA" sz="900" dirty="0">
-                <a:latin typeface="Courier" pitchFamily="2" charset="0"/>
-              </a:rPr>
-              <a:t>+---------------------------------------------------------------+</a:t>
-            </a:r>
-          </a:p>
-          <a:p>
-            <a:r>
-              <a:rPr lang="en-CA" sz="900" dirty="0">
-                <a:latin typeface="Courier" pitchFamily="2" charset="0"/>
-              </a:rPr>
-              <a:t>| SRH as specified in RFC 8754                                  |</a:t>
-            </a:r>
-          </a:p>
-          <a:p>
-            <a:r>
-              <a:rPr lang="en-CA" sz="900" dirty="0">
-                <a:latin typeface="Courier" pitchFamily="2" charset="0"/>
-              </a:rPr>
-              <a:t>.  &lt;Segment List&gt;                                               .</a:t>
-            </a:r>
-          </a:p>
-          <a:p>
-            <a:r>
-              <a:rPr lang="en-CA" sz="900" dirty="0">
-                <a:latin typeface="Courier" pitchFamily="2" charset="0"/>
-              </a:rPr>
-              <a:t>.  </a:t>
-            </a:r>
-            <a:r>
-              <a:rPr lang="en-CA" sz="900" dirty="0" err="1">
-                <a:latin typeface="Courier" pitchFamily="2" charset="0"/>
-              </a:rPr>
-              <a:t>End.TSF</a:t>
-            </a:r>
-            <a:r>
-              <a:rPr lang="en-CA" sz="900" dirty="0">
-                <a:latin typeface="Courier" pitchFamily="2" charset="0"/>
-              </a:rPr>
-              <a:t> with Reflector SID                                   .</a:t>
-            </a:r>
-          </a:p>
-          <a:p>
-            <a:r>
-              <a:rPr lang="en-CA" sz="900" dirty="0">
-                <a:latin typeface="Courier" pitchFamily="2" charset="0"/>
-              </a:rPr>
-              <a:t>.                                                               .</a:t>
-            </a:r>
-          </a:p>
-          <a:p>
-            <a:r>
-              <a:rPr lang="en-CA" sz="900" dirty="0">
-                <a:latin typeface="Courier" pitchFamily="2" charset="0"/>
-              </a:rPr>
-              <a:t>+---------------------------------------------------------------+</a:t>
-            </a:r>
-          </a:p>
-          <a:p>
-            <a:r>
-              <a:rPr lang="en-CA" sz="900" dirty="0">
-                <a:latin typeface="Courier" pitchFamily="2" charset="0"/>
-              </a:rPr>
-              <a:t>| IP Header                                                     |</a:t>
-            </a:r>
-          </a:p>
-          <a:p>
-            <a:r>
-              <a:rPr lang="en-CA" sz="900" dirty="0">
-                <a:latin typeface="Courier" pitchFamily="2" charset="0"/>
-              </a:rPr>
-              <a:t>.  Source IP Address = </a:t>
-            </a:r>
-            <a:r>
-              <a:rPr lang="en-CA" sz="900" b="1" dirty="0">
-                <a:latin typeface="Courier" pitchFamily="2" charset="0"/>
-              </a:rPr>
-              <a:t>Reflector</a:t>
-            </a:r>
-            <a:r>
-              <a:rPr lang="en-CA" sz="900" dirty="0">
-                <a:latin typeface="Courier" pitchFamily="2" charset="0"/>
-              </a:rPr>
-              <a:t> IPv6 Address                   .</a:t>
-            </a:r>
-          </a:p>
-          <a:p>
-            <a:r>
-              <a:rPr lang="en-CA" sz="900" dirty="0">
-                <a:latin typeface="Courier" pitchFamily="2" charset="0"/>
-              </a:rPr>
-              <a:t>.  Destination IP Address = </a:t>
-            </a:r>
-            <a:r>
-              <a:rPr lang="en-CA" sz="900" b="1" dirty="0">
-                <a:latin typeface="Courier" pitchFamily="2" charset="0"/>
-              </a:rPr>
-              <a:t>Sender</a:t>
-            </a:r>
-            <a:r>
-              <a:rPr lang="en-CA" sz="900" dirty="0">
-                <a:latin typeface="Courier" pitchFamily="2" charset="0"/>
-              </a:rPr>
-              <a:t> IPv6 Address                 .</a:t>
-            </a:r>
-          </a:p>
-          <a:p>
-            <a:r>
-              <a:rPr lang="en-CA" sz="900" dirty="0">
-                <a:latin typeface="Courier" pitchFamily="2" charset="0"/>
-              </a:rPr>
-              <a:t>.                                                               .</a:t>
-            </a:r>
-          </a:p>
-          <a:p>
-            <a:r>
-              <a:rPr lang="en-CA" sz="900" dirty="0">
-                <a:latin typeface="Courier" pitchFamily="2" charset="0"/>
-              </a:rPr>
-              <a:t>+---------------------------------------------------------------+</a:t>
-            </a:r>
-          </a:p>
-          <a:p>
-            <a:r>
-              <a:rPr lang="en-CA" sz="900" dirty="0">
-                <a:latin typeface="Courier" pitchFamily="2" charset="0"/>
-              </a:rPr>
-              <a:t>| UDP Header                                                    |</a:t>
-            </a:r>
-          </a:p>
-          <a:p>
-            <a:r>
-              <a:rPr lang="en-CA" sz="900" dirty="0">
-                <a:latin typeface="Courier" pitchFamily="2" charset="0"/>
-              </a:rPr>
-              <a:t>.  Source Port = As chosen by Sender                            . </a:t>
-            </a:r>
-          </a:p>
-          <a:p>
-            <a:r>
-              <a:rPr lang="en-CA" sz="900" dirty="0">
-                <a:latin typeface="Courier" pitchFamily="2" charset="0"/>
-              </a:rPr>
-              <a:t>.  Destination Port = As chosen by Sender                       .</a:t>
-            </a:r>
-          </a:p>
-          <a:p>
-            <a:r>
-              <a:rPr lang="en-CA" sz="900" dirty="0">
-                <a:latin typeface="Courier" pitchFamily="2" charset="0"/>
-              </a:rPr>
-              <a:t>.                                                               .</a:t>
-            </a:r>
-          </a:p>
-          <a:p>
-            <a:r>
-              <a:rPr lang="en-CA" sz="900" dirty="0">
-                <a:latin typeface="Courier" pitchFamily="2" charset="0"/>
-              </a:rPr>
-              <a:t>+---------------------------------------------------------------+</a:t>
-            </a:r>
-          </a:p>
-          <a:p>
-            <a:r>
-              <a:rPr lang="en-CA" sz="900" dirty="0">
-                <a:latin typeface="Courier" pitchFamily="2" charset="0"/>
-              </a:rPr>
-              <a:t>| Payload                                                       |</a:t>
-            </a:r>
-          </a:p>
-          <a:p>
-            <a:r>
-              <a:rPr lang="en-CA" sz="900" dirty="0">
-                <a:latin typeface="Courier" pitchFamily="2" charset="0"/>
-              </a:rPr>
-              <a:t>.                                                               .</a:t>
-            </a:r>
-          </a:p>
-          <a:p>
-            <a:r>
-              <a:rPr lang="en-CA" sz="900" dirty="0">
-                <a:latin typeface="Courier" pitchFamily="2" charset="0"/>
-              </a:rPr>
-              <a:t>+---------------------------------------------------------------+</a:t>
-            </a:r>
-          </a:p>
-          <a:p>
-            <a:r>
-              <a:rPr lang="en-CA" sz="900" dirty="0">
-                <a:latin typeface="Courier" pitchFamily="2" charset="0"/>
-              </a:rPr>
-              <a:t> </a:t>
-            </a:r>
-          </a:p>
-          <a:p>
-            <a:r>
-              <a:rPr lang="en-CA" sz="900" dirty="0">
-                <a:latin typeface="Courier" pitchFamily="2" charset="0"/>
-              </a:rPr>
-              <a:t>      Example Probe Message with Endpoint Function for SRv6</a:t>
-            </a:r>
-            <a:endParaRPr lang="en-US" sz="900" dirty="0">
-              <a:latin typeface="Courier" pitchFamily="2" charset="0"/>
-            </a:endParaRPr>
-          </a:p>
-        </p:txBody>
-      </p:sp>
-      <p:sp>
-        <p:nvSpPr>
-          <p:cNvPr id="8" name="Content Placeholder 7">
-            <a:extLst>
-              <a:ext uri="{FF2B5EF4-FFF2-40B4-BE49-F238E27FC236}">
-                <a16:creationId xmlns:a16="http://schemas.microsoft.com/office/drawing/2014/main" id="{FC6E1890-536D-9D49-8207-C42BBF301FF3}"/>
-              </a:ext>
-            </a:extLst>
-          </p:cNvPr>
-          <p:cNvSpPr>
-            <a:spLocks noGrp="1"/>
-          </p:cNvSpPr>
-          <p:nvPr>
-            <p:ph idx="1"/>
-          </p:nvPr>
-        </p:nvSpPr>
-        <p:spPr>
-          <a:xfrm>
-            <a:off x="5135688" y="933449"/>
-            <a:ext cx="3678973" cy="3276600"/>
-          </a:xfrm>
-        </p:spPr>
-        <p:txBody>
-          <a:bodyPr/>
-          <a:lstStyle/>
-          <a:p>
-            <a:r>
-              <a:rPr lang="en-US" sz="1400" dirty="0"/>
-              <a:t>Endpoint SID Function </a:t>
-            </a:r>
-            <a:r>
-              <a:rPr lang="en-US" sz="1400" dirty="0" err="1"/>
-              <a:t>End.TSF</a:t>
-            </a:r>
-            <a:r>
-              <a:rPr lang="en-US" sz="1400" dirty="0"/>
-              <a:t> is defined for Timestamp and Forward network programming and is carried for the Reflector node SID</a:t>
-            </a:r>
-          </a:p>
-          <a:p>
-            <a:r>
-              <a:rPr lang="en-US" sz="1400" dirty="0"/>
-              <a:t>Reverse path can be IP</a:t>
-            </a:r>
-          </a:p>
-          <a:p>
-            <a:pPr lvl="1"/>
-            <a:r>
-              <a:rPr lang="en-US" sz="1400" dirty="0"/>
-              <a:t>Reflector node removes SRH</a:t>
-            </a:r>
-          </a:p>
-          <a:p>
-            <a:r>
-              <a:rPr lang="en-US" sz="1400" dirty="0"/>
-              <a:t>Reverse path can be SR</a:t>
-            </a:r>
-          </a:p>
-          <a:p>
-            <a:pPr lvl="1"/>
-            <a:r>
-              <a:rPr lang="en-US" sz="1400" dirty="0"/>
-              <a:t>Reverse direction SR path Segment-list carried in SRH</a:t>
-            </a:r>
-          </a:p>
-          <a:p>
-            <a:pPr lvl="1"/>
-            <a:r>
-              <a:rPr lang="en-US" sz="1400" dirty="0"/>
-              <a:t>Reflector node does not remove the SRH</a:t>
-            </a:r>
-          </a:p>
-          <a:p>
-            <a:r>
-              <a:rPr lang="en-US" sz="1400" dirty="0"/>
-              <a:t>Source and Destination Addresses are swapped that represent the Reverse direction path in the inner IPv6 header</a:t>
-            </a:r>
-          </a:p>
-          <a:p>
-            <a:endParaRPr lang="en-US" sz="1400" dirty="0"/>
-          </a:p>
-        </p:txBody>
-      </p:sp>
     </p:spTree>
     <p:extLst>
       <p:ext uri="{BB962C8B-B14F-4D97-AF65-F5344CB8AC3E}">
-        <p14:creationId xmlns:p14="http://schemas.microsoft.com/office/powerpoint/2010/main" val="3310436608"/>
+        <p14:creationId xmlns:p14="http://schemas.microsoft.com/office/powerpoint/2010/main" val="3637512675"/>
       </p:ext>
     </p:extLst>
   </p:cSld>
@@ -6372,7 +6127,13 @@
       </p:grpSpPr>
       <p:sp>
         <p:nvSpPr>
-          <p:cNvPr id="2" name="Title 1"/>
+          <p:cNvPr id="2" name="Title 1">
+            <a:extLst>
+              <a:ext uri="{FF2B5EF4-FFF2-40B4-BE49-F238E27FC236}">
+                <a16:creationId xmlns:a16="http://schemas.microsoft.com/office/drawing/2014/main" id="{9A6F4236-AC14-394A-A36C-F2BD8CED3237}"/>
+              </a:ext>
+            </a:extLst>
+          </p:cNvPr>
           <p:cNvSpPr>
             <a:spLocks noGrp="1"/>
           </p:cNvSpPr>
@@ -6382,8 +6143,8 @@
         </p:nvSpPr>
         <p:spPr>
           <a:xfrm>
-            <a:off x="457200" y="0"/>
-            <a:ext cx="8229600" cy="857250"/>
+            <a:off x="457200" y="-19050"/>
+            <a:ext cx="8229600" cy="753591"/>
           </a:xfrm>
         </p:spPr>
         <p:txBody>
@@ -6398,143 +6159,30 @@
                 <a:latin typeface="Calibri Light" panose="020F0302020204030204" pitchFamily="34" charset="0"/>
                 <a:cs typeface="Calibri Light" panose="020F0302020204030204" pitchFamily="34" charset="0"/>
               </a:rPr>
-              <a:t>ECMP Support for SR Paths</a:t>
-            </a:r>
-          </a:p>
-        </p:txBody>
-      </p:sp>
-      <p:sp>
-        <p:nvSpPr>
-          <p:cNvPr id="3" name="Content Placeholder 2"/>
+              <a:t>Example Provisioning Model</a:t>
+            </a:r>
+          </a:p>
+        </p:txBody>
+      </p:sp>
+      <p:sp>
+        <p:nvSpPr>
+          <p:cNvPr id="4" name="Footer Placeholder 3">
+            <a:extLst>
+              <a:ext uri="{FF2B5EF4-FFF2-40B4-BE49-F238E27FC236}">
+                <a16:creationId xmlns:a16="http://schemas.microsoft.com/office/drawing/2014/main" id="{643D160E-CC3C-EB46-A6F1-43B8E2996F46}"/>
+              </a:ext>
+            </a:extLst>
+          </p:cNvPr>
           <p:cNvSpPr>
             <a:spLocks noGrp="1"/>
           </p:cNvSpPr>
           <p:nvPr>
-            <p:ph idx="1"/>
+            <p:ph type="ftr" sz="quarter" idx="11"/>
           </p:nvPr>
         </p:nvSpPr>
         <p:spPr>
           <a:xfrm>
-            <a:off x="419100" y="912200"/>
-            <a:ext cx="8305800" cy="3564549"/>
-          </a:xfrm>
-        </p:spPr>
-        <p:txBody>
-          <a:bodyPr/>
-          <a:lstStyle/>
-          <a:p>
-            <a:pPr>
-              <a:lnSpc>
-                <a:spcPts val="2280"/>
-              </a:lnSpc>
-              <a:spcBef>
-                <a:spcPts val="0"/>
-              </a:spcBef>
-            </a:pPr>
-            <a:r>
-              <a:rPr lang="en-US" sz="1600" dirty="0"/>
-              <a:t>SR Paths can have ECMP between the ingress and transit nodes, between transit nodes and between transit and egress nodes.</a:t>
-            </a:r>
-          </a:p>
-          <a:p>
-            <a:pPr>
-              <a:lnSpc>
-                <a:spcPts val="2280"/>
-              </a:lnSpc>
-              <a:spcBef>
-                <a:spcPts val="0"/>
-              </a:spcBef>
-            </a:pPr>
-            <a:r>
-              <a:rPr lang="en-US" sz="1600" dirty="0"/>
-              <a:t>PM probe messages can take advantage of the hashing function in forwarding plane.</a:t>
-            </a:r>
-          </a:p>
-          <a:p>
-            <a:pPr>
-              <a:lnSpc>
-                <a:spcPts val="2280"/>
-              </a:lnSpc>
-              <a:spcBef>
-                <a:spcPts val="0"/>
-              </a:spcBef>
-            </a:pPr>
-            <a:r>
-              <a:rPr lang="en-US" sz="1600" dirty="0"/>
-              <a:t>Existing forwarding mechanisms are applicable to PM probe messages. Examples are:</a:t>
-            </a:r>
-          </a:p>
-          <a:p>
-            <a:pPr lvl="1">
-              <a:lnSpc>
-                <a:spcPts val="2280"/>
-              </a:lnSpc>
-              <a:spcBef>
-                <a:spcPts val="0"/>
-              </a:spcBef>
-            </a:pPr>
-            <a:r>
-              <a:rPr lang="en-US" sz="1600" dirty="0"/>
-              <a:t>For IPv4 when return path is also SR-MPLS</a:t>
-            </a:r>
-          </a:p>
-          <a:p>
-            <a:pPr lvl="2">
-              <a:lnSpc>
-                <a:spcPts val="2280"/>
-              </a:lnSpc>
-              <a:spcBef>
-                <a:spcPts val="0"/>
-              </a:spcBef>
-            </a:pPr>
-            <a:r>
-              <a:rPr lang="en-US" sz="1600" dirty="0"/>
-              <a:t>Sweeping destination address in IPv4 header (e.g. 127/8)</a:t>
-            </a:r>
-          </a:p>
-          <a:p>
-            <a:pPr lvl="1">
-              <a:lnSpc>
-                <a:spcPts val="2280"/>
-              </a:lnSpc>
-              <a:spcBef>
-                <a:spcPts val="0"/>
-              </a:spcBef>
-            </a:pPr>
-            <a:r>
-              <a:rPr lang="en-US" sz="1600" dirty="0"/>
-              <a:t>For IPv6</a:t>
-            </a:r>
-          </a:p>
-          <a:p>
-            <a:pPr lvl="2">
-              <a:lnSpc>
-                <a:spcPts val="2280"/>
-              </a:lnSpc>
-              <a:spcBef>
-                <a:spcPts val="0"/>
-              </a:spcBef>
-            </a:pPr>
-            <a:r>
-              <a:rPr lang="en-US" sz="1600" dirty="0"/>
-              <a:t>Sweeping flow label in IPv6 header</a:t>
-            </a:r>
-          </a:p>
-        </p:txBody>
-      </p:sp>
-      <p:sp>
-        <p:nvSpPr>
-          <p:cNvPr id="4" name="Footer Placeholder 3"/>
-          <p:cNvSpPr>
-            <a:spLocks noGrp="1"/>
-          </p:cNvSpPr>
-          <p:nvPr>
-            <p:ph type="ftr" sz="quarter" idx="11"/>
-          </p:nvPr>
-        </p:nvSpPr>
-        <p:spPr>
-          <a:xfrm>
-            <a:off x="3124200" y="4786312"/>
+            <a:off x="3124200" y="4841881"/>
             <a:ext cx="2895600" cy="357188"/>
           </a:xfrm>
         </p:spPr>
@@ -6551,7 +6199,13 @@
       </p:sp>
       <p:sp>
         <p:nvSpPr>
-          <p:cNvPr id="5" name="Slide Number Placeholder 4"/>
+          <p:cNvPr id="5" name="Slide Number Placeholder 4">
+            <a:extLst>
+              <a:ext uri="{FF2B5EF4-FFF2-40B4-BE49-F238E27FC236}">
+                <a16:creationId xmlns:a16="http://schemas.microsoft.com/office/drawing/2014/main" id="{A8B868AE-B105-7547-A646-14FCDF91C2DD}"/>
+              </a:ext>
+            </a:extLst>
+          </p:cNvPr>
           <p:cNvSpPr>
             <a:spLocks noGrp="1"/>
           </p:cNvSpPr>
@@ -6578,10 +6232,313 @@
           </a:p>
         </p:txBody>
       </p:sp>
+      <p:sp>
+        <p:nvSpPr>
+          <p:cNvPr id="7" name="Rectangle 6">
+            <a:extLst>
+              <a:ext uri="{FF2B5EF4-FFF2-40B4-BE49-F238E27FC236}">
+                <a16:creationId xmlns:a16="http://schemas.microsoft.com/office/drawing/2014/main" id="{AA6E66CA-28BC-2C4A-BC04-4600D8FEBF3B}"/>
+              </a:ext>
+            </a:extLst>
+          </p:cNvPr>
+          <p:cNvSpPr/>
+          <p:nvPr/>
+        </p:nvSpPr>
+        <p:spPr>
+          <a:xfrm>
+            <a:off x="1676400" y="698009"/>
+            <a:ext cx="5905500" cy="3931141"/>
+          </a:xfrm>
+          <a:prstGeom prst="rect">
+            <a:avLst/>
+          </a:prstGeom>
+          <a:solidFill>
+            <a:schemeClr val="accent6">
+              <a:lumMod val="20000"/>
+              <a:lumOff val="80000"/>
+            </a:schemeClr>
+          </a:solidFill>
+        </p:spPr>
+        <p:txBody>
+          <a:bodyPr wrap="square">
+            <a:spAutoFit/>
+          </a:bodyPr>
+          <a:lstStyle/>
+          <a:p>
+            <a:pPr>
+              <a:lnSpc>
+                <a:spcPts val="1540"/>
+              </a:lnSpc>
+            </a:pPr>
+            <a:r>
+              <a:rPr lang="en-CA" sz="1050" dirty="0">
+                <a:latin typeface="Courier" pitchFamily="2" charset="0"/>
+              </a:rPr>
+              <a:t>                               +------------+</a:t>
+            </a:r>
+          </a:p>
+          <a:p>
+            <a:pPr>
+              <a:lnSpc>
+                <a:spcPts val="1540"/>
+              </a:lnSpc>
+            </a:pPr>
+            <a:r>
+              <a:rPr lang="en-CA" sz="1050" dirty="0">
+                <a:latin typeface="Courier" pitchFamily="2" charset="0"/>
+              </a:rPr>
+              <a:t>                               | Controller |</a:t>
+            </a:r>
+          </a:p>
+          <a:p>
+            <a:pPr>
+              <a:lnSpc>
+                <a:spcPts val="1540"/>
+              </a:lnSpc>
+            </a:pPr>
+            <a:r>
+              <a:rPr lang="en-CA" sz="1050" dirty="0">
+                <a:latin typeface="Courier" pitchFamily="2" charset="0"/>
+              </a:rPr>
+              <a:t>                               +------------+</a:t>
+            </a:r>
+          </a:p>
+          <a:p>
+            <a:pPr>
+              <a:lnSpc>
+                <a:spcPts val="1540"/>
+              </a:lnSpc>
+            </a:pPr>
+            <a:r>
+              <a:rPr lang="en-CA" sz="1050" dirty="0">
+                <a:latin typeface="Courier" pitchFamily="2" charset="0"/>
+              </a:rPr>
+              <a:t>     PDLM Mode                     /    \      Timestamp Label/SRv6 EP</a:t>
+            </a:r>
+          </a:p>
+          <a:p>
+            <a:pPr>
+              <a:lnSpc>
+                <a:spcPts val="1540"/>
+              </a:lnSpc>
+            </a:pPr>
+            <a:r>
+              <a:rPr lang="en-CA" sz="1050" dirty="0">
+                <a:latin typeface="Courier" pitchFamily="2" charset="0"/>
+              </a:rPr>
+              <a:t>       LB or Enhanced Mode        /      \       Timestamp2 Offset</a:t>
+            </a:r>
+          </a:p>
+          <a:p>
+            <a:pPr>
+              <a:lnSpc>
+                <a:spcPts val="1540"/>
+              </a:lnSpc>
+            </a:pPr>
+            <a:r>
+              <a:rPr lang="en-CA" sz="1050" dirty="0">
+                <a:latin typeface="Courier" pitchFamily="2" charset="0"/>
+              </a:rPr>
+              <a:t>     Message Format              /        \      Timestamp Format</a:t>
+            </a:r>
+          </a:p>
+          <a:p>
+            <a:pPr>
+              <a:lnSpc>
+                <a:spcPts val="1540"/>
+              </a:lnSpc>
+            </a:pPr>
+            <a:r>
+              <a:rPr lang="en-CA" sz="1050" dirty="0">
+                <a:latin typeface="Courier" pitchFamily="2" charset="0"/>
+              </a:rPr>
+              <a:t>     Missed Probe Message Count /          \</a:t>
+            </a:r>
+          </a:p>
+          <a:p>
+            <a:pPr>
+              <a:lnSpc>
+                <a:spcPts val="1540"/>
+              </a:lnSpc>
+            </a:pPr>
+            <a:r>
+              <a:rPr lang="en-CA" sz="1050" dirty="0">
+                <a:latin typeface="Courier" pitchFamily="2" charset="0"/>
+              </a:rPr>
+              <a:t>     Timestamp Label/SRv6 EP   /            \</a:t>
+            </a:r>
+          </a:p>
+          <a:p>
+            <a:pPr>
+              <a:lnSpc>
+                <a:spcPts val="1540"/>
+              </a:lnSpc>
+            </a:pPr>
+            <a:r>
+              <a:rPr lang="en-CA" sz="1050" dirty="0">
+                <a:latin typeface="Courier" pitchFamily="2" charset="0"/>
+              </a:rPr>
+              <a:t>       Timestamp Format       /              \</a:t>
+            </a:r>
+          </a:p>
+          <a:p>
+            <a:pPr>
+              <a:lnSpc>
+                <a:spcPts val="1540"/>
+              </a:lnSpc>
+            </a:pPr>
+            <a:r>
+              <a:rPr lang="en-CA" sz="1050" dirty="0">
+                <a:latin typeface="Courier" pitchFamily="2" charset="0"/>
+              </a:rPr>
+              <a:t>     Delay threshold/Count   /                \</a:t>
+            </a:r>
+          </a:p>
+          <a:p>
+            <a:pPr>
+              <a:lnSpc>
+                <a:spcPts val="1540"/>
+              </a:lnSpc>
+            </a:pPr>
+            <a:r>
+              <a:rPr lang="en-CA" sz="1050" dirty="0">
+                <a:latin typeface="Courier" pitchFamily="2" charset="0"/>
+              </a:rPr>
+              <a:t>     Source/</a:t>
+            </a:r>
+            <a:r>
+              <a:rPr lang="en-CA" sz="1050" dirty="0" err="1">
+                <a:latin typeface="Courier" pitchFamily="2" charset="0"/>
+              </a:rPr>
+              <a:t>Dest</a:t>
+            </a:r>
+            <a:r>
+              <a:rPr lang="en-CA" sz="1050" dirty="0">
+                <a:latin typeface="Courier" pitchFamily="2" charset="0"/>
+              </a:rPr>
+              <a:t> UDP Ports  /                  \</a:t>
+            </a:r>
+          </a:p>
+          <a:p>
+            <a:pPr>
+              <a:lnSpc>
+                <a:spcPts val="1540"/>
+              </a:lnSpc>
+            </a:pPr>
+            <a:r>
+              <a:rPr lang="en-CA" sz="1050" dirty="0">
+                <a:latin typeface="Courier" pitchFamily="2" charset="0"/>
+              </a:rPr>
+              <a:t>                           v                    v</a:t>
+            </a:r>
+          </a:p>
+          <a:p>
+            <a:pPr>
+              <a:lnSpc>
+                <a:spcPts val="1540"/>
+              </a:lnSpc>
+            </a:pPr>
+            <a:r>
+              <a:rPr lang="en-CA" sz="1050" dirty="0">
+                <a:latin typeface="Courier" pitchFamily="2" charset="0"/>
+              </a:rPr>
+              <a:t>                       +-------+            +-------+</a:t>
+            </a:r>
+          </a:p>
+          <a:p>
+            <a:pPr>
+              <a:lnSpc>
+                <a:spcPts val="1540"/>
+              </a:lnSpc>
+            </a:pPr>
+            <a:r>
+              <a:rPr lang="en-CA" sz="1050" dirty="0">
+                <a:latin typeface="Courier" pitchFamily="2" charset="0"/>
+              </a:rPr>
+              <a:t>                       |       |            |       |</a:t>
+            </a:r>
+          </a:p>
+          <a:p>
+            <a:pPr>
+              <a:lnSpc>
+                <a:spcPts val="1540"/>
+              </a:lnSpc>
+            </a:pPr>
+            <a:r>
+              <a:rPr lang="en-CA" sz="1050" dirty="0">
+                <a:latin typeface="Courier" pitchFamily="2" charset="0"/>
+              </a:rPr>
+              <a:t>                       |   R1  |============|   R5  |</a:t>
+            </a:r>
+          </a:p>
+          <a:p>
+            <a:pPr>
+              <a:lnSpc>
+                <a:spcPts val="1540"/>
+              </a:lnSpc>
+            </a:pPr>
+            <a:r>
+              <a:rPr lang="en-CA" sz="1050" dirty="0">
+                <a:latin typeface="Courier" pitchFamily="2" charset="0"/>
+              </a:rPr>
+              <a:t>                       |       |  SR Path   |       |</a:t>
+            </a:r>
+          </a:p>
+          <a:p>
+            <a:pPr>
+              <a:lnSpc>
+                <a:spcPts val="1540"/>
+              </a:lnSpc>
+            </a:pPr>
+            <a:r>
+              <a:rPr lang="en-CA" sz="1050" dirty="0">
+                <a:latin typeface="Courier" pitchFamily="2" charset="0"/>
+              </a:rPr>
+              <a:t>                       +-------+            +-------+</a:t>
+            </a:r>
+          </a:p>
+          <a:p>
+            <a:pPr>
+              <a:lnSpc>
+                <a:spcPts val="1540"/>
+              </a:lnSpc>
+            </a:pPr>
+            <a:r>
+              <a:rPr lang="en-CA" sz="1050" dirty="0">
+                <a:latin typeface="Courier" pitchFamily="2" charset="0"/>
+              </a:rPr>
+              <a:t>                        Sender              Reflector</a:t>
+            </a:r>
+          </a:p>
+          <a:p>
+            <a:pPr>
+              <a:lnSpc>
+                <a:spcPts val="1540"/>
+              </a:lnSpc>
+            </a:pPr>
+            <a:endParaRPr lang="en-CA" sz="1050" dirty="0">
+              <a:latin typeface="Courier" pitchFamily="2" charset="0"/>
+            </a:endParaRPr>
+          </a:p>
+          <a:p>
+            <a:pPr>
+              <a:lnSpc>
+                <a:spcPts val="1540"/>
+              </a:lnSpc>
+            </a:pPr>
+            <a:r>
+              <a:rPr lang="en-CA" sz="1050" dirty="0">
+                <a:latin typeface="Courier" pitchFamily="2" charset="0"/>
+              </a:rPr>
+              <a:t>                          Example Provisioning Model</a:t>
+            </a:r>
+          </a:p>
+        </p:txBody>
+      </p:sp>
     </p:spTree>
     <p:extLst>
       <p:ext uri="{BB962C8B-B14F-4D97-AF65-F5344CB8AC3E}">
-        <p14:creationId xmlns:p14="http://schemas.microsoft.com/office/powerpoint/2010/main" val="3637512675"/>
+        <p14:creationId xmlns:p14="http://schemas.microsoft.com/office/powerpoint/2010/main" val="21907870"/>
       </p:ext>
     </p:extLst>
   </p:cSld>
@@ -6610,13 +6567,7 @@
       </p:grpSpPr>
       <p:sp>
         <p:nvSpPr>
-          <p:cNvPr id="2" name="Title 1">
-            <a:extLst>
-              <a:ext uri="{FF2B5EF4-FFF2-40B4-BE49-F238E27FC236}">
-                <a16:creationId xmlns:a16="http://schemas.microsoft.com/office/drawing/2014/main" id="{9A6F4236-AC14-394A-A36C-F2BD8CED3237}"/>
-              </a:ext>
-            </a:extLst>
-          </p:cNvPr>
+          <p:cNvPr id="2" name="Title 1"/>
           <p:cNvSpPr>
             <a:spLocks noGrp="1"/>
           </p:cNvSpPr>
@@ -6626,8 +6577,8 @@
         </p:nvSpPr>
         <p:spPr>
           <a:xfrm>
-            <a:off x="457200" y="-19050"/>
-            <a:ext cx="8229600" cy="753591"/>
+            <a:off x="57149" y="76090"/>
+            <a:ext cx="9029700" cy="710446"/>
           </a:xfrm>
         </p:spPr>
         <p:txBody>
@@ -6642,17 +6593,119 @@
                 <a:latin typeface="Calibri Light" panose="020F0302020204030204" pitchFamily="34" charset="0"/>
                 <a:cs typeface="Calibri Light" panose="020F0302020204030204" pitchFamily="34" charset="0"/>
               </a:rPr>
-              <a:t>Example Provisioning Model</a:t>
-            </a:r>
-          </a:p>
-        </p:txBody>
-      </p:sp>
-      <p:sp>
-        <p:nvSpPr>
-          <p:cNvPr id="4" name="Footer Placeholder 3">
+              <a:t>Notifications</a:t>
+            </a:r>
+          </a:p>
+        </p:txBody>
+      </p:sp>
+      <p:sp>
+        <p:nvSpPr>
+          <p:cNvPr id="4" name="Footer Placeholder 3"/>
+          <p:cNvSpPr>
+            <a:spLocks noGrp="1"/>
+          </p:cNvSpPr>
+          <p:nvPr>
+            <p:ph type="ftr" sz="quarter" idx="11"/>
+          </p:nvPr>
+        </p:nvSpPr>
+        <p:spPr>
+          <a:xfrm>
+            <a:off x="3124199" y="4786312"/>
+            <a:ext cx="2895600" cy="357188"/>
+          </a:xfrm>
+        </p:spPr>
+        <p:txBody>
+          <a:bodyPr/>
+          <a:lstStyle/>
+          <a:p>
+            <a:r>
+              <a:rPr lang="en-CA" dirty="0"/>
+              <a:t>MPLS WG Interim, September 2020</a:t>
+            </a:r>
+          </a:p>
+        </p:txBody>
+      </p:sp>
+      <p:sp>
+        <p:nvSpPr>
+          <p:cNvPr id="6" name="Content Placeholder 2"/>
+          <p:cNvSpPr>
+            <a:spLocks noGrp="1"/>
+          </p:cNvSpPr>
+          <p:nvPr>
+            <p:ph idx="1"/>
+          </p:nvPr>
+        </p:nvSpPr>
+        <p:spPr>
+          <a:xfrm>
+            <a:off x="647699" y="965020"/>
+            <a:ext cx="7848601" cy="3359330"/>
+          </a:xfrm>
+        </p:spPr>
+        <p:txBody>
+          <a:bodyPr/>
+          <a:lstStyle/>
+          <a:p>
+            <a:pPr>
+              <a:lnSpc>
+                <a:spcPts val="2180"/>
+              </a:lnSpc>
+              <a:spcBef>
+                <a:spcPts val="600"/>
+              </a:spcBef>
+            </a:pPr>
+            <a:r>
+              <a:rPr lang="en-US" sz="2000" dirty="0"/>
+              <a:t>Delay metrics are notified when consecutive M number of probe messages have delay values exceed the configured thresholds</a:t>
+            </a:r>
+          </a:p>
+          <a:p>
+            <a:pPr>
+              <a:lnSpc>
+                <a:spcPts val="2180"/>
+              </a:lnSpc>
+              <a:spcBef>
+                <a:spcPts val="600"/>
+              </a:spcBef>
+            </a:pPr>
+            <a:r>
+              <a:rPr lang="en-US" sz="2000" dirty="0"/>
+              <a:t>Liveness failure (bring-down - loss of heart beats) is notified when consecutive N number of return probe messages are not received at the sender node</a:t>
+            </a:r>
+          </a:p>
+          <a:p>
+            <a:pPr>
+              <a:lnSpc>
+                <a:spcPts val="2180"/>
+              </a:lnSpc>
+              <a:spcBef>
+                <a:spcPts val="600"/>
+              </a:spcBef>
+            </a:pPr>
+            <a:r>
+              <a:rPr lang="en-US" sz="2000" dirty="0"/>
+              <a:t>Liveness success (bring-up - success of heart beats) is notified as soon as one or more return probe messages are received at the sender node</a:t>
+            </a:r>
+            <a:endParaRPr lang="en-CA" sz="2000" dirty="0"/>
+          </a:p>
+          <a:p>
+            <a:pPr>
+              <a:lnSpc>
+                <a:spcPts val="2180"/>
+              </a:lnSpc>
+              <a:spcBef>
+                <a:spcPts val="600"/>
+              </a:spcBef>
+            </a:pPr>
+            <a:endParaRPr lang="en-US" sz="2000" dirty="0"/>
+          </a:p>
+        </p:txBody>
+      </p:sp>
+      <p:sp>
+        <p:nvSpPr>
+          <p:cNvPr id="7" name="Slide Number Placeholder 4">
             <a:extLst>
               <a:ext uri="{FF2B5EF4-FFF2-40B4-BE49-F238E27FC236}">
-                <a16:creationId xmlns:a16="http://schemas.microsoft.com/office/drawing/2014/main" id="{643D160E-CC3C-EB46-A6F1-43B8E2996F46}"/>
+                <a16:creationId xmlns:a16="http://schemas.microsoft.com/office/drawing/2014/main" id="{23B8A35F-BB55-F94F-9CE5-879C79FDD88D}"/>
               </a:ext>
             </a:extLst>
           </p:cNvPr>
@@ -6660,43 +6713,15 @@
             <a:spLocks noGrp="1"/>
           </p:cNvSpPr>
           <p:nvPr>
-            <p:ph type="ftr" sz="quarter" idx="11"/>
+            <p:ph type="sldNum" sz="quarter" idx="12"/>
           </p:nvPr>
         </p:nvSpPr>
         <p:spPr>
           <a:xfrm>
-            <a:off x="3124200" y="4841881"/>
-            <a:ext cx="2895600" cy="357188"/>
+            <a:off x="6553200" y="4683919"/>
+            <a:ext cx="2133600" cy="357188"/>
           </a:xfrm>
         </p:spPr>
-        <p:txBody>
-          <a:bodyPr/>
-          <a:lstStyle/>
-          <a:p>
-            <a:r>
-              <a:rPr lang="en-CA" dirty="0"/>
-              <a:t>MPLS WG Interim, September 2020</a:t>
-            </a:r>
-          </a:p>
-        </p:txBody>
-      </p:sp>
-      <p:sp>
-        <p:nvSpPr>
-          <p:cNvPr id="5" name="Slide Number Placeholder 4">
-            <a:extLst>
-              <a:ext uri="{FF2B5EF4-FFF2-40B4-BE49-F238E27FC236}">
-                <a16:creationId xmlns:a16="http://schemas.microsoft.com/office/drawing/2014/main" id="{A8B868AE-B105-7547-A646-14FCDF91C2DD}"/>
-              </a:ext>
-            </a:extLst>
-          </p:cNvPr>
-          <p:cNvSpPr>
-            <a:spLocks noGrp="1"/>
-          </p:cNvSpPr>
-          <p:nvPr>
-            <p:ph type="sldNum" sz="quarter" idx="12"/>
-          </p:nvPr>
-        </p:nvSpPr>
-        <p:spPr/>
         <p:txBody>
           <a:bodyPr/>
           <a:lstStyle/>
@@ -6711,317 +6736,14 @@
               </a:pPr>
               <a:t>12</a:t>
             </a:fld>
-            <a:endParaRPr lang="en-US" altLang="zh-CN"/>
-          </a:p>
-        </p:txBody>
-      </p:sp>
-      <p:sp>
-        <p:nvSpPr>
-          <p:cNvPr id="7" name="Rectangle 6">
-            <a:extLst>
-              <a:ext uri="{FF2B5EF4-FFF2-40B4-BE49-F238E27FC236}">
-                <a16:creationId xmlns:a16="http://schemas.microsoft.com/office/drawing/2014/main" id="{AA6E66CA-28BC-2C4A-BC04-4600D8FEBF3B}"/>
-              </a:ext>
-            </a:extLst>
-          </p:cNvPr>
-          <p:cNvSpPr/>
-          <p:nvPr/>
-        </p:nvSpPr>
-        <p:spPr>
-          <a:xfrm>
-            <a:off x="1257300" y="649394"/>
-            <a:ext cx="6629400" cy="4184415"/>
-          </a:xfrm>
-          <a:prstGeom prst="rect">
-            <a:avLst/>
-          </a:prstGeom>
-          <a:solidFill>
-            <a:schemeClr val="accent6">
-              <a:lumMod val="20000"/>
-              <a:lumOff val="80000"/>
-            </a:schemeClr>
-          </a:solidFill>
-        </p:spPr>
-        <p:txBody>
-          <a:bodyPr wrap="square">
-            <a:spAutoFit/>
-          </a:bodyPr>
-          <a:lstStyle/>
-          <a:p>
-            <a:pPr>
-              <a:lnSpc>
-                <a:spcPts val="1640"/>
-              </a:lnSpc>
-            </a:pPr>
-            <a:r>
-              <a:rPr lang="en-CA" sz="1100" dirty="0">
-                <a:latin typeface="Courier" pitchFamily="2" charset="0"/>
-              </a:rPr>
-              <a:t>                               +------------+</a:t>
-            </a:r>
-          </a:p>
-          <a:p>
-            <a:pPr>
-              <a:lnSpc>
-                <a:spcPts val="1640"/>
-              </a:lnSpc>
-            </a:pPr>
-            <a:r>
-              <a:rPr lang="en-CA" sz="1100" dirty="0">
-                <a:latin typeface="Courier" pitchFamily="2" charset="0"/>
-              </a:rPr>
-              <a:t>                               | Controller |</a:t>
-            </a:r>
-          </a:p>
-          <a:p>
-            <a:pPr>
-              <a:lnSpc>
-                <a:spcPts val="1640"/>
-              </a:lnSpc>
-            </a:pPr>
-            <a:r>
-              <a:rPr lang="en-CA" sz="1100" dirty="0">
-                <a:latin typeface="Courier" pitchFamily="2" charset="0"/>
-              </a:rPr>
-              <a:t>                               +------------+</a:t>
-            </a:r>
-          </a:p>
-          <a:p>
-            <a:pPr>
-              <a:lnSpc>
-                <a:spcPts val="1640"/>
-              </a:lnSpc>
-            </a:pPr>
-            <a:r>
-              <a:rPr lang="en-CA" sz="1100" dirty="0">
-                <a:latin typeface="Courier" pitchFamily="2" charset="0"/>
-              </a:rPr>
-              <a:t>     PDLM Mode                     /    \      Timestamp Label</a:t>
-            </a:r>
-          </a:p>
-          <a:p>
-            <a:pPr>
-              <a:lnSpc>
-                <a:spcPts val="1640"/>
-              </a:lnSpc>
-            </a:pPr>
-            <a:r>
-              <a:rPr lang="en-CA" sz="1100" dirty="0">
-                <a:latin typeface="Courier" pitchFamily="2" charset="0"/>
-              </a:rPr>
-              <a:t>       LB or Enhanced Mode        /      \       Timestamp2 Offset</a:t>
-            </a:r>
-          </a:p>
-          <a:p>
-            <a:pPr>
-              <a:lnSpc>
-                <a:spcPts val="1640"/>
-              </a:lnSpc>
-            </a:pPr>
-            <a:r>
-              <a:rPr lang="en-CA" sz="1100" dirty="0">
-                <a:latin typeface="Courier" pitchFamily="2" charset="0"/>
-              </a:rPr>
-              <a:t>     Measurement Protocol        /        \      Timestamp Format</a:t>
-            </a:r>
-          </a:p>
-          <a:p>
-            <a:pPr>
-              <a:lnSpc>
-                <a:spcPts val="1640"/>
-              </a:lnSpc>
-            </a:pPr>
-            <a:r>
-              <a:rPr lang="en-CA" sz="1100" dirty="0">
-                <a:latin typeface="Courier" pitchFamily="2" charset="0"/>
-              </a:rPr>
-              <a:t>     Missed Probe Message Count /          \</a:t>
-            </a:r>
-          </a:p>
-          <a:p>
-            <a:pPr>
-              <a:lnSpc>
-                <a:spcPts val="1640"/>
-              </a:lnSpc>
-            </a:pPr>
-            <a:r>
-              <a:rPr lang="en-CA" sz="1100" dirty="0">
-                <a:latin typeface="Courier" pitchFamily="2" charset="0"/>
-              </a:rPr>
-              <a:t>     Timestamp Label           /            \</a:t>
-            </a:r>
-          </a:p>
-          <a:p>
-            <a:pPr>
-              <a:lnSpc>
-                <a:spcPts val="1640"/>
-              </a:lnSpc>
-            </a:pPr>
-            <a:r>
-              <a:rPr lang="en-CA" sz="1100" dirty="0">
-                <a:latin typeface="Courier" pitchFamily="2" charset="0"/>
-              </a:rPr>
-              <a:t>       Timestamp Format       /              \</a:t>
-            </a:r>
-          </a:p>
-          <a:p>
-            <a:pPr>
-              <a:lnSpc>
-                <a:spcPts val="1640"/>
-              </a:lnSpc>
-            </a:pPr>
-            <a:r>
-              <a:rPr lang="en-CA" sz="1100" dirty="0">
-                <a:latin typeface="Courier" pitchFamily="2" charset="0"/>
-              </a:rPr>
-              <a:t>     Delay threshold/Count   /                \</a:t>
-            </a:r>
-          </a:p>
-          <a:p>
-            <a:pPr>
-              <a:lnSpc>
-                <a:spcPts val="1640"/>
-              </a:lnSpc>
-            </a:pPr>
-            <a:r>
-              <a:rPr lang="en-CA" sz="1100" dirty="0">
-                <a:latin typeface="Courier" pitchFamily="2" charset="0"/>
-              </a:rPr>
-              <a:t>     Source/</a:t>
-            </a:r>
-            <a:r>
-              <a:rPr lang="en-CA" sz="1100" dirty="0" err="1">
-                <a:latin typeface="Courier" pitchFamily="2" charset="0"/>
-              </a:rPr>
-              <a:t>Dest</a:t>
-            </a:r>
-            <a:r>
-              <a:rPr lang="en-CA" sz="1100" dirty="0">
-                <a:latin typeface="Courier" pitchFamily="2" charset="0"/>
-              </a:rPr>
-              <a:t> UDP Ports  /                  \</a:t>
-            </a:r>
-          </a:p>
-          <a:p>
-            <a:pPr>
-              <a:lnSpc>
-                <a:spcPts val="1640"/>
-              </a:lnSpc>
-            </a:pPr>
-            <a:r>
-              <a:rPr lang="en-CA" sz="1100" dirty="0">
-                <a:latin typeface="Courier" pitchFamily="2" charset="0"/>
-              </a:rPr>
-              <a:t>                           v                    v</a:t>
-            </a:r>
-          </a:p>
-          <a:p>
-            <a:pPr>
-              <a:lnSpc>
-                <a:spcPts val="1640"/>
-              </a:lnSpc>
-            </a:pPr>
-            <a:r>
-              <a:rPr lang="en-CA" sz="1100" dirty="0">
-                <a:latin typeface="Courier" pitchFamily="2" charset="0"/>
-              </a:rPr>
-              <a:t>                       +-------+            +-------+</a:t>
-            </a:r>
-          </a:p>
-          <a:p>
-            <a:pPr>
-              <a:lnSpc>
-                <a:spcPts val="1640"/>
-              </a:lnSpc>
-            </a:pPr>
-            <a:r>
-              <a:rPr lang="en-CA" sz="1100" dirty="0">
-                <a:latin typeface="Courier" pitchFamily="2" charset="0"/>
-              </a:rPr>
-              <a:t>                       |       |            |       |</a:t>
-            </a:r>
-          </a:p>
-          <a:p>
-            <a:pPr>
-              <a:lnSpc>
-                <a:spcPts val="1640"/>
-              </a:lnSpc>
-            </a:pPr>
-            <a:r>
-              <a:rPr lang="en-CA" sz="1100" dirty="0">
-                <a:latin typeface="Courier" pitchFamily="2" charset="0"/>
-              </a:rPr>
-              <a:t>                       |   R1  |============|   R5  |</a:t>
-            </a:r>
-          </a:p>
-          <a:p>
-            <a:pPr>
-              <a:lnSpc>
-                <a:spcPts val="1640"/>
-              </a:lnSpc>
-            </a:pPr>
-            <a:r>
-              <a:rPr lang="en-CA" sz="1100" dirty="0">
-                <a:latin typeface="Courier" pitchFamily="2" charset="0"/>
-              </a:rPr>
-              <a:t>                       |       |  SR Path   |       |</a:t>
-            </a:r>
-          </a:p>
-          <a:p>
-            <a:pPr>
-              <a:lnSpc>
-                <a:spcPts val="1640"/>
-              </a:lnSpc>
-            </a:pPr>
-            <a:r>
-              <a:rPr lang="en-CA" sz="1100" dirty="0">
-                <a:latin typeface="Courier" pitchFamily="2" charset="0"/>
-              </a:rPr>
-              <a:t>                       +-------+            +-------+</a:t>
-            </a:r>
-          </a:p>
-          <a:p>
-            <a:pPr>
-              <a:lnSpc>
-                <a:spcPts val="1640"/>
-              </a:lnSpc>
-            </a:pPr>
-            <a:r>
-              <a:rPr lang="en-CA" sz="1100" dirty="0">
-                <a:latin typeface="Courier" pitchFamily="2" charset="0"/>
-              </a:rPr>
-              <a:t>                        Sender              Reflector</a:t>
-            </a:r>
-          </a:p>
-          <a:p>
-            <a:pPr>
-              <a:lnSpc>
-                <a:spcPts val="1640"/>
-              </a:lnSpc>
-            </a:pPr>
-            <a:endParaRPr lang="en-CA" sz="1100" dirty="0">
-              <a:latin typeface="Courier" pitchFamily="2" charset="0"/>
-            </a:endParaRPr>
-          </a:p>
-          <a:p>
-            <a:pPr>
-              <a:lnSpc>
-                <a:spcPts val="1640"/>
-              </a:lnSpc>
-            </a:pPr>
-            <a:r>
-              <a:rPr lang="en-CA" sz="1100" dirty="0">
-                <a:latin typeface="Courier" pitchFamily="2" charset="0"/>
-              </a:rPr>
-              <a:t>                    Figure 2: Example Provisioning Model</a:t>
-            </a:r>
+            <a:endParaRPr lang="en-US" altLang="zh-CN" dirty="0"/>
           </a:p>
         </p:txBody>
       </p:sp>
     </p:spTree>
     <p:extLst>
       <p:ext uri="{BB962C8B-B14F-4D97-AF65-F5344CB8AC3E}">
-        <p14:creationId xmlns:p14="http://schemas.microsoft.com/office/powerpoint/2010/main" val="21907870"/>
+        <p14:creationId xmlns:p14="http://schemas.microsoft.com/office/powerpoint/2010/main" val="2176312737"/>
       </p:ext>
     </p:extLst>
   </p:cSld>
@@ -8182,7 +7904,7 @@
           <p:nvPr>
             <p:extLst>
               <p:ext uri="{D42A27DB-BD31-4B8C-83A1-F6EECF244321}">
-                <p14:modId xmlns:p14="http://schemas.microsoft.com/office/powerpoint/2010/main" val="1789173835"/>
+                <p14:modId xmlns:p14="http://schemas.microsoft.com/office/powerpoint/2010/main" val="1185338998"/>
               </p:ext>
             </p:extLst>
           </p:nvPr>
@@ -8334,7 +8056,14 @@
                           <a:latin typeface="Calibri" panose="020F0502020204030204" pitchFamily="34" charset="0"/>
                           <a:cs typeface="Calibri" panose="020F0502020204030204" pitchFamily="34" charset="0"/>
                         </a:rPr>
-                        <a:t>Payload Timestamp1</a:t>
+                        <a:t>Payload </a:t>
+                      </a:r>
+                      <a:r>
+                        <a:rPr lang="en-US" sz="900" b="1" dirty="0">
+                          <a:latin typeface="Calibri" panose="020F0502020204030204" pitchFamily="34" charset="0"/>
+                          <a:cs typeface="Calibri" panose="020F0502020204030204" pitchFamily="34" charset="0"/>
+                        </a:rPr>
+                        <a:t>Timestamp1</a:t>
                       </a:r>
                     </a:p>
                   </a:txBody>
@@ -9553,7 +9282,7 @@
             </a:pPr>
             <a:r>
               <a:rPr lang="en-US" sz="1400" dirty="0"/>
-              <a:t>RFC 5357 (TWAMP Light) defined probe messages</a:t>
+              <a:t>RFC 5357 (TWAMP Light) compatible probe message</a:t>
             </a:r>
           </a:p>
           <a:p>
@@ -9563,7 +9292,7 @@
             </a:pPr>
             <a:r>
               <a:rPr lang="en-US" sz="1400" dirty="0"/>
-              <a:t>RFC 8762 (Simple TWAMP (STAMP)) defined probe messages</a:t>
+              <a:t>RFC 8762 (Simple TWAMP (STAMP)) compatible probe message</a:t>
             </a:r>
           </a:p>
           <a:p>
@@ -9952,7 +9681,7 @@
             </a:pPr>
             <a:r>
               <a:rPr lang="en-US" sz="1600" dirty="0"/>
-              <a:t>Using PM probes (TWAMP Light/Simple TWAMP (STAMP) delay measurement messages) in Loopback Mode</a:t>
+              <a:t>Using PM delay measurement probe messages in Loopback Mode</a:t>
             </a:r>
           </a:p>
           <a:p>
@@ -9966,7 +9695,7 @@
             </a:pPr>
             <a:r>
               <a:rPr lang="en-US" sz="1600" dirty="0"/>
-              <a:t>Probe messages sent using Segment List(s) of the SR Policy Candidate Path(s)</a:t>
+              <a:t>Probe messages are sent using Segment List(s) of the SR Policy Candidate Path(s)</a:t>
             </a:r>
           </a:p>
           <a:p>
@@ -9994,7 +9723,7 @@
             </a:pPr>
             <a:r>
               <a:rPr lang="en-US" sz="1600" dirty="0"/>
-              <a:t>Reflector is agnostic of the monitoring protocol </a:t>
+              <a:t>Reflector is agnostic to the monitoring protocol </a:t>
             </a:r>
           </a:p>
           <a:p>
@@ -10399,8 +10128,8 @@
         </p:nvSpPr>
         <p:spPr>
           <a:xfrm>
-            <a:off x="381000" y="2742429"/>
-            <a:ext cx="8382000" cy="2123658"/>
+            <a:off x="381000" y="2908705"/>
+            <a:ext cx="8534400" cy="1724379"/>
           </a:xfrm>
         </p:spPr>
         <p:txBody>
@@ -10409,7 +10138,7 @@
           <a:p>
             <a:pPr lvl="0">
               <a:lnSpc>
-                <a:spcPts val="1580"/>
+                <a:spcPts val="1380"/>
               </a:lnSpc>
               <a:spcBef>
                 <a:spcPts val="600"/>
@@ -10423,7 +10152,7 @@
           <a:p>
             <a:pPr lvl="1">
               <a:lnSpc>
-                <a:spcPts val="1580"/>
+                <a:spcPts val="1380"/>
               </a:lnSpc>
               <a:spcBef>
                 <a:spcPts val="600"/>
@@ -10437,7 +10166,7 @@
           <a:p>
             <a:pPr lvl="1">
               <a:lnSpc>
-                <a:spcPts val="1580"/>
+                <a:spcPts val="1380"/>
               </a:lnSpc>
               <a:spcBef>
                 <a:spcPts val="600"/>
@@ -10445,13 +10174,13 @@
             </a:pPr>
             <a:r>
               <a:rPr lang="en-CA" sz="1200" dirty="0"/>
-              <a:t>As probe packets are forwarded in fast-path, faster liveness failure detection is possible</a:t>
+              <a:t>As probe packets are forwarded in fast-path, higher scale with faster interval is possible resulting in faster failure detection</a:t>
             </a:r>
           </a:p>
           <a:p>
             <a:pPr lvl="0">
               <a:lnSpc>
-                <a:spcPts val="1580"/>
+                <a:spcPts val="1380"/>
               </a:lnSpc>
               <a:spcBef>
                 <a:spcPts val="600"/>
@@ -10465,7 +10194,7 @@
           <a:p>
             <a:pPr lvl="1">
               <a:lnSpc>
-                <a:spcPts val="1580"/>
+                <a:spcPts val="1380"/>
               </a:lnSpc>
               <a:spcBef>
                 <a:spcPts val="600"/>
@@ -10479,7 +10208,7 @@
           <a:p>
             <a:pPr lvl="1">
               <a:lnSpc>
-                <a:spcPts val="1580"/>
+                <a:spcPts val="1380"/>
               </a:lnSpc>
               <a:spcBef>
                 <a:spcPts val="600"/>
@@ -10506,8 +10235,8 @@
         </p:nvSpPr>
         <p:spPr>
           <a:xfrm>
-            <a:off x="1905000" y="618771"/>
-            <a:ext cx="4800600" cy="2123658"/>
+            <a:off x="1981200" y="618771"/>
+            <a:ext cx="4648200" cy="2031325"/>
           </a:xfrm>
           <a:prstGeom prst="rect">
             <a:avLst/>
@@ -10531,7 +10260,7 @@
           <a:lstStyle/>
           <a:p>
             <a:r>
-              <a:rPr lang="en-CA" sz="1100" dirty="0">
+              <a:rPr lang="en-CA" sz="1050" dirty="0">
                 <a:latin typeface="Courier" pitchFamily="2" charset="0"/>
               </a:rPr>
               <a:t>             t1                t2</a:t>
@@ -10539,18 +10268,18 @@
           </a:p>
           <a:p>
             <a:r>
-              <a:rPr lang="en-CA" sz="1100" dirty="0">
+              <a:rPr lang="en-CA" sz="1050" dirty="0">
                 <a:latin typeface="Courier" pitchFamily="2" charset="0"/>
               </a:rPr>
               <a:t>            /                   \</a:t>
             </a:r>
             <a:br>
-              <a:rPr lang="en-CA" sz="1100" dirty="0">
+              <a:rPr lang="en-CA" sz="1050" dirty="0">
                 <a:latin typeface="Courier" pitchFamily="2" charset="0"/>
               </a:rPr>
             </a:br>
             <a:r>
-              <a:rPr lang="en-CA" sz="1100" dirty="0">
+              <a:rPr lang="en-CA" sz="1050" dirty="0">
                 <a:latin typeface="Courier" pitchFamily="2" charset="0"/>
               </a:rPr>
               <a:t>   +-------+      Probe          +-------+</a:t>
@@ -10558,7 +10287,7 @@
           </a:p>
           <a:p>
             <a:r>
-              <a:rPr lang="en-CA" sz="1100" dirty="0">
+              <a:rPr lang="en-CA" sz="1050" dirty="0">
                 <a:latin typeface="Courier" pitchFamily="2" charset="0"/>
               </a:rPr>
               <a:t>   |       | - - - - - - - - - - |       |</a:t>
@@ -10566,7 +10295,7 @@
           </a:p>
           <a:p>
             <a:r>
-              <a:rPr lang="en-CA" sz="1100" dirty="0">
+              <a:rPr lang="en-CA" sz="1050" dirty="0">
                 <a:latin typeface="Courier" pitchFamily="2" charset="0"/>
               </a:rPr>
               <a:t>   |   R1  |====================||  R5   |</a:t>
@@ -10574,7 +10303,7 @@
           </a:p>
           <a:p>
             <a:r>
-              <a:rPr lang="en-CA" sz="1100" dirty="0">
+              <a:rPr lang="en-CA" sz="1050" dirty="0">
                 <a:latin typeface="Courier" pitchFamily="2" charset="0"/>
               </a:rPr>
               <a:t>   |       |&lt;- - - - - - - - - - |       |</a:t>
@@ -10582,7 +10311,7 @@
           </a:p>
           <a:p>
             <a:r>
-              <a:rPr lang="en-CA" sz="1100" dirty="0">
+              <a:rPr lang="en-CA" sz="1050" dirty="0">
                 <a:latin typeface="Courier" pitchFamily="2" charset="0"/>
               </a:rPr>
               <a:t>   +-------+      Return Probe   +-------+</a:t>
@@ -10590,7 +10319,7 @@
           </a:p>
           <a:p>
             <a:r>
-              <a:rPr lang="en-CA" sz="1100" dirty="0">
+              <a:rPr lang="en-CA" sz="1050" dirty="0">
                 <a:latin typeface="Courier" pitchFamily="2" charset="0"/>
               </a:rPr>
               <a:t>    Sender                       Reflector</a:t>
@@ -10598,7 +10327,7 @@
           </a:p>
           <a:p>
             <a:r>
-              <a:rPr lang="en-CA" sz="1100" dirty="0">
+              <a:rPr lang="en-CA" sz="1050" dirty="0">
                 <a:latin typeface="Courier" pitchFamily="2" charset="0"/>
               </a:rPr>
               <a:t>                                 (Timestamp,</a:t>
@@ -10606,7 +10335,7 @@
           </a:p>
           <a:p>
             <a:r>
-              <a:rPr lang="en-CA" sz="1100" dirty="0">
+              <a:rPr lang="en-CA" sz="1050" dirty="0">
                 <a:latin typeface="Courier" pitchFamily="2" charset="0"/>
               </a:rPr>
               <a:t>                                  Pop and Forward)</a:t>
@@ -10614,7 +10343,7 @@
           </a:p>
           <a:p>
             <a:r>
-              <a:rPr lang="en-CA" sz="1100" dirty="0">
+              <a:rPr lang="en-CA" sz="1050" dirty="0">
                 <a:latin typeface="Courier" pitchFamily="2" charset="0"/>
               </a:rPr>
               <a:t> </a:t>
@@ -10622,10 +10351,10 @@
           </a:p>
           <a:p>
             <a:r>
-              <a:rPr lang="en-CA" sz="1100" dirty="0">
+              <a:rPr lang="en-CA" sz="1050" dirty="0">
                 <a:latin typeface="Courier" pitchFamily="2" charset="0"/>
               </a:rPr>
-              <a:t>Figure: Loopback Mode Enabled with Network Programming </a:t>
+              <a:t>Loopback Mode Enabled with Network Programming Function</a:t>
             </a:r>
           </a:p>
         </p:txBody>
@@ -10712,8 +10441,8 @@
         </p:nvSpPr>
         <p:spPr>
           <a:xfrm>
-            <a:off x="57149" y="76090"/>
-            <a:ext cx="9029700" cy="710446"/>
+            <a:off x="24974" y="0"/>
+            <a:ext cx="9144000" cy="731027"/>
           </a:xfrm>
         </p:spPr>
         <p:txBody>
@@ -10721,142 +10450,29 @@
           <a:lstStyle/>
           <a:p>
             <a:r>
-              <a:rPr lang="en-US" sz="3200" dirty="0">
+              <a:rPr lang="en-US" sz="3000" dirty="0">
                 <a:solidFill>
                   <a:srgbClr val="0070C0"/>
                 </a:solidFill>
                 <a:latin typeface="Calibri Light" panose="020F0302020204030204" pitchFamily="34" charset="0"/>
                 <a:cs typeface="Calibri Light" panose="020F0302020204030204" pitchFamily="34" charset="0"/>
               </a:rPr>
-              <a:t>Notifications</a:t>
-            </a:r>
-          </a:p>
-        </p:txBody>
-      </p:sp>
-      <p:sp>
-        <p:nvSpPr>
-          <p:cNvPr id="4" name="Footer Placeholder 3"/>
+              <a:t>Probe Messages for Timestamp and Forward Function</a:t>
+            </a:r>
+          </a:p>
+        </p:txBody>
+      </p:sp>
+      <p:sp>
+        <p:nvSpPr>
+          <p:cNvPr id="5" name="Slide Number Placeholder 4"/>
           <p:cNvSpPr>
             <a:spLocks noGrp="1"/>
           </p:cNvSpPr>
           <p:nvPr>
-            <p:ph type="ftr" sz="quarter" idx="11"/>
-          </p:nvPr>
-        </p:nvSpPr>
-        <p:spPr>
-          <a:xfrm>
-            <a:off x="3124199" y="4786312"/>
-            <a:ext cx="2895600" cy="357188"/>
-          </a:xfrm>
-        </p:spPr>
-        <p:txBody>
-          <a:bodyPr/>
-          <a:lstStyle/>
-          <a:p>
-            <a:r>
-              <a:rPr lang="en-CA" dirty="0"/>
-              <a:t>MPLS WG Interim, September 2020</a:t>
-            </a:r>
-          </a:p>
-        </p:txBody>
-      </p:sp>
-      <p:sp>
-        <p:nvSpPr>
-          <p:cNvPr id="6" name="Content Placeholder 2"/>
-          <p:cNvSpPr>
-            <a:spLocks noGrp="1"/>
-          </p:cNvSpPr>
-          <p:nvPr>
-            <p:ph idx="1"/>
-          </p:nvPr>
-        </p:nvSpPr>
-        <p:spPr>
-          <a:xfrm>
-            <a:off x="647699" y="965020"/>
-            <a:ext cx="7848601" cy="3359330"/>
-          </a:xfrm>
-        </p:spPr>
-        <p:txBody>
-          <a:bodyPr/>
-          <a:lstStyle/>
-          <a:p>
-            <a:pPr>
-              <a:lnSpc>
-                <a:spcPts val="2180"/>
-              </a:lnSpc>
-              <a:spcBef>
-                <a:spcPts val="600"/>
-              </a:spcBef>
-            </a:pPr>
-            <a:r>
-              <a:rPr lang="en-US" sz="2000" dirty="0"/>
-              <a:t>Delay metrics are notified when consecutive M number of probe messages have delay values exceed the configured thresholds</a:t>
-            </a:r>
-          </a:p>
-          <a:p>
-            <a:pPr>
-              <a:lnSpc>
-                <a:spcPts val="2180"/>
-              </a:lnSpc>
-              <a:spcBef>
-                <a:spcPts val="600"/>
-              </a:spcBef>
-            </a:pPr>
-            <a:r>
-              <a:rPr lang="en-US" sz="2000" dirty="0"/>
-              <a:t>Liveness failure (bring-down - loss of heart beats) is notified when consecutive N number of return probe messages are not received at the sender</a:t>
-            </a:r>
-          </a:p>
-          <a:p>
-            <a:pPr>
-              <a:lnSpc>
-                <a:spcPts val="2180"/>
-              </a:lnSpc>
-              <a:spcBef>
-                <a:spcPts val="600"/>
-              </a:spcBef>
-            </a:pPr>
-            <a:r>
-              <a:rPr lang="en-US" sz="2000" dirty="0"/>
-              <a:t>Liveness success (bring-up - success of heart beats) is notified as soon as one or more return probe messages are received at the sender</a:t>
-            </a:r>
-            <a:endParaRPr lang="en-CA" sz="2000" dirty="0"/>
-          </a:p>
-          <a:p>
-            <a:pPr>
-              <a:lnSpc>
-                <a:spcPts val="2180"/>
-              </a:lnSpc>
-              <a:spcBef>
-                <a:spcPts val="600"/>
-              </a:spcBef>
-            </a:pPr>
-            <a:endParaRPr lang="en-US" sz="2000" dirty="0"/>
-          </a:p>
-        </p:txBody>
-      </p:sp>
-      <p:sp>
-        <p:nvSpPr>
-          <p:cNvPr id="7" name="Slide Number Placeholder 4">
-            <a:extLst>
-              <a:ext uri="{FF2B5EF4-FFF2-40B4-BE49-F238E27FC236}">
-                <a16:creationId xmlns:a16="http://schemas.microsoft.com/office/drawing/2014/main" id="{23B8A35F-BB55-F94F-9CE5-879C79FDD88D}"/>
-              </a:ext>
-            </a:extLst>
-          </p:cNvPr>
-          <p:cNvSpPr>
-            <a:spLocks noGrp="1"/>
-          </p:cNvSpPr>
-          <p:nvPr>
             <p:ph type="sldNum" sz="quarter" idx="12"/>
           </p:nvPr>
         </p:nvSpPr>
-        <p:spPr>
-          <a:xfrm>
-            <a:off x="6553200" y="4683919"/>
-            <a:ext cx="2133600" cy="357188"/>
-          </a:xfrm>
-        </p:spPr>
+        <p:spPr/>
         <p:txBody>
           <a:bodyPr/>
           <a:lstStyle/>
@@ -10871,14 +10487,670 @@
               </a:pPr>
               <a:t>7</a:t>
             </a:fld>
-            <a:endParaRPr lang="en-US" altLang="zh-CN" dirty="0"/>
+            <a:endParaRPr lang="en-US" altLang="zh-CN"/>
+          </a:p>
+        </p:txBody>
+      </p:sp>
+      <p:sp>
+        <p:nvSpPr>
+          <p:cNvPr id="6" name="Rectangle 5">
+            <a:extLst>
+              <a:ext uri="{FF2B5EF4-FFF2-40B4-BE49-F238E27FC236}">
+                <a16:creationId xmlns:a16="http://schemas.microsoft.com/office/drawing/2014/main" id="{4C15A4CE-6545-5142-97A8-EDA8B07CB60B}"/>
+              </a:ext>
+            </a:extLst>
+          </p:cNvPr>
+          <p:cNvSpPr/>
+          <p:nvPr/>
+        </p:nvSpPr>
+        <p:spPr>
+          <a:xfrm>
+            <a:off x="304800" y="1962150"/>
+            <a:ext cx="4242226" cy="2431435"/>
+          </a:xfrm>
+          <a:prstGeom prst="rect">
+            <a:avLst/>
+          </a:prstGeom>
+          <a:solidFill>
+            <a:schemeClr val="accent6">
+              <a:lumMod val="20000"/>
+              <a:lumOff val="80000"/>
+            </a:schemeClr>
+          </a:solidFill>
+        </p:spPr>
+        <p:txBody>
+          <a:bodyPr wrap="square">
+            <a:spAutoFit/>
+          </a:bodyPr>
+          <a:lstStyle/>
+          <a:p>
+            <a:r>
+              <a:rPr lang="en-CA" sz="800" dirty="0">
+                <a:latin typeface="Courier" pitchFamily="2" charset="0"/>
+              </a:rPr>
+              <a:t>  +-+-+-+-+-+-+-+-+-+-+-+-+-+-+-+-+-+-+-+-+-+-+-+-+-+-+-+-+-+-+-+-+</a:t>
+            </a:r>
+          </a:p>
+          <a:p>
+            <a:pPr>
+              <a:spcAft>
+                <a:spcPts val="0"/>
+              </a:spcAft>
+            </a:pPr>
+            <a:r>
+              <a:rPr lang="en-US" sz="800" dirty="0">
+                <a:latin typeface="Courier" pitchFamily="2" charset="0"/>
+                <a:ea typeface="Courier" charset="0"/>
+                <a:cs typeface="Courier" charset="0"/>
+              </a:rPr>
+              <a:t>  |         Sequence Number                                       |</a:t>
+            </a:r>
+          </a:p>
+          <a:p>
+            <a:pPr>
+              <a:spcAft>
+                <a:spcPts val="0"/>
+              </a:spcAft>
+            </a:pPr>
+            <a:r>
+              <a:rPr lang="en-US" sz="800" dirty="0">
+                <a:latin typeface="Courier" pitchFamily="2" charset="0"/>
+                <a:ea typeface="Courier" charset="0"/>
+                <a:cs typeface="Courier" charset="0"/>
+              </a:rPr>
+              <a:t>  +-+-+-+-+-+-+-+-+-+-+-+-+-+-+-+-+-+-+-+-+-+-+-+-+-+-+-+-+-+-+-+-+</a:t>
+            </a:r>
+          </a:p>
+          <a:p>
+            <a:pPr>
+              <a:spcAft>
+                <a:spcPts val="0"/>
+              </a:spcAft>
+            </a:pPr>
+            <a:r>
+              <a:rPr lang="en-US" sz="800" dirty="0">
+                <a:latin typeface="Courier" pitchFamily="2" charset="0"/>
+                <a:ea typeface="Courier" charset="0"/>
+                <a:cs typeface="Courier" charset="0"/>
+              </a:rPr>
+              <a:t>  |         Transmit Timestamp (t1)                               |</a:t>
+            </a:r>
+          </a:p>
+          <a:p>
+            <a:pPr>
+              <a:spcAft>
+                <a:spcPts val="0"/>
+              </a:spcAft>
+            </a:pPr>
+            <a:r>
+              <a:rPr lang="en-US" sz="800" dirty="0">
+                <a:latin typeface="Courier" pitchFamily="2" charset="0"/>
+                <a:ea typeface="Courier" charset="0"/>
+                <a:cs typeface="Courier" charset="0"/>
+              </a:rPr>
+              <a:t>  |                                                               |</a:t>
+            </a:r>
+          </a:p>
+          <a:p>
+            <a:pPr>
+              <a:spcAft>
+                <a:spcPts val="0"/>
+              </a:spcAft>
+            </a:pPr>
+            <a:r>
+              <a:rPr lang="en-US" sz="800" dirty="0">
+                <a:latin typeface="Courier" pitchFamily="2" charset="0"/>
+                <a:ea typeface="Courier" charset="0"/>
+                <a:cs typeface="Courier" charset="0"/>
+              </a:rPr>
+              <a:t>  +-+-+-+-+-+-+-+-+-+-+-+-+-+-+-+-+-+-+-+-+-+-+-+-+-+-+-+-+-+-+-+-+</a:t>
+            </a:r>
+          </a:p>
+          <a:p>
+            <a:pPr>
+              <a:spcAft>
+                <a:spcPts val="0"/>
+              </a:spcAft>
+            </a:pPr>
+            <a:r>
+              <a:rPr lang="en-US" sz="800" dirty="0">
+                <a:latin typeface="Courier" pitchFamily="2" charset="0"/>
+                <a:ea typeface="Courier" charset="0"/>
+                <a:cs typeface="Courier" charset="0"/>
+              </a:rPr>
+              <a:t>  |         Error Estimate        |    MBZ                        |</a:t>
+            </a:r>
+          </a:p>
+          <a:p>
+            <a:pPr>
+              <a:spcAft>
+                <a:spcPts val="0"/>
+              </a:spcAft>
+            </a:pPr>
+            <a:r>
+              <a:rPr lang="en-US" sz="800" dirty="0">
+                <a:latin typeface="Courier" pitchFamily="2" charset="0"/>
+                <a:ea typeface="Courier" charset="0"/>
+                <a:cs typeface="Courier" charset="0"/>
+              </a:rPr>
+              <a:t>  +-+-+-+-+-+-+-+-+-+-+-+-+-+-+-+-+-+-+-+-+-+-+-+-+-+-+-+-+-+-+-+-+</a:t>
+            </a:r>
+          </a:p>
+          <a:p>
+            <a:pPr>
+              <a:spcAft>
+                <a:spcPts val="0"/>
+              </a:spcAft>
+            </a:pPr>
+            <a:r>
+              <a:rPr lang="en-US" sz="800" dirty="0">
+                <a:latin typeface="Courier" pitchFamily="2" charset="0"/>
+                <a:ea typeface="Courier" charset="0"/>
+                <a:cs typeface="Courier" charset="0"/>
+              </a:rPr>
+              <a:t>  |         Receive Timestamp (t2)                                |</a:t>
+            </a:r>
+          </a:p>
+          <a:p>
+            <a:pPr>
+              <a:spcAft>
+                <a:spcPts val="0"/>
+              </a:spcAft>
+            </a:pPr>
+            <a:r>
+              <a:rPr lang="en-US" sz="800" dirty="0">
+                <a:latin typeface="Courier" pitchFamily="2" charset="0"/>
+                <a:ea typeface="Courier" charset="0"/>
+                <a:cs typeface="Courier" charset="0"/>
+              </a:rPr>
+              <a:t>  |                                                               |</a:t>
+            </a:r>
+          </a:p>
+          <a:p>
+            <a:pPr>
+              <a:spcAft>
+                <a:spcPts val="0"/>
+              </a:spcAft>
+            </a:pPr>
+            <a:r>
+              <a:rPr lang="en-US" sz="800" dirty="0">
+                <a:latin typeface="Courier" pitchFamily="2" charset="0"/>
+                <a:ea typeface="Courier" charset="0"/>
+                <a:cs typeface="Courier" charset="0"/>
+              </a:rPr>
+              <a:t>  +-+-+-+-+-+-+-+-+-+-+-+-+-+-+-+-+-+-+-+-+-+-+-+-+-+-+-+-+-+-+-+-+</a:t>
+            </a:r>
+          </a:p>
+          <a:p>
+            <a:r>
+              <a:rPr lang="en-US" sz="800" dirty="0">
+                <a:latin typeface="Courier" pitchFamily="2" charset="0"/>
+              </a:rPr>
+              <a:t>  .                                                               .</a:t>
+            </a:r>
+            <a:endParaRPr lang="en-CA" sz="800" dirty="0">
+              <a:latin typeface="Courier" pitchFamily="2" charset="0"/>
+            </a:endParaRPr>
+          </a:p>
+          <a:p>
+            <a:r>
+              <a:rPr lang="en-US" sz="800" dirty="0">
+                <a:latin typeface="Courier" pitchFamily="2" charset="0"/>
+              </a:rPr>
+              <a:t>  .         Variable Length Padding                               .</a:t>
+            </a:r>
+          </a:p>
+          <a:p>
+            <a:r>
+              <a:rPr lang="en-US" sz="800" dirty="0">
+                <a:latin typeface="Courier" pitchFamily="2" charset="0"/>
+              </a:rPr>
+              <a:t>  ~                                                               ~</a:t>
+            </a:r>
+            <a:endParaRPr lang="en-CA" sz="800" dirty="0">
+              <a:latin typeface="Courier" pitchFamily="2" charset="0"/>
+            </a:endParaRPr>
+          </a:p>
+          <a:p>
+            <a:r>
+              <a:rPr lang="en-US" sz="800" dirty="0">
+                <a:latin typeface="Courier" pitchFamily="2" charset="0"/>
+              </a:rPr>
+              <a:t>  .                                                               .</a:t>
+            </a:r>
+          </a:p>
+          <a:p>
+            <a:r>
+              <a:rPr lang="en-US" sz="800" dirty="0">
+                <a:latin typeface="Courier" pitchFamily="2" charset="0"/>
+              </a:rPr>
+              <a:t>  .                                                               .</a:t>
+            </a:r>
+            <a:endParaRPr lang="en-CA" sz="800" dirty="0">
+              <a:latin typeface="Courier" pitchFamily="2" charset="0"/>
+            </a:endParaRPr>
+          </a:p>
+          <a:p>
+            <a:r>
+              <a:rPr lang="en-US" sz="800" dirty="0">
+                <a:latin typeface="Courier" pitchFamily="2" charset="0"/>
+              </a:rPr>
+              <a:t>  +-+-+-+-+-+-+-+-+-+-+-+-+-+-+-+-+-+-+-+-+-+-+-+-+-+-+-+-+-+-+-+-+ </a:t>
+            </a:r>
+            <a:endParaRPr lang="en-CA" sz="800" dirty="0">
+              <a:latin typeface="Courier" pitchFamily="2" charset="0"/>
+            </a:endParaRPr>
+          </a:p>
+          <a:p>
+            <a:pPr>
+              <a:spcAft>
+                <a:spcPts val="0"/>
+              </a:spcAft>
+            </a:pPr>
+            <a:endParaRPr lang="en-CA" sz="800" dirty="0">
+              <a:solidFill>
+                <a:schemeClr val="bg2">
+                  <a:lumMod val="50000"/>
+                </a:schemeClr>
+              </a:solidFill>
+              <a:latin typeface="Courier" pitchFamily="2" charset="0"/>
+            </a:endParaRPr>
+          </a:p>
+          <a:p>
+            <a:r>
+              <a:rPr lang="en-CA" sz="800" dirty="0">
+                <a:latin typeface="Courier" pitchFamily="2" charset="0"/>
+              </a:rPr>
+              <a:t>               TWAMP Compatible Probe Message Format</a:t>
+            </a:r>
+            <a:endParaRPr lang="en-US" sz="800" dirty="0">
+              <a:latin typeface="Courier" pitchFamily="2" charset="0"/>
+            </a:endParaRPr>
+          </a:p>
+        </p:txBody>
+      </p:sp>
+      <p:sp>
+        <p:nvSpPr>
+          <p:cNvPr id="8" name="Content Placeholder 7">
+            <a:extLst>
+              <a:ext uri="{FF2B5EF4-FFF2-40B4-BE49-F238E27FC236}">
+                <a16:creationId xmlns:a16="http://schemas.microsoft.com/office/drawing/2014/main" id="{FC6E1890-536D-9D49-8207-C42BBF301FF3}"/>
+              </a:ext>
+            </a:extLst>
+          </p:cNvPr>
+          <p:cNvSpPr>
+            <a:spLocks noGrp="1"/>
+          </p:cNvSpPr>
+          <p:nvPr>
+            <p:ph idx="1"/>
+          </p:nvPr>
+        </p:nvSpPr>
+        <p:spPr>
+          <a:xfrm>
+            <a:off x="464738" y="652096"/>
+            <a:ext cx="8264471" cy="1157654"/>
+          </a:xfrm>
+        </p:spPr>
+        <p:txBody>
+          <a:bodyPr/>
+          <a:lstStyle/>
+          <a:p>
+            <a:r>
+              <a:rPr lang="en-US" sz="1200" dirty="0"/>
+              <a:t>Leverage existing TWAMP implementations and deployments using compatible probe message format</a:t>
+            </a:r>
+          </a:p>
+          <a:p>
+            <a:r>
+              <a:rPr lang="en-US" sz="1200" dirty="0"/>
+              <a:t>Sender adds Transmit Timestamp (t1)</a:t>
+            </a:r>
+          </a:p>
+          <a:p>
+            <a:r>
+              <a:rPr lang="en-US" sz="1200" dirty="0"/>
+              <a:t>Reflector adds Receive Timestamp (t2) at offset-byte location in payload </a:t>
+            </a:r>
+          </a:p>
+          <a:p>
+            <a:pPr lvl="1"/>
+            <a:r>
+              <a:rPr lang="en-US" sz="1200" dirty="0"/>
+              <a:t>offset-byte 16 from the start of the payload, or</a:t>
+            </a:r>
+          </a:p>
+          <a:p>
+            <a:pPr lvl="1"/>
+            <a:r>
+              <a:rPr lang="en-US" sz="1200" dirty="0"/>
+              <a:t>locally provisioned location (consistently in the network) </a:t>
+            </a:r>
+          </a:p>
+        </p:txBody>
+      </p:sp>
+      <p:sp>
+        <p:nvSpPr>
+          <p:cNvPr id="4" name="Footer Placeholder 3"/>
+          <p:cNvSpPr>
+            <a:spLocks noGrp="1"/>
+          </p:cNvSpPr>
+          <p:nvPr>
+            <p:ph type="ftr" sz="quarter" idx="11"/>
+          </p:nvPr>
+        </p:nvSpPr>
+        <p:spPr>
+          <a:xfrm>
+            <a:off x="3124200" y="4786312"/>
+            <a:ext cx="2895600" cy="357188"/>
+          </a:xfrm>
+        </p:spPr>
+        <p:txBody>
+          <a:bodyPr/>
+          <a:lstStyle/>
+          <a:p>
+            <a:r>
+              <a:rPr lang="en-CA" dirty="0"/>
+              <a:t>MPLS WG Interim, September 2020</a:t>
+            </a:r>
+          </a:p>
+        </p:txBody>
+      </p:sp>
+      <p:sp>
+        <p:nvSpPr>
+          <p:cNvPr id="7" name="Rectangle 6">
+            <a:extLst>
+              <a:ext uri="{FF2B5EF4-FFF2-40B4-BE49-F238E27FC236}">
+                <a16:creationId xmlns:a16="http://schemas.microsoft.com/office/drawing/2014/main" id="{379A9A6A-2ADE-4772-8A9B-054CD2389A6C}"/>
+              </a:ext>
+            </a:extLst>
+          </p:cNvPr>
+          <p:cNvSpPr/>
+          <p:nvPr/>
+        </p:nvSpPr>
+        <p:spPr>
+          <a:xfrm>
+            <a:off x="4673174" y="1969115"/>
+            <a:ext cx="4242226" cy="2431435"/>
+          </a:xfrm>
+          <a:prstGeom prst="rect">
+            <a:avLst/>
+          </a:prstGeom>
+          <a:solidFill>
+            <a:schemeClr val="accent6">
+              <a:lumMod val="20000"/>
+              <a:lumOff val="80000"/>
+            </a:schemeClr>
+          </a:solidFill>
+        </p:spPr>
+        <p:txBody>
+          <a:bodyPr wrap="square">
+            <a:spAutoFit/>
+          </a:bodyPr>
+          <a:lstStyle/>
+          <a:p>
+            <a:r>
+              <a:rPr lang="en-CA" sz="800" dirty="0">
+                <a:latin typeface="Courier" pitchFamily="2" charset="0"/>
+              </a:rPr>
+              <a:t>  +-+-+-+-+-+-+-+-+-+-+-+-+-+-+-+-+-+-+-+-+-+-+-+-+-+-+-+-+-+-+-+-+</a:t>
+            </a:r>
+          </a:p>
+          <a:p>
+            <a:pPr>
+              <a:spcAft>
+                <a:spcPts val="0"/>
+              </a:spcAft>
+            </a:pPr>
+            <a:r>
+              <a:rPr lang="en-US" sz="800" dirty="0">
+                <a:latin typeface="Courier" pitchFamily="2" charset="0"/>
+                <a:ea typeface="Courier" charset="0"/>
+                <a:cs typeface="Courier" charset="0"/>
+              </a:rPr>
+              <a:t>  |         Sequence Number                                       |</a:t>
+            </a:r>
+          </a:p>
+          <a:p>
+            <a:pPr>
+              <a:spcAft>
+                <a:spcPts val="0"/>
+              </a:spcAft>
+            </a:pPr>
+            <a:r>
+              <a:rPr lang="en-US" sz="800" dirty="0">
+                <a:latin typeface="Courier" pitchFamily="2" charset="0"/>
+                <a:ea typeface="Courier" charset="0"/>
+                <a:cs typeface="Courier" charset="0"/>
+              </a:rPr>
+              <a:t>  +-+-+-+-+-+-+-+-+-+-+-+-+-+-+-+-+-+-+-+-+-+-+-+-+-+-+-+-+-+-+-+-+</a:t>
+            </a:r>
+          </a:p>
+          <a:p>
+            <a:pPr>
+              <a:spcAft>
+                <a:spcPts val="0"/>
+              </a:spcAft>
+            </a:pPr>
+            <a:r>
+              <a:rPr lang="en-US" sz="800" dirty="0">
+                <a:latin typeface="Courier" pitchFamily="2" charset="0"/>
+                <a:ea typeface="Courier" charset="0"/>
+                <a:cs typeface="Courier" charset="0"/>
+              </a:rPr>
+              <a:t>  |         Transmit Timestamp (t1)                               |</a:t>
+            </a:r>
+          </a:p>
+          <a:p>
+            <a:pPr>
+              <a:spcAft>
+                <a:spcPts val="0"/>
+              </a:spcAft>
+            </a:pPr>
+            <a:r>
+              <a:rPr lang="en-US" sz="800" dirty="0">
+                <a:latin typeface="Courier" pitchFamily="2" charset="0"/>
+                <a:ea typeface="Courier" charset="0"/>
+                <a:cs typeface="Courier" charset="0"/>
+              </a:rPr>
+              <a:t>  |                                                               |</a:t>
+            </a:r>
+          </a:p>
+          <a:p>
+            <a:pPr>
+              <a:spcAft>
+                <a:spcPts val="0"/>
+              </a:spcAft>
+            </a:pPr>
+            <a:r>
+              <a:rPr lang="en-US" sz="800" dirty="0">
+                <a:latin typeface="Courier" pitchFamily="2" charset="0"/>
+                <a:ea typeface="Courier" charset="0"/>
+                <a:cs typeface="Courier" charset="0"/>
+              </a:rPr>
+              <a:t>  +-+-+-+-+-+-+-+-+-+-+-+-+-+-+-+-+-+-+-+-+-+-+-+-+-+-+-+-+-+-+-+-+</a:t>
+            </a:r>
+          </a:p>
+          <a:p>
+            <a:pPr>
+              <a:spcAft>
+                <a:spcPts val="0"/>
+              </a:spcAft>
+            </a:pPr>
+            <a:r>
+              <a:rPr lang="en-US" sz="800" dirty="0">
+                <a:latin typeface="Courier" pitchFamily="2" charset="0"/>
+                <a:ea typeface="Courier" charset="0"/>
+                <a:cs typeface="Courier" charset="0"/>
+              </a:rPr>
+              <a:t>  |         Error Estimate        |    SSID                       |</a:t>
+            </a:r>
+          </a:p>
+          <a:p>
+            <a:pPr>
+              <a:spcAft>
+                <a:spcPts val="0"/>
+              </a:spcAft>
+            </a:pPr>
+            <a:r>
+              <a:rPr lang="en-US" sz="800" dirty="0">
+                <a:latin typeface="Courier" pitchFamily="2" charset="0"/>
+                <a:ea typeface="Courier" charset="0"/>
+                <a:cs typeface="Courier" charset="0"/>
+              </a:rPr>
+              <a:t>  +-+-+-+-+-+-+-+-+-+-+-+-+-+-+-+-+-+-+-+-+-+-+-+-+-+-+-+-+-+-+-+-+</a:t>
+            </a:r>
+          </a:p>
+          <a:p>
+            <a:pPr>
+              <a:spcAft>
+                <a:spcPts val="0"/>
+              </a:spcAft>
+            </a:pPr>
+            <a:r>
+              <a:rPr lang="en-US" sz="800" dirty="0">
+                <a:latin typeface="Courier" pitchFamily="2" charset="0"/>
+                <a:ea typeface="Courier" charset="0"/>
+                <a:cs typeface="Courier" charset="0"/>
+              </a:rPr>
+              <a:t>  |         Receive Timestamp (t2)                                |</a:t>
+            </a:r>
+          </a:p>
+          <a:p>
+            <a:pPr>
+              <a:spcAft>
+                <a:spcPts val="0"/>
+              </a:spcAft>
+            </a:pPr>
+            <a:r>
+              <a:rPr lang="en-US" sz="800" dirty="0">
+                <a:latin typeface="Courier" pitchFamily="2" charset="0"/>
+                <a:ea typeface="Courier" charset="0"/>
+                <a:cs typeface="Courier" charset="0"/>
+              </a:rPr>
+              <a:t>  |                                                               |</a:t>
+            </a:r>
+          </a:p>
+          <a:p>
+            <a:pPr>
+              <a:spcAft>
+                <a:spcPts val="0"/>
+              </a:spcAft>
+            </a:pPr>
+            <a:r>
+              <a:rPr lang="en-US" sz="800" dirty="0">
+                <a:latin typeface="Courier" pitchFamily="2" charset="0"/>
+                <a:ea typeface="Courier" charset="0"/>
+                <a:cs typeface="Courier" charset="0"/>
+              </a:rPr>
+              <a:t>  +-+-+-+-+-+-+-+-+-+-+-+-+-+-+-+-+-+-+-+-+-+-+-+-+-+-+-+-+-+-+-+-+</a:t>
+            </a:r>
+          </a:p>
+          <a:p>
+            <a:r>
+              <a:rPr lang="en-US" sz="800" dirty="0">
+                <a:latin typeface="Courier" pitchFamily="2" charset="0"/>
+                <a:ea typeface="Courier" charset="0"/>
+                <a:cs typeface="Courier" charset="0"/>
+              </a:rPr>
+              <a:t>  </a:t>
+            </a:r>
+            <a:r>
+              <a:rPr lang="en-US" sz="800" dirty="0">
+                <a:latin typeface="Courier" pitchFamily="2" charset="0"/>
+              </a:rPr>
+              <a:t>|                                                               |</a:t>
+            </a:r>
+            <a:endParaRPr lang="en-CA" sz="800" dirty="0">
+              <a:latin typeface="Courier" pitchFamily="2" charset="0"/>
+            </a:endParaRPr>
+          </a:p>
+          <a:p>
+            <a:r>
+              <a:rPr lang="en-US" sz="800" dirty="0">
+                <a:latin typeface="Courier" pitchFamily="2" charset="0"/>
+              </a:rPr>
+              <a:t>  |         Fixed Length Padding                                  |</a:t>
+            </a:r>
+            <a:endParaRPr lang="en-CA" sz="800" dirty="0">
+              <a:latin typeface="Courier" pitchFamily="2" charset="0"/>
+            </a:endParaRPr>
+          </a:p>
+          <a:p>
+            <a:r>
+              <a:rPr lang="en-US" sz="800" dirty="0">
+                <a:latin typeface="Courier" pitchFamily="2" charset="0"/>
+              </a:rPr>
+              <a:t>  |                                                               |</a:t>
+            </a:r>
+            <a:endParaRPr lang="en-CA" sz="800" dirty="0">
+              <a:latin typeface="Courier" pitchFamily="2" charset="0"/>
+            </a:endParaRPr>
+          </a:p>
+          <a:p>
+            <a:r>
+              <a:rPr lang="en-US" sz="800" dirty="0">
+                <a:latin typeface="Courier" pitchFamily="2" charset="0"/>
+              </a:rPr>
+              <a:t>  |                                                               |</a:t>
+            </a:r>
+            <a:endParaRPr lang="en-CA" sz="800" dirty="0">
+              <a:latin typeface="Courier" pitchFamily="2" charset="0"/>
+            </a:endParaRPr>
+          </a:p>
+          <a:p>
+            <a:r>
+              <a:rPr lang="en-US" sz="800" dirty="0">
+                <a:latin typeface="Courier" pitchFamily="2" charset="0"/>
+              </a:rPr>
+              <a:t>  |                                                               |</a:t>
+            </a:r>
+            <a:endParaRPr lang="en-CA" sz="800" dirty="0">
+              <a:latin typeface="Courier" pitchFamily="2" charset="0"/>
+            </a:endParaRPr>
+          </a:p>
+          <a:p>
+            <a:r>
+              <a:rPr lang="en-US" sz="800" dirty="0">
+                <a:latin typeface="Courier" pitchFamily="2" charset="0"/>
+              </a:rPr>
+              <a:t>  +-+-+-+-+-+-+-+-+-+-+-+-+-+-+-+-+-+-+-+-+-+-+-+-+-+-+-+-+-+-+-+-+ </a:t>
+            </a:r>
+            <a:endParaRPr lang="en-CA" sz="800" dirty="0">
+              <a:latin typeface="Courier" pitchFamily="2" charset="0"/>
+            </a:endParaRPr>
+          </a:p>
+          <a:p>
+            <a:pPr>
+              <a:spcAft>
+                <a:spcPts val="0"/>
+              </a:spcAft>
+            </a:pPr>
+            <a:endParaRPr lang="en-CA" sz="800" dirty="0">
+              <a:solidFill>
+                <a:schemeClr val="bg2">
+                  <a:lumMod val="50000"/>
+                </a:schemeClr>
+              </a:solidFill>
+              <a:latin typeface="Courier" pitchFamily="2" charset="0"/>
+            </a:endParaRPr>
+          </a:p>
+          <a:p>
+            <a:r>
+              <a:rPr lang="en-CA" sz="800" dirty="0">
+                <a:latin typeface="Courier" pitchFamily="2" charset="0"/>
+              </a:rPr>
+              <a:t>                 STAMP Compatible Probe Message Format</a:t>
+            </a:r>
+            <a:endParaRPr lang="en-US" sz="800" dirty="0">
+              <a:latin typeface="Courier" pitchFamily="2" charset="0"/>
+            </a:endParaRPr>
           </a:p>
         </p:txBody>
       </p:sp>
     </p:spTree>
     <p:extLst>
       <p:ext uri="{BB962C8B-B14F-4D97-AF65-F5344CB8AC3E}">
-        <p14:creationId xmlns:p14="http://schemas.microsoft.com/office/powerpoint/2010/main" val="2048392281"/>
+        <p14:creationId xmlns:p14="http://schemas.microsoft.com/office/powerpoint/2010/main" val="3909069486"/>
       </p:ext>
     </p:extLst>
   </p:cSld>
@@ -10917,8 +11189,8 @@
         </p:nvSpPr>
         <p:spPr>
           <a:xfrm>
-            <a:off x="24974" y="0"/>
-            <a:ext cx="9144000" cy="731027"/>
+            <a:off x="0" y="0"/>
+            <a:ext cx="9144000" cy="640642"/>
           </a:xfrm>
         </p:spPr>
         <p:txBody>
@@ -10926,14 +11198,41 @@
           <a:lstStyle/>
           <a:p>
             <a:r>
-              <a:rPr lang="en-US" sz="3000" dirty="0">
+              <a:rPr lang="en-US" sz="3200" dirty="0">
                 <a:solidFill>
                   <a:srgbClr val="0070C0"/>
                 </a:solidFill>
                 <a:latin typeface="Calibri Light" panose="020F0302020204030204" pitchFamily="34" charset="0"/>
                 <a:cs typeface="Calibri Light" panose="020F0302020204030204" pitchFamily="34" charset="0"/>
               </a:rPr>
-              <a:t>Probe Messages for Timestamp and Forward Function</a:t>
+              <a:t>SR-MPLS with Timestamp, Pop and Forward Function</a:t>
+            </a:r>
+          </a:p>
+        </p:txBody>
+      </p:sp>
+      <p:sp>
+        <p:nvSpPr>
+          <p:cNvPr id="4" name="Footer Placeholder 3"/>
+          <p:cNvSpPr>
+            <a:spLocks noGrp="1"/>
+          </p:cNvSpPr>
+          <p:nvPr>
+            <p:ph type="ftr" sz="quarter" idx="11"/>
+          </p:nvPr>
+        </p:nvSpPr>
+        <p:spPr>
+          <a:xfrm>
+            <a:off x="2836126" y="4786312"/>
+            <a:ext cx="2895600" cy="357188"/>
+          </a:xfrm>
+        </p:spPr>
+        <p:txBody>
+          <a:bodyPr/>
+          <a:lstStyle/>
+          <a:p>
+            <a:r>
+              <a:rPr lang="en-CA" dirty="0"/>
+              <a:t>MPLS WG Interim, September 2020</a:t>
             </a:r>
           </a:p>
         </p:txBody>
@@ -10981,8 +11280,8 @@
         </p:nvSpPr>
         <p:spPr>
           <a:xfrm>
-            <a:off x="304800" y="1878514"/>
-            <a:ext cx="4242226" cy="2431435"/>
+            <a:off x="336380" y="739794"/>
+            <a:ext cx="4468386" cy="3885679"/>
           </a:xfrm>
           <a:prstGeom prst="rect">
             <a:avLst/>
@@ -11001,245 +11300,88 @@
           <a:lstStyle/>
           <a:p>
             <a:r>
-              <a:rPr lang="en-CA" sz="800" dirty="0">
+              <a:rPr lang="en-CA" sz="850" dirty="0">
                 <a:latin typeface="Courier" pitchFamily="2" charset="0"/>
               </a:rPr>
-              <a:t>  +-+-+-+-+-+-+-+-+-+-+-+-+-+-+-+-+-+-+-+-+-+-+-+-+-+-+-+-+-+-+-+-+</a:t>
-            </a:r>
-          </a:p>
-          <a:p>
-            <a:pPr>
-              <a:spcAft>
-                <a:spcPts val="0"/>
-              </a:spcAft>
-            </a:pPr>
-            <a:r>
-              <a:rPr lang="en-US" sz="800" dirty="0">
+              <a:t>0 1 2 3 4 5 6 7 8 9 0 1 2 3 4 5 6 7 8 9 0 1 2 3 4 5 6 7 8 9 0 1   +-+-+-+-+-+-+-+-+-+-+-+-+-+-+-+-+-+-+-+-+-+-+-+-+-+-+-+-+-+-+-+-+ |            Label(1)                   | TC  |S|      TTL      | +-+-+-+-+-+-+-+-+-+-+-+-+-+-+-+-+-+-+-+-+-+-+-+-+-+-+-+-+-+-+-+-+ .                                                               . .                                                               . .                                                               . +-+-+-+-+-+-+-+-+-+-+-+-+-+-+-+-+-+-+-+-+-+-+-+-+-+-+-+-+-+-+-+-+ |            Label(n)                   | TC  |S|      TTL      | +-+-+-+-+-+-+-+-+-+-+-+-+-+-+-+-+-+-+-+-+-+-+-+-+-+-+-+-+-+-+-+-+ |            Extension Label (15)       | TC  |S|      TTL      | +-+-+-+-+-+-+-+-+-+-+-+-+-+-+-+-+-+-+-+-+-+-+-+-+-+-+-+-+-+-+-+-+ |            </a:t>
+            </a:r>
+            <a:r>
+              <a:rPr lang="en-CA" sz="850" b="1" dirty="0">
                 <a:latin typeface="Courier" pitchFamily="2" charset="0"/>
-                <a:ea typeface="Courier" charset="0"/>
-                <a:cs typeface="Courier" charset="0"/>
-              </a:rPr>
-              <a:t>  |         Sequence Number                                       |</a:t>
-            </a:r>
-          </a:p>
-          <a:p>
-            <a:pPr>
-              <a:spcAft>
-                <a:spcPts val="0"/>
-              </a:spcAft>
-            </a:pPr>
-            <a:r>
-              <a:rPr lang="en-US" sz="800" dirty="0">
+              </a:rPr>
+              <a:t>Timestamp Label (TBA1)     </a:t>
+            </a:r>
+            <a:r>
+              <a:rPr lang="en-CA" sz="850" dirty="0">
                 <a:latin typeface="Courier" pitchFamily="2" charset="0"/>
-                <a:ea typeface="Courier" charset="0"/>
-                <a:cs typeface="Courier" charset="0"/>
-              </a:rPr>
-              <a:t>  +-+-+-+-+-+-+-+-+-+-+-+-+-+-+-+-+-+-+-+-+-+-+-+-+-+-+-+-+-+-+-+-+</a:t>
-            </a:r>
-          </a:p>
-          <a:p>
-            <a:pPr>
-              <a:spcAft>
-                <a:spcPts val="0"/>
-              </a:spcAft>
-            </a:pPr>
-            <a:r>
-              <a:rPr lang="en-US" sz="800" dirty="0">
+              </a:rPr>
+              <a:t>| TC  |S|      TTL      | +-+-+-+-+-+-+-+-+-+-+-+-+-+-+-+-+-+-+-+-+-+-+-+-+-+-+-+-+-+-+-+-+ | IP Header                                                     | .  Source IP Address = </a:t>
+            </a:r>
+            <a:r>
+              <a:rPr lang="en-CA" sz="850" b="1" dirty="0">
                 <a:latin typeface="Courier" pitchFamily="2" charset="0"/>
-                <a:ea typeface="Courier" charset="0"/>
-                <a:cs typeface="Courier" charset="0"/>
-              </a:rPr>
-              <a:t>  |         Transmit Timestamp (t1)                               |</a:t>
-            </a:r>
-          </a:p>
-          <a:p>
-            <a:pPr>
-              <a:spcAft>
-                <a:spcPts val="0"/>
-              </a:spcAft>
-            </a:pPr>
-            <a:r>
-              <a:rPr lang="en-US" sz="800" dirty="0">
+              </a:rPr>
+              <a:t>Reflector</a:t>
+            </a:r>
+            <a:r>
+              <a:rPr lang="en-CA" sz="850" dirty="0">
                 <a:latin typeface="Courier" pitchFamily="2" charset="0"/>
-                <a:ea typeface="Courier" charset="0"/>
-                <a:cs typeface="Courier" charset="0"/>
-              </a:rPr>
-              <a:t>  |                                                               |</a:t>
-            </a:r>
-          </a:p>
-          <a:p>
-            <a:pPr>
-              <a:spcAft>
-                <a:spcPts val="0"/>
-              </a:spcAft>
-            </a:pPr>
-            <a:r>
-              <a:rPr lang="en-US" sz="800" dirty="0">
+              </a:rPr>
+              <a:t> IPv4 or IPv6 Address           . .  Destination IP Address = </a:t>
+            </a:r>
+            <a:r>
+              <a:rPr lang="en-CA" sz="850" b="1" dirty="0">
                 <a:latin typeface="Courier" pitchFamily="2" charset="0"/>
-                <a:ea typeface="Courier" charset="0"/>
-                <a:cs typeface="Courier" charset="0"/>
-              </a:rPr>
-              <a:t>  +-+-+-+-+-+-+-+-+-+-+-+-+-+-+-+-+-+-+-+-+-+-+-+-+-+-+-+-+-+-+-+-+</a:t>
-            </a:r>
-          </a:p>
-          <a:p>
-            <a:pPr>
-              <a:spcAft>
-                <a:spcPts val="0"/>
-              </a:spcAft>
-            </a:pPr>
-            <a:r>
-              <a:rPr lang="en-US" sz="800" dirty="0">
+              </a:rPr>
+              <a:t>Sender</a:t>
+            </a:r>
+            <a:r>
+              <a:rPr lang="en-CA" sz="850" dirty="0">
                 <a:latin typeface="Courier" pitchFamily="2" charset="0"/>
-                <a:ea typeface="Courier" charset="0"/>
-                <a:cs typeface="Courier" charset="0"/>
-              </a:rPr>
-              <a:t>  |         Error Estimate        |    MBZ                        |</a:t>
-            </a:r>
-          </a:p>
-          <a:p>
-            <a:pPr>
-              <a:spcAft>
-                <a:spcPts val="0"/>
-              </a:spcAft>
-            </a:pPr>
-            <a:r>
-              <a:rPr lang="en-US" sz="800" dirty="0">
+              </a:rPr>
+              <a:t> IPv4 or IPv6 Address         .</a:t>
+            </a:r>
+          </a:p>
+          <a:p>
+            <a:r>
+              <a:rPr lang="en-CA" sz="850" dirty="0">
                 <a:latin typeface="Courier" pitchFamily="2" charset="0"/>
-                <a:ea typeface="Courier" charset="0"/>
-                <a:cs typeface="Courier" charset="0"/>
-              </a:rPr>
-              <a:t>  +-+-+-+-+-+-+-+-+-+-+-+-+-+-+-+-+-+-+-+-+-+-+-+-+-+-+-+-+-+-+-+-+</a:t>
-            </a:r>
-          </a:p>
-          <a:p>
-            <a:pPr>
-              <a:spcAft>
-                <a:spcPts val="0"/>
-              </a:spcAft>
-            </a:pPr>
-            <a:r>
-              <a:rPr lang="en-US" sz="800" dirty="0">
+              </a:rPr>
+              <a:t>.                                                               . </a:t>
+            </a:r>
+          </a:p>
+          <a:p>
+            <a:r>
+              <a:rPr lang="en-CA" sz="850" dirty="0">
                 <a:latin typeface="Courier" pitchFamily="2" charset="0"/>
-                <a:ea typeface="Courier" charset="0"/>
-                <a:cs typeface="Courier" charset="0"/>
-              </a:rPr>
-              <a:t>  |         Receive Timestamp (t2)                                |</a:t>
-            </a:r>
-          </a:p>
-          <a:p>
-            <a:pPr>
-              <a:spcAft>
-                <a:spcPts val="0"/>
-              </a:spcAft>
-            </a:pPr>
-            <a:r>
-              <a:rPr lang="en-US" sz="800" dirty="0">
+              </a:rPr>
+              <a:t>+---------------------------------------------------------------+ | UDP Header                                                    | .  Source Port = As chosen by Sender                            . .  Destination Port = As chosen by Sender                       . .                                                               . +---------------------------------------------------------------+ | Payload                                                       | </a:t>
+            </a:r>
+          </a:p>
+          <a:p>
+            <a:r>
+              <a:rPr lang="en-CA" sz="850" dirty="0">
                 <a:latin typeface="Courier" pitchFamily="2" charset="0"/>
-                <a:ea typeface="Courier" charset="0"/>
-                <a:cs typeface="Courier" charset="0"/>
-              </a:rPr>
-              <a:t>  |                                                               |</a:t>
-            </a:r>
-          </a:p>
-          <a:p>
-            <a:pPr>
-              <a:spcAft>
-                <a:spcPts val="0"/>
-              </a:spcAft>
-            </a:pPr>
-            <a:r>
-              <a:rPr lang="en-US" sz="800" dirty="0">
+              </a:rPr>
+              <a:t>.                                                               . +---------------------------------------------------------------+</a:t>
+            </a:r>
+          </a:p>
+          <a:p>
+            <a:r>
+              <a:rPr lang="en-CA" sz="850" dirty="0">
                 <a:latin typeface="Courier" pitchFamily="2" charset="0"/>
-                <a:ea typeface="Courier" charset="0"/>
-                <a:cs typeface="Courier" charset="0"/>
-              </a:rPr>
-              <a:t>  +-+-+-+-+-+-+-+-+-+-+-+-+-+-+-+-+-+-+-+-+-+-+-+-+-+-+-+-+-+-+-+-+</a:t>
-            </a:r>
-          </a:p>
-          <a:p>
-            <a:r>
-              <a:rPr lang="en-US" sz="800" dirty="0">
+              </a:rPr>
+              <a:t>    </a:t>
+            </a:r>
+          </a:p>
+          <a:p>
+            <a:r>
+              <a:rPr lang="en-CA" sz="850" dirty="0">
                 <a:latin typeface="Courier" pitchFamily="2" charset="0"/>
               </a:rPr>
-              <a:t>  .                                                               .</a:t>
-            </a:r>
-            <a:endParaRPr lang="en-CA" sz="800" dirty="0">
-              <a:latin typeface="Courier" pitchFamily="2" charset="0"/>
-            </a:endParaRPr>
-          </a:p>
-          <a:p>
-            <a:r>
-              <a:rPr lang="en-US" sz="800" dirty="0">
-                <a:latin typeface="Courier" pitchFamily="2" charset="0"/>
-              </a:rPr>
-              <a:t>  .                                                               .</a:t>
-            </a:r>
-          </a:p>
-          <a:p>
-            <a:r>
-              <a:rPr lang="en-US" sz="800" dirty="0">
-                <a:latin typeface="Courier" pitchFamily="2" charset="0"/>
-              </a:rPr>
-              <a:t>  ~         Variable Length Padding                               ~</a:t>
-            </a:r>
-            <a:endParaRPr lang="en-CA" sz="800" dirty="0">
-              <a:latin typeface="Courier" pitchFamily="2" charset="0"/>
-            </a:endParaRPr>
-          </a:p>
-          <a:p>
-            <a:r>
-              <a:rPr lang="en-US" sz="800" dirty="0">
-                <a:latin typeface="Courier" pitchFamily="2" charset="0"/>
-              </a:rPr>
-              <a:t>  .                                                               .</a:t>
-            </a:r>
-          </a:p>
-          <a:p>
-            <a:r>
-              <a:rPr lang="en-US" sz="800" dirty="0">
-                <a:latin typeface="Courier" pitchFamily="2" charset="0"/>
-              </a:rPr>
-              <a:t>  .                                                               .</a:t>
-            </a:r>
-            <a:endParaRPr lang="en-CA" sz="800" dirty="0">
-              <a:latin typeface="Courier" pitchFamily="2" charset="0"/>
-            </a:endParaRPr>
-          </a:p>
-          <a:p>
-            <a:r>
-              <a:rPr lang="en-US" sz="800" dirty="0">
-                <a:latin typeface="Courier" pitchFamily="2" charset="0"/>
-              </a:rPr>
-              <a:t>  +-+-+-+-+-+-+-+-+-+-+-+-+-+-+-+-+-+-+-+-+-+-+-+-+-+-+-+-+-+-+-+-+ </a:t>
-            </a:r>
-            <a:endParaRPr lang="en-CA" sz="800" dirty="0">
-              <a:latin typeface="Courier" pitchFamily="2" charset="0"/>
-            </a:endParaRPr>
-          </a:p>
-          <a:p>
-            <a:pPr>
-              <a:spcAft>
-                <a:spcPts val="0"/>
-              </a:spcAft>
-            </a:pPr>
-            <a:endParaRPr lang="en-CA" sz="800" dirty="0">
-              <a:solidFill>
-                <a:schemeClr val="bg2">
-                  <a:lumMod val="50000"/>
-                </a:schemeClr>
-              </a:solidFill>
-              <a:latin typeface="Courier" pitchFamily="2" charset="0"/>
-            </a:endParaRPr>
-          </a:p>
-          <a:p>
-            <a:r>
-              <a:rPr lang="en-CA" sz="800" dirty="0">
-                <a:latin typeface="Courier" pitchFamily="2" charset="0"/>
-              </a:rPr>
-              <a:t>        Figure: TWAMP Compatible Light Probe Message Format</a:t>
-            </a:r>
-            <a:endParaRPr lang="en-US" sz="800" dirty="0">
+              <a:t>     Example Probe Message with Timestamp Label for SR-MPLS</a:t>
+            </a:r>
+            <a:endParaRPr lang="en-US" sz="850" dirty="0">
               <a:latin typeface="Courier" pitchFamily="2" charset="0"/>
             </a:endParaRPr>
           </a:p>
@@ -11263,8 +11405,8 @@
         </p:nvSpPr>
         <p:spPr>
           <a:xfrm>
-            <a:off x="351506" y="703293"/>
-            <a:ext cx="8370165" cy="988236"/>
+            <a:off x="5105400" y="1123950"/>
+            <a:ext cx="3678973" cy="2590800"/>
           </a:xfrm>
         </p:spPr>
         <p:txBody>
@@ -11272,354 +11414,31 @@
           <a:lstStyle/>
           <a:p>
             <a:r>
-              <a:rPr lang="en-US" sz="1200" dirty="0"/>
-              <a:t>Leverage existing TWAMP implementations and deployments with compatible probe message format</a:t>
-            </a:r>
-          </a:p>
-          <a:p>
-            <a:r>
-              <a:rPr lang="en-US" sz="1200" dirty="0"/>
-              <a:t>Sender adds Transmit Timestamp (t1)</a:t>
-            </a:r>
-          </a:p>
-          <a:p>
-            <a:r>
-              <a:rPr lang="en-US" sz="1200" dirty="0"/>
-              <a:t>Reflector adds Receive Timestamp (t2) at fixed offset in payload locally provisioned (consistently in the network)</a:t>
-            </a:r>
-          </a:p>
-          <a:p>
-            <a:pPr lvl="1"/>
-            <a:r>
-              <a:rPr lang="en-US" sz="1200" dirty="0"/>
-              <a:t>E.g. offset-byte 16 from the start of the payload</a:t>
-            </a:r>
-          </a:p>
-        </p:txBody>
-      </p:sp>
-      <p:sp>
-        <p:nvSpPr>
-          <p:cNvPr id="4" name="Footer Placeholder 3"/>
-          <p:cNvSpPr>
-            <a:spLocks noGrp="1"/>
-          </p:cNvSpPr>
-          <p:nvPr>
-            <p:ph type="ftr" sz="quarter" idx="11"/>
-          </p:nvPr>
-        </p:nvSpPr>
-        <p:spPr>
-          <a:xfrm>
-            <a:off x="3124200" y="4786312"/>
-            <a:ext cx="2895600" cy="357188"/>
-          </a:xfrm>
-        </p:spPr>
-        <p:txBody>
-          <a:bodyPr/>
-          <a:lstStyle/>
-          <a:p>
-            <a:r>
-              <a:rPr lang="en-CA" dirty="0"/>
-              <a:t>MPLS WG Interim, September 2020</a:t>
-            </a:r>
-          </a:p>
-        </p:txBody>
-      </p:sp>
-      <p:sp>
-        <p:nvSpPr>
-          <p:cNvPr id="7" name="Rectangle 6">
-            <a:extLst>
-              <a:ext uri="{FF2B5EF4-FFF2-40B4-BE49-F238E27FC236}">
-                <a16:creationId xmlns:a16="http://schemas.microsoft.com/office/drawing/2014/main" id="{379A9A6A-2ADE-4772-8A9B-054CD2389A6C}"/>
-              </a:ext>
-            </a:extLst>
-          </p:cNvPr>
-          <p:cNvSpPr/>
-          <p:nvPr/>
-        </p:nvSpPr>
-        <p:spPr>
-          <a:xfrm>
-            <a:off x="4673174" y="1878514"/>
-            <a:ext cx="4242226" cy="2431435"/>
-          </a:xfrm>
-          <a:prstGeom prst="rect">
-            <a:avLst/>
-          </a:prstGeom>
-          <a:solidFill>
-            <a:schemeClr val="accent6">
-              <a:lumMod val="20000"/>
-              <a:lumOff val="80000"/>
-            </a:schemeClr>
-          </a:solidFill>
-        </p:spPr>
-        <p:txBody>
-          <a:bodyPr wrap="square">
-            <a:spAutoFit/>
-          </a:bodyPr>
-          <a:lstStyle/>
-          <a:p>
-            <a:r>
-              <a:rPr lang="en-CA" sz="800" dirty="0">
-                <a:latin typeface="Courier" pitchFamily="2" charset="0"/>
-              </a:rPr>
-              <a:t>  +-+-+-+-+-+-+-+-+-+-+-+-+-+-+-+-+-+-+-+-+-+-+-+-+-+-+-+-+-+-+-+-+</a:t>
-            </a:r>
-          </a:p>
-          <a:p>
-            <a:pPr>
-              <a:spcAft>
-                <a:spcPts val="0"/>
-              </a:spcAft>
-            </a:pPr>
-            <a:r>
-              <a:rPr lang="en-US" sz="800" dirty="0">
-                <a:latin typeface="Courier" pitchFamily="2" charset="0"/>
-                <a:ea typeface="Courier" charset="0"/>
-                <a:cs typeface="Courier" charset="0"/>
-              </a:rPr>
-              <a:t>  |         Sequence Number                                       |</a:t>
-            </a:r>
-          </a:p>
-          <a:p>
-            <a:pPr>
-              <a:spcAft>
-                <a:spcPts val="0"/>
-              </a:spcAft>
-            </a:pPr>
-            <a:r>
-              <a:rPr lang="en-US" sz="800" dirty="0">
-                <a:latin typeface="Courier" pitchFamily="2" charset="0"/>
-                <a:ea typeface="Courier" charset="0"/>
-                <a:cs typeface="Courier" charset="0"/>
-              </a:rPr>
-              <a:t>  +-+-+-+-+-+-+-+-+-+-+-+-+-+-+-+-+-+-+-+-+-+-+-+-+-+-+-+-+-+-+-+-+</a:t>
-            </a:r>
-          </a:p>
-          <a:p>
-            <a:pPr>
-              <a:spcAft>
-                <a:spcPts val="0"/>
-              </a:spcAft>
-            </a:pPr>
-            <a:r>
-              <a:rPr lang="en-US" sz="800" dirty="0">
-                <a:latin typeface="Courier" pitchFamily="2" charset="0"/>
-                <a:ea typeface="Courier" charset="0"/>
-                <a:cs typeface="Courier" charset="0"/>
-              </a:rPr>
-              <a:t>  |         Transmit Timestamp (t1)                               |</a:t>
-            </a:r>
-          </a:p>
-          <a:p>
-            <a:pPr>
-              <a:spcAft>
-                <a:spcPts val="0"/>
-              </a:spcAft>
-            </a:pPr>
-            <a:r>
-              <a:rPr lang="en-US" sz="800" dirty="0">
-                <a:latin typeface="Courier" pitchFamily="2" charset="0"/>
-                <a:ea typeface="Courier" charset="0"/>
-                <a:cs typeface="Courier" charset="0"/>
-              </a:rPr>
-              <a:t>  |                                                               |</a:t>
-            </a:r>
-          </a:p>
-          <a:p>
-            <a:pPr>
-              <a:spcAft>
-                <a:spcPts val="0"/>
-              </a:spcAft>
-            </a:pPr>
-            <a:r>
-              <a:rPr lang="en-US" sz="800" dirty="0">
-                <a:latin typeface="Courier" pitchFamily="2" charset="0"/>
-                <a:ea typeface="Courier" charset="0"/>
-                <a:cs typeface="Courier" charset="0"/>
-              </a:rPr>
-              <a:t>  +-+-+-+-+-+-+-+-+-+-+-+-+-+-+-+-+-+-+-+-+-+-+-+-+-+-+-+-+-+-+-+-+</a:t>
-            </a:r>
-          </a:p>
-          <a:p>
-            <a:pPr>
-              <a:spcAft>
-                <a:spcPts val="0"/>
-              </a:spcAft>
-            </a:pPr>
-            <a:r>
-              <a:rPr lang="en-US" sz="800" dirty="0">
-                <a:latin typeface="Courier" pitchFamily="2" charset="0"/>
-                <a:ea typeface="Courier" charset="0"/>
-                <a:cs typeface="Courier" charset="0"/>
-              </a:rPr>
-              <a:t>  |         Error Estimate        |    SSID                       |</a:t>
-            </a:r>
-          </a:p>
-          <a:p>
-            <a:pPr>
-              <a:spcAft>
-                <a:spcPts val="0"/>
-              </a:spcAft>
-            </a:pPr>
-            <a:r>
-              <a:rPr lang="en-US" sz="800" dirty="0">
-                <a:latin typeface="Courier" pitchFamily="2" charset="0"/>
-                <a:ea typeface="Courier" charset="0"/>
-                <a:cs typeface="Courier" charset="0"/>
-              </a:rPr>
-              <a:t>  +-+-+-+-+-+-+-+-+-+-+-+-+-+-+-+-+-+-+-+-+-+-+-+-+-+-+-+-+-+-+-+-+</a:t>
-            </a:r>
-          </a:p>
-          <a:p>
-            <a:pPr>
-              <a:spcAft>
-                <a:spcPts val="0"/>
-              </a:spcAft>
-            </a:pPr>
-            <a:r>
-              <a:rPr lang="en-US" sz="800" dirty="0">
-                <a:latin typeface="Courier" pitchFamily="2" charset="0"/>
-                <a:ea typeface="Courier" charset="0"/>
-                <a:cs typeface="Courier" charset="0"/>
-              </a:rPr>
-              <a:t>  |         Receive Timestamp (t2)                                |</a:t>
-            </a:r>
-          </a:p>
-          <a:p>
-            <a:pPr>
-              <a:spcAft>
-                <a:spcPts val="0"/>
-              </a:spcAft>
-            </a:pPr>
-            <a:r>
-              <a:rPr lang="en-US" sz="800" dirty="0">
-                <a:latin typeface="Courier" pitchFamily="2" charset="0"/>
-                <a:ea typeface="Courier" charset="0"/>
-                <a:cs typeface="Courier" charset="0"/>
-              </a:rPr>
-              <a:t>  |                                                               |</a:t>
-            </a:r>
-          </a:p>
-          <a:p>
-            <a:pPr>
-              <a:spcAft>
-                <a:spcPts val="0"/>
-              </a:spcAft>
-            </a:pPr>
-            <a:r>
-              <a:rPr lang="en-US" sz="800" dirty="0">
-                <a:latin typeface="Courier" pitchFamily="2" charset="0"/>
-                <a:ea typeface="Courier" charset="0"/>
-                <a:cs typeface="Courier" charset="0"/>
-              </a:rPr>
-              <a:t>  +-+-+-+-+-+-+-+-+-+-+-+-+-+-+-+-+-+-+-+-+-+-+-+-+-+-+-+-+-+-+-+-+</a:t>
-            </a:r>
-          </a:p>
-          <a:p>
-            <a:r>
-              <a:rPr lang="en-US" sz="800" dirty="0">
-                <a:latin typeface="Courier" pitchFamily="2" charset="0"/>
-                <a:ea typeface="Courier" charset="0"/>
-                <a:cs typeface="Courier" charset="0"/>
-              </a:rPr>
-              <a:t>  </a:t>
-            </a:r>
-            <a:r>
-              <a:rPr lang="en-US" sz="800" dirty="0">
-                <a:latin typeface="Courier" pitchFamily="2" charset="0"/>
-              </a:rPr>
-              <a:t>|                                                               |</a:t>
-            </a:r>
-            <a:endParaRPr lang="en-CA" sz="800" dirty="0">
-              <a:latin typeface="Courier" pitchFamily="2" charset="0"/>
-            </a:endParaRPr>
-          </a:p>
-          <a:p>
-            <a:r>
-              <a:rPr lang="en-US" sz="800" dirty="0">
-                <a:latin typeface="Courier" pitchFamily="2" charset="0"/>
-              </a:rPr>
-              <a:t>  |         Fixed Length Padding                                  |</a:t>
-            </a:r>
-            <a:endParaRPr lang="en-CA" sz="800" dirty="0">
-              <a:latin typeface="Courier" pitchFamily="2" charset="0"/>
-            </a:endParaRPr>
-          </a:p>
-          <a:p>
-            <a:r>
-              <a:rPr lang="en-US" sz="800" dirty="0">
-                <a:latin typeface="Courier" pitchFamily="2" charset="0"/>
-              </a:rPr>
-              <a:t>  |                                                               |</a:t>
-            </a:r>
-            <a:endParaRPr lang="en-CA" sz="800" dirty="0">
-              <a:latin typeface="Courier" pitchFamily="2" charset="0"/>
-            </a:endParaRPr>
-          </a:p>
-          <a:p>
-            <a:r>
-              <a:rPr lang="en-US" sz="800" dirty="0">
-                <a:latin typeface="Courier" pitchFamily="2" charset="0"/>
-              </a:rPr>
-              <a:t>  |                                                               |</a:t>
-            </a:r>
-            <a:endParaRPr lang="en-CA" sz="800" dirty="0">
-              <a:latin typeface="Courier" pitchFamily="2" charset="0"/>
-            </a:endParaRPr>
-          </a:p>
-          <a:p>
-            <a:r>
-              <a:rPr lang="en-US" sz="800" dirty="0">
-                <a:latin typeface="Courier" pitchFamily="2" charset="0"/>
-              </a:rPr>
-              <a:t>  |                                                               |</a:t>
-            </a:r>
-            <a:endParaRPr lang="en-CA" sz="800" dirty="0">
-              <a:latin typeface="Courier" pitchFamily="2" charset="0"/>
-            </a:endParaRPr>
-          </a:p>
-          <a:p>
-            <a:r>
-              <a:rPr lang="en-US" sz="800" dirty="0">
-                <a:latin typeface="Courier" pitchFamily="2" charset="0"/>
-              </a:rPr>
-              <a:t>  +-+-+-+-+-+-+-+-+-+-+-+-+-+-+-+-+-+-+-+-+-+-+-+-+-+-+-+-+-+-+-+-+ </a:t>
-            </a:r>
-            <a:endParaRPr lang="en-CA" sz="800" dirty="0">
-              <a:latin typeface="Courier" pitchFamily="2" charset="0"/>
-            </a:endParaRPr>
-          </a:p>
-          <a:p>
-            <a:pPr>
-              <a:spcAft>
-                <a:spcPts val="0"/>
-              </a:spcAft>
-            </a:pPr>
-            <a:endParaRPr lang="en-CA" sz="800" dirty="0">
-              <a:solidFill>
-                <a:schemeClr val="bg2">
-                  <a:lumMod val="50000"/>
-                </a:schemeClr>
-              </a:solidFill>
-              <a:latin typeface="Courier" pitchFamily="2" charset="0"/>
-            </a:endParaRPr>
-          </a:p>
-          <a:p>
-            <a:r>
-              <a:rPr lang="en-CA" sz="800" dirty="0">
-                <a:latin typeface="Courier" pitchFamily="2" charset="0"/>
-              </a:rPr>
-              <a:t>            Figure: STAMP Compatible Probe Message Format</a:t>
-            </a:r>
-            <a:endParaRPr lang="en-US" sz="800" dirty="0">
-              <a:latin typeface="Courier" pitchFamily="2" charset="0"/>
-            </a:endParaRPr>
+              <a:rPr lang="en-US" sz="1600" dirty="0"/>
+              <a:t>Extended Special-purpose label (TBA1) is defined for Timestamp, Pop and Forward function</a:t>
+            </a:r>
+          </a:p>
+          <a:p>
+            <a:r>
+              <a:rPr lang="en-US" sz="1600" dirty="0"/>
+              <a:t>Reverse Path can be IP or SR-MPLS</a:t>
+            </a:r>
+          </a:p>
+          <a:p>
+            <a:r>
+              <a:rPr lang="en-US" sz="1600" dirty="0"/>
+              <a:t>Source and Destination Addresses are swapped that represent the Reverse direction path</a:t>
+            </a:r>
+          </a:p>
+          <a:p>
+            <a:endParaRPr lang="en-US" sz="1600" dirty="0"/>
           </a:p>
         </p:txBody>
       </p:sp>
     </p:spTree>
     <p:extLst>
       <p:ext uri="{BB962C8B-B14F-4D97-AF65-F5344CB8AC3E}">
-        <p14:creationId xmlns:p14="http://schemas.microsoft.com/office/powerpoint/2010/main" val="3909069486"/>
+        <p14:creationId xmlns:p14="http://schemas.microsoft.com/office/powerpoint/2010/main" val="3257992778"/>
       </p:ext>
     </p:extLst>
   </p:cSld>
@@ -11674,7 +11493,7 @@
                 <a:latin typeface="Calibri Light" panose="020F0302020204030204" pitchFamily="34" charset="0"/>
                 <a:cs typeface="Calibri Light" panose="020F0302020204030204" pitchFamily="34" charset="0"/>
               </a:rPr>
-              <a:t>SR-MPLS with Timestamp, Pop and Forward Function</a:t>
+              <a:t>SRv6 with Timestamp and Forward Endpoint Function</a:t>
             </a:r>
           </a:p>
         </p:txBody>
@@ -11749,8 +11568,8 @@
         </p:nvSpPr>
         <p:spPr>
           <a:xfrm>
-            <a:off x="332214" y="658832"/>
-            <a:ext cx="4696986" cy="4108817"/>
+            <a:off x="355170" y="742950"/>
+            <a:ext cx="4648200" cy="3657600"/>
           </a:xfrm>
           <a:prstGeom prst="rect">
             <a:avLst/>
@@ -11772,43 +11591,155 @@
               <a:rPr lang="en-CA" sz="900" dirty="0">
                 <a:latin typeface="Courier" pitchFamily="2" charset="0"/>
               </a:rPr>
-              <a:t>0 1 2 3 4 5 6 7 8 9 0 1 2 3 4 5 6 7 8 9 0 1 2 3 4 5 6 7 8 9 0 1   +-+-+-+-+-+-+-+-+-+-+-+-+-+-+-+-+-+-+-+-+-+-+-+-+-+-+-+-+-+-+-+-+ |            Label(1)                   | TC  |S|      TTL      | +-+-+-+-+-+-+-+-+-+-+-+-+-+-+-+-+-+-+-+-+-+-+-+-+-+-+-+-+-+-+-+-+ .                                                               . .                                                               . .                                                               . +-+-+-+-+-+-+-+-+-+-+-+-+-+-+-+-+-+-+-+-+-+-+-+-+-+-+-+-+-+-+-+-+ |            Label(n)                   | TC  |S|      TTL      | +-+-+-+-+-+-+-+-+-+-+-+-+-+-+-+-+-+-+-+-+-+-+-+-+-+-+-+-+-+-+-+-+ |            Extension Label (15)       | TC  |S|      TTL      | +-+-+-+-+-+-+-+-+-+-+-+-+-+-+-+-+-+-+-+-+-+-+-+-+-+-+-+-+-+-+-+-+ |            </a:t>
+              <a:t>+---------------------------------------------------------------+</a:t>
+            </a:r>
+          </a:p>
+          <a:p>
+            <a:r>
+              <a:rPr lang="en-CA" sz="900" dirty="0">
+                <a:latin typeface="Courier" pitchFamily="2" charset="0"/>
+              </a:rPr>
+              <a:t>| IP Header                                                     |</a:t>
+            </a:r>
+          </a:p>
+          <a:p>
+            <a:r>
+              <a:rPr lang="en-CA" sz="900" dirty="0">
+                <a:latin typeface="Courier" pitchFamily="2" charset="0"/>
+              </a:rPr>
+              <a:t>.  Source IP Address = Sender IPv6 Address                      .</a:t>
+            </a:r>
+          </a:p>
+          <a:p>
+            <a:r>
+              <a:rPr lang="en-CA" sz="900" dirty="0">
+                <a:latin typeface="Courier" pitchFamily="2" charset="0"/>
+              </a:rPr>
+              <a:t>.  Destination IP Address = Destination IPv6 Address            .</a:t>
+            </a:r>
+          </a:p>
+          <a:p>
+            <a:r>
+              <a:rPr lang="en-CA" sz="900" dirty="0">
+                <a:latin typeface="Courier" pitchFamily="2" charset="0"/>
+              </a:rPr>
+              <a:t>.                                                               .</a:t>
+            </a:r>
+          </a:p>
+          <a:p>
+            <a:r>
+              <a:rPr lang="en-CA" sz="900" dirty="0">
+                <a:latin typeface="Courier" pitchFamily="2" charset="0"/>
+              </a:rPr>
+              <a:t>+---------------------------------------------------------------+</a:t>
+            </a:r>
+          </a:p>
+          <a:p>
+            <a:r>
+              <a:rPr lang="en-CA" sz="900" dirty="0">
+                <a:latin typeface="Courier" pitchFamily="2" charset="0"/>
+              </a:rPr>
+              <a:t>| SRH as specified in RFC 8754                                  |</a:t>
+            </a:r>
+          </a:p>
+          <a:p>
+            <a:r>
+              <a:rPr lang="en-CA" sz="900" dirty="0">
+                <a:latin typeface="Courier" pitchFamily="2" charset="0"/>
+              </a:rPr>
+              <a:t>.  &lt;Segment List&gt;                                               .</a:t>
+            </a:r>
+          </a:p>
+          <a:p>
+            <a:r>
+              <a:rPr lang="en-CA" sz="900" dirty="0">
+                <a:latin typeface="Courier" pitchFamily="2" charset="0"/>
+              </a:rPr>
+              <a:t>.  </a:t>
+            </a:r>
+            <a:r>
+              <a:rPr lang="en-CA" sz="900" dirty="0" err="1">
+                <a:latin typeface="Courier" pitchFamily="2" charset="0"/>
+              </a:rPr>
+              <a:t>End.TSF</a:t>
+            </a:r>
+            <a:r>
+              <a:rPr lang="en-CA" sz="900" dirty="0">
+                <a:latin typeface="Courier" pitchFamily="2" charset="0"/>
+              </a:rPr>
+              <a:t> with Reflector SID                                   .</a:t>
+            </a:r>
+          </a:p>
+          <a:p>
+            <a:r>
+              <a:rPr lang="en-CA" sz="900" dirty="0">
+                <a:latin typeface="Courier" pitchFamily="2" charset="0"/>
+              </a:rPr>
+              <a:t>.                                                               .</a:t>
+            </a:r>
+          </a:p>
+          <a:p>
+            <a:r>
+              <a:rPr lang="en-CA" sz="900" dirty="0">
+                <a:latin typeface="Courier" pitchFamily="2" charset="0"/>
+              </a:rPr>
+              <a:t>+---------------------------------------------------------------+</a:t>
+            </a:r>
+          </a:p>
+          <a:p>
+            <a:r>
+              <a:rPr lang="en-CA" sz="900" dirty="0">
+                <a:latin typeface="Courier" pitchFamily="2" charset="0"/>
+              </a:rPr>
+              <a:t>| IP Header                                                     |</a:t>
+            </a:r>
+          </a:p>
+          <a:p>
+            <a:r>
+              <a:rPr lang="en-CA" sz="900" dirty="0">
+                <a:latin typeface="Courier" pitchFamily="2" charset="0"/>
+              </a:rPr>
+              <a:t>.  Source IP Address = </a:t>
             </a:r>
             <a:r>
               <a:rPr lang="en-CA" sz="900" b="1" dirty="0">
                 <a:latin typeface="Courier" pitchFamily="2" charset="0"/>
               </a:rPr>
-              <a:t>Timestamp Label (TBA1)     </a:t>
+              <a:t>Reflector</a:t>
             </a:r>
             <a:r>
               <a:rPr lang="en-CA" sz="900" dirty="0">
                 <a:latin typeface="Courier" pitchFamily="2" charset="0"/>
               </a:rPr>
-              <a:t>| TC  |S|      TTL      | +-+-+-+-+-+-+-+-+-+-+-+-+-+-+-+-+-+-+-+-+-+-+-+-+-+-+-+-+-+-+-+-+ | IP Header                                                     | .  Source IP Address = </a:t>
+              <a:t> IPv6 Address                   .</a:t>
+            </a:r>
+          </a:p>
+          <a:p>
+            <a:r>
+              <a:rPr lang="en-CA" sz="900" dirty="0">
+                <a:latin typeface="Courier" pitchFamily="2" charset="0"/>
+              </a:rPr>
+              <a:t>.  Destination IP Address = </a:t>
             </a:r>
             <a:r>
               <a:rPr lang="en-CA" sz="900" b="1" dirty="0">
                 <a:latin typeface="Courier" pitchFamily="2" charset="0"/>
               </a:rPr>
-              <a:t>Reflector</a:t>
+              <a:t>Sender</a:t>
             </a:r>
             <a:r>
               <a:rPr lang="en-CA" sz="900" dirty="0">
                 <a:latin typeface="Courier" pitchFamily="2" charset="0"/>
               </a:rPr>
-              <a:t> IPv4 or IPv6 Address           . .  Destination IP Address = </a:t>
-            </a:r>
-            <a:r>
-              <a:rPr lang="en-CA" sz="900" b="1" dirty="0">
-                <a:latin typeface="Courier" pitchFamily="2" charset="0"/>
-              </a:rPr>
-              <a:t>Sender</a:t>
-            </a:r>
+              <a:t> IPv6 Address                 .</a:t>
+            </a:r>
+          </a:p>
+          <a:p>
             <a:r>
               <a:rPr lang="en-CA" sz="900" dirty="0">
                 <a:latin typeface="Courier" pitchFamily="2" charset="0"/>
               </a:rPr>
-              <a:t> IPv4 or IPv6 Address         .</a:t>
+              <a:t>.                                                               .</a:t>
             </a:r>
           </a:p>
           <a:p>
@@ -11816,7 +11747,7 @@
               <a:rPr lang="en-CA" sz="900" dirty="0">
                 <a:latin typeface="Courier" pitchFamily="2" charset="0"/>
               </a:rPr>
-              <a:t>.                                                               . </a:t>
+              <a:t>+---------------------------------------------------------------+</a:t>
             </a:r>
           </a:p>
           <a:p>
@@ -11824,7 +11755,7 @@
               <a:rPr lang="en-CA" sz="900" dirty="0">
                 <a:latin typeface="Courier" pitchFamily="2" charset="0"/>
               </a:rPr>
-              <a:t>+---------------------------------------------------------------+ | UDP Header                                                    | .  Source Port = As chosen by Sender                            . .  Destination Port = As chosen by Sender                       . .                                                               . +---------------------------------------------------------------+ | Payload                                                       | </a:t>
+              <a:t>| UDP Header                                                    |</a:t>
             </a:r>
           </a:p>
           <a:p>
@@ -11832,7 +11763,7 @@
               <a:rPr lang="en-CA" sz="900" dirty="0">
                 <a:latin typeface="Courier" pitchFamily="2" charset="0"/>
               </a:rPr>
-              <a:t>.                                                               . +---------------------------------------------------------------+</a:t>
+              <a:t>.  Source Port = As chosen by Sender                            . </a:t>
             </a:r>
           </a:p>
           <a:p>
@@ -11840,7 +11771,7 @@
               <a:rPr lang="en-CA" sz="900" dirty="0">
                 <a:latin typeface="Courier" pitchFamily="2" charset="0"/>
               </a:rPr>
-              <a:t>    </a:t>
+              <a:t>.  Destination Port = As chosen by Sender                       .</a:t>
             </a:r>
           </a:p>
           <a:p>
@@ -11848,7 +11779,55 @@
               <a:rPr lang="en-CA" sz="900" dirty="0">
                 <a:latin typeface="Courier" pitchFamily="2" charset="0"/>
               </a:rPr>
-              <a:t>     Example Probe Message with Timestamp Label for SR-MPLS</a:t>
+              <a:t>.                                                               .</a:t>
+            </a:r>
+          </a:p>
+          <a:p>
+            <a:r>
+              <a:rPr lang="en-CA" sz="900" dirty="0">
+                <a:latin typeface="Courier" pitchFamily="2" charset="0"/>
+              </a:rPr>
+              <a:t>+---------------------------------------------------------------+</a:t>
+            </a:r>
+          </a:p>
+          <a:p>
+            <a:r>
+              <a:rPr lang="en-CA" sz="900" dirty="0">
+                <a:latin typeface="Courier" pitchFamily="2" charset="0"/>
+              </a:rPr>
+              <a:t>| Payload                                                       |</a:t>
+            </a:r>
+          </a:p>
+          <a:p>
+            <a:r>
+              <a:rPr lang="en-CA" sz="900" dirty="0">
+                <a:latin typeface="Courier" pitchFamily="2" charset="0"/>
+              </a:rPr>
+              <a:t>.                                                               .</a:t>
+            </a:r>
+          </a:p>
+          <a:p>
+            <a:r>
+              <a:rPr lang="en-CA" sz="900" dirty="0">
+                <a:latin typeface="Courier" pitchFamily="2" charset="0"/>
+              </a:rPr>
+              <a:t>+---------------------------------------------------------------+</a:t>
+            </a:r>
+          </a:p>
+          <a:p>
+            <a:r>
+              <a:rPr lang="en-CA" sz="900" dirty="0">
+                <a:latin typeface="Courier" pitchFamily="2" charset="0"/>
+              </a:rPr>
+              <a:t> </a:t>
+            </a:r>
+          </a:p>
+          <a:p>
+            <a:r>
+              <a:rPr lang="en-CA" sz="900" dirty="0">
+                <a:latin typeface="Courier" pitchFamily="2" charset="0"/>
+              </a:rPr>
+              <a:t>      Example Probe Message with Endpoint Function for SRv6</a:t>
             </a:r>
             <a:endParaRPr lang="en-US" sz="900" dirty="0">
               <a:latin typeface="Courier" pitchFamily="2" charset="0"/>
@@ -11874,8 +11853,8 @@
         </p:nvSpPr>
         <p:spPr>
           <a:xfrm>
-            <a:off x="5105400" y="1123950"/>
-            <a:ext cx="3678973" cy="2590800"/>
+            <a:off x="5135688" y="933449"/>
+            <a:ext cx="3678973" cy="3276600"/>
           </a:xfrm>
         </p:spPr>
         <p:txBody>
@@ -11883,31 +11862,66 @@
           <a:lstStyle/>
           <a:p>
             <a:r>
-              <a:rPr lang="en-US" sz="1600" dirty="0"/>
-              <a:t>Extended Special-purpose label (TBA1) is defined for Timestamp, Pop and Forward function</a:t>
-            </a:r>
-          </a:p>
-          <a:p>
-            <a:r>
-              <a:rPr lang="en-US" sz="1600" dirty="0"/>
-              <a:t>Reverse Path can be IP or SR-MPLS</a:t>
-            </a:r>
-          </a:p>
-          <a:p>
-            <a:r>
-              <a:rPr lang="en-US" sz="1600" dirty="0"/>
-              <a:t>Source and Destination Addresses are swapped that represent the Reverse direction path</a:t>
-            </a:r>
-          </a:p>
-          <a:p>
-            <a:endParaRPr lang="en-US" sz="1600" dirty="0"/>
+              <a:rPr lang="en-US" sz="1400" dirty="0"/>
+              <a:t>Endpoint Function </a:t>
+            </a:r>
+            <a:r>
+              <a:rPr lang="en-US" sz="1400" dirty="0" err="1"/>
+              <a:t>End.TSF</a:t>
+            </a:r>
+            <a:r>
+              <a:rPr lang="en-US" sz="1400" dirty="0"/>
+              <a:t> is defined for Timestamp and Forward network programming and is carried for the Reflector node SID</a:t>
+            </a:r>
+          </a:p>
+          <a:p>
+            <a:r>
+              <a:rPr lang="en-US" sz="1400" dirty="0"/>
+              <a:t>Reverse path can be IP</a:t>
+            </a:r>
+          </a:p>
+          <a:p>
+            <a:pPr lvl="1"/>
+            <a:r>
+              <a:rPr lang="en-US" sz="1400" dirty="0"/>
+              <a:t>Reflector node removes SRH</a:t>
+            </a:r>
+          </a:p>
+          <a:p>
+            <a:r>
+              <a:rPr lang="en-US" sz="1400" dirty="0"/>
+              <a:t>Reverse path can be SR</a:t>
+            </a:r>
+          </a:p>
+          <a:p>
+            <a:pPr lvl="1"/>
+            <a:r>
+              <a:rPr lang="en-US" sz="1400" dirty="0"/>
+              <a:t>Reverse direction SR path Segment-list carried in SRH</a:t>
+            </a:r>
+          </a:p>
+          <a:p>
+            <a:pPr lvl="1"/>
+            <a:r>
+              <a:rPr lang="en-US" sz="1400" dirty="0"/>
+              <a:t>Reflector node does not remove the SRH</a:t>
+            </a:r>
+          </a:p>
+          <a:p>
+            <a:r>
+              <a:rPr lang="en-US" sz="1400" dirty="0"/>
+              <a:t>Source and Destination Addresses are swapped that represent the Reverse direction path in the inner IPv6 header</a:t>
+            </a:r>
+          </a:p>
+          <a:p>
+            <a:endParaRPr lang="en-US" sz="1400" dirty="0"/>
           </a:p>
         </p:txBody>
       </p:sp>
     </p:spTree>
     <p:extLst>
       <p:ext uri="{BB962C8B-B14F-4D97-AF65-F5344CB8AC3E}">
-        <p14:creationId xmlns:p14="http://schemas.microsoft.com/office/powerpoint/2010/main" val="3257992778"/>
+        <p14:creationId xmlns:p14="http://schemas.microsoft.com/office/powerpoint/2010/main" val="3310436608"/>
       </p:ext>
     </p:extLst>
   </p:cSld>

--- a/draft-gandhi-spring-sr-enhanced-plm-03.pptx
+++ b/draft-gandhi-spring-sr-enhanced-plm-03.pptx
@@ -6246,7 +6246,7 @@
         </p:nvSpPr>
         <p:spPr>
           <a:xfrm>
-            <a:off x="1676400" y="698009"/>
+            <a:off x="1371600" y="694047"/>
             <a:ext cx="5905500" cy="3931141"/>
           </a:xfrm>
           <a:prstGeom prst="rect">
@@ -6313,7 +6313,16 @@
               <a:rPr lang="en-CA" sz="1050" dirty="0">
                 <a:latin typeface="Courier" pitchFamily="2" charset="0"/>
               </a:rPr>
-              <a:t>     PDLM Mode                     /    \      Timestamp Label/SRv6 EP</a:t>
+              <a:t>     PDLM Mode                     /    \      </a:t>
+            </a:r>
+            <a:r>
+              <a:rPr lang="en-CA" sz="1050" dirty="0">
+                <a:solidFill>
+                  <a:srgbClr val="0070C0"/>
+                </a:solidFill>
+                <a:latin typeface="Courier" pitchFamily="2" charset="0"/>
+              </a:rPr>
+              <a:t>Timestamp Label/SRv6 EP*</a:t>
             </a:r>
           </a:p>
           <a:p>
@@ -6326,7 +6335,16 @@
               <a:rPr lang="en-CA" sz="1050" dirty="0">
                 <a:latin typeface="Courier" pitchFamily="2" charset="0"/>
               </a:rPr>
-              <a:t>       LB or Enhanced Mode        /      \       Timestamp2 Offset</a:t>
+              <a:t>       LB or Enhanced Mode        /      \       </a:t>
+            </a:r>
+            <a:r>
+              <a:rPr lang="en-CA" sz="1050" dirty="0">
+                <a:solidFill>
+                  <a:srgbClr val="0070C0"/>
+                </a:solidFill>
+                <a:latin typeface="Courier" pitchFamily="2" charset="0"/>
+              </a:rPr>
+              <a:t>Timestamp2 Offset</a:t>
             </a:r>
           </a:p>
           <a:p>
@@ -6339,7 +6357,16 @@
               <a:rPr lang="en-CA" sz="1050" dirty="0">
                 <a:latin typeface="Courier" pitchFamily="2" charset="0"/>
               </a:rPr>
-              <a:t>     Message Format              /        \      Timestamp Format</a:t>
+              <a:t>     Message Format              /        \      </a:t>
+            </a:r>
+            <a:r>
+              <a:rPr lang="en-CA" sz="1050" dirty="0">
+                <a:solidFill>
+                  <a:srgbClr val="0070C0"/>
+                </a:solidFill>
+                <a:latin typeface="Courier" pitchFamily="2" charset="0"/>
+              </a:rPr>
+              <a:t>Timestamp Format</a:t>
             </a:r>
           </a:p>
           <a:p>
@@ -6365,7 +6392,22 @@
               <a:rPr lang="en-CA" sz="1050" dirty="0">
                 <a:latin typeface="Courier" pitchFamily="2" charset="0"/>
               </a:rPr>
-              <a:t>     Timestamp Label/SRv6 EP   /            \</a:t>
+              <a:t>     </a:t>
+            </a:r>
+            <a:r>
+              <a:rPr lang="en-CA" sz="1050" dirty="0">
+                <a:solidFill>
+                  <a:srgbClr val="0070C0"/>
+                </a:solidFill>
+                <a:latin typeface="Courier" pitchFamily="2" charset="0"/>
+              </a:rPr>
+              <a:t>Timestamp Label/SRv6 EP*</a:t>
+            </a:r>
+            <a:r>
+              <a:rPr lang="en-CA" sz="1050" dirty="0">
+                <a:latin typeface="Courier" pitchFamily="2" charset="0"/>
+              </a:rPr>
+              <a:t>  /            \</a:t>
             </a:r>
           </a:p>
           <a:p>
@@ -6378,7 +6420,22 @@
               <a:rPr lang="en-CA" sz="1050" dirty="0">
                 <a:latin typeface="Courier" pitchFamily="2" charset="0"/>
               </a:rPr>
-              <a:t>       Timestamp Format       /              \</a:t>
+              <a:t>       </a:t>
+            </a:r>
+            <a:r>
+              <a:rPr lang="en-CA" sz="1050" dirty="0">
+                <a:solidFill>
+                  <a:srgbClr val="0070C0"/>
+                </a:solidFill>
+                <a:latin typeface="Courier" pitchFamily="2" charset="0"/>
+              </a:rPr>
+              <a:t>Timestamp Format       </a:t>
+            </a:r>
+            <a:r>
+              <a:rPr lang="en-CA" sz="1050" dirty="0">
+                <a:latin typeface="Courier" pitchFamily="2" charset="0"/>
+              </a:rPr>
+              <a:t>/              \</a:t>
             </a:r>
           </a:p>
           <a:p>
@@ -6531,6 +6588,46 @@
                 <a:latin typeface="Courier" pitchFamily="2" charset="0"/>
               </a:rPr>
               <a:t>                          Example Provisioning Model</a:t>
+            </a:r>
+          </a:p>
+        </p:txBody>
+      </p:sp>
+      <p:sp>
+        <p:nvSpPr>
+          <p:cNvPr id="3" name="TextBox 2">
+            <a:extLst>
+              <a:ext uri="{FF2B5EF4-FFF2-40B4-BE49-F238E27FC236}">
+                <a16:creationId xmlns:a16="http://schemas.microsoft.com/office/drawing/2014/main" id="{AE7FA884-76F1-D743-8A93-0084B2789ED9}"/>
+              </a:ext>
+            </a:extLst>
+          </p:cNvPr>
+          <p:cNvSpPr txBox="1"/>
+          <p:nvPr/>
+        </p:nvSpPr>
+        <p:spPr>
+          <a:xfrm>
+            <a:off x="7285494" y="3257550"/>
+            <a:ext cx="1629905" cy="600164"/>
+          </a:xfrm>
+          <a:prstGeom prst="rect">
+            <a:avLst/>
+          </a:prstGeom>
+          <a:noFill/>
+        </p:spPr>
+        <p:txBody>
+          <a:bodyPr wrap="square" rtlCol="0">
+            <a:spAutoFit/>
+          </a:bodyPr>
+          <a:lstStyle/>
+          <a:p>
+            <a:r>
+              <a:rPr lang="en-US" sz="1100" dirty="0">
+                <a:solidFill>
+                  <a:srgbClr val="0070C0"/>
+                </a:solidFill>
+                <a:latin typeface="Courier" pitchFamily="2" charset="0"/>
+              </a:rPr>
+              <a:t>* Provisioned, Flooded/Signaled or IANA Allocated</a:t>
             </a:r>
           </a:p>
         </p:txBody>
@@ -9150,8 +9247,8 @@
         </p:nvSpPr>
         <p:spPr>
           <a:xfrm>
-            <a:off x="685800" y="857250"/>
-            <a:ext cx="8001000" cy="3619500"/>
+            <a:off x="914400" y="928042"/>
+            <a:ext cx="7696200" cy="3619500"/>
           </a:xfrm>
         </p:spPr>
         <p:txBody>
@@ -9162,7 +9259,7 @@
               <a:buNone/>
             </a:pPr>
             <a:r>
-              <a:rPr lang="en-US" sz="1400" dirty="0"/>
+              <a:rPr lang="en-US" sz="1200" dirty="0"/>
               <a:t>Requirements:</a:t>
             </a:r>
           </a:p>
@@ -9172,7 +9269,7 @@
               <a:buChar char="§"/>
             </a:pPr>
             <a:r>
-              <a:rPr lang="en-US" sz="1400" dirty="0"/>
+              <a:rPr lang="en-US" sz="1200" dirty="0"/>
               <a:t>Performance Delay Monitoring &amp; Liveness Monitoring in SR networks</a:t>
             </a:r>
           </a:p>
@@ -9182,7 +9279,7 @@
               <a:buChar char="ü"/>
             </a:pPr>
             <a:r>
-              <a:rPr lang="en-US" sz="1400" dirty="0"/>
+              <a:rPr lang="en-US" sz="1200" dirty="0"/>
               <a:t>End-to-end P2P/P2MP SR paths</a:t>
             </a:r>
           </a:p>
@@ -9192,7 +9289,7 @@
               <a:buChar char="ü"/>
             </a:pPr>
             <a:r>
-              <a:rPr lang="en-US" sz="1400" dirty="0"/>
+              <a:rPr lang="en-US" sz="1200" dirty="0"/>
               <a:t>Applicable to SR-MPLS/SRv6 data planes</a:t>
             </a:r>
           </a:p>
@@ -9202,7 +9299,7 @@
               <a:buChar char="§"/>
             </a:pPr>
             <a:r>
-              <a:rPr lang="en-US" sz="1400" dirty="0"/>
+              <a:rPr lang="en-US" sz="1200" dirty="0"/>
               <a:t>Running single protocol in SR networks</a:t>
             </a:r>
           </a:p>
@@ -9212,7 +9309,7 @@
               <a:buChar char="ü"/>
             </a:pPr>
             <a:r>
-              <a:rPr lang="en-US" sz="1400" dirty="0"/>
+              <a:rPr lang="en-US" sz="1200" dirty="0"/>
               <a:t>Simplify implementations and reduce development cost</a:t>
             </a:r>
           </a:p>
@@ -9222,7 +9319,7 @@
               <a:buChar char="ü"/>
             </a:pPr>
             <a:r>
-              <a:rPr lang="en-US" sz="1400" dirty="0"/>
+              <a:rPr lang="en-US" sz="1200" dirty="0"/>
               <a:t>Simplify deployment and reduce operational complexity</a:t>
             </a:r>
           </a:p>
@@ -9232,7 +9329,7 @@
               <a:buChar char="§"/>
             </a:pPr>
             <a:r>
-              <a:rPr lang="en-US" sz="1400" dirty="0"/>
+              <a:rPr lang="en-US" sz="1200" dirty="0"/>
               <a:t>No reflector dependency</a:t>
             </a:r>
           </a:p>
@@ -9242,7 +9339,7 @@
               <a:buChar char="ü"/>
             </a:pPr>
             <a:r>
-              <a:rPr lang="en-US" sz="1400" dirty="0"/>
+              <a:rPr lang="en-US" sz="1200" dirty="0"/>
               <a:t>Stateless on reflector (e.g. reflector unaware of the monitoring protocol) </a:t>
             </a:r>
           </a:p>
@@ -9252,7 +9349,7 @@
               <a:buChar char="ü"/>
             </a:pPr>
             <a:r>
-              <a:rPr lang="en-US" sz="1400" dirty="0"/>
+              <a:rPr lang="en-US" sz="1200" dirty="0"/>
               <a:t>State is in the probe message - spirit of SR</a:t>
             </a:r>
           </a:p>
@@ -9262,7 +9359,7 @@
               <a:buChar char="ü"/>
             </a:pPr>
             <a:r>
-              <a:rPr lang="en-US" sz="1400" dirty="0"/>
+              <a:rPr lang="en-US" sz="1200" dirty="0"/>
               <a:t>Higher scale and faster detection interval</a:t>
             </a:r>
           </a:p>
@@ -9271,7 +9368,7 @@
               <a:buNone/>
             </a:pPr>
             <a:r>
-              <a:rPr lang="en-US" sz="1400" dirty="0"/>
+              <a:rPr lang="en-US" sz="1200" dirty="0"/>
               <a:t>Scope:</a:t>
             </a:r>
           </a:p>
@@ -9281,7 +9378,7 @@
               <a:buChar char="§"/>
             </a:pPr>
             <a:r>
-              <a:rPr lang="en-US" sz="1400" dirty="0"/>
+              <a:rPr lang="en-US" sz="1200" dirty="0"/>
               <a:t>RFC 5357 (TWAMP Light) compatible probe message</a:t>
             </a:r>
           </a:p>
@@ -9291,7 +9388,7 @@
               <a:buChar char="§"/>
             </a:pPr>
             <a:r>
-              <a:rPr lang="en-US" sz="1400" dirty="0"/>
+              <a:rPr lang="en-US" sz="1200" dirty="0"/>
               <a:t>RFC 8762 (Simple TWAMP (STAMP)) compatible probe message</a:t>
             </a:r>
           </a:p>
@@ -9300,13 +9397,13 @@
               <a:buFont typeface="Wingdings" charset="2"/>
               <a:buChar char="§"/>
             </a:pPr>
-            <a:endParaRPr lang="en-US" sz="1400" dirty="0"/>
+            <a:endParaRPr lang="en-US" sz="1200" dirty="0"/>
           </a:p>
           <a:p>
             <a:pPr marL="457200" lvl="1" indent="0">
               <a:buNone/>
             </a:pPr>
-            <a:endParaRPr lang="en-US" sz="1400" dirty="0"/>
+            <a:endParaRPr lang="en-US" sz="1200" dirty="0"/>
           </a:p>
         </p:txBody>
       </p:sp>
@@ -10457,7 +10554,7 @@
                 <a:latin typeface="Calibri Light" panose="020F0302020204030204" pitchFamily="34" charset="0"/>
                 <a:cs typeface="Calibri Light" panose="020F0302020204030204" pitchFamily="34" charset="0"/>
               </a:rPr>
-              <a:t>Probe Messages for Timestamp and Forward Function</a:t>
+              <a:t>Probe Messages for Network Programming Function</a:t>
             </a:r>
           </a:p>
         </p:txBody>
@@ -11205,7 +11302,7 @@
                 <a:latin typeface="Calibri Light" panose="020F0302020204030204" pitchFamily="34" charset="0"/>
                 <a:cs typeface="Calibri Light" panose="020F0302020204030204" pitchFamily="34" charset="0"/>
               </a:rPr>
-              <a:t>SR-MPLS with Timestamp, Pop and Forward Function</a:t>
+              <a:t>SR-MPLS with Timestamp Label</a:t>
             </a:r>
           </a:p>
         </p:txBody>
@@ -11415,7 +11512,7 @@
           <a:p>
             <a:r>
               <a:rPr lang="en-US" sz="1600" dirty="0"/>
-              <a:t>Extended Special-purpose label (TBA1) is defined for Timestamp, Pop and Forward function</a:t>
+              <a:t>Timestamp label (TBA1) is defined for Timestamp, Pop and Forward function</a:t>
             </a:r>
           </a:p>
           <a:p>
@@ -11493,7 +11590,7 @@
                 <a:latin typeface="Calibri Light" panose="020F0302020204030204" pitchFamily="34" charset="0"/>
                 <a:cs typeface="Calibri Light" panose="020F0302020204030204" pitchFamily="34" charset="0"/>
               </a:rPr>
-              <a:t>SRv6 with Timestamp and Forward Endpoint Function</a:t>
+              <a:t>SRv6 with Timestamp Endpoint Function</a:t>
             </a:r>
           </a:p>
         </p:txBody>
@@ -11568,8 +11665,8 @@
         </p:nvSpPr>
         <p:spPr>
           <a:xfrm>
-            <a:off x="355170" y="742950"/>
-            <a:ext cx="4648200" cy="3657600"/>
+            <a:off x="381000" y="742949"/>
+            <a:ext cx="4674030" cy="3831818"/>
           </a:xfrm>
           <a:prstGeom prst="rect">
             <a:avLst/>
@@ -11658,16 +11755,22 @@
               <a:t>.  </a:t>
             </a:r>
             <a:r>
-              <a:rPr lang="en-CA" sz="900" dirty="0" err="1">
+              <a:rPr lang="en-CA" sz="900" b="1" dirty="0" err="1">
                 <a:latin typeface="Courier" pitchFamily="2" charset="0"/>
               </a:rPr>
               <a:t>End.TSF</a:t>
             </a:r>
             <a:r>
+              <a:rPr lang="en-CA" sz="900" b="1" dirty="0">
+                <a:latin typeface="Courier" pitchFamily="2" charset="0"/>
+              </a:rPr>
+              <a:t> (TBA2) with Reflector SID                            </a:t>
+            </a:r>
+            <a:r>
               <a:rPr lang="en-CA" sz="900" dirty="0">
                 <a:latin typeface="Courier" pitchFamily="2" charset="0"/>
               </a:rPr>
-              <a:t> with Reflector SID                                   .</a:t>
+              <a:t>.</a:t>
             </a:r>
           </a:p>
           <a:p>
@@ -11827,7 +11930,7 @@
               <a:rPr lang="en-CA" sz="900" dirty="0">
                 <a:latin typeface="Courier" pitchFamily="2" charset="0"/>
               </a:rPr>
-              <a:t>      Example Probe Message with Endpoint Function for SRv6</a:t>
+              <a:t> Example Probe Message with Timestamp Endpoint Function for SRv6</a:t>
             </a:r>
             <a:endParaRPr lang="en-US" sz="900" dirty="0">
               <a:latin typeface="Courier" pitchFamily="2" charset="0"/>
@@ -11863,7 +11966,7 @@
           <a:p>
             <a:r>
               <a:rPr lang="en-US" sz="1400" dirty="0"/>
-              <a:t>Endpoint Function </a:t>
+              <a:t>Timestamp Endpoint Function </a:t>
             </a:r>
             <a:r>
               <a:rPr lang="en-US" sz="1400" dirty="0" err="1"/>
@@ -11871,7 +11974,7 @@
             </a:r>
             <a:r>
               <a:rPr lang="en-US" sz="1400" dirty="0"/>
-              <a:t> is defined for Timestamp and Forward network programming and is carried for the Reflector node SID</a:t>
+              <a:t> (TBA2) is defined for Timestamp and Forward and is carried with the Reflector node SID</a:t>
             </a:r>
           </a:p>
           <a:p>

--- a/draft-gandhi-spring-sr-enhanced-plm-03.pptx
+++ b/draft-gandhi-spring-sr-enhanced-plm-03.pptx
@@ -17,11 +17,11 @@
     <p:sldId id="1673" r:id="rId5"/>
     <p:sldId id="326" r:id="rId6"/>
     <p:sldId id="1659" r:id="rId7"/>
-    <p:sldId id="1662" r:id="rId8"/>
-    <p:sldId id="1674" r:id="rId9"/>
-    <p:sldId id="1669" r:id="rId10"/>
-    <p:sldId id="1658" r:id="rId11"/>
-    <p:sldId id="1663" r:id="rId12"/>
+    <p:sldId id="1663" r:id="rId8"/>
+    <p:sldId id="1662" r:id="rId9"/>
+    <p:sldId id="1674" r:id="rId10"/>
+    <p:sldId id="1669" r:id="rId11"/>
+    <p:sldId id="1658" r:id="rId12"/>
     <p:sldId id="1675" r:id="rId13"/>
     <p:sldId id="318" r:id="rId14"/>
     <p:sldId id="303" r:id="rId15"/>
@@ -260,7 +260,7 @@
           <a:p>
             <a:fld id="{E8FA3DB5-7722-3F4F-947D-12B203669AD7}" type="datetimeFigureOut">
               <a:rPr lang="en-US" smtClean="0"/>
-              <a:t>9/18/20</a:t>
+              <a:t>9/19/2020</a:t>
             </a:fld>
             <a:endParaRPr lang="en-US"/>
           </a:p>
@@ -948,7 +948,7 @@
               <a:pPr>
                 <a:defRPr/>
               </a:pPr>
-              <a:t>10</a:t>
+              <a:t>11</a:t>
             </a:fld>
             <a:endParaRPr lang="en-US" altLang="zh-CN"/>
           </a:p>
@@ -2089,7 +2089,7 @@
               <a:pPr>
                 <a:defRPr/>
               </a:pPr>
-              <a:t>7</a:t>
+              <a:t>8</a:t>
             </a:fld>
             <a:endParaRPr lang="en-US" altLang="zh-CN"/>
           </a:p>
@@ -2179,7 +2179,7 @@
               <a:pPr>
                 <a:defRPr/>
               </a:pPr>
-              <a:t>8</a:t>
+              <a:t>9</a:t>
             </a:fld>
             <a:endParaRPr lang="en-US" altLang="zh-CN"/>
           </a:p>
@@ -2269,7 +2269,7 @@
               <a:pPr>
                 <a:defRPr/>
               </a:pPr>
-              <a:t>9</a:t>
+              <a:t>10</a:t>
             </a:fld>
             <a:endParaRPr lang="en-US" altLang="zh-CN"/>
           </a:p>
@@ -5899,8 +5899,8 @@
         </p:nvSpPr>
         <p:spPr>
           <a:xfrm>
-            <a:off x="457200" y="0"/>
-            <a:ext cx="8229600" cy="857250"/>
+            <a:off x="0" y="0"/>
+            <a:ext cx="9144000" cy="640642"/>
           </a:xfrm>
         </p:spPr>
         <p:txBody>
@@ -5915,143 +5915,24 @@
                 <a:latin typeface="Calibri Light" panose="020F0302020204030204" pitchFamily="34" charset="0"/>
                 <a:cs typeface="Calibri Light" panose="020F0302020204030204" pitchFamily="34" charset="0"/>
               </a:rPr>
-              <a:t>ECMP Support for SR Paths</a:t>
-            </a:r>
-          </a:p>
-        </p:txBody>
-      </p:sp>
-      <p:sp>
-        <p:nvSpPr>
-          <p:cNvPr id="3" name="Content Placeholder 2"/>
+              <a:t>SRv6 with Timestamp Endpoint Function</a:t>
+            </a:r>
+          </a:p>
+        </p:txBody>
+      </p:sp>
+      <p:sp>
+        <p:nvSpPr>
+          <p:cNvPr id="4" name="Footer Placeholder 3"/>
           <p:cNvSpPr>
             <a:spLocks noGrp="1"/>
           </p:cNvSpPr>
           <p:nvPr>
-            <p:ph idx="1"/>
+            <p:ph type="ftr" sz="quarter" idx="11"/>
           </p:nvPr>
         </p:nvSpPr>
         <p:spPr>
           <a:xfrm>
-            <a:off x="419100" y="912200"/>
-            <a:ext cx="8305800" cy="3564549"/>
-          </a:xfrm>
-        </p:spPr>
-        <p:txBody>
-          <a:bodyPr/>
-          <a:lstStyle/>
-          <a:p>
-            <a:pPr>
-              <a:lnSpc>
-                <a:spcPts val="2280"/>
-              </a:lnSpc>
-              <a:spcBef>
-                <a:spcPts val="0"/>
-              </a:spcBef>
-            </a:pPr>
-            <a:r>
-              <a:rPr lang="en-US" sz="1600" dirty="0"/>
-              <a:t>SR Paths can have ECMPs between the ingress and transit nodes, between transit nodes and between transit and egress nodes.</a:t>
-            </a:r>
-          </a:p>
-          <a:p>
-            <a:pPr>
-              <a:lnSpc>
-                <a:spcPts val="2280"/>
-              </a:lnSpc>
-              <a:spcBef>
-                <a:spcPts val="0"/>
-              </a:spcBef>
-            </a:pPr>
-            <a:r>
-              <a:rPr lang="en-US" sz="1600" dirty="0"/>
-              <a:t>PM probe messages can take advantage of the hashing function in forwarding plane to explore ECMP paths.</a:t>
-            </a:r>
-          </a:p>
-          <a:p>
-            <a:pPr>
-              <a:lnSpc>
-                <a:spcPts val="2280"/>
-              </a:lnSpc>
-              <a:spcBef>
-                <a:spcPts val="0"/>
-              </a:spcBef>
-            </a:pPr>
-            <a:r>
-              <a:rPr lang="en-US" sz="1600" dirty="0"/>
-              <a:t>Existing forwarding mechanisms are applicable to PM probe messages. Examples are:</a:t>
-            </a:r>
-          </a:p>
-          <a:p>
-            <a:pPr lvl="1">
-              <a:lnSpc>
-                <a:spcPts val="2280"/>
-              </a:lnSpc>
-              <a:spcBef>
-                <a:spcPts val="0"/>
-              </a:spcBef>
-            </a:pPr>
-            <a:r>
-              <a:rPr lang="en-US" sz="1600" dirty="0"/>
-              <a:t>For IPv4 when return path is also SR-MPLS</a:t>
-            </a:r>
-          </a:p>
-          <a:p>
-            <a:pPr lvl="2">
-              <a:lnSpc>
-                <a:spcPts val="2280"/>
-              </a:lnSpc>
-              <a:spcBef>
-                <a:spcPts val="0"/>
-              </a:spcBef>
-            </a:pPr>
-            <a:r>
-              <a:rPr lang="en-US" sz="1600" dirty="0"/>
-              <a:t>Sweeping destination address in IPv4 header (e.g. 127/8)</a:t>
-            </a:r>
-          </a:p>
-          <a:p>
-            <a:pPr lvl="1">
-              <a:lnSpc>
-                <a:spcPts val="2280"/>
-              </a:lnSpc>
-              <a:spcBef>
-                <a:spcPts val="0"/>
-              </a:spcBef>
-            </a:pPr>
-            <a:r>
-              <a:rPr lang="en-US" sz="1600" dirty="0"/>
-              <a:t>For IPv6</a:t>
-            </a:r>
-          </a:p>
-          <a:p>
-            <a:pPr lvl="2">
-              <a:lnSpc>
-                <a:spcPts val="2280"/>
-              </a:lnSpc>
-              <a:spcBef>
-                <a:spcPts val="0"/>
-              </a:spcBef>
-            </a:pPr>
-            <a:r>
-              <a:rPr lang="en-US" sz="1600" dirty="0"/>
-              <a:t>Sweeping flow label in IPv6 header</a:t>
-            </a:r>
-          </a:p>
-        </p:txBody>
-      </p:sp>
-      <p:sp>
-        <p:nvSpPr>
-          <p:cNvPr id="4" name="Footer Placeholder 3"/>
-          <p:cNvSpPr>
-            <a:spLocks noGrp="1"/>
-          </p:cNvSpPr>
-          <p:nvPr>
-            <p:ph type="ftr" sz="quarter" idx="11"/>
-          </p:nvPr>
-        </p:nvSpPr>
-        <p:spPr>
-          <a:xfrm>
-            <a:off x="3124200" y="4786312"/>
+            <a:off x="2836126" y="4786312"/>
             <a:ext cx="2895600" cy="357188"/>
           </a:xfrm>
         </p:spPr>
@@ -6095,10 +5976,380 @@
           </a:p>
         </p:txBody>
       </p:sp>
+      <p:sp>
+        <p:nvSpPr>
+          <p:cNvPr id="6" name="Rectangle 5">
+            <a:extLst>
+              <a:ext uri="{FF2B5EF4-FFF2-40B4-BE49-F238E27FC236}">
+                <a16:creationId xmlns:a16="http://schemas.microsoft.com/office/drawing/2014/main" id="{4C15A4CE-6545-5142-97A8-EDA8B07CB60B}"/>
+              </a:ext>
+            </a:extLst>
+          </p:cNvPr>
+          <p:cNvSpPr/>
+          <p:nvPr/>
+        </p:nvSpPr>
+        <p:spPr>
+          <a:xfrm>
+            <a:off x="381000" y="742949"/>
+            <a:ext cx="4674030" cy="3831818"/>
+          </a:xfrm>
+          <a:prstGeom prst="rect">
+            <a:avLst/>
+          </a:prstGeom>
+          <a:solidFill>
+            <a:schemeClr val="accent6">
+              <a:lumMod val="20000"/>
+              <a:lumOff val="80000"/>
+            </a:schemeClr>
+          </a:solidFill>
+        </p:spPr>
+        <p:txBody>
+          <a:bodyPr wrap="square">
+            <a:spAutoFit/>
+          </a:bodyPr>
+          <a:lstStyle/>
+          <a:p>
+            <a:r>
+              <a:rPr lang="en-CA" sz="900" dirty="0">
+                <a:latin typeface="Courier" pitchFamily="2" charset="0"/>
+              </a:rPr>
+              <a:t>+---------------------------------------------------------------+</a:t>
+            </a:r>
+          </a:p>
+          <a:p>
+            <a:r>
+              <a:rPr lang="en-CA" sz="900" dirty="0">
+                <a:latin typeface="Courier" pitchFamily="2" charset="0"/>
+              </a:rPr>
+              <a:t>| IP Header                                                     |</a:t>
+            </a:r>
+          </a:p>
+          <a:p>
+            <a:r>
+              <a:rPr lang="en-CA" sz="900" dirty="0">
+                <a:latin typeface="Courier" pitchFamily="2" charset="0"/>
+              </a:rPr>
+              <a:t>.  Source IP Address = Sender IPv6 Address                      .</a:t>
+            </a:r>
+          </a:p>
+          <a:p>
+            <a:r>
+              <a:rPr lang="en-CA" sz="900" dirty="0">
+                <a:latin typeface="Courier" pitchFamily="2" charset="0"/>
+              </a:rPr>
+              <a:t>.  Destination IP Address = Destination IPv6 Address            .</a:t>
+            </a:r>
+          </a:p>
+          <a:p>
+            <a:r>
+              <a:rPr lang="en-CA" sz="900" dirty="0">
+                <a:latin typeface="Courier" pitchFamily="2" charset="0"/>
+              </a:rPr>
+              <a:t>.                                                               .</a:t>
+            </a:r>
+          </a:p>
+          <a:p>
+            <a:r>
+              <a:rPr lang="en-CA" sz="900" dirty="0">
+                <a:latin typeface="Courier" pitchFamily="2" charset="0"/>
+              </a:rPr>
+              <a:t>+---------------------------------------------------------------+</a:t>
+            </a:r>
+          </a:p>
+          <a:p>
+            <a:r>
+              <a:rPr lang="en-CA" sz="900" dirty="0">
+                <a:latin typeface="Courier" pitchFamily="2" charset="0"/>
+              </a:rPr>
+              <a:t>| SRH as specified in RFC 8754                                  |</a:t>
+            </a:r>
+          </a:p>
+          <a:p>
+            <a:r>
+              <a:rPr lang="en-CA" sz="900" dirty="0">
+                <a:latin typeface="Courier" pitchFamily="2" charset="0"/>
+              </a:rPr>
+              <a:t>.  &lt;Segment List&gt;                                               .</a:t>
+            </a:r>
+          </a:p>
+          <a:p>
+            <a:r>
+              <a:rPr lang="en-CA" sz="900" dirty="0">
+                <a:latin typeface="Courier" pitchFamily="2" charset="0"/>
+              </a:rPr>
+              <a:t>.  </a:t>
+            </a:r>
+            <a:r>
+              <a:rPr lang="en-CA" sz="900" b="1" dirty="0" err="1">
+                <a:latin typeface="Courier" pitchFamily="2" charset="0"/>
+              </a:rPr>
+              <a:t>End.TSF</a:t>
+            </a:r>
+            <a:r>
+              <a:rPr lang="en-CA" sz="900" b="1" dirty="0">
+                <a:latin typeface="Courier" pitchFamily="2" charset="0"/>
+              </a:rPr>
+              <a:t> (TBA2) with Reflector SID                            </a:t>
+            </a:r>
+            <a:r>
+              <a:rPr lang="en-CA" sz="900" dirty="0">
+                <a:latin typeface="Courier" pitchFamily="2" charset="0"/>
+              </a:rPr>
+              <a:t>.</a:t>
+            </a:r>
+          </a:p>
+          <a:p>
+            <a:r>
+              <a:rPr lang="en-CA" sz="900" dirty="0">
+                <a:latin typeface="Courier" pitchFamily="2" charset="0"/>
+              </a:rPr>
+              <a:t>.                                                               .</a:t>
+            </a:r>
+          </a:p>
+          <a:p>
+            <a:r>
+              <a:rPr lang="en-CA" sz="900" dirty="0">
+                <a:latin typeface="Courier" pitchFamily="2" charset="0"/>
+              </a:rPr>
+              <a:t>+---------------------------------------------------------------+</a:t>
+            </a:r>
+          </a:p>
+          <a:p>
+            <a:r>
+              <a:rPr lang="en-CA" sz="900" dirty="0">
+                <a:latin typeface="Courier" pitchFamily="2" charset="0"/>
+              </a:rPr>
+              <a:t>| IP Header                                                     |</a:t>
+            </a:r>
+          </a:p>
+          <a:p>
+            <a:r>
+              <a:rPr lang="en-CA" sz="900" dirty="0">
+                <a:latin typeface="Courier" pitchFamily="2" charset="0"/>
+              </a:rPr>
+              <a:t>.  Source IP Address = </a:t>
+            </a:r>
+            <a:r>
+              <a:rPr lang="en-CA" sz="900" b="1" dirty="0">
+                <a:latin typeface="Courier" pitchFamily="2" charset="0"/>
+              </a:rPr>
+              <a:t>Reflector</a:t>
+            </a:r>
+            <a:r>
+              <a:rPr lang="en-CA" sz="900" dirty="0">
+                <a:latin typeface="Courier" pitchFamily="2" charset="0"/>
+              </a:rPr>
+              <a:t> IPv6 Address                   .</a:t>
+            </a:r>
+          </a:p>
+          <a:p>
+            <a:r>
+              <a:rPr lang="en-CA" sz="900" dirty="0">
+                <a:latin typeface="Courier" pitchFamily="2" charset="0"/>
+              </a:rPr>
+              <a:t>.  Destination IP Address = </a:t>
+            </a:r>
+            <a:r>
+              <a:rPr lang="en-CA" sz="900" b="1" dirty="0">
+                <a:latin typeface="Courier" pitchFamily="2" charset="0"/>
+              </a:rPr>
+              <a:t>Sender</a:t>
+            </a:r>
+            <a:r>
+              <a:rPr lang="en-CA" sz="900" dirty="0">
+                <a:latin typeface="Courier" pitchFamily="2" charset="0"/>
+              </a:rPr>
+              <a:t> IPv6 Address                 .</a:t>
+            </a:r>
+          </a:p>
+          <a:p>
+            <a:r>
+              <a:rPr lang="en-CA" sz="900" dirty="0">
+                <a:latin typeface="Courier" pitchFamily="2" charset="0"/>
+              </a:rPr>
+              <a:t>.                                                               .</a:t>
+            </a:r>
+          </a:p>
+          <a:p>
+            <a:r>
+              <a:rPr lang="en-CA" sz="900" dirty="0">
+                <a:latin typeface="Courier" pitchFamily="2" charset="0"/>
+              </a:rPr>
+              <a:t>+---------------------------------------------------------------+</a:t>
+            </a:r>
+          </a:p>
+          <a:p>
+            <a:r>
+              <a:rPr lang="en-CA" sz="900" dirty="0">
+                <a:latin typeface="Courier" pitchFamily="2" charset="0"/>
+              </a:rPr>
+              <a:t>| UDP Header                                                    |</a:t>
+            </a:r>
+          </a:p>
+          <a:p>
+            <a:r>
+              <a:rPr lang="en-CA" sz="900" dirty="0">
+                <a:latin typeface="Courier" pitchFamily="2" charset="0"/>
+              </a:rPr>
+              <a:t>.  Source Port = As chosen by Sender                            . </a:t>
+            </a:r>
+          </a:p>
+          <a:p>
+            <a:r>
+              <a:rPr lang="en-CA" sz="900" dirty="0">
+                <a:latin typeface="Courier" pitchFamily="2" charset="0"/>
+              </a:rPr>
+              <a:t>.  Destination Port = As chosen by Sender                       .</a:t>
+            </a:r>
+          </a:p>
+          <a:p>
+            <a:r>
+              <a:rPr lang="en-CA" sz="900" dirty="0">
+                <a:latin typeface="Courier" pitchFamily="2" charset="0"/>
+              </a:rPr>
+              <a:t>.                                                               .</a:t>
+            </a:r>
+          </a:p>
+          <a:p>
+            <a:r>
+              <a:rPr lang="en-CA" sz="900" dirty="0">
+                <a:latin typeface="Courier" pitchFamily="2" charset="0"/>
+              </a:rPr>
+              <a:t>+---------------------------------------------------------------+</a:t>
+            </a:r>
+          </a:p>
+          <a:p>
+            <a:r>
+              <a:rPr lang="en-CA" sz="900" dirty="0">
+                <a:latin typeface="Courier" pitchFamily="2" charset="0"/>
+              </a:rPr>
+              <a:t>| Payload                                                       |</a:t>
+            </a:r>
+          </a:p>
+          <a:p>
+            <a:r>
+              <a:rPr lang="en-CA" sz="900" dirty="0">
+                <a:latin typeface="Courier" pitchFamily="2" charset="0"/>
+              </a:rPr>
+              <a:t>.                                                               .</a:t>
+            </a:r>
+          </a:p>
+          <a:p>
+            <a:r>
+              <a:rPr lang="en-CA" sz="900" dirty="0">
+                <a:latin typeface="Courier" pitchFamily="2" charset="0"/>
+              </a:rPr>
+              <a:t>+---------------------------------------------------------------+</a:t>
+            </a:r>
+          </a:p>
+          <a:p>
+            <a:r>
+              <a:rPr lang="en-CA" sz="900" dirty="0">
+                <a:latin typeface="Courier" pitchFamily="2" charset="0"/>
+              </a:rPr>
+              <a:t> </a:t>
+            </a:r>
+          </a:p>
+          <a:p>
+            <a:r>
+              <a:rPr lang="en-CA" sz="900" dirty="0">
+                <a:latin typeface="Courier" pitchFamily="2" charset="0"/>
+              </a:rPr>
+              <a:t> Example Probe Message with Timestamp Endpoint Function for SRv6</a:t>
+            </a:r>
+            <a:endParaRPr lang="en-US" sz="900" dirty="0">
+              <a:latin typeface="Courier" pitchFamily="2" charset="0"/>
+            </a:endParaRPr>
+          </a:p>
+        </p:txBody>
+      </p:sp>
+      <p:sp>
+        <p:nvSpPr>
+          <p:cNvPr id="8" name="Content Placeholder 7">
+            <a:extLst>
+              <a:ext uri="{FF2B5EF4-FFF2-40B4-BE49-F238E27FC236}">
+                <a16:creationId xmlns:a16="http://schemas.microsoft.com/office/drawing/2014/main" id="{FC6E1890-536D-9D49-8207-C42BBF301FF3}"/>
+              </a:ext>
+            </a:extLst>
+          </p:cNvPr>
+          <p:cNvSpPr>
+            <a:spLocks noGrp="1"/>
+          </p:cNvSpPr>
+          <p:nvPr>
+            <p:ph idx="1"/>
+          </p:nvPr>
+        </p:nvSpPr>
+        <p:spPr>
+          <a:xfrm>
+            <a:off x="5135688" y="933449"/>
+            <a:ext cx="3678973" cy="3276600"/>
+          </a:xfrm>
+        </p:spPr>
+        <p:txBody>
+          <a:bodyPr/>
+          <a:lstStyle/>
+          <a:p>
+            <a:r>
+              <a:rPr lang="en-US" sz="1400" dirty="0"/>
+              <a:t>Timestamp Endpoint Function </a:t>
+            </a:r>
+            <a:r>
+              <a:rPr lang="en-US" sz="1400" dirty="0" err="1"/>
+              <a:t>End.TSF</a:t>
+            </a:r>
+            <a:r>
+              <a:rPr lang="en-US" sz="1400" dirty="0"/>
+              <a:t> (TBA2) is defined for Timestamp and Forward and is carried with the Reflector node SID</a:t>
+            </a:r>
+          </a:p>
+          <a:p>
+            <a:r>
+              <a:rPr lang="en-US" sz="1400" dirty="0"/>
+              <a:t>Reverse path can be IP</a:t>
+            </a:r>
+          </a:p>
+          <a:p>
+            <a:pPr lvl="1"/>
+            <a:r>
+              <a:rPr lang="en-US" sz="1400" dirty="0"/>
+              <a:t>Reflector node removes SRH</a:t>
+            </a:r>
+          </a:p>
+          <a:p>
+            <a:r>
+              <a:rPr lang="en-US" sz="1400" dirty="0"/>
+              <a:t>Reverse path can be SR</a:t>
+            </a:r>
+          </a:p>
+          <a:p>
+            <a:pPr lvl="1"/>
+            <a:r>
+              <a:rPr lang="en-US" sz="1400" dirty="0"/>
+              <a:t>Reverse direction SR path Segment-list carried in SRH</a:t>
+            </a:r>
+          </a:p>
+          <a:p>
+            <a:pPr lvl="1"/>
+            <a:r>
+              <a:rPr lang="en-US" sz="1400" dirty="0"/>
+              <a:t>Reflector node does not remove the SRH</a:t>
+            </a:r>
+          </a:p>
+          <a:p>
+            <a:r>
+              <a:rPr lang="en-US" sz="1400" dirty="0"/>
+              <a:t>Source and Destination Addresses are swapped that represent the Reverse direction path in the inner IPv6 header</a:t>
+            </a:r>
+          </a:p>
+          <a:p>
+            <a:endParaRPr lang="en-US" sz="1400" dirty="0"/>
+          </a:p>
+        </p:txBody>
+      </p:sp>
     </p:spTree>
     <p:extLst>
       <p:ext uri="{BB962C8B-B14F-4D97-AF65-F5344CB8AC3E}">
-        <p14:creationId xmlns:p14="http://schemas.microsoft.com/office/powerpoint/2010/main" val="3637512675"/>
+        <p14:creationId xmlns:p14="http://schemas.microsoft.com/office/powerpoint/2010/main" val="3310436608"/>
       </p:ext>
     </p:extLst>
   </p:cSld>
@@ -6127,13 +6378,7 @@
       </p:grpSpPr>
       <p:sp>
         <p:nvSpPr>
-          <p:cNvPr id="2" name="Title 1">
-            <a:extLst>
-              <a:ext uri="{FF2B5EF4-FFF2-40B4-BE49-F238E27FC236}">
-                <a16:creationId xmlns:a16="http://schemas.microsoft.com/office/drawing/2014/main" id="{9A6F4236-AC14-394A-A36C-F2BD8CED3237}"/>
-              </a:ext>
-            </a:extLst>
-          </p:cNvPr>
+          <p:cNvPr id="2" name="Title 1"/>
           <p:cNvSpPr>
             <a:spLocks noGrp="1"/>
           </p:cNvSpPr>
@@ -6143,8 +6388,8 @@
         </p:nvSpPr>
         <p:spPr>
           <a:xfrm>
-            <a:off x="457200" y="-19050"/>
-            <a:ext cx="8229600" cy="753591"/>
+            <a:off x="457200" y="0"/>
+            <a:ext cx="8229600" cy="857250"/>
           </a:xfrm>
         </p:spPr>
         <p:txBody>
@@ -6159,30 +6404,143 @@
                 <a:latin typeface="Calibri Light" panose="020F0302020204030204" pitchFamily="34" charset="0"/>
                 <a:cs typeface="Calibri Light" panose="020F0302020204030204" pitchFamily="34" charset="0"/>
               </a:rPr>
-              <a:t>Example Provisioning Model</a:t>
-            </a:r>
-          </a:p>
-        </p:txBody>
-      </p:sp>
-      <p:sp>
-        <p:nvSpPr>
-          <p:cNvPr id="4" name="Footer Placeholder 3">
-            <a:extLst>
-              <a:ext uri="{FF2B5EF4-FFF2-40B4-BE49-F238E27FC236}">
-                <a16:creationId xmlns:a16="http://schemas.microsoft.com/office/drawing/2014/main" id="{643D160E-CC3C-EB46-A6F1-43B8E2996F46}"/>
-              </a:ext>
-            </a:extLst>
-          </p:cNvPr>
+              <a:t>ECMP Support for SR Paths</a:t>
+            </a:r>
+          </a:p>
+        </p:txBody>
+      </p:sp>
+      <p:sp>
+        <p:nvSpPr>
+          <p:cNvPr id="3" name="Content Placeholder 2"/>
           <p:cNvSpPr>
             <a:spLocks noGrp="1"/>
           </p:cNvSpPr>
           <p:nvPr>
-            <p:ph type="ftr" sz="quarter" idx="11"/>
+            <p:ph idx="1"/>
           </p:nvPr>
         </p:nvSpPr>
         <p:spPr>
           <a:xfrm>
-            <a:off x="3124200" y="4841881"/>
+            <a:off x="419100" y="912200"/>
+            <a:ext cx="8305800" cy="3564549"/>
+          </a:xfrm>
+        </p:spPr>
+        <p:txBody>
+          <a:bodyPr/>
+          <a:lstStyle/>
+          <a:p>
+            <a:pPr>
+              <a:lnSpc>
+                <a:spcPts val="2280"/>
+              </a:lnSpc>
+              <a:spcBef>
+                <a:spcPts val="0"/>
+              </a:spcBef>
+            </a:pPr>
+            <a:r>
+              <a:rPr lang="en-US" sz="1600" dirty="0"/>
+              <a:t>SR Paths can have ECMPs between the ingress and transit nodes, between transit nodes and between transit and egress nodes.</a:t>
+            </a:r>
+          </a:p>
+          <a:p>
+            <a:pPr>
+              <a:lnSpc>
+                <a:spcPts val="2280"/>
+              </a:lnSpc>
+              <a:spcBef>
+                <a:spcPts val="0"/>
+              </a:spcBef>
+            </a:pPr>
+            <a:r>
+              <a:rPr lang="en-US" sz="1600" dirty="0"/>
+              <a:t>PM probe messages can take advantage of the hashing function in forwarding plane to explore ECMP paths.</a:t>
+            </a:r>
+          </a:p>
+          <a:p>
+            <a:pPr>
+              <a:lnSpc>
+                <a:spcPts val="2280"/>
+              </a:lnSpc>
+              <a:spcBef>
+                <a:spcPts val="0"/>
+              </a:spcBef>
+            </a:pPr>
+            <a:r>
+              <a:rPr lang="en-US" sz="1600" dirty="0"/>
+              <a:t>Existing forwarding mechanisms are applicable to PM probe messages. Examples are:</a:t>
+            </a:r>
+          </a:p>
+          <a:p>
+            <a:pPr lvl="1">
+              <a:lnSpc>
+                <a:spcPts val="2280"/>
+              </a:lnSpc>
+              <a:spcBef>
+                <a:spcPts val="0"/>
+              </a:spcBef>
+            </a:pPr>
+            <a:r>
+              <a:rPr lang="en-US" sz="1600" dirty="0"/>
+              <a:t>For IPv4 when return path is also SR-MPLS</a:t>
+            </a:r>
+          </a:p>
+          <a:p>
+            <a:pPr lvl="2">
+              <a:lnSpc>
+                <a:spcPts val="2280"/>
+              </a:lnSpc>
+              <a:spcBef>
+                <a:spcPts val="0"/>
+              </a:spcBef>
+            </a:pPr>
+            <a:r>
+              <a:rPr lang="en-US" sz="1600" dirty="0"/>
+              <a:t>Sweeping destination address in IPv4 header (e.g. 127/8)</a:t>
+            </a:r>
+          </a:p>
+          <a:p>
+            <a:pPr lvl="1">
+              <a:lnSpc>
+                <a:spcPts val="2280"/>
+              </a:lnSpc>
+              <a:spcBef>
+                <a:spcPts val="0"/>
+              </a:spcBef>
+            </a:pPr>
+            <a:r>
+              <a:rPr lang="en-US" sz="1600" dirty="0"/>
+              <a:t>For IPv6</a:t>
+            </a:r>
+          </a:p>
+          <a:p>
+            <a:pPr lvl="2">
+              <a:lnSpc>
+                <a:spcPts val="2280"/>
+              </a:lnSpc>
+              <a:spcBef>
+                <a:spcPts val="0"/>
+              </a:spcBef>
+            </a:pPr>
+            <a:r>
+              <a:rPr lang="en-US" sz="1600" dirty="0"/>
+              <a:t>Sweeping flow label in IPv6 header</a:t>
+            </a:r>
+          </a:p>
+        </p:txBody>
+      </p:sp>
+      <p:sp>
+        <p:nvSpPr>
+          <p:cNvPr id="4" name="Footer Placeholder 3"/>
+          <p:cNvSpPr>
+            <a:spLocks noGrp="1"/>
+          </p:cNvSpPr>
+          <p:nvPr>
+            <p:ph type="ftr" sz="quarter" idx="11"/>
+          </p:nvPr>
+        </p:nvSpPr>
+        <p:spPr>
+          <a:xfrm>
+            <a:off x="3124200" y="4786312"/>
             <a:ext cx="2895600" cy="357188"/>
           </a:xfrm>
         </p:spPr>
@@ -6199,13 +6557,7 @@
       </p:sp>
       <p:sp>
         <p:nvSpPr>
-          <p:cNvPr id="5" name="Slide Number Placeholder 4">
-            <a:extLst>
-              <a:ext uri="{FF2B5EF4-FFF2-40B4-BE49-F238E27FC236}">
-                <a16:creationId xmlns:a16="http://schemas.microsoft.com/office/drawing/2014/main" id="{A8B868AE-B105-7547-A646-14FCDF91C2DD}"/>
-              </a:ext>
-            </a:extLst>
-          </p:cNvPr>
+          <p:cNvPr id="5" name="Slide Number Placeholder 4"/>
           <p:cNvSpPr>
             <a:spLocks noGrp="1"/>
           </p:cNvSpPr>
@@ -6232,410 +6584,10 @@
           </a:p>
         </p:txBody>
       </p:sp>
-      <p:sp>
-        <p:nvSpPr>
-          <p:cNvPr id="7" name="Rectangle 6">
-            <a:extLst>
-              <a:ext uri="{FF2B5EF4-FFF2-40B4-BE49-F238E27FC236}">
-                <a16:creationId xmlns:a16="http://schemas.microsoft.com/office/drawing/2014/main" id="{AA6E66CA-28BC-2C4A-BC04-4600D8FEBF3B}"/>
-              </a:ext>
-            </a:extLst>
-          </p:cNvPr>
-          <p:cNvSpPr/>
-          <p:nvPr/>
-        </p:nvSpPr>
-        <p:spPr>
-          <a:xfrm>
-            <a:off x="1371600" y="694047"/>
-            <a:ext cx="5905500" cy="3931141"/>
-          </a:xfrm>
-          <a:prstGeom prst="rect">
-            <a:avLst/>
-          </a:prstGeom>
-          <a:solidFill>
-            <a:schemeClr val="accent6">
-              <a:lumMod val="20000"/>
-              <a:lumOff val="80000"/>
-            </a:schemeClr>
-          </a:solidFill>
-        </p:spPr>
-        <p:txBody>
-          <a:bodyPr wrap="square">
-            <a:spAutoFit/>
-          </a:bodyPr>
-          <a:lstStyle/>
-          <a:p>
-            <a:pPr>
-              <a:lnSpc>
-                <a:spcPts val="1540"/>
-              </a:lnSpc>
-            </a:pPr>
-            <a:r>
-              <a:rPr lang="en-CA" sz="1050" dirty="0">
-                <a:latin typeface="Courier" pitchFamily="2" charset="0"/>
-              </a:rPr>
-              <a:t>                               +------------+</a:t>
-            </a:r>
-          </a:p>
-          <a:p>
-            <a:pPr>
-              <a:lnSpc>
-                <a:spcPts val="1540"/>
-              </a:lnSpc>
-            </a:pPr>
-            <a:r>
-              <a:rPr lang="en-CA" sz="1050" dirty="0">
-                <a:latin typeface="Courier" pitchFamily="2" charset="0"/>
-              </a:rPr>
-              <a:t>                               | Controller |</a:t>
-            </a:r>
-          </a:p>
-          <a:p>
-            <a:pPr>
-              <a:lnSpc>
-                <a:spcPts val="1540"/>
-              </a:lnSpc>
-            </a:pPr>
-            <a:r>
-              <a:rPr lang="en-CA" sz="1050" dirty="0">
-                <a:latin typeface="Courier" pitchFamily="2" charset="0"/>
-              </a:rPr>
-              <a:t>                               +------------+</a:t>
-            </a:r>
-          </a:p>
-          <a:p>
-            <a:pPr>
-              <a:lnSpc>
-                <a:spcPts val="1540"/>
-              </a:lnSpc>
-            </a:pPr>
-            <a:r>
-              <a:rPr lang="en-CA" sz="1050" dirty="0">
-                <a:latin typeface="Courier" pitchFamily="2" charset="0"/>
-              </a:rPr>
-              <a:t>     PDLM Mode                     /    \      </a:t>
-            </a:r>
-            <a:r>
-              <a:rPr lang="en-CA" sz="1050" dirty="0">
-                <a:solidFill>
-                  <a:srgbClr val="0070C0"/>
-                </a:solidFill>
-                <a:latin typeface="Courier" pitchFamily="2" charset="0"/>
-              </a:rPr>
-              <a:t>Timestamp Label/SRv6 EP*</a:t>
-            </a:r>
-          </a:p>
-          <a:p>
-            <a:pPr>
-              <a:lnSpc>
-                <a:spcPts val="1540"/>
-              </a:lnSpc>
-            </a:pPr>
-            <a:r>
-              <a:rPr lang="en-CA" sz="1050" dirty="0">
-                <a:latin typeface="Courier" pitchFamily="2" charset="0"/>
-              </a:rPr>
-              <a:t>       LB or Enhanced Mode        /      \       </a:t>
-            </a:r>
-            <a:r>
-              <a:rPr lang="en-CA" sz="1050" dirty="0">
-                <a:solidFill>
-                  <a:srgbClr val="0070C0"/>
-                </a:solidFill>
-                <a:latin typeface="Courier" pitchFamily="2" charset="0"/>
-              </a:rPr>
-              <a:t>Timestamp2 Offset</a:t>
-            </a:r>
-          </a:p>
-          <a:p>
-            <a:pPr>
-              <a:lnSpc>
-                <a:spcPts val="1540"/>
-              </a:lnSpc>
-            </a:pPr>
-            <a:r>
-              <a:rPr lang="en-CA" sz="1050" dirty="0">
-                <a:latin typeface="Courier" pitchFamily="2" charset="0"/>
-              </a:rPr>
-              <a:t>     Message Format              /        \      </a:t>
-            </a:r>
-            <a:r>
-              <a:rPr lang="en-CA" sz="1050" dirty="0">
-                <a:solidFill>
-                  <a:srgbClr val="0070C0"/>
-                </a:solidFill>
-                <a:latin typeface="Courier" pitchFamily="2" charset="0"/>
-              </a:rPr>
-              <a:t>Timestamp Format</a:t>
-            </a:r>
-          </a:p>
-          <a:p>
-            <a:pPr>
-              <a:lnSpc>
-                <a:spcPts val="1540"/>
-              </a:lnSpc>
-            </a:pPr>
-            <a:r>
-              <a:rPr lang="en-CA" sz="1050" dirty="0">
-                <a:latin typeface="Courier" pitchFamily="2" charset="0"/>
-              </a:rPr>
-              <a:t>     Missed Probe Message Count /          \</a:t>
-            </a:r>
-          </a:p>
-          <a:p>
-            <a:pPr>
-              <a:lnSpc>
-                <a:spcPts val="1540"/>
-              </a:lnSpc>
-            </a:pPr>
-            <a:r>
-              <a:rPr lang="en-CA" sz="1050" dirty="0">
-                <a:latin typeface="Courier" pitchFamily="2" charset="0"/>
-              </a:rPr>
-              <a:t>     </a:t>
-            </a:r>
-            <a:r>
-              <a:rPr lang="en-CA" sz="1050" dirty="0">
-                <a:solidFill>
-                  <a:srgbClr val="0070C0"/>
-                </a:solidFill>
-                <a:latin typeface="Courier" pitchFamily="2" charset="0"/>
-              </a:rPr>
-              <a:t>Timestamp Label/SRv6 EP*</a:t>
-            </a:r>
-            <a:r>
-              <a:rPr lang="en-CA" sz="1050" dirty="0">
-                <a:latin typeface="Courier" pitchFamily="2" charset="0"/>
-              </a:rPr>
-              <a:t>  /            \</a:t>
-            </a:r>
-          </a:p>
-          <a:p>
-            <a:pPr>
-              <a:lnSpc>
-                <a:spcPts val="1540"/>
-              </a:lnSpc>
-            </a:pPr>
-            <a:r>
-              <a:rPr lang="en-CA" sz="1050" dirty="0">
-                <a:latin typeface="Courier" pitchFamily="2" charset="0"/>
-              </a:rPr>
-              <a:t>       </a:t>
-            </a:r>
-            <a:r>
-              <a:rPr lang="en-CA" sz="1050" dirty="0">
-                <a:solidFill>
-                  <a:srgbClr val="0070C0"/>
-                </a:solidFill>
-                <a:latin typeface="Courier" pitchFamily="2" charset="0"/>
-              </a:rPr>
-              <a:t>Timestamp Format       </a:t>
-            </a:r>
-            <a:r>
-              <a:rPr lang="en-CA" sz="1050" dirty="0">
-                <a:latin typeface="Courier" pitchFamily="2" charset="0"/>
-              </a:rPr>
-              <a:t>/              \</a:t>
-            </a:r>
-          </a:p>
-          <a:p>
-            <a:pPr>
-              <a:lnSpc>
-                <a:spcPts val="1540"/>
-              </a:lnSpc>
-            </a:pPr>
-            <a:r>
-              <a:rPr lang="en-CA" sz="1050" dirty="0">
-                <a:latin typeface="Courier" pitchFamily="2" charset="0"/>
-              </a:rPr>
-              <a:t>     Delay threshold/Count   /                \</a:t>
-            </a:r>
-          </a:p>
-          <a:p>
-            <a:pPr>
-              <a:lnSpc>
-                <a:spcPts val="1540"/>
-              </a:lnSpc>
-            </a:pPr>
-            <a:r>
-              <a:rPr lang="en-CA" sz="1050" dirty="0">
-                <a:latin typeface="Courier" pitchFamily="2" charset="0"/>
-              </a:rPr>
-              <a:t>     Source/</a:t>
-            </a:r>
-            <a:r>
-              <a:rPr lang="en-CA" sz="1050" dirty="0" err="1">
-                <a:latin typeface="Courier" pitchFamily="2" charset="0"/>
-              </a:rPr>
-              <a:t>Dest</a:t>
-            </a:r>
-            <a:r>
-              <a:rPr lang="en-CA" sz="1050" dirty="0">
-                <a:latin typeface="Courier" pitchFamily="2" charset="0"/>
-              </a:rPr>
-              <a:t> UDP Ports  /                  \</a:t>
-            </a:r>
-          </a:p>
-          <a:p>
-            <a:pPr>
-              <a:lnSpc>
-                <a:spcPts val="1540"/>
-              </a:lnSpc>
-            </a:pPr>
-            <a:r>
-              <a:rPr lang="en-CA" sz="1050" dirty="0">
-                <a:latin typeface="Courier" pitchFamily="2" charset="0"/>
-              </a:rPr>
-              <a:t>                           v                    v</a:t>
-            </a:r>
-          </a:p>
-          <a:p>
-            <a:pPr>
-              <a:lnSpc>
-                <a:spcPts val="1540"/>
-              </a:lnSpc>
-            </a:pPr>
-            <a:r>
-              <a:rPr lang="en-CA" sz="1050" dirty="0">
-                <a:latin typeface="Courier" pitchFamily="2" charset="0"/>
-              </a:rPr>
-              <a:t>                       +-------+            +-------+</a:t>
-            </a:r>
-          </a:p>
-          <a:p>
-            <a:pPr>
-              <a:lnSpc>
-                <a:spcPts val="1540"/>
-              </a:lnSpc>
-            </a:pPr>
-            <a:r>
-              <a:rPr lang="en-CA" sz="1050" dirty="0">
-                <a:latin typeface="Courier" pitchFamily="2" charset="0"/>
-              </a:rPr>
-              <a:t>                       |       |            |       |</a:t>
-            </a:r>
-          </a:p>
-          <a:p>
-            <a:pPr>
-              <a:lnSpc>
-                <a:spcPts val="1540"/>
-              </a:lnSpc>
-            </a:pPr>
-            <a:r>
-              <a:rPr lang="en-CA" sz="1050" dirty="0">
-                <a:latin typeface="Courier" pitchFamily="2" charset="0"/>
-              </a:rPr>
-              <a:t>                       |   R1  |============|   R5  |</a:t>
-            </a:r>
-          </a:p>
-          <a:p>
-            <a:pPr>
-              <a:lnSpc>
-                <a:spcPts val="1540"/>
-              </a:lnSpc>
-            </a:pPr>
-            <a:r>
-              <a:rPr lang="en-CA" sz="1050" dirty="0">
-                <a:latin typeface="Courier" pitchFamily="2" charset="0"/>
-              </a:rPr>
-              <a:t>                       |       |  SR Path   |       |</a:t>
-            </a:r>
-          </a:p>
-          <a:p>
-            <a:pPr>
-              <a:lnSpc>
-                <a:spcPts val="1540"/>
-              </a:lnSpc>
-            </a:pPr>
-            <a:r>
-              <a:rPr lang="en-CA" sz="1050" dirty="0">
-                <a:latin typeface="Courier" pitchFamily="2" charset="0"/>
-              </a:rPr>
-              <a:t>                       +-------+            +-------+</a:t>
-            </a:r>
-          </a:p>
-          <a:p>
-            <a:pPr>
-              <a:lnSpc>
-                <a:spcPts val="1540"/>
-              </a:lnSpc>
-            </a:pPr>
-            <a:r>
-              <a:rPr lang="en-CA" sz="1050" dirty="0">
-                <a:latin typeface="Courier" pitchFamily="2" charset="0"/>
-              </a:rPr>
-              <a:t>                        Sender              Reflector</a:t>
-            </a:r>
-          </a:p>
-          <a:p>
-            <a:pPr>
-              <a:lnSpc>
-                <a:spcPts val="1540"/>
-              </a:lnSpc>
-            </a:pPr>
-            <a:endParaRPr lang="en-CA" sz="1050" dirty="0">
-              <a:latin typeface="Courier" pitchFamily="2" charset="0"/>
-            </a:endParaRPr>
-          </a:p>
-          <a:p>
-            <a:pPr>
-              <a:lnSpc>
-                <a:spcPts val="1540"/>
-              </a:lnSpc>
-            </a:pPr>
-            <a:r>
-              <a:rPr lang="en-CA" sz="1050" dirty="0">
-                <a:latin typeface="Courier" pitchFamily="2" charset="0"/>
-              </a:rPr>
-              <a:t>                          Example Provisioning Model</a:t>
-            </a:r>
-          </a:p>
-        </p:txBody>
-      </p:sp>
-      <p:sp>
-        <p:nvSpPr>
-          <p:cNvPr id="3" name="TextBox 2">
-            <a:extLst>
-              <a:ext uri="{FF2B5EF4-FFF2-40B4-BE49-F238E27FC236}">
-                <a16:creationId xmlns:a16="http://schemas.microsoft.com/office/drawing/2014/main" id="{AE7FA884-76F1-D743-8A93-0084B2789ED9}"/>
-              </a:ext>
-            </a:extLst>
-          </p:cNvPr>
-          <p:cNvSpPr txBox="1"/>
-          <p:nvPr/>
-        </p:nvSpPr>
-        <p:spPr>
-          <a:xfrm>
-            <a:off x="7285494" y="3257550"/>
-            <a:ext cx="1629905" cy="600164"/>
-          </a:xfrm>
-          <a:prstGeom prst="rect">
-            <a:avLst/>
-          </a:prstGeom>
-          <a:noFill/>
-        </p:spPr>
-        <p:txBody>
-          <a:bodyPr wrap="square" rtlCol="0">
-            <a:spAutoFit/>
-          </a:bodyPr>
-          <a:lstStyle/>
-          <a:p>
-            <a:r>
-              <a:rPr lang="en-US" sz="1100" dirty="0">
-                <a:solidFill>
-                  <a:srgbClr val="0070C0"/>
-                </a:solidFill>
-                <a:latin typeface="Courier" pitchFamily="2" charset="0"/>
-              </a:rPr>
-              <a:t>* Provisioned, Flooded/Signaled or IANA Allocated</a:t>
-            </a:r>
-          </a:p>
-        </p:txBody>
-      </p:sp>
     </p:spTree>
     <p:extLst>
       <p:ext uri="{BB962C8B-B14F-4D97-AF65-F5344CB8AC3E}">
-        <p14:creationId xmlns:p14="http://schemas.microsoft.com/office/powerpoint/2010/main" val="21907870"/>
+        <p14:creationId xmlns:p14="http://schemas.microsoft.com/office/powerpoint/2010/main" val="3637512675"/>
       </p:ext>
     </p:extLst>
   </p:cSld>
@@ -6752,7 +6704,7 @@
             </a:pPr>
             <a:r>
               <a:rPr lang="en-US" sz="2000" dirty="0"/>
-              <a:t>Delay metrics are notified when consecutive M number of probe messages have delay values exceed the configured thresholds</a:t>
+              <a:t>Delay metrics are notified as an example, when consecutive M number of probe messages have delay values exceed the configured thresholds</a:t>
             </a:r>
           </a:p>
           <a:p>
@@ -6780,7 +6732,7 @@
             </a:pPr>
             <a:r>
               <a:rPr lang="en-US" sz="2000" dirty="0"/>
-              <a:t>Liveness success (bring-up - success of heart beats) is notified as soon as one or more return probe messages are received at the sender node</a:t>
+              <a:t>Liveness success (bring-up - success of heart beats) initially is notified as soon as one or more return probe messages are received at the sender node</a:t>
             </a:r>
             <a:endParaRPr lang="en-CA" sz="2000" dirty="0"/>
           </a:p>
@@ -10164,25 +10116,22 @@
           <a:lstStyle/>
           <a:p>
             <a:r>
-              <a:rPr lang="en-US" sz="2600" b="1" dirty="0">
+              <a:rPr lang="en-US" sz="2400" dirty="0">
                 <a:solidFill>
                   <a:srgbClr val="0070C0"/>
                 </a:solidFill>
                 <a:latin typeface="Calibri Light" panose="020F0302020204030204" pitchFamily="34" charset="0"/>
                 <a:cs typeface="Calibri Light" panose="020F0302020204030204" pitchFamily="34" charset="0"/>
               </a:rPr>
-              <a:t>Enhanced</a:t>
-            </a:r>
-            <a:r>
-              <a:rPr lang="en-US" sz="2600" dirty="0">
-                <a:solidFill>
-                  <a:srgbClr val="0070C0"/>
-                </a:solidFill>
-                <a:latin typeface="Calibri Light" panose="020F0302020204030204" pitchFamily="34" charset="0"/>
-                <a:cs typeface="Calibri Light" panose="020F0302020204030204" pitchFamily="34" charset="0"/>
-              </a:rPr>
-              <a:t> Performance Delay and Liveness Monitoring of SR Policy</a:t>
-            </a:r>
+              <a:t>Loopback Mode Enabled with Network Programming Function</a:t>
+            </a:r>
+            <a:endParaRPr lang="en-US" sz="2600" dirty="0">
+              <a:solidFill>
+                <a:srgbClr val="0070C0"/>
+              </a:solidFill>
+              <a:latin typeface="Calibri Light" panose="020F0302020204030204" pitchFamily="34" charset="0"/>
+              <a:cs typeface="Calibri Light" panose="020F0302020204030204" pitchFamily="34" charset="0"/>
+            </a:endParaRPr>
           </a:p>
         </p:txBody>
       </p:sp>
@@ -10243,7 +10192,7 @@
             </a:pPr>
             <a:r>
               <a:rPr lang="en-CA" sz="1200" dirty="0"/>
-              <a:t>Using PM probes in loopback mode enabled with network programming function</a:t>
+              <a:t>PM probes sent in loopback mode enabled with network programming function</a:t>
             </a:r>
           </a:p>
           <a:p>
@@ -10285,7 +10234,7 @@
             </a:pPr>
             <a:r>
               <a:rPr lang="en-CA" sz="1200" dirty="0"/>
-              <a:t>Reflector node adds the receive timestamp in the payload of the received probe message in the fast-path</a:t>
+              <a:t>Reflector node adds the receive timestamp at a specific location in the payload of the received probe message in fast-path</a:t>
             </a:r>
           </a:p>
           <a:p>
@@ -10332,7 +10281,7 @@
         </p:nvSpPr>
         <p:spPr>
           <a:xfrm>
-            <a:off x="1981200" y="618771"/>
+            <a:off x="1981200" y="692825"/>
             <a:ext cx="4648200" cy="2031325"/>
           </a:xfrm>
           <a:prstGeom prst="rect">
@@ -10528,7 +10477,13 @@
       </p:grpSpPr>
       <p:sp>
         <p:nvSpPr>
-          <p:cNvPr id="2" name="Title 1"/>
+          <p:cNvPr id="2" name="Title 1">
+            <a:extLst>
+              <a:ext uri="{FF2B5EF4-FFF2-40B4-BE49-F238E27FC236}">
+                <a16:creationId xmlns:a16="http://schemas.microsoft.com/office/drawing/2014/main" id="{9A6F4236-AC14-394A-A36C-F2BD8CED3237}"/>
+              </a:ext>
+            </a:extLst>
+          </p:cNvPr>
           <p:cNvSpPr>
             <a:spLocks noGrp="1"/>
           </p:cNvSpPr>
@@ -10538,8 +10493,8 @@
         </p:nvSpPr>
         <p:spPr>
           <a:xfrm>
-            <a:off x="24974" y="0"/>
-            <a:ext cx="9144000" cy="731027"/>
+            <a:off x="457200" y="-19050"/>
+            <a:ext cx="8229600" cy="753591"/>
           </a:xfrm>
         </p:spPr>
         <p:txBody>
@@ -10547,21 +10502,60 @@
           <a:lstStyle/>
           <a:p>
             <a:r>
-              <a:rPr lang="en-US" sz="3000" dirty="0">
+              <a:rPr lang="en-US" sz="3200" dirty="0">
                 <a:solidFill>
                   <a:srgbClr val="0070C0"/>
                 </a:solidFill>
                 <a:latin typeface="Calibri Light" panose="020F0302020204030204" pitchFamily="34" charset="0"/>
                 <a:cs typeface="Calibri Light" panose="020F0302020204030204" pitchFamily="34" charset="0"/>
               </a:rPr>
-              <a:t>Probe Messages for Network Programming Function</a:t>
-            </a:r>
-          </a:p>
-        </p:txBody>
-      </p:sp>
-      <p:sp>
-        <p:nvSpPr>
-          <p:cNvPr id="5" name="Slide Number Placeholder 4"/>
+              <a:t>Example Provisioning Model</a:t>
+            </a:r>
+          </a:p>
+        </p:txBody>
+      </p:sp>
+      <p:sp>
+        <p:nvSpPr>
+          <p:cNvPr id="4" name="Footer Placeholder 3">
+            <a:extLst>
+              <a:ext uri="{FF2B5EF4-FFF2-40B4-BE49-F238E27FC236}">
+                <a16:creationId xmlns:a16="http://schemas.microsoft.com/office/drawing/2014/main" id="{643D160E-CC3C-EB46-A6F1-43B8E2996F46}"/>
+              </a:ext>
+            </a:extLst>
+          </p:cNvPr>
+          <p:cNvSpPr>
+            <a:spLocks noGrp="1"/>
+          </p:cNvSpPr>
+          <p:nvPr>
+            <p:ph type="ftr" sz="quarter" idx="11"/>
+          </p:nvPr>
+        </p:nvSpPr>
+        <p:spPr>
+          <a:xfrm>
+            <a:off x="3124200" y="4841881"/>
+            <a:ext cx="2895600" cy="357188"/>
+          </a:xfrm>
+        </p:spPr>
+        <p:txBody>
+          <a:bodyPr/>
+          <a:lstStyle/>
+          <a:p>
+            <a:r>
+              <a:rPr lang="en-CA" dirty="0"/>
+              <a:t>MPLS WG Interim, September 2020</a:t>
+            </a:r>
+          </a:p>
+        </p:txBody>
+      </p:sp>
+      <p:sp>
+        <p:nvSpPr>
+          <p:cNvPr id="5" name="Slide Number Placeholder 4">
+            <a:extLst>
+              <a:ext uri="{FF2B5EF4-FFF2-40B4-BE49-F238E27FC236}">
+                <a16:creationId xmlns:a16="http://schemas.microsoft.com/office/drawing/2014/main" id="{A8B868AE-B105-7547-A646-14FCDF91C2DD}"/>
+              </a:ext>
+            </a:extLst>
+          </p:cNvPr>
           <p:cNvSpPr>
             <a:spLocks noGrp="1"/>
           </p:cNvSpPr>
@@ -10590,10 +10584,10 @@
       </p:sp>
       <p:sp>
         <p:nvSpPr>
-          <p:cNvPr id="6" name="Rectangle 5">
+          <p:cNvPr id="7" name="Rectangle 6">
             <a:extLst>
               <a:ext uri="{FF2B5EF4-FFF2-40B4-BE49-F238E27FC236}">
-                <a16:creationId xmlns:a16="http://schemas.microsoft.com/office/drawing/2014/main" id="{4C15A4CE-6545-5142-97A8-EDA8B07CB60B}"/>
+                <a16:creationId xmlns:a16="http://schemas.microsoft.com/office/drawing/2014/main" id="{AA6E66CA-28BC-2C4A-BC04-4600D8FEBF3B}"/>
               </a:ext>
             </a:extLst>
           </p:cNvPr>
@@ -10602,8 +10596,8 @@
         </p:nvSpPr>
         <p:spPr>
           <a:xfrm>
-            <a:off x="304800" y="1962150"/>
-            <a:ext cx="4242226" cy="2431435"/>
+            <a:off x="1371600" y="694047"/>
+            <a:ext cx="5905500" cy="3931141"/>
           </a:xfrm>
           <a:prstGeom prst="rect">
             <a:avLst/>
@@ -10621,633 +10615,377 @@
           </a:bodyPr>
           <a:lstStyle/>
           <a:p>
-            <a:r>
-              <a:rPr lang="en-CA" sz="800" dirty="0">
-                <a:latin typeface="Courier" pitchFamily="2" charset="0"/>
-              </a:rPr>
-              <a:t>  +-+-+-+-+-+-+-+-+-+-+-+-+-+-+-+-+-+-+-+-+-+-+-+-+-+-+-+-+-+-+-+-+</a:t>
-            </a:r>
-          </a:p>
-          <a:p>
             <a:pPr>
-              <a:spcAft>
-                <a:spcPts val="0"/>
-              </a:spcAft>
-            </a:pPr>
-            <a:r>
-              <a:rPr lang="en-US" sz="800" dirty="0">
-                <a:latin typeface="Courier" pitchFamily="2" charset="0"/>
-                <a:ea typeface="Courier" charset="0"/>
-                <a:cs typeface="Courier" charset="0"/>
-              </a:rPr>
-              <a:t>  |         Sequence Number                                       |</a:t>
+              <a:lnSpc>
+                <a:spcPts val="1540"/>
+              </a:lnSpc>
+            </a:pPr>
+            <a:r>
+              <a:rPr lang="en-CA" sz="1050" dirty="0">
+                <a:latin typeface="Courier" pitchFamily="2" charset="0"/>
+              </a:rPr>
+              <a:t>                               +------------+</a:t>
             </a:r>
           </a:p>
           <a:p>
             <a:pPr>
-              <a:spcAft>
-                <a:spcPts val="0"/>
-              </a:spcAft>
-            </a:pPr>
-            <a:r>
-              <a:rPr lang="en-US" sz="800" dirty="0">
-                <a:latin typeface="Courier" pitchFamily="2" charset="0"/>
-                <a:ea typeface="Courier" charset="0"/>
-                <a:cs typeface="Courier" charset="0"/>
-              </a:rPr>
-              <a:t>  +-+-+-+-+-+-+-+-+-+-+-+-+-+-+-+-+-+-+-+-+-+-+-+-+-+-+-+-+-+-+-+-+</a:t>
+              <a:lnSpc>
+                <a:spcPts val="1540"/>
+              </a:lnSpc>
+            </a:pPr>
+            <a:r>
+              <a:rPr lang="en-CA" sz="1050" dirty="0">
+                <a:latin typeface="Courier" pitchFamily="2" charset="0"/>
+              </a:rPr>
+              <a:t>                               | Controller |</a:t>
             </a:r>
           </a:p>
           <a:p>
             <a:pPr>
-              <a:spcAft>
-                <a:spcPts val="0"/>
-              </a:spcAft>
-            </a:pPr>
-            <a:r>
-              <a:rPr lang="en-US" sz="800" dirty="0">
-                <a:latin typeface="Courier" pitchFamily="2" charset="0"/>
-                <a:ea typeface="Courier" charset="0"/>
-                <a:cs typeface="Courier" charset="0"/>
-              </a:rPr>
-              <a:t>  |         Transmit Timestamp (t1)                               |</a:t>
+              <a:lnSpc>
+                <a:spcPts val="1540"/>
+              </a:lnSpc>
+            </a:pPr>
+            <a:r>
+              <a:rPr lang="en-CA" sz="1050" dirty="0">
+                <a:latin typeface="Courier" pitchFamily="2" charset="0"/>
+              </a:rPr>
+              <a:t>                               +------------+</a:t>
             </a:r>
           </a:p>
           <a:p>
             <a:pPr>
-              <a:spcAft>
-                <a:spcPts val="0"/>
-              </a:spcAft>
-            </a:pPr>
-            <a:r>
-              <a:rPr lang="en-US" sz="800" dirty="0">
-                <a:latin typeface="Courier" pitchFamily="2" charset="0"/>
-                <a:ea typeface="Courier" charset="0"/>
-                <a:cs typeface="Courier" charset="0"/>
-              </a:rPr>
-              <a:t>  |                                                               |</a:t>
+              <a:lnSpc>
+                <a:spcPts val="1540"/>
+              </a:lnSpc>
+            </a:pPr>
+            <a:r>
+              <a:rPr lang="en-CA" sz="1050" dirty="0">
+                <a:latin typeface="Courier" pitchFamily="2" charset="0"/>
+              </a:rPr>
+              <a:t>     PDLM Mode                     /    \      </a:t>
+            </a:r>
+            <a:r>
+              <a:rPr lang="en-CA" sz="1050" dirty="0">
+                <a:solidFill>
+                  <a:srgbClr val="0070C0"/>
+                </a:solidFill>
+                <a:latin typeface="Courier" pitchFamily="2" charset="0"/>
+              </a:rPr>
+              <a:t>Timestamp Label/SRv6 EP*</a:t>
             </a:r>
           </a:p>
           <a:p>
             <a:pPr>
-              <a:spcAft>
-                <a:spcPts val="0"/>
-              </a:spcAft>
-            </a:pPr>
-            <a:r>
-              <a:rPr lang="en-US" sz="800" dirty="0">
-                <a:latin typeface="Courier" pitchFamily="2" charset="0"/>
-                <a:ea typeface="Courier" charset="0"/>
-                <a:cs typeface="Courier" charset="0"/>
-              </a:rPr>
-              <a:t>  +-+-+-+-+-+-+-+-+-+-+-+-+-+-+-+-+-+-+-+-+-+-+-+-+-+-+-+-+-+-+-+-+</a:t>
+              <a:lnSpc>
+                <a:spcPts val="1540"/>
+              </a:lnSpc>
+            </a:pPr>
+            <a:r>
+              <a:rPr lang="en-CA" sz="1050" dirty="0">
+                <a:latin typeface="Courier" pitchFamily="2" charset="0"/>
+              </a:rPr>
+              <a:t>       LB or Enhanced Mode        /      \       </a:t>
+            </a:r>
+            <a:r>
+              <a:rPr lang="en-CA" sz="1050" dirty="0">
+                <a:solidFill>
+                  <a:srgbClr val="0070C0"/>
+                </a:solidFill>
+                <a:latin typeface="Courier" pitchFamily="2" charset="0"/>
+              </a:rPr>
+              <a:t>Timestamp2 Offset</a:t>
             </a:r>
           </a:p>
           <a:p>
             <a:pPr>
-              <a:spcAft>
-                <a:spcPts val="0"/>
-              </a:spcAft>
-            </a:pPr>
-            <a:r>
-              <a:rPr lang="en-US" sz="800" dirty="0">
-                <a:latin typeface="Courier" pitchFamily="2" charset="0"/>
-                <a:ea typeface="Courier" charset="0"/>
-                <a:cs typeface="Courier" charset="0"/>
-              </a:rPr>
-              <a:t>  |         Error Estimate        |    MBZ                        |</a:t>
+              <a:lnSpc>
+                <a:spcPts val="1540"/>
+              </a:lnSpc>
+            </a:pPr>
+            <a:r>
+              <a:rPr lang="en-CA" sz="1050" dirty="0">
+                <a:latin typeface="Courier" pitchFamily="2" charset="0"/>
+              </a:rPr>
+              <a:t>     Message Format              /        \      </a:t>
+            </a:r>
+            <a:r>
+              <a:rPr lang="en-CA" sz="1050" dirty="0">
+                <a:solidFill>
+                  <a:srgbClr val="0070C0"/>
+                </a:solidFill>
+                <a:latin typeface="Courier" pitchFamily="2" charset="0"/>
+              </a:rPr>
+              <a:t>Timestamp Format</a:t>
             </a:r>
           </a:p>
           <a:p>
             <a:pPr>
-              <a:spcAft>
-                <a:spcPts val="0"/>
-              </a:spcAft>
-            </a:pPr>
-            <a:r>
-              <a:rPr lang="en-US" sz="800" dirty="0">
-                <a:latin typeface="Courier" pitchFamily="2" charset="0"/>
-                <a:ea typeface="Courier" charset="0"/>
-                <a:cs typeface="Courier" charset="0"/>
-              </a:rPr>
-              <a:t>  +-+-+-+-+-+-+-+-+-+-+-+-+-+-+-+-+-+-+-+-+-+-+-+-+-+-+-+-+-+-+-+-+</a:t>
+              <a:lnSpc>
+                <a:spcPts val="1540"/>
+              </a:lnSpc>
+            </a:pPr>
+            <a:r>
+              <a:rPr lang="en-CA" sz="1050" dirty="0">
+                <a:latin typeface="Courier" pitchFamily="2" charset="0"/>
+              </a:rPr>
+              <a:t>     Missed Probe Message Count /          \</a:t>
             </a:r>
           </a:p>
           <a:p>
             <a:pPr>
-              <a:spcAft>
-                <a:spcPts val="0"/>
-              </a:spcAft>
-            </a:pPr>
-            <a:r>
-              <a:rPr lang="en-US" sz="800" dirty="0">
-                <a:latin typeface="Courier" pitchFamily="2" charset="0"/>
-                <a:ea typeface="Courier" charset="0"/>
-                <a:cs typeface="Courier" charset="0"/>
-              </a:rPr>
-              <a:t>  |         Receive Timestamp (t2)                                |</a:t>
+              <a:lnSpc>
+                <a:spcPts val="1540"/>
+              </a:lnSpc>
+            </a:pPr>
+            <a:r>
+              <a:rPr lang="en-CA" sz="1050" dirty="0">
+                <a:latin typeface="Courier" pitchFamily="2" charset="0"/>
+              </a:rPr>
+              <a:t>     </a:t>
+            </a:r>
+            <a:r>
+              <a:rPr lang="en-CA" sz="1050" dirty="0">
+                <a:solidFill>
+                  <a:srgbClr val="0070C0"/>
+                </a:solidFill>
+                <a:latin typeface="Courier" pitchFamily="2" charset="0"/>
+              </a:rPr>
+              <a:t>Timestamp Label/SRv6 EP*</a:t>
+            </a:r>
+            <a:r>
+              <a:rPr lang="en-CA" sz="1050" dirty="0">
+                <a:latin typeface="Courier" pitchFamily="2" charset="0"/>
+              </a:rPr>
+              <a:t>  /            \</a:t>
             </a:r>
           </a:p>
           <a:p>
             <a:pPr>
-              <a:spcAft>
-                <a:spcPts val="0"/>
-              </a:spcAft>
-            </a:pPr>
-            <a:r>
-              <a:rPr lang="en-US" sz="800" dirty="0">
-                <a:latin typeface="Courier" pitchFamily="2" charset="0"/>
-                <a:ea typeface="Courier" charset="0"/>
-                <a:cs typeface="Courier" charset="0"/>
-              </a:rPr>
-              <a:t>  |                                                               |</a:t>
+              <a:lnSpc>
+                <a:spcPts val="1540"/>
+              </a:lnSpc>
+            </a:pPr>
+            <a:r>
+              <a:rPr lang="en-CA" sz="1050" dirty="0">
+                <a:latin typeface="Courier" pitchFamily="2" charset="0"/>
+              </a:rPr>
+              <a:t>       </a:t>
+            </a:r>
+            <a:r>
+              <a:rPr lang="en-CA" sz="1050" dirty="0">
+                <a:solidFill>
+                  <a:srgbClr val="0070C0"/>
+                </a:solidFill>
+                <a:latin typeface="Courier" pitchFamily="2" charset="0"/>
+              </a:rPr>
+              <a:t>Timestamp Format       </a:t>
+            </a:r>
+            <a:r>
+              <a:rPr lang="en-CA" sz="1050" dirty="0">
+                <a:latin typeface="Courier" pitchFamily="2" charset="0"/>
+              </a:rPr>
+              <a:t>/              \</a:t>
             </a:r>
           </a:p>
           <a:p>
             <a:pPr>
-              <a:spcAft>
-                <a:spcPts val="0"/>
-              </a:spcAft>
-            </a:pPr>
-            <a:r>
-              <a:rPr lang="en-US" sz="800" dirty="0">
-                <a:latin typeface="Courier" pitchFamily="2" charset="0"/>
-                <a:ea typeface="Courier" charset="0"/>
-                <a:cs typeface="Courier" charset="0"/>
-              </a:rPr>
-              <a:t>  +-+-+-+-+-+-+-+-+-+-+-+-+-+-+-+-+-+-+-+-+-+-+-+-+-+-+-+-+-+-+-+-+</a:t>
-            </a:r>
-          </a:p>
-          <a:p>
-            <a:r>
-              <a:rPr lang="en-US" sz="800" dirty="0">
-                <a:latin typeface="Courier" pitchFamily="2" charset="0"/>
-              </a:rPr>
-              <a:t>  .                                                               .</a:t>
-            </a:r>
-            <a:endParaRPr lang="en-CA" sz="800" dirty="0">
+              <a:lnSpc>
+                <a:spcPts val="1540"/>
+              </a:lnSpc>
+            </a:pPr>
+            <a:r>
+              <a:rPr lang="en-CA" sz="1050" dirty="0">
+                <a:latin typeface="Courier" pitchFamily="2" charset="0"/>
+              </a:rPr>
+              <a:t>     Delay threshold/Count   /                \</a:t>
+            </a:r>
+          </a:p>
+          <a:p>
+            <a:pPr>
+              <a:lnSpc>
+                <a:spcPts val="1540"/>
+              </a:lnSpc>
+            </a:pPr>
+            <a:r>
+              <a:rPr lang="en-CA" sz="1050" dirty="0">
+                <a:latin typeface="Courier" pitchFamily="2" charset="0"/>
+              </a:rPr>
+              <a:t>     Source/</a:t>
+            </a:r>
+            <a:r>
+              <a:rPr lang="en-CA" sz="1050" dirty="0" err="1">
+                <a:latin typeface="Courier" pitchFamily="2" charset="0"/>
+              </a:rPr>
+              <a:t>Dest</a:t>
+            </a:r>
+            <a:r>
+              <a:rPr lang="en-CA" sz="1050" dirty="0">
+                <a:latin typeface="Courier" pitchFamily="2" charset="0"/>
+              </a:rPr>
+              <a:t> UDP Ports  /                  \</a:t>
+            </a:r>
+          </a:p>
+          <a:p>
+            <a:pPr>
+              <a:lnSpc>
+                <a:spcPts val="1540"/>
+              </a:lnSpc>
+            </a:pPr>
+            <a:r>
+              <a:rPr lang="en-CA" sz="1050" dirty="0">
+                <a:latin typeface="Courier" pitchFamily="2" charset="0"/>
+              </a:rPr>
+              <a:t>                           v                    v</a:t>
+            </a:r>
+          </a:p>
+          <a:p>
+            <a:pPr>
+              <a:lnSpc>
+                <a:spcPts val="1540"/>
+              </a:lnSpc>
+            </a:pPr>
+            <a:r>
+              <a:rPr lang="en-CA" sz="1050" dirty="0">
+                <a:latin typeface="Courier" pitchFamily="2" charset="0"/>
+              </a:rPr>
+              <a:t>                       +-------+            +-------+</a:t>
+            </a:r>
+          </a:p>
+          <a:p>
+            <a:pPr>
+              <a:lnSpc>
+                <a:spcPts val="1540"/>
+              </a:lnSpc>
+            </a:pPr>
+            <a:r>
+              <a:rPr lang="en-CA" sz="1050" dirty="0">
+                <a:latin typeface="Courier" pitchFamily="2" charset="0"/>
+              </a:rPr>
+              <a:t>                       |       |            |       |</a:t>
+            </a:r>
+          </a:p>
+          <a:p>
+            <a:pPr>
+              <a:lnSpc>
+                <a:spcPts val="1540"/>
+              </a:lnSpc>
+            </a:pPr>
+            <a:r>
+              <a:rPr lang="en-CA" sz="1050" dirty="0">
+                <a:latin typeface="Courier" pitchFamily="2" charset="0"/>
+              </a:rPr>
+              <a:t>                       |   R1  |============|   R5  |</a:t>
+            </a:r>
+          </a:p>
+          <a:p>
+            <a:pPr>
+              <a:lnSpc>
+                <a:spcPts val="1540"/>
+              </a:lnSpc>
+            </a:pPr>
+            <a:r>
+              <a:rPr lang="en-CA" sz="1050" dirty="0">
+                <a:latin typeface="Courier" pitchFamily="2" charset="0"/>
+              </a:rPr>
+              <a:t>                       |       |  SR Path   |       |</a:t>
+            </a:r>
+          </a:p>
+          <a:p>
+            <a:pPr>
+              <a:lnSpc>
+                <a:spcPts val="1540"/>
+              </a:lnSpc>
+            </a:pPr>
+            <a:r>
+              <a:rPr lang="en-CA" sz="1050" dirty="0">
+                <a:latin typeface="Courier" pitchFamily="2" charset="0"/>
+              </a:rPr>
+              <a:t>                       +-------+            +-------+</a:t>
+            </a:r>
+          </a:p>
+          <a:p>
+            <a:pPr>
+              <a:lnSpc>
+                <a:spcPts val="1540"/>
+              </a:lnSpc>
+            </a:pPr>
+            <a:r>
+              <a:rPr lang="en-CA" sz="1050" dirty="0">
+                <a:latin typeface="Courier" pitchFamily="2" charset="0"/>
+              </a:rPr>
+              <a:t>                        Sender              Reflector</a:t>
+            </a:r>
+          </a:p>
+          <a:p>
+            <a:pPr>
+              <a:lnSpc>
+                <a:spcPts val="1540"/>
+              </a:lnSpc>
+            </a:pPr>
+            <a:endParaRPr lang="en-CA" sz="1050" dirty="0">
               <a:latin typeface="Courier" pitchFamily="2" charset="0"/>
             </a:endParaRPr>
           </a:p>
           <a:p>
-            <a:r>
-              <a:rPr lang="en-US" sz="800" dirty="0">
-                <a:latin typeface="Courier" pitchFamily="2" charset="0"/>
-              </a:rPr>
-              <a:t>  .         Variable Length Padding                               .</a:t>
-            </a:r>
-          </a:p>
-          <a:p>
-            <a:r>
-              <a:rPr lang="en-US" sz="800" dirty="0">
-                <a:latin typeface="Courier" pitchFamily="2" charset="0"/>
-              </a:rPr>
-              <a:t>  ~                                                               ~</a:t>
-            </a:r>
-            <a:endParaRPr lang="en-CA" sz="800" dirty="0">
-              <a:latin typeface="Courier" pitchFamily="2" charset="0"/>
-            </a:endParaRPr>
-          </a:p>
-          <a:p>
-            <a:r>
-              <a:rPr lang="en-US" sz="800" dirty="0">
-                <a:latin typeface="Courier" pitchFamily="2" charset="0"/>
-              </a:rPr>
-              <a:t>  .                                                               .</a:t>
-            </a:r>
-          </a:p>
-          <a:p>
-            <a:r>
-              <a:rPr lang="en-US" sz="800" dirty="0">
-                <a:latin typeface="Courier" pitchFamily="2" charset="0"/>
-              </a:rPr>
-              <a:t>  .                                                               .</a:t>
-            </a:r>
-            <a:endParaRPr lang="en-CA" sz="800" dirty="0">
-              <a:latin typeface="Courier" pitchFamily="2" charset="0"/>
-            </a:endParaRPr>
-          </a:p>
-          <a:p>
-            <a:r>
-              <a:rPr lang="en-US" sz="800" dirty="0">
-                <a:latin typeface="Courier" pitchFamily="2" charset="0"/>
-              </a:rPr>
-              <a:t>  +-+-+-+-+-+-+-+-+-+-+-+-+-+-+-+-+-+-+-+-+-+-+-+-+-+-+-+-+-+-+-+-+ </a:t>
-            </a:r>
-            <a:endParaRPr lang="en-CA" sz="800" dirty="0">
-              <a:latin typeface="Courier" pitchFamily="2" charset="0"/>
-            </a:endParaRPr>
-          </a:p>
-          <a:p>
             <a:pPr>
-              <a:spcAft>
-                <a:spcPts val="0"/>
-              </a:spcAft>
-            </a:pPr>
-            <a:endParaRPr lang="en-CA" sz="800" dirty="0">
-              <a:solidFill>
-                <a:schemeClr val="bg2">
-                  <a:lumMod val="50000"/>
-                </a:schemeClr>
-              </a:solidFill>
-              <a:latin typeface="Courier" pitchFamily="2" charset="0"/>
-            </a:endParaRPr>
-          </a:p>
-          <a:p>
-            <a:r>
-              <a:rPr lang="en-CA" sz="800" dirty="0">
-                <a:latin typeface="Courier" pitchFamily="2" charset="0"/>
-              </a:rPr>
-              <a:t>               TWAMP Compatible Probe Message Format</a:t>
-            </a:r>
-            <a:endParaRPr lang="en-US" sz="800" dirty="0">
-              <a:latin typeface="Courier" pitchFamily="2" charset="0"/>
-            </a:endParaRPr>
-          </a:p>
-        </p:txBody>
-      </p:sp>
-      <p:sp>
-        <p:nvSpPr>
-          <p:cNvPr id="8" name="Content Placeholder 7">
+              <a:lnSpc>
+                <a:spcPts val="1540"/>
+              </a:lnSpc>
+            </a:pPr>
+            <a:r>
+              <a:rPr lang="en-CA" sz="1050" dirty="0">
+                <a:latin typeface="Courier" pitchFamily="2" charset="0"/>
+              </a:rPr>
+              <a:t>                          Example Provisioning Model</a:t>
+            </a:r>
+          </a:p>
+        </p:txBody>
+      </p:sp>
+      <p:sp>
+        <p:nvSpPr>
+          <p:cNvPr id="3" name="TextBox 2">
             <a:extLst>
               <a:ext uri="{FF2B5EF4-FFF2-40B4-BE49-F238E27FC236}">
-                <a16:creationId xmlns:a16="http://schemas.microsoft.com/office/drawing/2014/main" id="{FC6E1890-536D-9D49-8207-C42BBF301FF3}"/>
+                <a16:creationId xmlns:a16="http://schemas.microsoft.com/office/drawing/2014/main" id="{AE7FA884-76F1-D743-8A93-0084B2789ED9}"/>
               </a:ext>
             </a:extLst>
           </p:cNvPr>
-          <p:cNvSpPr>
-            <a:spLocks noGrp="1"/>
-          </p:cNvSpPr>
-          <p:nvPr>
-            <p:ph idx="1"/>
-          </p:nvPr>
+          <p:cNvSpPr txBox="1"/>
+          <p:nvPr/>
         </p:nvSpPr>
         <p:spPr>
           <a:xfrm>
-            <a:off x="464738" y="652096"/>
-            <a:ext cx="8264471" cy="1157654"/>
-          </a:xfrm>
-        </p:spPr>
-        <p:txBody>
-          <a:bodyPr/>
-          <a:lstStyle/>
-          <a:p>
-            <a:r>
-              <a:rPr lang="en-US" sz="1200" dirty="0"/>
-              <a:t>Leverage existing TWAMP implementations and deployments using compatible probe message format</a:t>
-            </a:r>
-          </a:p>
-          <a:p>
-            <a:r>
-              <a:rPr lang="en-US" sz="1200" dirty="0"/>
-              <a:t>Sender adds Transmit Timestamp (t1)</a:t>
-            </a:r>
-          </a:p>
-          <a:p>
-            <a:r>
-              <a:rPr lang="en-US" sz="1200" dirty="0"/>
-              <a:t>Reflector adds Receive Timestamp (t2) at offset-byte location in payload </a:t>
-            </a:r>
-          </a:p>
-          <a:p>
-            <a:pPr lvl="1"/>
-            <a:r>
-              <a:rPr lang="en-US" sz="1200" dirty="0"/>
-              <a:t>offset-byte 16 from the start of the payload, or</a:t>
-            </a:r>
-          </a:p>
-          <a:p>
-            <a:pPr lvl="1"/>
-            <a:r>
-              <a:rPr lang="en-US" sz="1200" dirty="0"/>
-              <a:t>locally provisioned location (consistently in the network) </a:t>
-            </a:r>
-          </a:p>
-        </p:txBody>
-      </p:sp>
-      <p:sp>
-        <p:nvSpPr>
-          <p:cNvPr id="4" name="Footer Placeholder 3"/>
-          <p:cNvSpPr>
-            <a:spLocks noGrp="1"/>
-          </p:cNvSpPr>
-          <p:nvPr>
-            <p:ph type="ftr" sz="quarter" idx="11"/>
-          </p:nvPr>
-        </p:nvSpPr>
-        <p:spPr>
-          <a:xfrm>
-            <a:off x="3124200" y="4786312"/>
-            <a:ext cx="2895600" cy="357188"/>
-          </a:xfrm>
-        </p:spPr>
-        <p:txBody>
-          <a:bodyPr/>
-          <a:lstStyle/>
-          <a:p>
-            <a:r>
-              <a:rPr lang="en-CA" dirty="0"/>
-              <a:t>MPLS WG Interim, September 2020</a:t>
-            </a:r>
-          </a:p>
-        </p:txBody>
-      </p:sp>
-      <p:sp>
-        <p:nvSpPr>
-          <p:cNvPr id="7" name="Rectangle 6">
-            <a:extLst>
-              <a:ext uri="{FF2B5EF4-FFF2-40B4-BE49-F238E27FC236}">
-                <a16:creationId xmlns:a16="http://schemas.microsoft.com/office/drawing/2014/main" id="{379A9A6A-2ADE-4772-8A9B-054CD2389A6C}"/>
-              </a:ext>
-            </a:extLst>
-          </p:cNvPr>
-          <p:cNvSpPr/>
-          <p:nvPr/>
-        </p:nvSpPr>
-        <p:spPr>
-          <a:xfrm>
-            <a:off x="4673174" y="1969115"/>
-            <a:ext cx="4242226" cy="2431435"/>
+            <a:off x="7285494" y="3257550"/>
+            <a:ext cx="1629905" cy="600164"/>
           </a:xfrm>
           <a:prstGeom prst="rect">
             <a:avLst/>
           </a:prstGeom>
-          <a:solidFill>
-            <a:schemeClr val="accent6">
-              <a:lumMod val="20000"/>
-              <a:lumOff val="80000"/>
-            </a:schemeClr>
-          </a:solidFill>
+          <a:noFill/>
         </p:spPr>
         <p:txBody>
-          <a:bodyPr wrap="square">
+          <a:bodyPr wrap="square" rtlCol="0">
             <a:spAutoFit/>
           </a:bodyPr>
           <a:lstStyle/>
           <a:p>
             <a:r>
-              <a:rPr lang="en-CA" sz="800" dirty="0">
-                <a:latin typeface="Courier" pitchFamily="2" charset="0"/>
-              </a:rPr>
-              <a:t>  +-+-+-+-+-+-+-+-+-+-+-+-+-+-+-+-+-+-+-+-+-+-+-+-+-+-+-+-+-+-+-+-+</a:t>
-            </a:r>
-          </a:p>
-          <a:p>
-            <a:pPr>
-              <a:spcAft>
-                <a:spcPts val="0"/>
-              </a:spcAft>
-            </a:pPr>
-            <a:r>
-              <a:rPr lang="en-US" sz="800" dirty="0">
-                <a:latin typeface="Courier" pitchFamily="2" charset="0"/>
-                <a:ea typeface="Courier" charset="0"/>
-                <a:cs typeface="Courier" charset="0"/>
-              </a:rPr>
-              <a:t>  |         Sequence Number                                       |</a:t>
-            </a:r>
-          </a:p>
-          <a:p>
-            <a:pPr>
-              <a:spcAft>
-                <a:spcPts val="0"/>
-              </a:spcAft>
-            </a:pPr>
-            <a:r>
-              <a:rPr lang="en-US" sz="800" dirty="0">
-                <a:latin typeface="Courier" pitchFamily="2" charset="0"/>
-                <a:ea typeface="Courier" charset="0"/>
-                <a:cs typeface="Courier" charset="0"/>
-              </a:rPr>
-              <a:t>  +-+-+-+-+-+-+-+-+-+-+-+-+-+-+-+-+-+-+-+-+-+-+-+-+-+-+-+-+-+-+-+-+</a:t>
-            </a:r>
-          </a:p>
-          <a:p>
-            <a:pPr>
-              <a:spcAft>
-                <a:spcPts val="0"/>
-              </a:spcAft>
-            </a:pPr>
-            <a:r>
-              <a:rPr lang="en-US" sz="800" dirty="0">
-                <a:latin typeface="Courier" pitchFamily="2" charset="0"/>
-                <a:ea typeface="Courier" charset="0"/>
-                <a:cs typeface="Courier" charset="0"/>
-              </a:rPr>
-              <a:t>  |         Transmit Timestamp (t1)                               |</a:t>
-            </a:r>
-          </a:p>
-          <a:p>
-            <a:pPr>
-              <a:spcAft>
-                <a:spcPts val="0"/>
-              </a:spcAft>
-            </a:pPr>
-            <a:r>
-              <a:rPr lang="en-US" sz="800" dirty="0">
-                <a:latin typeface="Courier" pitchFamily="2" charset="0"/>
-                <a:ea typeface="Courier" charset="0"/>
-                <a:cs typeface="Courier" charset="0"/>
-              </a:rPr>
-              <a:t>  |                                                               |</a:t>
-            </a:r>
-          </a:p>
-          <a:p>
-            <a:pPr>
-              <a:spcAft>
-                <a:spcPts val="0"/>
-              </a:spcAft>
-            </a:pPr>
-            <a:r>
-              <a:rPr lang="en-US" sz="800" dirty="0">
-                <a:latin typeface="Courier" pitchFamily="2" charset="0"/>
-                <a:ea typeface="Courier" charset="0"/>
-                <a:cs typeface="Courier" charset="0"/>
-              </a:rPr>
-              <a:t>  +-+-+-+-+-+-+-+-+-+-+-+-+-+-+-+-+-+-+-+-+-+-+-+-+-+-+-+-+-+-+-+-+</a:t>
-            </a:r>
-          </a:p>
-          <a:p>
-            <a:pPr>
-              <a:spcAft>
-                <a:spcPts val="0"/>
-              </a:spcAft>
-            </a:pPr>
-            <a:r>
-              <a:rPr lang="en-US" sz="800" dirty="0">
-                <a:latin typeface="Courier" pitchFamily="2" charset="0"/>
-                <a:ea typeface="Courier" charset="0"/>
-                <a:cs typeface="Courier" charset="0"/>
-              </a:rPr>
-              <a:t>  |         Error Estimate        |    SSID                       |</a:t>
-            </a:r>
-          </a:p>
-          <a:p>
-            <a:pPr>
-              <a:spcAft>
-                <a:spcPts val="0"/>
-              </a:spcAft>
-            </a:pPr>
-            <a:r>
-              <a:rPr lang="en-US" sz="800" dirty="0">
-                <a:latin typeface="Courier" pitchFamily="2" charset="0"/>
-                <a:ea typeface="Courier" charset="0"/>
-                <a:cs typeface="Courier" charset="0"/>
-              </a:rPr>
-              <a:t>  +-+-+-+-+-+-+-+-+-+-+-+-+-+-+-+-+-+-+-+-+-+-+-+-+-+-+-+-+-+-+-+-+</a:t>
-            </a:r>
-          </a:p>
-          <a:p>
-            <a:pPr>
-              <a:spcAft>
-                <a:spcPts val="0"/>
-              </a:spcAft>
-            </a:pPr>
-            <a:r>
-              <a:rPr lang="en-US" sz="800" dirty="0">
-                <a:latin typeface="Courier" pitchFamily="2" charset="0"/>
-                <a:ea typeface="Courier" charset="0"/>
-                <a:cs typeface="Courier" charset="0"/>
-              </a:rPr>
-              <a:t>  |         Receive Timestamp (t2)                                |</a:t>
-            </a:r>
-          </a:p>
-          <a:p>
-            <a:pPr>
-              <a:spcAft>
-                <a:spcPts val="0"/>
-              </a:spcAft>
-            </a:pPr>
-            <a:r>
-              <a:rPr lang="en-US" sz="800" dirty="0">
-                <a:latin typeface="Courier" pitchFamily="2" charset="0"/>
-                <a:ea typeface="Courier" charset="0"/>
-                <a:cs typeface="Courier" charset="0"/>
-              </a:rPr>
-              <a:t>  |                                                               |</a:t>
-            </a:r>
-          </a:p>
-          <a:p>
-            <a:pPr>
-              <a:spcAft>
-                <a:spcPts val="0"/>
-              </a:spcAft>
-            </a:pPr>
-            <a:r>
-              <a:rPr lang="en-US" sz="800" dirty="0">
-                <a:latin typeface="Courier" pitchFamily="2" charset="0"/>
-                <a:ea typeface="Courier" charset="0"/>
-                <a:cs typeface="Courier" charset="0"/>
-              </a:rPr>
-              <a:t>  +-+-+-+-+-+-+-+-+-+-+-+-+-+-+-+-+-+-+-+-+-+-+-+-+-+-+-+-+-+-+-+-+</a:t>
-            </a:r>
-          </a:p>
-          <a:p>
-            <a:r>
-              <a:rPr lang="en-US" sz="800" dirty="0">
-                <a:latin typeface="Courier" pitchFamily="2" charset="0"/>
-                <a:ea typeface="Courier" charset="0"/>
-                <a:cs typeface="Courier" charset="0"/>
-              </a:rPr>
-              <a:t>  </a:t>
-            </a:r>
-            <a:r>
-              <a:rPr lang="en-US" sz="800" dirty="0">
-                <a:latin typeface="Courier" pitchFamily="2" charset="0"/>
-              </a:rPr>
-              <a:t>|                                                               |</a:t>
-            </a:r>
-            <a:endParaRPr lang="en-CA" sz="800" dirty="0">
-              <a:latin typeface="Courier" pitchFamily="2" charset="0"/>
-            </a:endParaRPr>
-          </a:p>
-          <a:p>
-            <a:r>
-              <a:rPr lang="en-US" sz="800" dirty="0">
-                <a:latin typeface="Courier" pitchFamily="2" charset="0"/>
-              </a:rPr>
-              <a:t>  |         Fixed Length Padding                                  |</a:t>
-            </a:r>
-            <a:endParaRPr lang="en-CA" sz="800" dirty="0">
-              <a:latin typeface="Courier" pitchFamily="2" charset="0"/>
-            </a:endParaRPr>
-          </a:p>
-          <a:p>
-            <a:r>
-              <a:rPr lang="en-US" sz="800" dirty="0">
-                <a:latin typeface="Courier" pitchFamily="2" charset="0"/>
-              </a:rPr>
-              <a:t>  |                                                               |</a:t>
-            </a:r>
-            <a:endParaRPr lang="en-CA" sz="800" dirty="0">
-              <a:latin typeface="Courier" pitchFamily="2" charset="0"/>
-            </a:endParaRPr>
-          </a:p>
-          <a:p>
-            <a:r>
-              <a:rPr lang="en-US" sz="800" dirty="0">
-                <a:latin typeface="Courier" pitchFamily="2" charset="0"/>
-              </a:rPr>
-              <a:t>  |                                                               |</a:t>
-            </a:r>
-            <a:endParaRPr lang="en-CA" sz="800" dirty="0">
-              <a:latin typeface="Courier" pitchFamily="2" charset="0"/>
-            </a:endParaRPr>
-          </a:p>
-          <a:p>
-            <a:r>
-              <a:rPr lang="en-US" sz="800" dirty="0">
-                <a:latin typeface="Courier" pitchFamily="2" charset="0"/>
-              </a:rPr>
-              <a:t>  |                                                               |</a:t>
-            </a:r>
-            <a:endParaRPr lang="en-CA" sz="800" dirty="0">
-              <a:latin typeface="Courier" pitchFamily="2" charset="0"/>
-            </a:endParaRPr>
-          </a:p>
-          <a:p>
-            <a:r>
-              <a:rPr lang="en-US" sz="800" dirty="0">
-                <a:latin typeface="Courier" pitchFamily="2" charset="0"/>
-              </a:rPr>
-              <a:t>  +-+-+-+-+-+-+-+-+-+-+-+-+-+-+-+-+-+-+-+-+-+-+-+-+-+-+-+-+-+-+-+-+ </a:t>
-            </a:r>
-            <a:endParaRPr lang="en-CA" sz="800" dirty="0">
-              <a:latin typeface="Courier" pitchFamily="2" charset="0"/>
-            </a:endParaRPr>
-          </a:p>
-          <a:p>
-            <a:pPr>
-              <a:spcAft>
-                <a:spcPts val="0"/>
-              </a:spcAft>
-            </a:pPr>
-            <a:endParaRPr lang="en-CA" sz="800" dirty="0">
-              <a:solidFill>
-                <a:schemeClr val="bg2">
-                  <a:lumMod val="50000"/>
-                </a:schemeClr>
-              </a:solidFill>
-              <a:latin typeface="Courier" pitchFamily="2" charset="0"/>
-            </a:endParaRPr>
-          </a:p>
-          <a:p>
-            <a:r>
-              <a:rPr lang="en-CA" sz="800" dirty="0">
-                <a:latin typeface="Courier" pitchFamily="2" charset="0"/>
-              </a:rPr>
-              <a:t>                 STAMP Compatible Probe Message Format</a:t>
-            </a:r>
-            <a:endParaRPr lang="en-US" sz="800" dirty="0">
-              <a:latin typeface="Courier" pitchFamily="2" charset="0"/>
-            </a:endParaRPr>
+              <a:rPr lang="en-US" sz="1100" dirty="0">
+                <a:solidFill>
+                  <a:srgbClr val="0070C0"/>
+                </a:solidFill>
+                <a:latin typeface="Courier" pitchFamily="2" charset="0"/>
+              </a:rPr>
+              <a:t>* Provisioned, Flooded/Signaled or IANA Allocated</a:t>
+            </a:r>
           </a:p>
         </p:txBody>
       </p:sp>
     </p:spTree>
     <p:extLst>
       <p:ext uri="{BB962C8B-B14F-4D97-AF65-F5344CB8AC3E}">
-        <p14:creationId xmlns:p14="http://schemas.microsoft.com/office/powerpoint/2010/main" val="3909069486"/>
+        <p14:creationId xmlns:p14="http://schemas.microsoft.com/office/powerpoint/2010/main" val="21907870"/>
       </p:ext>
     </p:extLst>
   </p:cSld>
@@ -11286,8 +11024,8 @@
         </p:nvSpPr>
         <p:spPr>
           <a:xfrm>
-            <a:off x="0" y="0"/>
-            <a:ext cx="9144000" cy="640642"/>
+            <a:off x="24974" y="0"/>
+            <a:ext cx="9144000" cy="731027"/>
           </a:xfrm>
         </p:spPr>
         <p:txBody>
@@ -11295,41 +11033,14 @@
           <a:lstStyle/>
           <a:p>
             <a:r>
-              <a:rPr lang="en-US" sz="3200" dirty="0">
+              <a:rPr lang="en-US" sz="3000" dirty="0">
                 <a:solidFill>
                   <a:srgbClr val="0070C0"/>
                 </a:solidFill>
                 <a:latin typeface="Calibri Light" panose="020F0302020204030204" pitchFamily="34" charset="0"/>
                 <a:cs typeface="Calibri Light" panose="020F0302020204030204" pitchFamily="34" charset="0"/>
               </a:rPr>
-              <a:t>SR-MPLS with Timestamp Label</a:t>
-            </a:r>
-          </a:p>
-        </p:txBody>
-      </p:sp>
-      <p:sp>
-        <p:nvSpPr>
-          <p:cNvPr id="4" name="Footer Placeholder 3"/>
-          <p:cNvSpPr>
-            <a:spLocks noGrp="1"/>
-          </p:cNvSpPr>
-          <p:nvPr>
-            <p:ph type="ftr" sz="quarter" idx="11"/>
-          </p:nvPr>
-        </p:nvSpPr>
-        <p:spPr>
-          <a:xfrm>
-            <a:off x="2836126" y="4786312"/>
-            <a:ext cx="2895600" cy="357188"/>
-          </a:xfrm>
-        </p:spPr>
-        <p:txBody>
-          <a:bodyPr/>
-          <a:lstStyle/>
-          <a:p>
-            <a:r>
-              <a:rPr lang="en-CA" dirty="0"/>
-              <a:t>MPLS WG Interim, September 2020</a:t>
+              <a:t>Probe Message Formats</a:t>
             </a:r>
           </a:p>
         </p:txBody>
@@ -11377,8 +11088,8 @@
         </p:nvSpPr>
         <p:spPr>
           <a:xfrm>
-            <a:off x="336380" y="739794"/>
-            <a:ext cx="4468386" cy="3885679"/>
+            <a:off x="329774" y="2114549"/>
+            <a:ext cx="4242226" cy="2431435"/>
           </a:xfrm>
           <a:prstGeom prst="rect">
             <a:avLst/>
@@ -11397,88 +11108,245 @@
           <a:lstStyle/>
           <a:p>
             <a:r>
-              <a:rPr lang="en-CA" sz="850" dirty="0">
-                <a:latin typeface="Courier" pitchFamily="2" charset="0"/>
-              </a:rPr>
-              <a:t>0 1 2 3 4 5 6 7 8 9 0 1 2 3 4 5 6 7 8 9 0 1 2 3 4 5 6 7 8 9 0 1   +-+-+-+-+-+-+-+-+-+-+-+-+-+-+-+-+-+-+-+-+-+-+-+-+-+-+-+-+-+-+-+-+ |            Label(1)                   | TC  |S|      TTL      | +-+-+-+-+-+-+-+-+-+-+-+-+-+-+-+-+-+-+-+-+-+-+-+-+-+-+-+-+-+-+-+-+ .                                                               . .                                                               . .                                                               . +-+-+-+-+-+-+-+-+-+-+-+-+-+-+-+-+-+-+-+-+-+-+-+-+-+-+-+-+-+-+-+-+ |            Label(n)                   | TC  |S|      TTL      | +-+-+-+-+-+-+-+-+-+-+-+-+-+-+-+-+-+-+-+-+-+-+-+-+-+-+-+-+-+-+-+-+ |            Extension Label (15)       | TC  |S|      TTL      | +-+-+-+-+-+-+-+-+-+-+-+-+-+-+-+-+-+-+-+-+-+-+-+-+-+-+-+-+-+-+-+-+ |            </a:t>
-            </a:r>
-            <a:r>
-              <a:rPr lang="en-CA" sz="850" b="1" dirty="0">
-                <a:latin typeface="Courier" pitchFamily="2" charset="0"/>
-              </a:rPr>
-              <a:t>Timestamp Label (TBA1)     </a:t>
-            </a:r>
-            <a:r>
-              <a:rPr lang="en-CA" sz="850" dirty="0">
-                <a:latin typeface="Courier" pitchFamily="2" charset="0"/>
-              </a:rPr>
-              <a:t>| TC  |S|      TTL      | +-+-+-+-+-+-+-+-+-+-+-+-+-+-+-+-+-+-+-+-+-+-+-+-+-+-+-+-+-+-+-+-+ | IP Header                                                     | .  Source IP Address = </a:t>
-            </a:r>
-            <a:r>
-              <a:rPr lang="en-CA" sz="850" b="1" dirty="0">
-                <a:latin typeface="Courier" pitchFamily="2" charset="0"/>
-              </a:rPr>
-              <a:t>Reflector</a:t>
-            </a:r>
-            <a:r>
-              <a:rPr lang="en-CA" sz="850" dirty="0">
-                <a:latin typeface="Courier" pitchFamily="2" charset="0"/>
-              </a:rPr>
-              <a:t> IPv4 or IPv6 Address           . .  Destination IP Address = </a:t>
-            </a:r>
-            <a:r>
-              <a:rPr lang="en-CA" sz="850" b="1" dirty="0">
-                <a:latin typeface="Courier" pitchFamily="2" charset="0"/>
-              </a:rPr>
-              <a:t>Sender</a:t>
-            </a:r>
-            <a:r>
-              <a:rPr lang="en-CA" sz="850" dirty="0">
-                <a:latin typeface="Courier" pitchFamily="2" charset="0"/>
-              </a:rPr>
-              <a:t> IPv4 or IPv6 Address         .</a:t>
-            </a:r>
-          </a:p>
-          <a:p>
-            <a:r>
-              <a:rPr lang="en-CA" sz="850" dirty="0">
-                <a:latin typeface="Courier" pitchFamily="2" charset="0"/>
-              </a:rPr>
-              <a:t>.                                                               . </a:t>
-            </a:r>
-          </a:p>
-          <a:p>
-            <a:r>
-              <a:rPr lang="en-CA" sz="850" dirty="0">
-                <a:latin typeface="Courier" pitchFamily="2" charset="0"/>
-              </a:rPr>
-              <a:t>+---------------------------------------------------------------+ | UDP Header                                                    | .  Source Port = As chosen by Sender                            . .  Destination Port = As chosen by Sender                       . .                                                               . +---------------------------------------------------------------+ | Payload                                                       | </a:t>
-            </a:r>
-          </a:p>
-          <a:p>
-            <a:r>
-              <a:rPr lang="en-CA" sz="850" dirty="0">
-                <a:latin typeface="Courier" pitchFamily="2" charset="0"/>
-              </a:rPr>
-              <a:t>.                                                               . +---------------------------------------------------------------+</a:t>
-            </a:r>
-          </a:p>
-          <a:p>
-            <a:r>
-              <a:rPr lang="en-CA" sz="850" dirty="0">
-                <a:latin typeface="Courier" pitchFamily="2" charset="0"/>
-              </a:rPr>
-              <a:t>    </a:t>
-            </a:r>
-          </a:p>
-          <a:p>
-            <a:r>
-              <a:rPr lang="en-CA" sz="850" dirty="0">
-                <a:latin typeface="Courier" pitchFamily="2" charset="0"/>
-              </a:rPr>
-              <a:t>     Example Probe Message with Timestamp Label for SR-MPLS</a:t>
-            </a:r>
-            <a:endParaRPr lang="en-US" sz="850" dirty="0">
+              <a:rPr lang="en-CA" sz="800" dirty="0">
+                <a:latin typeface="Courier" pitchFamily="2" charset="0"/>
+              </a:rPr>
+              <a:t>  +-+-+-+-+-+-+-+-+-+-+-+-+-+-+-+-+-+-+-+-+-+-+-+-+-+-+-+-+-+-+-+-+</a:t>
+            </a:r>
+          </a:p>
+          <a:p>
+            <a:pPr>
+              <a:spcAft>
+                <a:spcPts val="0"/>
+              </a:spcAft>
+            </a:pPr>
+            <a:r>
+              <a:rPr lang="en-US" sz="800" dirty="0">
+                <a:latin typeface="Courier" pitchFamily="2" charset="0"/>
+                <a:ea typeface="Courier" charset="0"/>
+                <a:cs typeface="Courier" charset="0"/>
+              </a:rPr>
+              <a:t>  |         Sequence Number                                       |</a:t>
+            </a:r>
+          </a:p>
+          <a:p>
+            <a:pPr>
+              <a:spcAft>
+                <a:spcPts val="0"/>
+              </a:spcAft>
+            </a:pPr>
+            <a:r>
+              <a:rPr lang="en-US" sz="800" dirty="0">
+                <a:latin typeface="Courier" pitchFamily="2" charset="0"/>
+                <a:ea typeface="Courier" charset="0"/>
+                <a:cs typeface="Courier" charset="0"/>
+              </a:rPr>
+              <a:t>  +-+-+-+-+-+-+-+-+-+-+-+-+-+-+-+-+-+-+-+-+-+-+-+-+-+-+-+-+-+-+-+-+</a:t>
+            </a:r>
+          </a:p>
+          <a:p>
+            <a:pPr>
+              <a:spcAft>
+                <a:spcPts val="0"/>
+              </a:spcAft>
+            </a:pPr>
+            <a:r>
+              <a:rPr lang="en-US" sz="800" dirty="0">
+                <a:latin typeface="Courier" pitchFamily="2" charset="0"/>
+                <a:ea typeface="Courier" charset="0"/>
+                <a:cs typeface="Courier" charset="0"/>
+              </a:rPr>
+              <a:t>  |         Transmit Timestamp (t1)                               |</a:t>
+            </a:r>
+          </a:p>
+          <a:p>
+            <a:pPr>
+              <a:spcAft>
+                <a:spcPts val="0"/>
+              </a:spcAft>
+            </a:pPr>
+            <a:r>
+              <a:rPr lang="en-US" sz="800" dirty="0">
+                <a:latin typeface="Courier" pitchFamily="2" charset="0"/>
+                <a:ea typeface="Courier" charset="0"/>
+                <a:cs typeface="Courier" charset="0"/>
+              </a:rPr>
+              <a:t>  |                                                               |</a:t>
+            </a:r>
+          </a:p>
+          <a:p>
+            <a:pPr>
+              <a:spcAft>
+                <a:spcPts val="0"/>
+              </a:spcAft>
+            </a:pPr>
+            <a:r>
+              <a:rPr lang="en-US" sz="800" dirty="0">
+                <a:latin typeface="Courier" pitchFamily="2" charset="0"/>
+                <a:ea typeface="Courier" charset="0"/>
+                <a:cs typeface="Courier" charset="0"/>
+              </a:rPr>
+              <a:t>  +-+-+-+-+-+-+-+-+-+-+-+-+-+-+-+-+-+-+-+-+-+-+-+-+-+-+-+-+-+-+-+-+</a:t>
+            </a:r>
+          </a:p>
+          <a:p>
+            <a:pPr>
+              <a:spcAft>
+                <a:spcPts val="0"/>
+              </a:spcAft>
+            </a:pPr>
+            <a:r>
+              <a:rPr lang="en-US" sz="800" dirty="0">
+                <a:latin typeface="Courier" pitchFamily="2" charset="0"/>
+                <a:ea typeface="Courier" charset="0"/>
+                <a:cs typeface="Courier" charset="0"/>
+              </a:rPr>
+              <a:t>  |         Error Estimate        |    MBZ                        |</a:t>
+            </a:r>
+          </a:p>
+          <a:p>
+            <a:pPr>
+              <a:spcAft>
+                <a:spcPts val="0"/>
+              </a:spcAft>
+            </a:pPr>
+            <a:r>
+              <a:rPr lang="en-US" sz="800" dirty="0">
+                <a:latin typeface="Courier" pitchFamily="2" charset="0"/>
+                <a:ea typeface="Courier" charset="0"/>
+                <a:cs typeface="Courier" charset="0"/>
+              </a:rPr>
+              <a:t>  +-+-+-+-+-+-+-+-+-+-+-+-+-+-+-+-+-+-+-+-+-+-+-+-+-+-+-+-+-+-+-+-+</a:t>
+            </a:r>
+          </a:p>
+          <a:p>
+            <a:pPr>
+              <a:spcAft>
+                <a:spcPts val="0"/>
+              </a:spcAft>
+            </a:pPr>
+            <a:r>
+              <a:rPr lang="en-US" sz="800" dirty="0">
+                <a:latin typeface="Courier" pitchFamily="2" charset="0"/>
+                <a:ea typeface="Courier" charset="0"/>
+                <a:cs typeface="Courier" charset="0"/>
+              </a:rPr>
+              <a:t>  |         Receive Timestamp (t2)                                |</a:t>
+            </a:r>
+          </a:p>
+          <a:p>
+            <a:pPr>
+              <a:spcAft>
+                <a:spcPts val="0"/>
+              </a:spcAft>
+            </a:pPr>
+            <a:r>
+              <a:rPr lang="en-US" sz="800" dirty="0">
+                <a:latin typeface="Courier" pitchFamily="2" charset="0"/>
+                <a:ea typeface="Courier" charset="0"/>
+                <a:cs typeface="Courier" charset="0"/>
+              </a:rPr>
+              <a:t>  |                                                               |</a:t>
+            </a:r>
+          </a:p>
+          <a:p>
+            <a:pPr>
+              <a:spcAft>
+                <a:spcPts val="0"/>
+              </a:spcAft>
+            </a:pPr>
+            <a:r>
+              <a:rPr lang="en-US" sz="800" dirty="0">
+                <a:latin typeface="Courier" pitchFamily="2" charset="0"/>
+                <a:ea typeface="Courier" charset="0"/>
+                <a:cs typeface="Courier" charset="0"/>
+              </a:rPr>
+              <a:t>  +-+-+-+-+-+-+-+-+-+-+-+-+-+-+-+-+-+-+-+-+-+-+-+-+-+-+-+-+-+-+-+-+</a:t>
+            </a:r>
+          </a:p>
+          <a:p>
+            <a:r>
+              <a:rPr lang="en-US" sz="800" dirty="0">
+                <a:latin typeface="Courier" pitchFamily="2" charset="0"/>
+              </a:rPr>
+              <a:t>  .                                                               .</a:t>
+            </a:r>
+            <a:endParaRPr lang="en-CA" sz="800" dirty="0">
+              <a:latin typeface="Courier" pitchFamily="2" charset="0"/>
+            </a:endParaRPr>
+          </a:p>
+          <a:p>
+            <a:r>
+              <a:rPr lang="en-US" sz="800" dirty="0">
+                <a:latin typeface="Courier" pitchFamily="2" charset="0"/>
+              </a:rPr>
+              <a:t>  .         Variable Length Padding                               .</a:t>
+            </a:r>
+          </a:p>
+          <a:p>
+            <a:r>
+              <a:rPr lang="en-US" sz="800" dirty="0">
+                <a:latin typeface="Courier" pitchFamily="2" charset="0"/>
+              </a:rPr>
+              <a:t>  ~                                                               ~</a:t>
+            </a:r>
+            <a:endParaRPr lang="en-CA" sz="800" dirty="0">
+              <a:latin typeface="Courier" pitchFamily="2" charset="0"/>
+            </a:endParaRPr>
+          </a:p>
+          <a:p>
+            <a:r>
+              <a:rPr lang="en-US" sz="800" dirty="0">
+                <a:latin typeface="Courier" pitchFamily="2" charset="0"/>
+              </a:rPr>
+              <a:t>  .                                                               .</a:t>
+            </a:r>
+          </a:p>
+          <a:p>
+            <a:r>
+              <a:rPr lang="en-US" sz="800" dirty="0">
+                <a:latin typeface="Courier" pitchFamily="2" charset="0"/>
+              </a:rPr>
+              <a:t>  .                                                               .</a:t>
+            </a:r>
+            <a:endParaRPr lang="en-CA" sz="800" dirty="0">
+              <a:latin typeface="Courier" pitchFamily="2" charset="0"/>
+            </a:endParaRPr>
+          </a:p>
+          <a:p>
+            <a:r>
+              <a:rPr lang="en-US" sz="800" dirty="0">
+                <a:latin typeface="Courier" pitchFamily="2" charset="0"/>
+              </a:rPr>
+              <a:t>  +-+-+-+-+-+-+-+-+-+-+-+-+-+-+-+-+-+-+-+-+-+-+-+-+-+-+-+-+-+-+-+-+ </a:t>
+            </a:r>
+            <a:endParaRPr lang="en-CA" sz="800" dirty="0">
+              <a:latin typeface="Courier" pitchFamily="2" charset="0"/>
+            </a:endParaRPr>
+          </a:p>
+          <a:p>
+            <a:pPr>
+              <a:spcAft>
+                <a:spcPts val="0"/>
+              </a:spcAft>
+            </a:pPr>
+            <a:endParaRPr lang="en-CA" sz="800" dirty="0">
+              <a:solidFill>
+                <a:schemeClr val="bg2">
+                  <a:lumMod val="50000"/>
+                </a:schemeClr>
+              </a:solidFill>
+              <a:latin typeface="Courier" pitchFamily="2" charset="0"/>
+            </a:endParaRPr>
+          </a:p>
+          <a:p>
+            <a:r>
+              <a:rPr lang="en-CA" sz="800" dirty="0">
+                <a:latin typeface="Courier" pitchFamily="2" charset="0"/>
+              </a:rPr>
+              <a:t>               TWAMP Compatible Probe Message Format</a:t>
+            </a:r>
+            <a:endParaRPr lang="en-US" sz="800" dirty="0">
               <a:latin typeface="Courier" pitchFamily="2" charset="0"/>
             </a:endParaRPr>
           </a:p>
@@ -11502,8 +11370,8 @@
         </p:nvSpPr>
         <p:spPr>
           <a:xfrm>
-            <a:off x="5105400" y="1123950"/>
-            <a:ext cx="3678973" cy="2590800"/>
+            <a:off x="464738" y="652095"/>
+            <a:ext cx="8264471" cy="1462454"/>
           </a:xfrm>
         </p:spPr>
         <p:txBody>
@@ -11511,31 +11379,361 @@
           <a:lstStyle/>
           <a:p>
             <a:r>
-              <a:rPr lang="en-US" sz="1600" dirty="0"/>
-              <a:t>Timestamp label (TBA1) is defined for Timestamp, Pop and Forward function</a:t>
-            </a:r>
-          </a:p>
-          <a:p>
-            <a:r>
-              <a:rPr lang="en-US" sz="1600" dirty="0"/>
-              <a:t>Reverse Path can be IP or SR-MPLS</a:t>
-            </a:r>
-          </a:p>
-          <a:p>
-            <a:r>
-              <a:rPr lang="en-US" sz="1600" dirty="0"/>
-              <a:t>Source and Destination Addresses are swapped that represent the Reverse direction path</a:t>
-            </a:r>
-          </a:p>
-          <a:p>
-            <a:endParaRPr lang="en-US" sz="1600" dirty="0"/>
+              <a:rPr lang="en-US" sz="1400" dirty="0"/>
+              <a:t>Leverage existing TWAMP implementations and deployments using compatible probe message format</a:t>
+            </a:r>
+          </a:p>
+          <a:p>
+            <a:r>
+              <a:rPr lang="en-US" sz="1400" dirty="0"/>
+              <a:t>Sender adds Transmit Timestamp (t1)</a:t>
+            </a:r>
+          </a:p>
+          <a:p>
+            <a:r>
+              <a:rPr lang="en-US" sz="1400" dirty="0"/>
+              <a:t>Reflector adds Receive Timestamp (t2) at offset-byte location in payload </a:t>
+            </a:r>
+          </a:p>
+          <a:p>
+            <a:pPr lvl="1"/>
+            <a:r>
+              <a:rPr lang="en-US" sz="1400" dirty="0"/>
+              <a:t>offset-byte 16 from the start of the payload, or</a:t>
+            </a:r>
+          </a:p>
+          <a:p>
+            <a:pPr lvl="1"/>
+            <a:r>
+              <a:rPr lang="en-US" sz="1400" dirty="0"/>
+              <a:t>locally provisioned location (consistently in the network) </a:t>
+            </a:r>
+          </a:p>
+        </p:txBody>
+      </p:sp>
+      <p:sp>
+        <p:nvSpPr>
+          <p:cNvPr id="4" name="Footer Placeholder 3"/>
+          <p:cNvSpPr>
+            <a:spLocks noGrp="1"/>
+          </p:cNvSpPr>
+          <p:nvPr>
+            <p:ph type="ftr" sz="quarter" idx="11"/>
+          </p:nvPr>
+        </p:nvSpPr>
+        <p:spPr>
+          <a:xfrm>
+            <a:off x="3124200" y="4786312"/>
+            <a:ext cx="2895600" cy="357188"/>
+          </a:xfrm>
+        </p:spPr>
+        <p:txBody>
+          <a:bodyPr/>
+          <a:lstStyle/>
+          <a:p>
+            <a:r>
+              <a:rPr lang="en-CA" dirty="0"/>
+              <a:t>MPLS WG Interim, September 2020</a:t>
+            </a:r>
+          </a:p>
+        </p:txBody>
+      </p:sp>
+      <p:sp>
+        <p:nvSpPr>
+          <p:cNvPr id="7" name="Rectangle 6">
+            <a:extLst>
+              <a:ext uri="{FF2B5EF4-FFF2-40B4-BE49-F238E27FC236}">
+                <a16:creationId xmlns:a16="http://schemas.microsoft.com/office/drawing/2014/main" id="{379A9A6A-2ADE-4772-8A9B-054CD2389A6C}"/>
+              </a:ext>
+            </a:extLst>
+          </p:cNvPr>
+          <p:cNvSpPr/>
+          <p:nvPr/>
+        </p:nvSpPr>
+        <p:spPr>
+          <a:xfrm>
+            <a:off x="4673174" y="2114550"/>
+            <a:ext cx="4242226" cy="2431435"/>
+          </a:xfrm>
+          <a:prstGeom prst="rect">
+            <a:avLst/>
+          </a:prstGeom>
+          <a:solidFill>
+            <a:schemeClr val="accent6">
+              <a:lumMod val="20000"/>
+              <a:lumOff val="80000"/>
+            </a:schemeClr>
+          </a:solidFill>
+        </p:spPr>
+        <p:txBody>
+          <a:bodyPr wrap="square">
+            <a:spAutoFit/>
+          </a:bodyPr>
+          <a:lstStyle/>
+          <a:p>
+            <a:r>
+              <a:rPr lang="en-CA" sz="800" dirty="0">
+                <a:latin typeface="Courier" pitchFamily="2" charset="0"/>
+              </a:rPr>
+              <a:t>  +-+-+-+-+-+-+-+-+-+-+-+-+-+-+-+-+-+-+-+-+-+-+-+-+-+-+-+-+-+-+-+-+</a:t>
+            </a:r>
+          </a:p>
+          <a:p>
+            <a:pPr>
+              <a:spcAft>
+                <a:spcPts val="0"/>
+              </a:spcAft>
+            </a:pPr>
+            <a:r>
+              <a:rPr lang="en-US" sz="800" dirty="0">
+                <a:latin typeface="Courier" pitchFamily="2" charset="0"/>
+                <a:ea typeface="Courier" charset="0"/>
+                <a:cs typeface="Courier" charset="0"/>
+              </a:rPr>
+              <a:t>  |         Sequence Number                                       |</a:t>
+            </a:r>
+          </a:p>
+          <a:p>
+            <a:pPr>
+              <a:spcAft>
+                <a:spcPts val="0"/>
+              </a:spcAft>
+            </a:pPr>
+            <a:r>
+              <a:rPr lang="en-US" sz="800" dirty="0">
+                <a:latin typeface="Courier" pitchFamily="2" charset="0"/>
+                <a:ea typeface="Courier" charset="0"/>
+                <a:cs typeface="Courier" charset="0"/>
+              </a:rPr>
+              <a:t>  +-+-+-+-+-+-+-+-+-+-+-+-+-+-+-+-+-+-+-+-+-+-+-+-+-+-+-+-+-+-+-+-+</a:t>
+            </a:r>
+          </a:p>
+          <a:p>
+            <a:pPr>
+              <a:spcAft>
+                <a:spcPts val="0"/>
+              </a:spcAft>
+            </a:pPr>
+            <a:r>
+              <a:rPr lang="en-US" sz="800" dirty="0">
+                <a:latin typeface="Courier" pitchFamily="2" charset="0"/>
+                <a:ea typeface="Courier" charset="0"/>
+                <a:cs typeface="Courier" charset="0"/>
+              </a:rPr>
+              <a:t>  |         Transmit Timestamp (t1)                               |</a:t>
+            </a:r>
+          </a:p>
+          <a:p>
+            <a:pPr>
+              <a:spcAft>
+                <a:spcPts val="0"/>
+              </a:spcAft>
+            </a:pPr>
+            <a:r>
+              <a:rPr lang="en-US" sz="800" dirty="0">
+                <a:latin typeface="Courier" pitchFamily="2" charset="0"/>
+                <a:ea typeface="Courier" charset="0"/>
+                <a:cs typeface="Courier" charset="0"/>
+              </a:rPr>
+              <a:t>  |                                                               |</a:t>
+            </a:r>
+          </a:p>
+          <a:p>
+            <a:pPr>
+              <a:spcAft>
+                <a:spcPts val="0"/>
+              </a:spcAft>
+            </a:pPr>
+            <a:r>
+              <a:rPr lang="en-US" sz="800" dirty="0">
+                <a:latin typeface="Courier" pitchFamily="2" charset="0"/>
+                <a:ea typeface="Courier" charset="0"/>
+                <a:cs typeface="Courier" charset="0"/>
+              </a:rPr>
+              <a:t>  +-+-+-+-+-+-+-+-+-+-+-+-+-+-+-+-+-+-+-+-+-+-+-+-+-+-+-+-+-+-+-+-+</a:t>
+            </a:r>
+          </a:p>
+          <a:p>
+            <a:pPr>
+              <a:spcAft>
+                <a:spcPts val="0"/>
+              </a:spcAft>
+            </a:pPr>
+            <a:r>
+              <a:rPr lang="en-US" sz="800" dirty="0">
+                <a:latin typeface="Courier" pitchFamily="2" charset="0"/>
+                <a:ea typeface="Courier" charset="0"/>
+                <a:cs typeface="Courier" charset="0"/>
+              </a:rPr>
+              <a:t>  |         Error Estimate        |    SSID                       |</a:t>
+            </a:r>
+          </a:p>
+          <a:p>
+            <a:pPr>
+              <a:spcAft>
+                <a:spcPts val="0"/>
+              </a:spcAft>
+            </a:pPr>
+            <a:r>
+              <a:rPr lang="en-US" sz="800" dirty="0">
+                <a:latin typeface="Courier" pitchFamily="2" charset="0"/>
+                <a:ea typeface="Courier" charset="0"/>
+                <a:cs typeface="Courier" charset="0"/>
+              </a:rPr>
+              <a:t>  +-+-+-+-+-+-+-+-+-+-+-+-+-+-+-+-+-+-+-+-+-+-+-+-+-+-+-+-+-+-+-+-+</a:t>
+            </a:r>
+          </a:p>
+          <a:p>
+            <a:pPr>
+              <a:spcAft>
+                <a:spcPts val="0"/>
+              </a:spcAft>
+            </a:pPr>
+            <a:r>
+              <a:rPr lang="en-US" sz="800" dirty="0">
+                <a:latin typeface="Courier" pitchFamily="2" charset="0"/>
+                <a:ea typeface="Courier" charset="0"/>
+                <a:cs typeface="Courier" charset="0"/>
+              </a:rPr>
+              <a:t>  |         Receive Timestamp (t2)                                |</a:t>
+            </a:r>
+          </a:p>
+          <a:p>
+            <a:pPr>
+              <a:spcAft>
+                <a:spcPts val="0"/>
+              </a:spcAft>
+            </a:pPr>
+            <a:r>
+              <a:rPr lang="en-US" sz="800" dirty="0">
+                <a:latin typeface="Courier" pitchFamily="2" charset="0"/>
+                <a:ea typeface="Courier" charset="0"/>
+                <a:cs typeface="Courier" charset="0"/>
+              </a:rPr>
+              <a:t>  |                                                               |</a:t>
+            </a:r>
+          </a:p>
+          <a:p>
+            <a:pPr>
+              <a:spcAft>
+                <a:spcPts val="0"/>
+              </a:spcAft>
+            </a:pPr>
+            <a:r>
+              <a:rPr lang="en-US" sz="800" dirty="0">
+                <a:latin typeface="Courier" pitchFamily="2" charset="0"/>
+                <a:ea typeface="Courier" charset="0"/>
+                <a:cs typeface="Courier" charset="0"/>
+              </a:rPr>
+              <a:t>  +-+-+-+-+-+-+-+-+-+-+-+-+-+-+-+-+-+-+-+-+-+-+-+-+-+-+-+-+-+-+-+-+</a:t>
+            </a:r>
+          </a:p>
+          <a:p>
+            <a:r>
+              <a:rPr lang="en-US" sz="800" dirty="0">
+                <a:latin typeface="Courier" pitchFamily="2" charset="0"/>
+                <a:ea typeface="Courier" charset="0"/>
+                <a:cs typeface="Courier" charset="0"/>
+              </a:rPr>
+              <a:t>  </a:t>
+            </a:r>
+            <a:r>
+              <a:rPr lang="en-US" sz="800" dirty="0">
+                <a:latin typeface="Courier" pitchFamily="2" charset="0"/>
+              </a:rPr>
+              <a:t>|                                                               |</a:t>
+            </a:r>
+            <a:endParaRPr lang="en-CA" sz="800" dirty="0">
+              <a:latin typeface="Courier" pitchFamily="2" charset="0"/>
+            </a:endParaRPr>
+          </a:p>
+          <a:p>
+            <a:r>
+              <a:rPr lang="en-US" sz="800" dirty="0">
+                <a:latin typeface="Courier" pitchFamily="2" charset="0"/>
+              </a:rPr>
+              <a:t>  |         Fixed Length Padding                                  |</a:t>
+            </a:r>
+            <a:endParaRPr lang="en-CA" sz="800" dirty="0">
+              <a:latin typeface="Courier" pitchFamily="2" charset="0"/>
+            </a:endParaRPr>
+          </a:p>
+          <a:p>
+            <a:r>
+              <a:rPr lang="en-US" sz="800" dirty="0">
+                <a:latin typeface="Courier" pitchFamily="2" charset="0"/>
+              </a:rPr>
+              <a:t>  |                                                               |</a:t>
+            </a:r>
+            <a:endParaRPr lang="en-CA" sz="800" dirty="0">
+              <a:latin typeface="Courier" pitchFamily="2" charset="0"/>
+            </a:endParaRPr>
+          </a:p>
+          <a:p>
+            <a:r>
+              <a:rPr lang="en-US" sz="800" dirty="0">
+                <a:latin typeface="Courier" pitchFamily="2" charset="0"/>
+              </a:rPr>
+              <a:t>  |                                                               |</a:t>
+            </a:r>
+            <a:endParaRPr lang="en-CA" sz="800" dirty="0">
+              <a:latin typeface="Courier" pitchFamily="2" charset="0"/>
+            </a:endParaRPr>
+          </a:p>
+          <a:p>
+            <a:r>
+              <a:rPr lang="en-US" sz="800" dirty="0">
+                <a:latin typeface="Courier" pitchFamily="2" charset="0"/>
+              </a:rPr>
+              <a:t>  |                                                               |</a:t>
+            </a:r>
+            <a:endParaRPr lang="en-CA" sz="800" dirty="0">
+              <a:latin typeface="Courier" pitchFamily="2" charset="0"/>
+            </a:endParaRPr>
+          </a:p>
+          <a:p>
+            <a:r>
+              <a:rPr lang="en-US" sz="800" dirty="0">
+                <a:latin typeface="Courier" pitchFamily="2" charset="0"/>
+              </a:rPr>
+              <a:t>  +-+-+-+-+-+-+-+-+-+-+-+-+-+-+-+-+-+-+-+-+-+-+-+-+-+-+-+-+-+-+-+-+ </a:t>
+            </a:r>
+            <a:endParaRPr lang="en-CA" sz="800" dirty="0">
+              <a:latin typeface="Courier" pitchFamily="2" charset="0"/>
+            </a:endParaRPr>
+          </a:p>
+          <a:p>
+            <a:pPr>
+              <a:spcAft>
+                <a:spcPts val="0"/>
+              </a:spcAft>
+            </a:pPr>
+            <a:endParaRPr lang="en-CA" sz="800" dirty="0">
+              <a:solidFill>
+                <a:schemeClr val="bg2">
+                  <a:lumMod val="50000"/>
+                </a:schemeClr>
+              </a:solidFill>
+              <a:latin typeface="Courier" pitchFamily="2" charset="0"/>
+            </a:endParaRPr>
+          </a:p>
+          <a:p>
+            <a:r>
+              <a:rPr lang="en-CA" sz="800" dirty="0">
+                <a:latin typeface="Courier" pitchFamily="2" charset="0"/>
+              </a:rPr>
+              <a:t>                 STAMP Compatible Probe Message Format</a:t>
+            </a:r>
+            <a:endParaRPr lang="en-US" sz="800" dirty="0">
+              <a:latin typeface="Courier" pitchFamily="2" charset="0"/>
+            </a:endParaRPr>
           </a:p>
         </p:txBody>
       </p:sp>
     </p:spTree>
     <p:extLst>
       <p:ext uri="{BB962C8B-B14F-4D97-AF65-F5344CB8AC3E}">
-        <p14:creationId xmlns:p14="http://schemas.microsoft.com/office/powerpoint/2010/main" val="3257992778"/>
+        <p14:creationId xmlns:p14="http://schemas.microsoft.com/office/powerpoint/2010/main" val="3909069486"/>
       </p:ext>
     </p:extLst>
   </p:cSld>
@@ -11590,7 +11788,7 @@
                 <a:latin typeface="Calibri Light" panose="020F0302020204030204" pitchFamily="34" charset="0"/>
                 <a:cs typeface="Calibri Light" panose="020F0302020204030204" pitchFamily="34" charset="0"/>
               </a:rPr>
-              <a:t>SRv6 with Timestamp Endpoint Function</a:t>
+              <a:t>SR-MPLS with Timestamp Label</a:t>
             </a:r>
           </a:p>
         </p:txBody>
@@ -11665,8 +11863,8 @@
         </p:nvSpPr>
         <p:spPr>
           <a:xfrm>
-            <a:off x="381000" y="742949"/>
-            <a:ext cx="4674030" cy="3831818"/>
+            <a:off x="336380" y="739794"/>
+            <a:ext cx="4468386" cy="3885679"/>
           </a:xfrm>
           <a:prstGeom prst="rect">
             <a:avLst/>
@@ -11685,254 +11883,88 @@
           <a:lstStyle/>
           <a:p>
             <a:r>
-              <a:rPr lang="en-CA" sz="900" dirty="0">
-                <a:latin typeface="Courier" pitchFamily="2" charset="0"/>
-              </a:rPr>
-              <a:t>+---------------------------------------------------------------+</a:t>
-            </a:r>
-          </a:p>
-          <a:p>
-            <a:r>
-              <a:rPr lang="en-CA" sz="900" dirty="0">
-                <a:latin typeface="Courier" pitchFamily="2" charset="0"/>
-              </a:rPr>
-              <a:t>| IP Header                                                     |</a:t>
-            </a:r>
-          </a:p>
-          <a:p>
-            <a:r>
-              <a:rPr lang="en-CA" sz="900" dirty="0">
-                <a:latin typeface="Courier" pitchFamily="2" charset="0"/>
-              </a:rPr>
-              <a:t>.  Source IP Address = Sender IPv6 Address                      .</a:t>
-            </a:r>
-          </a:p>
-          <a:p>
-            <a:r>
-              <a:rPr lang="en-CA" sz="900" dirty="0">
-                <a:latin typeface="Courier" pitchFamily="2" charset="0"/>
-              </a:rPr>
-              <a:t>.  Destination IP Address = Destination IPv6 Address            .</a:t>
-            </a:r>
-          </a:p>
-          <a:p>
-            <a:r>
-              <a:rPr lang="en-CA" sz="900" dirty="0">
-                <a:latin typeface="Courier" pitchFamily="2" charset="0"/>
-              </a:rPr>
-              <a:t>.                                                               .</a:t>
-            </a:r>
-          </a:p>
-          <a:p>
-            <a:r>
-              <a:rPr lang="en-CA" sz="900" dirty="0">
-                <a:latin typeface="Courier" pitchFamily="2" charset="0"/>
-              </a:rPr>
-              <a:t>+---------------------------------------------------------------+</a:t>
-            </a:r>
-          </a:p>
-          <a:p>
-            <a:r>
-              <a:rPr lang="en-CA" sz="900" dirty="0">
-                <a:latin typeface="Courier" pitchFamily="2" charset="0"/>
-              </a:rPr>
-              <a:t>| SRH as specified in RFC 8754                                  |</a:t>
-            </a:r>
-          </a:p>
-          <a:p>
-            <a:r>
-              <a:rPr lang="en-CA" sz="900" dirty="0">
-                <a:latin typeface="Courier" pitchFamily="2" charset="0"/>
-              </a:rPr>
-              <a:t>.  &lt;Segment List&gt;                                               .</a:t>
-            </a:r>
-          </a:p>
-          <a:p>
-            <a:r>
-              <a:rPr lang="en-CA" sz="900" dirty="0">
-                <a:latin typeface="Courier" pitchFamily="2" charset="0"/>
-              </a:rPr>
-              <a:t>.  </a:t>
-            </a:r>
-            <a:r>
-              <a:rPr lang="en-CA" sz="900" b="1" dirty="0" err="1">
-                <a:latin typeface="Courier" pitchFamily="2" charset="0"/>
-              </a:rPr>
-              <a:t>End.TSF</a:t>
-            </a:r>
-            <a:r>
-              <a:rPr lang="en-CA" sz="900" b="1" dirty="0">
-                <a:latin typeface="Courier" pitchFamily="2" charset="0"/>
-              </a:rPr>
-              <a:t> (TBA2) with Reflector SID                            </a:t>
-            </a:r>
-            <a:r>
-              <a:rPr lang="en-CA" sz="900" dirty="0">
-                <a:latin typeface="Courier" pitchFamily="2" charset="0"/>
-              </a:rPr>
-              <a:t>.</a:t>
-            </a:r>
-          </a:p>
-          <a:p>
-            <a:r>
-              <a:rPr lang="en-CA" sz="900" dirty="0">
-                <a:latin typeface="Courier" pitchFamily="2" charset="0"/>
-              </a:rPr>
-              <a:t>.                                                               .</a:t>
-            </a:r>
-          </a:p>
-          <a:p>
-            <a:r>
-              <a:rPr lang="en-CA" sz="900" dirty="0">
-                <a:latin typeface="Courier" pitchFamily="2" charset="0"/>
-              </a:rPr>
-              <a:t>+---------------------------------------------------------------+</a:t>
-            </a:r>
-          </a:p>
-          <a:p>
-            <a:r>
-              <a:rPr lang="en-CA" sz="900" dirty="0">
-                <a:latin typeface="Courier" pitchFamily="2" charset="0"/>
-              </a:rPr>
-              <a:t>| IP Header                                                     |</a:t>
-            </a:r>
-          </a:p>
-          <a:p>
-            <a:r>
-              <a:rPr lang="en-CA" sz="900" dirty="0">
-                <a:latin typeface="Courier" pitchFamily="2" charset="0"/>
-              </a:rPr>
-              <a:t>.  Source IP Address = </a:t>
-            </a:r>
-            <a:r>
-              <a:rPr lang="en-CA" sz="900" b="1" dirty="0">
+              <a:rPr lang="en-CA" sz="850" dirty="0">
+                <a:latin typeface="Courier" pitchFamily="2" charset="0"/>
+              </a:rPr>
+              <a:t>0 1 2 3 4 5 6 7 8 9 0 1 2 3 4 5 6 7 8 9 0 1 2 3 4 5 6 7 8 9 0 1   +-+-+-+-+-+-+-+-+-+-+-+-+-+-+-+-+-+-+-+-+-+-+-+-+-+-+-+-+-+-+-+-+ |            Label(1)                   | TC  |S|      TTL      | +-+-+-+-+-+-+-+-+-+-+-+-+-+-+-+-+-+-+-+-+-+-+-+-+-+-+-+-+-+-+-+-+ .                                                               . .                                                               . .                                                               . +-+-+-+-+-+-+-+-+-+-+-+-+-+-+-+-+-+-+-+-+-+-+-+-+-+-+-+-+-+-+-+-+ |            Label(n)                   | TC  |S|      TTL      | +-+-+-+-+-+-+-+-+-+-+-+-+-+-+-+-+-+-+-+-+-+-+-+-+-+-+-+-+-+-+-+-+ |            Extension Label (15)       | TC  |S|      TTL      | +-+-+-+-+-+-+-+-+-+-+-+-+-+-+-+-+-+-+-+-+-+-+-+-+-+-+-+-+-+-+-+-+ |            </a:t>
+            </a:r>
+            <a:r>
+              <a:rPr lang="en-CA" sz="850" b="1" dirty="0">
+                <a:latin typeface="Courier" pitchFamily="2" charset="0"/>
+              </a:rPr>
+              <a:t>Timestamp Label (TBA1)     </a:t>
+            </a:r>
+            <a:r>
+              <a:rPr lang="en-CA" sz="850" dirty="0">
+                <a:latin typeface="Courier" pitchFamily="2" charset="0"/>
+              </a:rPr>
+              <a:t>| TC  |S|      TTL      | +-+-+-+-+-+-+-+-+-+-+-+-+-+-+-+-+-+-+-+-+-+-+-+-+-+-+-+-+-+-+-+-+ | IP Header                                                     | .  Source IP Address = </a:t>
+            </a:r>
+            <a:r>
+              <a:rPr lang="en-CA" sz="850" b="1" dirty="0">
                 <a:latin typeface="Courier" pitchFamily="2" charset="0"/>
               </a:rPr>
               <a:t>Reflector</a:t>
             </a:r>
             <a:r>
-              <a:rPr lang="en-CA" sz="900" dirty="0">
-                <a:latin typeface="Courier" pitchFamily="2" charset="0"/>
-              </a:rPr>
-              <a:t> IPv6 Address                   .</a:t>
-            </a:r>
-          </a:p>
-          <a:p>
-            <a:r>
-              <a:rPr lang="en-CA" sz="900" dirty="0">
-                <a:latin typeface="Courier" pitchFamily="2" charset="0"/>
-              </a:rPr>
-              <a:t>.  Destination IP Address = </a:t>
-            </a:r>
-            <a:r>
-              <a:rPr lang="en-CA" sz="900" b="1" dirty="0">
+              <a:rPr lang="en-CA" sz="850" dirty="0">
+                <a:latin typeface="Courier" pitchFamily="2" charset="0"/>
+              </a:rPr>
+              <a:t> IPv4 or IPv6 Address           . .  Destination IP Address = </a:t>
+            </a:r>
+            <a:r>
+              <a:rPr lang="en-CA" sz="850" b="1" dirty="0">
                 <a:latin typeface="Courier" pitchFamily="2" charset="0"/>
               </a:rPr>
               <a:t>Sender</a:t>
             </a:r>
             <a:r>
-              <a:rPr lang="en-CA" sz="900" dirty="0">
-                <a:latin typeface="Courier" pitchFamily="2" charset="0"/>
-              </a:rPr>
-              <a:t> IPv6 Address                 .</a:t>
-            </a:r>
-          </a:p>
-          <a:p>
-            <a:r>
-              <a:rPr lang="en-CA" sz="900" dirty="0">
-                <a:latin typeface="Courier" pitchFamily="2" charset="0"/>
-              </a:rPr>
-              <a:t>.                                                               .</a:t>
-            </a:r>
-          </a:p>
-          <a:p>
-            <a:r>
-              <a:rPr lang="en-CA" sz="900" dirty="0">
-                <a:latin typeface="Courier" pitchFamily="2" charset="0"/>
-              </a:rPr>
-              <a:t>+---------------------------------------------------------------+</a:t>
-            </a:r>
-          </a:p>
-          <a:p>
-            <a:r>
-              <a:rPr lang="en-CA" sz="900" dirty="0">
-                <a:latin typeface="Courier" pitchFamily="2" charset="0"/>
-              </a:rPr>
-              <a:t>| UDP Header                                                    |</a:t>
-            </a:r>
-          </a:p>
-          <a:p>
-            <a:r>
-              <a:rPr lang="en-CA" sz="900" dirty="0">
-                <a:latin typeface="Courier" pitchFamily="2" charset="0"/>
-              </a:rPr>
-              <a:t>.  Source Port = As chosen by Sender                            . </a:t>
-            </a:r>
-          </a:p>
-          <a:p>
-            <a:r>
-              <a:rPr lang="en-CA" sz="900" dirty="0">
-                <a:latin typeface="Courier" pitchFamily="2" charset="0"/>
-              </a:rPr>
-              <a:t>.  Destination Port = As chosen by Sender                       .</a:t>
-            </a:r>
-          </a:p>
-          <a:p>
-            <a:r>
-              <a:rPr lang="en-CA" sz="900" dirty="0">
-                <a:latin typeface="Courier" pitchFamily="2" charset="0"/>
-              </a:rPr>
-              <a:t>.                                                               .</a:t>
-            </a:r>
-          </a:p>
-          <a:p>
-            <a:r>
-              <a:rPr lang="en-CA" sz="900" dirty="0">
-                <a:latin typeface="Courier" pitchFamily="2" charset="0"/>
-              </a:rPr>
-              <a:t>+---------------------------------------------------------------+</a:t>
-            </a:r>
-          </a:p>
-          <a:p>
-            <a:r>
-              <a:rPr lang="en-CA" sz="900" dirty="0">
-                <a:latin typeface="Courier" pitchFamily="2" charset="0"/>
-              </a:rPr>
-              <a:t>| Payload                                                       |</a:t>
-            </a:r>
-          </a:p>
-          <a:p>
-            <a:r>
-              <a:rPr lang="en-CA" sz="900" dirty="0">
-                <a:latin typeface="Courier" pitchFamily="2" charset="0"/>
-              </a:rPr>
-              <a:t>.                                                               .</a:t>
-            </a:r>
-          </a:p>
-          <a:p>
-            <a:r>
-              <a:rPr lang="en-CA" sz="900" dirty="0">
-                <a:latin typeface="Courier" pitchFamily="2" charset="0"/>
-              </a:rPr>
-              <a:t>+---------------------------------------------------------------+</a:t>
-            </a:r>
-          </a:p>
-          <a:p>
-            <a:r>
-              <a:rPr lang="en-CA" sz="900" dirty="0">
-                <a:latin typeface="Courier" pitchFamily="2" charset="0"/>
-              </a:rPr>
-              <a:t> </a:t>
-            </a:r>
-          </a:p>
-          <a:p>
-            <a:r>
-              <a:rPr lang="en-CA" sz="900" dirty="0">
-                <a:latin typeface="Courier" pitchFamily="2" charset="0"/>
-              </a:rPr>
-              <a:t> Example Probe Message with Timestamp Endpoint Function for SRv6</a:t>
-            </a:r>
-            <a:endParaRPr lang="en-US" sz="900" dirty="0">
+              <a:rPr lang="en-CA" sz="850" dirty="0">
+                <a:latin typeface="Courier" pitchFamily="2" charset="0"/>
+              </a:rPr>
+              <a:t> IPv4 or IPv6 Address         .</a:t>
+            </a:r>
+          </a:p>
+          <a:p>
+            <a:r>
+              <a:rPr lang="en-CA" sz="850" dirty="0">
+                <a:latin typeface="Courier" pitchFamily="2" charset="0"/>
+              </a:rPr>
+              <a:t>.                                                               . </a:t>
+            </a:r>
+          </a:p>
+          <a:p>
+            <a:r>
+              <a:rPr lang="en-CA" sz="850" dirty="0">
+                <a:latin typeface="Courier" pitchFamily="2" charset="0"/>
+              </a:rPr>
+              <a:t>+---------------------------------------------------------------+ | UDP Header                                                    | .  Source Port = As chosen by Sender                            . .  Destination Port = As chosen by Sender                       . .                                                               . +---------------------------------------------------------------+ | Payload                                                       | </a:t>
+            </a:r>
+          </a:p>
+          <a:p>
+            <a:r>
+              <a:rPr lang="en-CA" sz="850" dirty="0">
+                <a:latin typeface="Courier" pitchFamily="2" charset="0"/>
+              </a:rPr>
+              <a:t>.                                                               . +---------------------------------------------------------------+</a:t>
+            </a:r>
+          </a:p>
+          <a:p>
+            <a:r>
+              <a:rPr lang="en-CA" sz="850" dirty="0">
+                <a:latin typeface="Courier" pitchFamily="2" charset="0"/>
+              </a:rPr>
+              <a:t>    </a:t>
+            </a:r>
+          </a:p>
+          <a:p>
+            <a:r>
+              <a:rPr lang="en-CA" sz="850" dirty="0">
+                <a:latin typeface="Courier" pitchFamily="2" charset="0"/>
+              </a:rPr>
+              <a:t>     Example Probe Message with Timestamp Label for SR-MPLS</a:t>
+            </a:r>
+            <a:endParaRPr lang="en-US" sz="850" dirty="0">
               <a:latin typeface="Courier" pitchFamily="2" charset="0"/>
             </a:endParaRPr>
           </a:p>
@@ -11956,8 +11988,8 @@
         </p:nvSpPr>
         <p:spPr>
           <a:xfrm>
-            <a:off x="5135688" y="933449"/>
-            <a:ext cx="3678973" cy="3276600"/>
+            <a:off x="5105400" y="1123950"/>
+            <a:ext cx="3678973" cy="2590800"/>
           </a:xfrm>
         </p:spPr>
         <p:txBody>
@@ -11965,66 +11997,31 @@
           <a:lstStyle/>
           <a:p>
             <a:r>
-              <a:rPr lang="en-US" sz="1400" dirty="0"/>
-              <a:t>Timestamp Endpoint Function </a:t>
-            </a:r>
-            <a:r>
-              <a:rPr lang="en-US" sz="1400" dirty="0" err="1"/>
-              <a:t>End.TSF</a:t>
-            </a:r>
-            <a:r>
-              <a:rPr lang="en-US" sz="1400" dirty="0"/>
-              <a:t> (TBA2) is defined for Timestamp and Forward and is carried with the Reflector node SID</a:t>
-            </a:r>
-          </a:p>
-          <a:p>
-            <a:r>
-              <a:rPr lang="en-US" sz="1400" dirty="0"/>
-              <a:t>Reverse path can be IP</a:t>
-            </a:r>
-          </a:p>
-          <a:p>
-            <a:pPr lvl="1"/>
-            <a:r>
-              <a:rPr lang="en-US" sz="1400" dirty="0"/>
-              <a:t>Reflector node removes SRH</a:t>
-            </a:r>
-          </a:p>
-          <a:p>
-            <a:r>
-              <a:rPr lang="en-US" sz="1400" dirty="0"/>
-              <a:t>Reverse path can be SR</a:t>
-            </a:r>
-          </a:p>
-          <a:p>
-            <a:pPr lvl="1"/>
-            <a:r>
-              <a:rPr lang="en-US" sz="1400" dirty="0"/>
-              <a:t>Reverse direction SR path Segment-list carried in SRH</a:t>
-            </a:r>
-          </a:p>
-          <a:p>
-            <a:pPr lvl="1"/>
-            <a:r>
-              <a:rPr lang="en-US" sz="1400" dirty="0"/>
-              <a:t>Reflector node does not remove the SRH</a:t>
-            </a:r>
-          </a:p>
-          <a:p>
-            <a:r>
-              <a:rPr lang="en-US" sz="1400" dirty="0"/>
-              <a:t>Source and Destination Addresses are swapped that represent the Reverse direction path in the inner IPv6 header</a:t>
-            </a:r>
-          </a:p>
-          <a:p>
-            <a:endParaRPr lang="en-US" sz="1400" dirty="0"/>
+              <a:rPr lang="en-US" sz="1600" dirty="0"/>
+              <a:t>Timestamp label (TBA1) is defined for Timestamp, Pop and Forward function</a:t>
+            </a:r>
+          </a:p>
+          <a:p>
+            <a:r>
+              <a:rPr lang="en-US" sz="1600" dirty="0"/>
+              <a:t>Reverse Path can be IP or SR-MPLS</a:t>
+            </a:r>
+          </a:p>
+          <a:p>
+            <a:r>
+              <a:rPr lang="en-US" sz="1600" dirty="0"/>
+              <a:t>Source and Destination Addresses are swapped that represent the Reverse direction path</a:t>
+            </a:r>
+          </a:p>
+          <a:p>
+            <a:endParaRPr lang="en-US" sz="1600" dirty="0"/>
           </a:p>
         </p:txBody>
       </p:sp>
     </p:spTree>
     <p:extLst>
       <p:ext uri="{BB962C8B-B14F-4D97-AF65-F5344CB8AC3E}">
-        <p14:creationId xmlns:p14="http://schemas.microsoft.com/office/powerpoint/2010/main" val="3310436608"/>
+        <p14:creationId xmlns:p14="http://schemas.microsoft.com/office/powerpoint/2010/main" val="3257992778"/>
       </p:ext>
     </p:extLst>
   </p:cSld>

--- a/draft-gandhi-spring-sr-enhanced-plm-03.pptx
+++ b/draft-gandhi-spring-sr-enhanced-plm-03.pptx
@@ -260,7 +260,7 @@
           <a:p>
             <a:fld id="{E8FA3DB5-7722-3F4F-947D-12B203669AD7}" type="datetimeFigureOut">
               <a:rPr lang="en-US" smtClean="0"/>
-              <a:t>9/19/2020</a:t>
+              <a:t>9/22/20</a:t>
             </a:fld>
             <a:endParaRPr lang="en-US"/>
           </a:p>
@@ -11088,8 +11088,8 @@
         </p:nvSpPr>
         <p:spPr>
           <a:xfrm>
-            <a:off x="329774" y="2114549"/>
-            <a:ext cx="4242226" cy="2431435"/>
+            <a:off x="329774" y="2125517"/>
+            <a:ext cx="4242226" cy="2554545"/>
           </a:xfrm>
           <a:prstGeom prst="rect">
             <a:avLst/>
@@ -11111,225 +11111,146 @@
               <a:rPr lang="en-CA" sz="800" dirty="0">
                 <a:latin typeface="Courier" pitchFamily="2" charset="0"/>
               </a:rPr>
-              <a:t>  +-+-+-+-+-+-+-+-+-+-+-+-+-+-+-+-+-+-+-+-+-+-+-+-+-+-+-+-+-+-+-+-+</a:t>
-            </a:r>
-          </a:p>
-          <a:p>
-            <a:pPr>
-              <a:spcAft>
-                <a:spcPts val="0"/>
-              </a:spcAft>
-            </a:pPr>
-            <a:r>
-              <a:rPr lang="en-US" sz="800" dirty="0">
-                <a:latin typeface="Courier" pitchFamily="2" charset="0"/>
-                <a:ea typeface="Courier" charset="0"/>
-                <a:cs typeface="Courier" charset="0"/>
-              </a:rPr>
-              <a:t>  |         Sequence Number                                       |</a:t>
-            </a:r>
-          </a:p>
-          <a:p>
-            <a:pPr>
-              <a:spcAft>
-                <a:spcPts val="0"/>
-              </a:spcAft>
-            </a:pPr>
-            <a:r>
-              <a:rPr lang="en-US" sz="800" dirty="0">
-                <a:latin typeface="Courier" pitchFamily="2" charset="0"/>
-                <a:ea typeface="Courier" charset="0"/>
-                <a:cs typeface="Courier" charset="0"/>
-              </a:rPr>
-              <a:t>  +-+-+-+-+-+-+-+-+-+-+-+-+-+-+-+-+-+-+-+-+-+-+-+-+-+-+-+-+-+-+-+-+</a:t>
-            </a:r>
-          </a:p>
-          <a:p>
-            <a:pPr>
-              <a:spcAft>
-                <a:spcPts val="0"/>
-              </a:spcAft>
-            </a:pPr>
-            <a:r>
-              <a:rPr lang="en-US" sz="800" dirty="0">
-                <a:latin typeface="Courier" pitchFamily="2" charset="0"/>
-                <a:ea typeface="Courier" charset="0"/>
-                <a:cs typeface="Courier" charset="0"/>
-              </a:rPr>
-              <a:t>  |         Transmit Timestamp (t1)                               |</a:t>
-            </a:r>
-          </a:p>
-          <a:p>
-            <a:pPr>
-              <a:spcAft>
-                <a:spcPts val="0"/>
-              </a:spcAft>
-            </a:pPr>
-            <a:r>
-              <a:rPr lang="en-US" sz="800" dirty="0">
-                <a:latin typeface="Courier" pitchFamily="2" charset="0"/>
-                <a:ea typeface="Courier" charset="0"/>
-                <a:cs typeface="Courier" charset="0"/>
-              </a:rPr>
-              <a:t>  |                                                               |</a:t>
-            </a:r>
-          </a:p>
-          <a:p>
-            <a:pPr>
-              <a:spcAft>
-                <a:spcPts val="0"/>
-              </a:spcAft>
-            </a:pPr>
-            <a:r>
-              <a:rPr lang="en-US" sz="800" dirty="0">
-                <a:latin typeface="Courier" pitchFamily="2" charset="0"/>
-                <a:ea typeface="Courier" charset="0"/>
-                <a:cs typeface="Courier" charset="0"/>
-              </a:rPr>
-              <a:t>  +-+-+-+-+-+-+-+-+-+-+-+-+-+-+-+-+-+-+-+-+-+-+-+-+-+-+-+-+-+-+-+-+</a:t>
-            </a:r>
-          </a:p>
-          <a:p>
-            <a:pPr>
-              <a:spcAft>
-                <a:spcPts val="0"/>
-              </a:spcAft>
-            </a:pPr>
-            <a:r>
-              <a:rPr lang="en-US" sz="800" dirty="0">
-                <a:latin typeface="Courier" pitchFamily="2" charset="0"/>
-                <a:ea typeface="Courier" charset="0"/>
-                <a:cs typeface="Courier" charset="0"/>
-              </a:rPr>
-              <a:t>  |         Error Estimate        |    MBZ                        |</a:t>
-            </a:r>
-          </a:p>
-          <a:p>
-            <a:pPr>
-              <a:spcAft>
-                <a:spcPts val="0"/>
-              </a:spcAft>
-            </a:pPr>
-            <a:r>
-              <a:rPr lang="en-US" sz="800" dirty="0">
-                <a:latin typeface="Courier" pitchFamily="2" charset="0"/>
-                <a:ea typeface="Courier" charset="0"/>
-                <a:cs typeface="Courier" charset="0"/>
-              </a:rPr>
-              <a:t>  +-+-+-+-+-+-+-+-+-+-+-+-+-+-+-+-+-+-+-+-+-+-+-+-+-+-+-+-+-+-+-+-+</a:t>
-            </a:r>
-          </a:p>
-          <a:p>
-            <a:pPr>
-              <a:spcAft>
-                <a:spcPts val="0"/>
-              </a:spcAft>
-            </a:pPr>
-            <a:r>
-              <a:rPr lang="en-US" sz="800" dirty="0">
-                <a:latin typeface="Courier" pitchFamily="2" charset="0"/>
-                <a:ea typeface="Courier" charset="0"/>
-                <a:cs typeface="Courier" charset="0"/>
-              </a:rPr>
-              <a:t>  |         Receive Timestamp (t2)                                |</a:t>
-            </a:r>
-          </a:p>
-          <a:p>
-            <a:pPr>
-              <a:spcAft>
-                <a:spcPts val="0"/>
-              </a:spcAft>
-            </a:pPr>
-            <a:r>
-              <a:rPr lang="en-US" sz="800" dirty="0">
-                <a:latin typeface="Courier" pitchFamily="2" charset="0"/>
-                <a:ea typeface="Courier" charset="0"/>
-                <a:cs typeface="Courier" charset="0"/>
-              </a:rPr>
-              <a:t>  |                                                               |</a:t>
-            </a:r>
-          </a:p>
-          <a:p>
-            <a:pPr>
-              <a:spcAft>
-                <a:spcPts val="0"/>
-              </a:spcAft>
-            </a:pPr>
-            <a:r>
-              <a:rPr lang="en-US" sz="800" dirty="0">
-                <a:latin typeface="Courier" pitchFamily="2" charset="0"/>
-                <a:ea typeface="Courier" charset="0"/>
-                <a:cs typeface="Courier" charset="0"/>
-              </a:rPr>
-              <a:t>  +-+-+-+-+-+-+-+-+-+-+-+-+-+-+-+-+-+-+-+-+-+-+-+-+-+-+-+-+-+-+-+-+</a:t>
-            </a:r>
-          </a:p>
-          <a:p>
-            <a:r>
-              <a:rPr lang="en-US" sz="800" dirty="0">
-                <a:latin typeface="Courier" pitchFamily="2" charset="0"/>
-              </a:rPr>
-              <a:t>  .                                                               .</a:t>
-            </a:r>
-            <a:endParaRPr lang="en-CA" sz="800" dirty="0">
-              <a:latin typeface="Courier" pitchFamily="2" charset="0"/>
-            </a:endParaRPr>
-          </a:p>
-          <a:p>
-            <a:r>
-              <a:rPr lang="en-US" sz="800" dirty="0">
-                <a:latin typeface="Courier" pitchFamily="2" charset="0"/>
-              </a:rPr>
-              <a:t>  .         Variable Length Padding                               .</a:t>
-            </a:r>
-          </a:p>
-          <a:p>
-            <a:r>
-              <a:rPr lang="en-US" sz="800" dirty="0">
-                <a:latin typeface="Courier" pitchFamily="2" charset="0"/>
-              </a:rPr>
-              <a:t>  ~                                                               ~</a:t>
-            </a:r>
-            <a:endParaRPr lang="en-CA" sz="800" dirty="0">
-              <a:latin typeface="Courier" pitchFamily="2" charset="0"/>
-            </a:endParaRPr>
-          </a:p>
-          <a:p>
-            <a:r>
-              <a:rPr lang="en-US" sz="800" dirty="0">
-                <a:latin typeface="Courier" pitchFamily="2" charset="0"/>
-              </a:rPr>
-              <a:t>  .                                                               .</a:t>
-            </a:r>
-          </a:p>
-          <a:p>
-            <a:r>
-              <a:rPr lang="en-US" sz="800" dirty="0">
-                <a:latin typeface="Courier" pitchFamily="2" charset="0"/>
-              </a:rPr>
-              <a:t>  .                                                               .</a:t>
-            </a:r>
-            <a:endParaRPr lang="en-CA" sz="800" dirty="0">
-              <a:latin typeface="Courier" pitchFamily="2" charset="0"/>
-            </a:endParaRPr>
-          </a:p>
-          <a:p>
-            <a:r>
-              <a:rPr lang="en-US" sz="800" dirty="0">
-                <a:latin typeface="Courier" pitchFamily="2" charset="0"/>
-              </a:rPr>
-              <a:t>  +-+-+-+-+-+-+-+-+-+-+-+-+-+-+-+-+-+-+-+-+-+-+-+-+-+-+-+-+-+-+-+-+ </a:t>
-            </a:r>
-            <a:endParaRPr lang="en-CA" sz="800" dirty="0">
-              <a:latin typeface="Courier" pitchFamily="2" charset="0"/>
-            </a:endParaRPr>
-          </a:p>
-          <a:p>
-            <a:pPr>
-              <a:spcAft>
-                <a:spcPts val="0"/>
-              </a:spcAft>
-            </a:pPr>
+              <a:t> +-+-+-+-+-+-+-+-+-+-+-+-+-+-+-+-+-+-+-+-+-+-+-+-+-+-+-+-+-+-+-+-+</a:t>
+            </a:r>
+          </a:p>
+          <a:p>
+            <a:r>
+              <a:rPr lang="en-CA" sz="800" dirty="0">
+                <a:latin typeface="Courier" pitchFamily="2" charset="0"/>
+              </a:rPr>
+              <a:t> |                     Sequence Number                           |</a:t>
+            </a:r>
+          </a:p>
+          <a:p>
+            <a:r>
+              <a:rPr lang="en-CA" sz="800" dirty="0">
+                <a:latin typeface="Courier" pitchFamily="2" charset="0"/>
+              </a:rPr>
+              <a:t> +-+-+-+-+-+-+-+-+-+-+-+-+-+-+-+-+-+-+-+-+-+-+-+-+-+-+-+-+-+-+-+-+</a:t>
+            </a:r>
+          </a:p>
+          <a:p>
+            <a:r>
+              <a:rPr lang="en-CA" sz="800" dirty="0">
+                <a:latin typeface="Courier" pitchFamily="2" charset="0"/>
+              </a:rPr>
+              <a:t> |                     Transmit Timestamp (t1)                   |</a:t>
+            </a:r>
+          </a:p>
+          <a:p>
+            <a:r>
+              <a:rPr lang="en-CA" sz="800" dirty="0">
+                <a:latin typeface="Courier" pitchFamily="2" charset="0"/>
+              </a:rPr>
+              <a:t> |                                                               |</a:t>
+            </a:r>
+          </a:p>
+          <a:p>
+            <a:r>
+              <a:rPr lang="en-CA" sz="800" dirty="0">
+                <a:latin typeface="Courier" pitchFamily="2" charset="0"/>
+              </a:rPr>
+              <a:t> +-+-+-+-+-+-+-+-+-+-+-+-+-+-+-+-+-+-+-+-+-+-+-+-+-+-+-+-+-+-+-+-+</a:t>
+            </a:r>
+          </a:p>
+          <a:p>
+            <a:r>
+              <a:rPr lang="en-CA" sz="800" dirty="0">
+                <a:latin typeface="Courier" pitchFamily="2" charset="0"/>
+              </a:rPr>
+              <a:t> |  Transmit Error Estimate      |  MBZ                          |</a:t>
+            </a:r>
+          </a:p>
+          <a:p>
+            <a:r>
+              <a:rPr lang="en-CA" sz="800" dirty="0">
+                <a:latin typeface="Courier" pitchFamily="2" charset="0"/>
+              </a:rPr>
+              <a:t> +-+-+-+-+-+-+-+-+-+-+-+-+-+-+-+-+-+-+-+-+-+-+-+-+-+-+-+-+-+-+-+-+</a:t>
+            </a:r>
+          </a:p>
+          <a:p>
+            <a:r>
+              <a:rPr lang="en-CA" sz="800" dirty="0">
+                <a:latin typeface="Courier" pitchFamily="2" charset="0"/>
+              </a:rPr>
+              <a:t> |                     Receive Timestamp (t2)                    |</a:t>
+            </a:r>
+          </a:p>
+          <a:p>
+            <a:r>
+              <a:rPr lang="en-CA" sz="800" dirty="0">
+                <a:latin typeface="Courier" pitchFamily="2" charset="0"/>
+              </a:rPr>
+              <a:t> |                                                               |</a:t>
+            </a:r>
+          </a:p>
+          <a:p>
+            <a:r>
+              <a:rPr lang="en-CA" sz="800" dirty="0">
+                <a:latin typeface="Courier" pitchFamily="2" charset="0"/>
+              </a:rPr>
+              <a:t> +-+-+-+-+-+-+-+-+-+-+-+-+-+-+-+-+-+-+-+-+-+-+-+-+-+-+-+-+-+-+-+-+</a:t>
+            </a:r>
+          </a:p>
+          <a:p>
+            <a:r>
+              <a:rPr lang="en-CA" sz="800" dirty="0">
+                <a:latin typeface="Courier" pitchFamily="2" charset="0"/>
+              </a:rPr>
+              <a:t> |  Receive Error Estimate       |  MBZ                          |</a:t>
+            </a:r>
+          </a:p>
+          <a:p>
+            <a:r>
+              <a:rPr lang="en-CA" sz="800" dirty="0">
+                <a:latin typeface="Courier" pitchFamily="2" charset="0"/>
+              </a:rPr>
+              <a:t> +-+-+-+-+-+-+-+-+-+-+-+-+-+-+-+-+-+-+-+-+-+-+-+-+-+-+-+-+-+-+-+-+</a:t>
+            </a:r>
+          </a:p>
+          <a:p>
+            <a:r>
+              <a:rPr lang="en-CA" sz="800" dirty="0">
+                <a:latin typeface="Courier" pitchFamily="2" charset="0"/>
+              </a:rPr>
+              <a:t> .                     Variable Length Padding                   .</a:t>
+            </a:r>
+          </a:p>
+          <a:p>
+            <a:r>
+              <a:rPr lang="en-CA" sz="800" dirty="0">
+                <a:latin typeface="Courier" pitchFamily="2" charset="0"/>
+              </a:rPr>
+              <a:t> ~                                                               ~</a:t>
+            </a:r>
+          </a:p>
+          <a:p>
+            <a:r>
+              <a:rPr lang="en-CA" sz="800" dirty="0">
+                <a:latin typeface="Courier" pitchFamily="2" charset="0"/>
+              </a:rPr>
+              <a:t> .                                                               .</a:t>
+            </a:r>
+          </a:p>
+          <a:p>
+            <a:r>
+              <a:rPr lang="en-CA" sz="800" dirty="0">
+                <a:latin typeface="Courier" pitchFamily="2" charset="0"/>
+              </a:rPr>
+              <a:t> .                                                               .</a:t>
+            </a:r>
+          </a:p>
+          <a:p>
+            <a:r>
+              <a:rPr lang="en-CA" sz="800" dirty="0">
+                <a:latin typeface="Courier" pitchFamily="2" charset="0"/>
+              </a:rPr>
+              <a:t> +-+-+-+-+-+-+-+-+-+-+-+-+-+-+-+-+-+-+-+-+-+-+-+-+-+-+-+-+-+-+-+-+</a:t>
+            </a:r>
+          </a:p>
+          <a:p>
             <a:endParaRPr lang="en-CA" sz="800" dirty="0">
               <a:solidFill>
                 <a:schemeClr val="bg2">
@@ -11453,7 +11374,7 @@
         <p:spPr>
           <a:xfrm>
             <a:off x="4673174" y="2114550"/>
-            <a:ext cx="4242226" cy="2431435"/>
+            <a:ext cx="4242226" cy="2554545"/>
           </a:xfrm>
           <a:prstGeom prst="rect">
             <a:avLst/>
@@ -11475,249 +11396,151 @@
               <a:rPr lang="en-CA" sz="800" dirty="0">
                 <a:latin typeface="Courier" pitchFamily="2" charset="0"/>
               </a:rPr>
-              <a:t>  +-+-+-+-+-+-+-+-+-+-+-+-+-+-+-+-+-+-+-+-+-+-+-+-+-+-+-+-+-+-+-+-+</a:t>
-            </a:r>
-          </a:p>
-          <a:p>
-            <a:pPr>
-              <a:spcAft>
-                <a:spcPts val="0"/>
-              </a:spcAft>
-            </a:pPr>
-            <a:r>
-              <a:rPr lang="en-US" sz="800" dirty="0">
-                <a:latin typeface="Courier" pitchFamily="2" charset="0"/>
-                <a:ea typeface="Courier" charset="0"/>
-                <a:cs typeface="Courier" charset="0"/>
-              </a:rPr>
-              <a:t>  |         Sequence Number                                       |</a:t>
-            </a:r>
-          </a:p>
-          <a:p>
-            <a:pPr>
-              <a:spcAft>
-                <a:spcPts val="0"/>
-              </a:spcAft>
-            </a:pPr>
-            <a:r>
-              <a:rPr lang="en-US" sz="800" dirty="0">
-                <a:latin typeface="Courier" pitchFamily="2" charset="0"/>
-                <a:ea typeface="Courier" charset="0"/>
-                <a:cs typeface="Courier" charset="0"/>
-              </a:rPr>
-              <a:t>  +-+-+-+-+-+-+-+-+-+-+-+-+-+-+-+-+-+-+-+-+-+-+-+-+-+-+-+-+-+-+-+-+</a:t>
-            </a:r>
-          </a:p>
-          <a:p>
-            <a:pPr>
-              <a:spcAft>
-                <a:spcPts val="0"/>
-              </a:spcAft>
-            </a:pPr>
-            <a:r>
-              <a:rPr lang="en-US" sz="800" dirty="0">
-                <a:latin typeface="Courier" pitchFamily="2" charset="0"/>
-                <a:ea typeface="Courier" charset="0"/>
-                <a:cs typeface="Courier" charset="0"/>
-              </a:rPr>
-              <a:t>  |         Transmit Timestamp (t1)                               |</a:t>
-            </a:r>
-          </a:p>
-          <a:p>
-            <a:pPr>
-              <a:spcAft>
-                <a:spcPts val="0"/>
-              </a:spcAft>
-            </a:pPr>
-            <a:r>
-              <a:rPr lang="en-US" sz="800" dirty="0">
-                <a:latin typeface="Courier" pitchFamily="2" charset="0"/>
-                <a:ea typeface="Courier" charset="0"/>
-                <a:cs typeface="Courier" charset="0"/>
-              </a:rPr>
-              <a:t>  |                                                               |</a:t>
-            </a:r>
-          </a:p>
-          <a:p>
-            <a:pPr>
-              <a:spcAft>
-                <a:spcPts val="0"/>
-              </a:spcAft>
-            </a:pPr>
-            <a:r>
-              <a:rPr lang="en-US" sz="800" dirty="0">
-                <a:latin typeface="Courier" pitchFamily="2" charset="0"/>
-                <a:ea typeface="Courier" charset="0"/>
-                <a:cs typeface="Courier" charset="0"/>
-              </a:rPr>
-              <a:t>  +-+-+-+-+-+-+-+-+-+-+-+-+-+-+-+-+-+-+-+-+-+-+-+-+-+-+-+-+-+-+-+-+</a:t>
-            </a:r>
-          </a:p>
-          <a:p>
-            <a:pPr>
-              <a:spcAft>
-                <a:spcPts val="0"/>
-              </a:spcAft>
-            </a:pPr>
-            <a:r>
-              <a:rPr lang="en-US" sz="800" dirty="0">
-                <a:latin typeface="Courier" pitchFamily="2" charset="0"/>
-                <a:ea typeface="Courier" charset="0"/>
-                <a:cs typeface="Courier" charset="0"/>
-              </a:rPr>
-              <a:t>  |         Error Estimate        |    SSID                       |</a:t>
-            </a:r>
-          </a:p>
-          <a:p>
-            <a:pPr>
-              <a:spcAft>
-                <a:spcPts val="0"/>
-              </a:spcAft>
-            </a:pPr>
-            <a:r>
-              <a:rPr lang="en-US" sz="800" dirty="0">
-                <a:latin typeface="Courier" pitchFamily="2" charset="0"/>
-                <a:ea typeface="Courier" charset="0"/>
-                <a:cs typeface="Courier" charset="0"/>
-              </a:rPr>
-              <a:t>  +-+-+-+-+-+-+-+-+-+-+-+-+-+-+-+-+-+-+-+-+-+-+-+-+-+-+-+-+-+-+-+-+</a:t>
-            </a:r>
-          </a:p>
-          <a:p>
-            <a:pPr>
-              <a:spcAft>
-                <a:spcPts val="0"/>
-              </a:spcAft>
-            </a:pPr>
-            <a:r>
-              <a:rPr lang="en-US" sz="800" dirty="0">
-                <a:latin typeface="Courier" pitchFamily="2" charset="0"/>
-                <a:ea typeface="Courier" charset="0"/>
-                <a:cs typeface="Courier" charset="0"/>
-              </a:rPr>
-              <a:t>  |         Receive Timestamp (t2)                                |</a:t>
-            </a:r>
-          </a:p>
-          <a:p>
-            <a:pPr>
-              <a:spcAft>
-                <a:spcPts val="0"/>
-              </a:spcAft>
-            </a:pPr>
-            <a:r>
-              <a:rPr lang="en-US" sz="800" dirty="0">
-                <a:latin typeface="Courier" pitchFamily="2" charset="0"/>
-                <a:ea typeface="Courier" charset="0"/>
-                <a:cs typeface="Courier" charset="0"/>
-              </a:rPr>
-              <a:t>  |                                                               |</a:t>
-            </a:r>
-          </a:p>
-          <a:p>
-            <a:pPr>
-              <a:spcAft>
-                <a:spcPts val="0"/>
-              </a:spcAft>
-            </a:pPr>
-            <a:r>
-              <a:rPr lang="en-US" sz="800" dirty="0">
-                <a:latin typeface="Courier" pitchFamily="2" charset="0"/>
-                <a:ea typeface="Courier" charset="0"/>
-                <a:cs typeface="Courier" charset="0"/>
-              </a:rPr>
-              <a:t>  +-+-+-+-+-+-+-+-+-+-+-+-+-+-+-+-+-+-+-+-+-+-+-+-+-+-+-+-+-+-+-+-+</a:t>
-            </a:r>
-          </a:p>
-          <a:p>
-            <a:r>
-              <a:rPr lang="en-US" sz="800" dirty="0">
-                <a:latin typeface="Courier" pitchFamily="2" charset="0"/>
-                <a:ea typeface="Courier" charset="0"/>
-                <a:cs typeface="Courier" charset="0"/>
-              </a:rPr>
-              <a:t>  </a:t>
-            </a:r>
-            <a:r>
-              <a:rPr lang="en-US" sz="800" dirty="0">
-                <a:latin typeface="Courier" pitchFamily="2" charset="0"/>
-              </a:rPr>
-              <a:t>|                                                               |</a:t>
-            </a:r>
-            <a:endParaRPr lang="en-CA" sz="800" dirty="0">
-              <a:latin typeface="Courier" pitchFamily="2" charset="0"/>
-            </a:endParaRPr>
-          </a:p>
-          <a:p>
-            <a:r>
-              <a:rPr lang="en-US" sz="800" dirty="0">
-                <a:latin typeface="Courier" pitchFamily="2" charset="0"/>
-              </a:rPr>
-              <a:t>  |         Fixed Length Padding                                  |</a:t>
-            </a:r>
-            <a:endParaRPr lang="en-CA" sz="800" dirty="0">
-              <a:latin typeface="Courier" pitchFamily="2" charset="0"/>
-            </a:endParaRPr>
-          </a:p>
-          <a:p>
-            <a:r>
-              <a:rPr lang="en-US" sz="800" dirty="0">
-                <a:latin typeface="Courier" pitchFamily="2" charset="0"/>
-              </a:rPr>
-              <a:t>  |                                                               |</a:t>
-            </a:r>
-            <a:endParaRPr lang="en-CA" sz="800" dirty="0">
-              <a:latin typeface="Courier" pitchFamily="2" charset="0"/>
-            </a:endParaRPr>
-          </a:p>
-          <a:p>
-            <a:r>
-              <a:rPr lang="en-US" sz="800" dirty="0">
-                <a:latin typeface="Courier" pitchFamily="2" charset="0"/>
-              </a:rPr>
-              <a:t>  |                                                               |</a:t>
-            </a:r>
-            <a:endParaRPr lang="en-CA" sz="800" dirty="0">
-              <a:latin typeface="Courier" pitchFamily="2" charset="0"/>
-            </a:endParaRPr>
-          </a:p>
-          <a:p>
-            <a:r>
-              <a:rPr lang="en-US" sz="800" dirty="0">
-                <a:latin typeface="Courier" pitchFamily="2" charset="0"/>
-              </a:rPr>
-              <a:t>  |                                                               |</a:t>
-            </a:r>
-            <a:endParaRPr lang="en-CA" sz="800" dirty="0">
-              <a:latin typeface="Courier" pitchFamily="2" charset="0"/>
-            </a:endParaRPr>
-          </a:p>
-          <a:p>
-            <a:r>
-              <a:rPr lang="en-US" sz="800" dirty="0">
-                <a:latin typeface="Courier" pitchFamily="2" charset="0"/>
-              </a:rPr>
-              <a:t>  +-+-+-+-+-+-+-+-+-+-+-+-+-+-+-+-+-+-+-+-+-+-+-+-+-+-+-+-+-+-+-+-+ </a:t>
-            </a:r>
-            <a:endParaRPr lang="en-CA" sz="800" dirty="0">
-              <a:latin typeface="Courier" pitchFamily="2" charset="0"/>
-            </a:endParaRPr>
-          </a:p>
-          <a:p>
-            <a:pPr>
-              <a:spcAft>
-                <a:spcPts val="0"/>
-              </a:spcAft>
-            </a:pPr>
-            <a:endParaRPr lang="en-CA" sz="800" dirty="0">
-              <a:solidFill>
-                <a:schemeClr val="bg2">
-                  <a:lumMod val="50000"/>
-                </a:schemeClr>
-              </a:solidFill>
-              <a:latin typeface="Courier" pitchFamily="2" charset="0"/>
-            </a:endParaRPr>
-          </a:p>
-          <a:p>
+              <a:t> +-+-+-+-+-+-+-+-+-+-+-+-+-+-+-+-+-+-+-+-+-+-+-+-+-+-+-+-+-+-+-+-+</a:t>
+            </a:r>
+          </a:p>
+          <a:p>
+            <a:r>
+              <a:rPr lang="en-CA" sz="800" dirty="0">
+                <a:latin typeface="Courier" pitchFamily="2" charset="0"/>
+              </a:rPr>
+              <a:t> |                     Sequence Number                           |</a:t>
+            </a:r>
+          </a:p>
+          <a:p>
+            <a:r>
+              <a:rPr lang="en-CA" sz="800" dirty="0">
+                <a:latin typeface="Courier" pitchFamily="2" charset="0"/>
+              </a:rPr>
+              <a:t> +-+-+-+-+-+-+-+-+-+-+-+-+-+-+-+-+-+-+-+-+-+-+-+-+-+-+-+-+-+-+-+-+</a:t>
+            </a:r>
+          </a:p>
+          <a:p>
+            <a:r>
+              <a:rPr lang="en-CA" sz="800" dirty="0">
+                <a:latin typeface="Courier" pitchFamily="2" charset="0"/>
+              </a:rPr>
+              <a:t> |                     Transmit Timestamp (t1)                   |</a:t>
+            </a:r>
+          </a:p>
+          <a:p>
+            <a:r>
+              <a:rPr lang="en-CA" sz="800" dirty="0">
+                <a:latin typeface="Courier" pitchFamily="2" charset="0"/>
+              </a:rPr>
+              <a:t> |                                                               |</a:t>
+            </a:r>
+          </a:p>
+          <a:p>
+            <a:r>
+              <a:rPr lang="en-CA" sz="800" dirty="0">
+                <a:latin typeface="Courier" pitchFamily="2" charset="0"/>
+              </a:rPr>
+              <a:t> +-+-+-+-+-+-+-+-+-+-+-+-+-+-+-+-+-+-+-+-+-+-+-+-+-+-+-+-+-+-+-+-+</a:t>
+            </a:r>
+          </a:p>
+          <a:p>
+            <a:r>
+              <a:rPr lang="en-CA" sz="800" dirty="0">
+                <a:latin typeface="Courier" pitchFamily="2" charset="0"/>
+              </a:rPr>
+              <a:t> |  Transmit Error Estimate      |  SSID                         |</a:t>
+            </a:r>
+          </a:p>
+          <a:p>
+            <a:r>
+              <a:rPr lang="en-CA" sz="800" dirty="0">
+                <a:latin typeface="Courier" pitchFamily="2" charset="0"/>
+              </a:rPr>
+              <a:t> +-+-+-+-+-+-+-+-+-+-+-+-+-+-+-+-+-+-+-+-+-+-+-+-+-+-+-+-+-+-+-+-+</a:t>
+            </a:r>
+          </a:p>
+          <a:p>
+            <a:r>
+              <a:rPr lang="en-CA" sz="800" dirty="0">
+                <a:latin typeface="Courier" pitchFamily="2" charset="0"/>
+              </a:rPr>
+              <a:t> |                     Receive Timestamp (t2)                    |</a:t>
+            </a:r>
+          </a:p>
+          <a:p>
+            <a:r>
+              <a:rPr lang="en-CA" sz="800" dirty="0">
+                <a:latin typeface="Courier" pitchFamily="2" charset="0"/>
+              </a:rPr>
+              <a:t> |                                                               |</a:t>
+            </a:r>
+          </a:p>
+          <a:p>
+            <a:r>
+              <a:rPr lang="en-CA" sz="800" dirty="0">
+                <a:latin typeface="Courier" pitchFamily="2" charset="0"/>
+              </a:rPr>
+              <a:t> +-+-+-+-+-+-+-+-+-+-+-+-+-+-+-+-+-+-+-+-+-+-+-+-+-+-+-+-+-+-+-+-+</a:t>
+            </a:r>
+          </a:p>
+          <a:p>
+            <a:r>
+              <a:rPr lang="en-CA" sz="800" dirty="0">
+                <a:latin typeface="Courier" pitchFamily="2" charset="0"/>
+              </a:rPr>
+              <a:t> |  Receive Error Estimate       |  MBZ                          |</a:t>
+            </a:r>
+          </a:p>
+          <a:p>
+            <a:r>
+              <a:rPr lang="en-CA" sz="800" dirty="0">
+                <a:latin typeface="Courier" pitchFamily="2" charset="0"/>
+              </a:rPr>
+              <a:t> +-+-+-+-+-+-+-+-+-+-+-+-+-+-+-+-+-+-+-+-+-+-+-+-+-+-+-+-+-+-+-+-+</a:t>
+            </a:r>
+          </a:p>
+          <a:p>
+            <a:r>
+              <a:rPr lang="en-CA" sz="800" dirty="0">
+                <a:latin typeface="Courier" pitchFamily="2" charset="0"/>
+              </a:rPr>
+              <a:t> |                     Fixed Length Padding                      |</a:t>
+            </a:r>
+          </a:p>
+          <a:p>
+            <a:r>
+              <a:rPr lang="en-CA" sz="800" dirty="0">
+                <a:latin typeface="Courier" pitchFamily="2" charset="0"/>
+              </a:rPr>
+              <a:t> |                                                               |</a:t>
+            </a:r>
+          </a:p>
+          <a:p>
+            <a:r>
+              <a:rPr lang="en-CA" sz="800" dirty="0">
+                <a:latin typeface="Courier" pitchFamily="2" charset="0"/>
+              </a:rPr>
+              <a:t> |                                                               |</a:t>
+            </a:r>
+          </a:p>
+          <a:p>
+            <a:r>
+              <a:rPr lang="en-CA" sz="800" dirty="0">
+                <a:latin typeface="Courier" pitchFamily="2" charset="0"/>
+              </a:rPr>
+              <a:t> |                                                               |</a:t>
+            </a:r>
+          </a:p>
+          <a:p>
+            <a:r>
+              <a:rPr lang="en-CA" sz="800" dirty="0">
+                <a:latin typeface="Courier" pitchFamily="2" charset="0"/>
+              </a:rPr>
+              <a:t> +-+-+-+-+-+-+-+-+-+-+-+-+-+-+-+-+-+-+-+-+-+-+-+-+-+-+-+-+-+-+-+-+</a:t>
+            </a:r>
+          </a:p>
+          <a:p>
+            <a:br>
+              <a:rPr lang="en-CA" sz="800" dirty="0">
+                <a:latin typeface="Courier" pitchFamily="2" charset="0"/>
+              </a:rPr>
+            </a:br>
             <a:r>
               <a:rPr lang="en-CA" sz="800" dirty="0">
                 <a:latin typeface="Courier" pitchFamily="2" charset="0"/>

--- a/draft-gandhi-spring-sr-enhanced-plm-03.pptx
+++ b/draft-gandhi-spring-sr-enhanced-plm-03.pptx
@@ -260,7 +260,7 @@
           <a:p>
             <a:fld id="{E8FA3DB5-7722-3F4F-947D-12B203669AD7}" type="datetimeFigureOut">
               <a:rPr lang="en-US" smtClean="0"/>
-              <a:t>9/22/20</a:t>
+              <a:t>9/26/20</a:t>
             </a:fld>
             <a:endParaRPr lang="en-US"/>
           </a:p>
@@ -9784,6 +9784,20 @@
                 <a:spcPts val="0"/>
               </a:spcBef>
             </a:pPr>
+            <a:r>
+              <a:rPr lang="en-US" sz="1600" dirty="0"/>
+              <a:t>Round-trip delay = (t4 - t1)</a:t>
+            </a:r>
+          </a:p>
+          <a:p>
+            <a:pPr>
+              <a:lnSpc>
+                <a:spcPts val="1960"/>
+              </a:lnSpc>
+              <a:spcBef>
+                <a:spcPts val="0"/>
+              </a:spcBef>
+            </a:pPr>
             <a:endParaRPr lang="en-US" sz="1600" dirty="0"/>
           </a:p>
         </p:txBody>
@@ -10174,8 +10188,8 @@
         </p:nvSpPr>
         <p:spPr>
           <a:xfrm>
-            <a:off x="381000" y="2908705"/>
-            <a:ext cx="8534400" cy="1724379"/>
+            <a:off x="381000" y="2794838"/>
+            <a:ext cx="8534400" cy="1983096"/>
           </a:xfrm>
         </p:spPr>
         <p:txBody>
@@ -10263,6 +10277,20 @@
             <a:r>
               <a:rPr lang="en-CA" sz="1200" dirty="0"/>
               <a:t>Ensure loopback probe packets return from the intended reflector node</a:t>
+            </a:r>
+          </a:p>
+          <a:p>
+            <a:pPr>
+              <a:lnSpc>
+                <a:spcPts val="1380"/>
+              </a:lnSpc>
+              <a:spcBef>
+                <a:spcPts val="600"/>
+              </a:spcBef>
+            </a:pPr>
+            <a:r>
+              <a:rPr lang="en-CA" sz="1200" dirty="0"/>
+              <a:t>One-way delay = (t2 – t1)</a:t>
             </a:r>
           </a:p>
         </p:txBody>
@@ -11811,7 +11839,7 @@
         </p:nvSpPr>
         <p:spPr>
           <a:xfrm>
-            <a:off x="5105400" y="1123950"/>
+            <a:off x="5007827" y="1123950"/>
             <a:ext cx="3678973" cy="2590800"/>
           </a:xfrm>
         </p:spPr>

--- a/draft-gandhi-spring-sr-enhanced-plm-03.pptx
+++ b/draft-gandhi-spring-sr-enhanced-plm-03.pptx
@@ -5,29 +5,30 @@
     <p:sldMasterId id="2147483648" r:id="rId1"/>
   </p:sldMasterIdLst>
   <p:notesMasterIdLst>
-    <p:notesMasterId r:id="rId19"/>
+    <p:notesMasterId r:id="rId20"/>
   </p:notesMasterIdLst>
   <p:handoutMasterIdLst>
-    <p:handoutMasterId r:id="rId20"/>
+    <p:handoutMasterId r:id="rId21"/>
   </p:handoutMasterIdLst>
   <p:sldIdLst>
     <p:sldId id="256" r:id="rId2"/>
     <p:sldId id="299" r:id="rId3"/>
     <p:sldId id="315" r:id="rId4"/>
     <p:sldId id="1673" r:id="rId5"/>
-    <p:sldId id="326" r:id="rId6"/>
-    <p:sldId id="1659" r:id="rId7"/>
-    <p:sldId id="1663" r:id="rId8"/>
-    <p:sldId id="1662" r:id="rId9"/>
-    <p:sldId id="1674" r:id="rId10"/>
-    <p:sldId id="1669" r:id="rId11"/>
-    <p:sldId id="1658" r:id="rId12"/>
-    <p:sldId id="1675" r:id="rId13"/>
-    <p:sldId id="318" r:id="rId14"/>
-    <p:sldId id="303" r:id="rId15"/>
-    <p:sldId id="1672" r:id="rId16"/>
-    <p:sldId id="1664" r:id="rId17"/>
-    <p:sldId id="1654" r:id="rId18"/>
+    <p:sldId id="1668" r:id="rId6"/>
+    <p:sldId id="326" r:id="rId7"/>
+    <p:sldId id="1659" r:id="rId8"/>
+    <p:sldId id="1663" r:id="rId9"/>
+    <p:sldId id="1662" r:id="rId10"/>
+    <p:sldId id="1674" r:id="rId11"/>
+    <p:sldId id="1669" r:id="rId12"/>
+    <p:sldId id="1658" r:id="rId13"/>
+    <p:sldId id="1675" r:id="rId14"/>
+    <p:sldId id="318" r:id="rId15"/>
+    <p:sldId id="303" r:id="rId16"/>
+    <p:sldId id="1672" r:id="rId17"/>
+    <p:sldId id="1664" r:id="rId18"/>
+    <p:sldId id="1654" r:id="rId19"/>
   </p:sldIdLst>
   <p:sldSz cx="9144000" cy="5143500" type="screen16x9"/>
   <p:notesSz cx="6858000" cy="9144000"/>
@@ -260,7 +261,7 @@
           <a:p>
             <a:fld id="{E8FA3DB5-7722-3F4F-947D-12B203669AD7}" type="datetimeFigureOut">
               <a:rPr lang="en-US" smtClean="0"/>
-              <a:t>9/26/20</a:t>
+              <a:t>9/27/20</a:t>
             </a:fld>
             <a:endParaRPr lang="en-US"/>
           </a:p>
@@ -921,7 +922,7 @@
           <a:bodyPr/>
           <a:lstStyle/>
           <a:p>
-            <a:endParaRPr lang="en-US" dirty="0"/>
+            <a:endParaRPr lang="en-CA" dirty="0"/>
           </a:p>
         </p:txBody>
       </p:sp>
@@ -957,7 +958,7 @@
     </p:spTree>
     <p:extLst>
       <p:ext uri="{BB962C8B-B14F-4D97-AF65-F5344CB8AC3E}">
-        <p14:creationId xmlns:p14="http://schemas.microsoft.com/office/powerpoint/2010/main" val="939525286"/>
+        <p14:creationId xmlns:p14="http://schemas.microsoft.com/office/powerpoint/2010/main" val="1667011172"/>
       </p:ext>
     </p:extLst>
   </p:cSld>
@@ -1047,7 +1048,7 @@
     </p:spTree>
     <p:extLst>
       <p:ext uri="{BB962C8B-B14F-4D97-AF65-F5344CB8AC3E}">
-        <p14:creationId xmlns:p14="http://schemas.microsoft.com/office/powerpoint/2010/main" val="1381437362"/>
+        <p14:creationId xmlns:p14="http://schemas.microsoft.com/office/powerpoint/2010/main" val="939525286"/>
       </p:ext>
     </p:extLst>
   </p:cSld>
@@ -1101,7 +1102,7 @@
           <a:bodyPr/>
           <a:lstStyle/>
           <a:p>
-            <a:endParaRPr lang="en-CA" dirty="0"/>
+            <a:endParaRPr lang="en-US" dirty="0"/>
           </a:p>
         </p:txBody>
       </p:sp>
@@ -1137,7 +1138,7 @@
     </p:spTree>
     <p:extLst>
       <p:ext uri="{BB962C8B-B14F-4D97-AF65-F5344CB8AC3E}">
-        <p14:creationId xmlns:p14="http://schemas.microsoft.com/office/powerpoint/2010/main" val="1422079827"/>
+        <p14:creationId xmlns:p14="http://schemas.microsoft.com/office/powerpoint/2010/main" val="1381437362"/>
       </p:ext>
     </p:extLst>
   </p:cSld>
@@ -1191,7 +1192,7 @@
           <a:bodyPr/>
           <a:lstStyle/>
           <a:p>
-            <a:endParaRPr lang="en-US" dirty="0"/>
+            <a:endParaRPr lang="en-CA" dirty="0"/>
           </a:p>
         </p:txBody>
       </p:sp>
@@ -1227,7 +1228,7 @@
     </p:spTree>
     <p:extLst>
       <p:ext uri="{BB962C8B-B14F-4D97-AF65-F5344CB8AC3E}">
-        <p14:creationId xmlns:p14="http://schemas.microsoft.com/office/powerpoint/2010/main" val="383772479"/>
+        <p14:creationId xmlns:p14="http://schemas.microsoft.com/office/powerpoint/2010/main" val="1422079827"/>
       </p:ext>
     </p:extLst>
   </p:cSld>
@@ -1281,7 +1282,7 @@
           <a:bodyPr/>
           <a:lstStyle/>
           <a:p>
-            <a:endParaRPr lang="en-CA" dirty="0"/>
+            <a:endParaRPr lang="en-US" dirty="0"/>
           </a:p>
         </p:txBody>
       </p:sp>
@@ -1317,7 +1318,7 @@
     </p:spTree>
     <p:extLst>
       <p:ext uri="{BB962C8B-B14F-4D97-AF65-F5344CB8AC3E}">
-        <p14:creationId xmlns:p14="http://schemas.microsoft.com/office/powerpoint/2010/main" val="3615763183"/>
+        <p14:creationId xmlns:p14="http://schemas.microsoft.com/office/powerpoint/2010/main" val="383772479"/>
       </p:ext>
     </p:extLst>
   </p:cSld>
@@ -1371,35 +1372,18 @@
           <a:bodyPr/>
           <a:lstStyle/>
           <a:p>
-            <a:pPr marL="171450" marR="0" lvl="0" indent="-171450" algn="l" defTabSz="457200" rtl="0" eaLnBrk="0" fontAlgn="base" latinLnBrk="0" hangingPunct="0">
-              <a:lnSpc>
-                <a:spcPct val="100000"/>
-              </a:lnSpc>
-              <a:spcBef>
-                <a:spcPct val="30000"/>
-              </a:spcBef>
-              <a:spcAft>
-                <a:spcPct val="0"/>
-              </a:spcAft>
-              <a:buClrTx/>
-              <a:buSzTx/>
-              <a:buFont typeface="Arial" charset="0"/>
-              <a:buNone/>
-              <a:tabLst/>
-              <a:defRPr/>
-            </a:pPr>
-            <a:endParaRPr lang="en-US" dirty="0"/>
-          </a:p>
-        </p:txBody>
-      </p:sp>
-      <p:sp>
-        <p:nvSpPr>
-          <p:cNvPr id="4" name="Header Placeholder 3"/>
+            <a:endParaRPr lang="en-CA" dirty="0"/>
+          </a:p>
+        </p:txBody>
+      </p:sp>
+      <p:sp>
+        <p:nvSpPr>
+          <p:cNvPr id="4" name="Slide Number Placeholder 3"/>
           <p:cNvSpPr>
             <a:spLocks noGrp="1"/>
           </p:cNvSpPr>
           <p:nvPr>
-            <p:ph type="hdr" sz="quarter" idx="10"/>
+            <p:ph type="sldNum" sz="quarter" idx="10"/>
           </p:nvPr>
         </p:nvSpPr>
         <p:spPr/>
@@ -1410,65 +1394,21 @@
             <a:pPr>
               <a:defRPr/>
             </a:pPr>
-            <a:endParaRPr lang="en-US"/>
-          </a:p>
-        </p:txBody>
-      </p:sp>
-      <p:sp>
-        <p:nvSpPr>
-          <p:cNvPr id="5" name="Footer Placeholder 4"/>
-          <p:cNvSpPr>
-            <a:spLocks noGrp="1"/>
-          </p:cNvSpPr>
-          <p:nvPr>
-            <p:ph type="ftr" sz="quarter" idx="11"/>
-          </p:nvPr>
-        </p:nvSpPr>
-        <p:spPr/>
-        <p:txBody>
-          <a:bodyPr/>
-          <a:lstStyle/>
-          <a:p>
-            <a:pPr>
-              <a:defRPr/>
-            </a:pPr>
-            <a:endParaRPr lang="en-US"/>
-          </a:p>
-        </p:txBody>
-      </p:sp>
-      <p:sp>
-        <p:nvSpPr>
-          <p:cNvPr id="6" name="Slide Number Placeholder 5"/>
-          <p:cNvSpPr>
-            <a:spLocks noGrp="1"/>
-          </p:cNvSpPr>
-          <p:nvPr>
-            <p:ph type="sldNum" sz="quarter" idx="12"/>
-          </p:nvPr>
-        </p:nvSpPr>
-        <p:spPr/>
-        <p:txBody>
-          <a:bodyPr/>
-          <a:lstStyle/>
-          <a:p>
-            <a:pPr>
-              <a:defRPr/>
-            </a:pPr>
-            <a:fld id="{F97A1FA6-25DE-9E4E-A34D-CF67DE7DBDC7}" type="slidenum">
-              <a:rPr lang="en-US" smtClean="0"/>
+            <a:fld id="{100938BD-FD70-4535-B0C2-13FC38CDF1BE}" type="slidenum">
+              <a:rPr lang="en-US" altLang="zh-CN" smtClean="0"/>
               <a:pPr>
                 <a:defRPr/>
               </a:pPr>
               <a:t>16</a:t>
             </a:fld>
-            <a:endParaRPr lang="en-US"/>
+            <a:endParaRPr lang="en-US" altLang="zh-CN"/>
           </a:p>
         </p:txBody>
       </p:sp>
     </p:spTree>
     <p:extLst>
       <p:ext uri="{BB962C8B-B14F-4D97-AF65-F5344CB8AC3E}">
-        <p14:creationId xmlns:p14="http://schemas.microsoft.com/office/powerpoint/2010/main" val="890828642"/>
+        <p14:creationId xmlns:p14="http://schemas.microsoft.com/office/powerpoint/2010/main" val="3615763183"/>
       </p:ext>
     </p:extLst>
   </p:cSld>
@@ -1522,6 +1462,157 @@
           <a:bodyPr/>
           <a:lstStyle/>
           <a:p>
+            <a:pPr marL="171450" marR="0" lvl="0" indent="-171450" algn="l" defTabSz="457200" rtl="0" eaLnBrk="0" fontAlgn="base" latinLnBrk="0" hangingPunct="0">
+              <a:lnSpc>
+                <a:spcPct val="100000"/>
+              </a:lnSpc>
+              <a:spcBef>
+                <a:spcPct val="30000"/>
+              </a:spcBef>
+              <a:spcAft>
+                <a:spcPct val="0"/>
+              </a:spcAft>
+              <a:buClrTx/>
+              <a:buSzTx/>
+              <a:buFont typeface="Arial" charset="0"/>
+              <a:buNone/>
+              <a:tabLst/>
+              <a:defRPr/>
+            </a:pPr>
+            <a:endParaRPr lang="en-US" dirty="0"/>
+          </a:p>
+        </p:txBody>
+      </p:sp>
+      <p:sp>
+        <p:nvSpPr>
+          <p:cNvPr id="4" name="Header Placeholder 3"/>
+          <p:cNvSpPr>
+            <a:spLocks noGrp="1"/>
+          </p:cNvSpPr>
+          <p:nvPr>
+            <p:ph type="hdr" sz="quarter" idx="10"/>
+          </p:nvPr>
+        </p:nvSpPr>
+        <p:spPr/>
+        <p:txBody>
+          <a:bodyPr/>
+          <a:lstStyle/>
+          <a:p>
+            <a:pPr>
+              <a:defRPr/>
+            </a:pPr>
+            <a:endParaRPr lang="en-US"/>
+          </a:p>
+        </p:txBody>
+      </p:sp>
+      <p:sp>
+        <p:nvSpPr>
+          <p:cNvPr id="5" name="Footer Placeholder 4"/>
+          <p:cNvSpPr>
+            <a:spLocks noGrp="1"/>
+          </p:cNvSpPr>
+          <p:nvPr>
+            <p:ph type="ftr" sz="quarter" idx="11"/>
+          </p:nvPr>
+        </p:nvSpPr>
+        <p:spPr/>
+        <p:txBody>
+          <a:bodyPr/>
+          <a:lstStyle/>
+          <a:p>
+            <a:pPr>
+              <a:defRPr/>
+            </a:pPr>
+            <a:endParaRPr lang="en-US"/>
+          </a:p>
+        </p:txBody>
+      </p:sp>
+      <p:sp>
+        <p:nvSpPr>
+          <p:cNvPr id="6" name="Slide Number Placeholder 5"/>
+          <p:cNvSpPr>
+            <a:spLocks noGrp="1"/>
+          </p:cNvSpPr>
+          <p:nvPr>
+            <p:ph type="sldNum" sz="quarter" idx="12"/>
+          </p:nvPr>
+        </p:nvSpPr>
+        <p:spPr/>
+        <p:txBody>
+          <a:bodyPr/>
+          <a:lstStyle/>
+          <a:p>
+            <a:pPr>
+              <a:defRPr/>
+            </a:pPr>
+            <a:fld id="{F97A1FA6-25DE-9E4E-A34D-CF67DE7DBDC7}" type="slidenum">
+              <a:rPr lang="en-US" smtClean="0"/>
+              <a:pPr>
+                <a:defRPr/>
+              </a:pPr>
+              <a:t>17</a:t>
+            </a:fld>
+            <a:endParaRPr lang="en-US"/>
+          </a:p>
+        </p:txBody>
+      </p:sp>
+    </p:spTree>
+    <p:extLst>
+      <p:ext uri="{BB962C8B-B14F-4D97-AF65-F5344CB8AC3E}">
+        <p14:creationId xmlns:p14="http://schemas.microsoft.com/office/powerpoint/2010/main" val="890828642"/>
+      </p:ext>
+    </p:extLst>
+  </p:cSld>
+  <p:clrMapOvr>
+    <a:masterClrMapping/>
+  </p:clrMapOvr>
+</p:notes>
+</file>
+
+<file path=ppt/notesSlides/notesSlide17.xml><?xml version="1.0" encoding="utf-8"?>
+<p:notes xmlns:a="http://schemas.openxmlformats.org/drawingml/2006/main" xmlns:r="http://schemas.openxmlformats.org/officeDocument/2006/relationships" xmlns:p="http://schemas.openxmlformats.org/presentationml/2006/main">
+  <p:cSld>
+    <p:spTree>
+      <p:nvGrpSpPr>
+        <p:cNvPr id="1" name=""/>
+        <p:cNvGrpSpPr/>
+        <p:nvPr/>
+      </p:nvGrpSpPr>
+      <p:grpSpPr>
+        <a:xfrm>
+          <a:off x="0" y="0"/>
+          <a:ext cx="0" cy="0"/>
+          <a:chOff x="0" y="0"/>
+          <a:chExt cx="0" cy="0"/>
+        </a:xfrm>
+      </p:grpSpPr>
+      <p:sp>
+        <p:nvSpPr>
+          <p:cNvPr id="2" name="Slide Image Placeholder 1"/>
+          <p:cNvSpPr>
+            <a:spLocks noGrp="1" noRot="1" noChangeAspect="1"/>
+          </p:cNvSpPr>
+          <p:nvPr>
+            <p:ph type="sldImg"/>
+          </p:nvPr>
+        </p:nvSpPr>
+        <p:spPr/>
+      </p:sp>
+      <p:sp>
+        <p:nvSpPr>
+          <p:cNvPr id="3" name="Notes Placeholder 2"/>
+          <p:cNvSpPr>
+            <a:spLocks noGrp="1"/>
+          </p:cNvSpPr>
+          <p:nvPr>
+            <p:ph type="body" idx="1"/>
+          </p:nvPr>
+        </p:nvSpPr>
+        <p:spPr/>
+        <p:txBody>
+          <a:bodyPr/>
+          <a:lstStyle/>
+          <a:p>
             <a:endParaRPr lang="en-US" dirty="0"/>
           </a:p>
         </p:txBody>
@@ -1549,7 +1640,7 @@
               <a:pPr>
                 <a:defRPr/>
               </a:pPr>
-              <a:t>17</a:t>
+              <a:t>18</a:t>
             </a:fld>
             <a:endParaRPr lang="en-US" altLang="zh-CN"/>
           </a:p>
@@ -1882,7 +1973,7 @@
           <a:bodyPr/>
           <a:lstStyle/>
           <a:p>
-            <a:endParaRPr lang="en-US" dirty="0"/>
+            <a:endParaRPr lang="en-CA" dirty="0"/>
           </a:p>
         </p:txBody>
       </p:sp>
@@ -1918,7 +2009,7 @@
     </p:spTree>
     <p:extLst>
       <p:ext uri="{BB962C8B-B14F-4D97-AF65-F5344CB8AC3E}">
-        <p14:creationId xmlns:p14="http://schemas.microsoft.com/office/powerpoint/2010/main" val="3039843615"/>
+        <p14:creationId xmlns:p14="http://schemas.microsoft.com/office/powerpoint/2010/main" val="1689421279"/>
       </p:ext>
     </p:extLst>
   </p:cSld>
@@ -2008,7 +2099,7 @@
     </p:spTree>
     <p:extLst>
       <p:ext uri="{BB962C8B-B14F-4D97-AF65-F5344CB8AC3E}">
-        <p14:creationId xmlns:p14="http://schemas.microsoft.com/office/powerpoint/2010/main" val="3511616943"/>
+        <p14:creationId xmlns:p14="http://schemas.microsoft.com/office/powerpoint/2010/main" val="3039843615"/>
       </p:ext>
     </p:extLst>
   </p:cSld>
@@ -2062,7 +2153,7 @@
           <a:bodyPr/>
           <a:lstStyle/>
           <a:p>
-            <a:endParaRPr lang="en-CA" dirty="0"/>
+            <a:endParaRPr lang="en-US" dirty="0"/>
           </a:p>
         </p:txBody>
       </p:sp>
@@ -2089,7 +2180,7 @@
               <a:pPr>
                 <a:defRPr/>
               </a:pPr>
-              <a:t>8</a:t>
+              <a:t>7</a:t>
             </a:fld>
             <a:endParaRPr lang="en-US" altLang="zh-CN"/>
           </a:p>
@@ -2098,7 +2189,7 @@
     </p:spTree>
     <p:extLst>
       <p:ext uri="{BB962C8B-B14F-4D97-AF65-F5344CB8AC3E}">
-        <p14:creationId xmlns:p14="http://schemas.microsoft.com/office/powerpoint/2010/main" val="3363797125"/>
+        <p14:creationId xmlns:p14="http://schemas.microsoft.com/office/powerpoint/2010/main" val="3511616943"/>
       </p:ext>
     </p:extLst>
   </p:cSld>
@@ -2188,7 +2279,7 @@
     </p:spTree>
     <p:extLst>
       <p:ext uri="{BB962C8B-B14F-4D97-AF65-F5344CB8AC3E}">
-        <p14:creationId xmlns:p14="http://schemas.microsoft.com/office/powerpoint/2010/main" val="1391146807"/>
+        <p14:creationId xmlns:p14="http://schemas.microsoft.com/office/powerpoint/2010/main" val="3363797125"/>
       </p:ext>
     </p:extLst>
   </p:cSld>
@@ -2278,7 +2369,7 @@
     </p:spTree>
     <p:extLst>
       <p:ext uri="{BB962C8B-B14F-4D97-AF65-F5344CB8AC3E}">
-        <p14:creationId xmlns:p14="http://schemas.microsoft.com/office/powerpoint/2010/main" val="1667011172"/>
+        <p14:creationId xmlns:p14="http://schemas.microsoft.com/office/powerpoint/2010/main" val="1391146807"/>
       </p:ext>
     </p:extLst>
   </p:cSld>
@@ -5828,7 +5919,15 @@
           <a:p>
             <a:r>
               <a:rPr lang="en-CA" dirty="0"/>
-              <a:t>MPLS WG Interim, September 2020</a:t>
+              <a:t>109</a:t>
+            </a:r>
+            <a:r>
+              <a:rPr lang="en-CA" baseline="30000" dirty="0"/>
+              <a:t>th</a:t>
+            </a:r>
+            <a:r>
+              <a:rPr lang="en-CA" dirty="0"/>
+              <a:t> IETF Online</a:t>
             </a:r>
           </a:p>
         </p:txBody>
@@ -5915,7 +6014,7 @@
                 <a:latin typeface="Calibri Light" panose="020F0302020204030204" pitchFamily="34" charset="0"/>
                 <a:cs typeface="Calibri Light" panose="020F0302020204030204" pitchFamily="34" charset="0"/>
               </a:rPr>
-              <a:t>SRv6 with Timestamp Endpoint Function</a:t>
+              <a:t>SR-MPLS with Timestamp Label</a:t>
             </a:r>
           </a:p>
         </p:txBody>
@@ -5942,7 +6041,15 @@
           <a:p>
             <a:r>
               <a:rPr lang="en-CA" dirty="0"/>
-              <a:t>MPLS WG Interim, September 2020</a:t>
+              <a:t>109</a:t>
+            </a:r>
+            <a:r>
+              <a:rPr lang="en-CA" baseline="30000" dirty="0"/>
+              <a:t>th</a:t>
+            </a:r>
+            <a:r>
+              <a:rPr lang="en-CA" dirty="0"/>
+              <a:t> IETF Online</a:t>
             </a:r>
           </a:p>
         </p:txBody>
@@ -5990,8 +6097,8 @@
         </p:nvSpPr>
         <p:spPr>
           <a:xfrm>
-            <a:off x="381000" y="742949"/>
-            <a:ext cx="4674030" cy="3831818"/>
+            <a:off x="336380" y="739794"/>
+            <a:ext cx="4468386" cy="3885679"/>
           </a:xfrm>
           <a:prstGeom prst="rect">
             <a:avLst/>
@@ -6010,254 +6117,88 @@
           <a:lstStyle/>
           <a:p>
             <a:r>
-              <a:rPr lang="en-CA" sz="900" dirty="0">
-                <a:latin typeface="Courier" pitchFamily="2" charset="0"/>
-              </a:rPr>
-              <a:t>+---------------------------------------------------------------+</a:t>
-            </a:r>
-          </a:p>
-          <a:p>
-            <a:r>
-              <a:rPr lang="en-CA" sz="900" dirty="0">
-                <a:latin typeface="Courier" pitchFamily="2" charset="0"/>
-              </a:rPr>
-              <a:t>| IP Header                                                     |</a:t>
-            </a:r>
-          </a:p>
-          <a:p>
-            <a:r>
-              <a:rPr lang="en-CA" sz="900" dirty="0">
-                <a:latin typeface="Courier" pitchFamily="2" charset="0"/>
-              </a:rPr>
-              <a:t>.  Source IP Address = Sender IPv6 Address                      .</a:t>
-            </a:r>
-          </a:p>
-          <a:p>
-            <a:r>
-              <a:rPr lang="en-CA" sz="900" dirty="0">
-                <a:latin typeface="Courier" pitchFamily="2" charset="0"/>
-              </a:rPr>
-              <a:t>.  Destination IP Address = Destination IPv6 Address            .</a:t>
-            </a:r>
-          </a:p>
-          <a:p>
-            <a:r>
-              <a:rPr lang="en-CA" sz="900" dirty="0">
-                <a:latin typeface="Courier" pitchFamily="2" charset="0"/>
-              </a:rPr>
-              <a:t>.                                                               .</a:t>
-            </a:r>
-          </a:p>
-          <a:p>
-            <a:r>
-              <a:rPr lang="en-CA" sz="900" dirty="0">
-                <a:latin typeface="Courier" pitchFamily="2" charset="0"/>
-              </a:rPr>
-              <a:t>+---------------------------------------------------------------+</a:t>
-            </a:r>
-          </a:p>
-          <a:p>
-            <a:r>
-              <a:rPr lang="en-CA" sz="900" dirty="0">
-                <a:latin typeface="Courier" pitchFamily="2" charset="0"/>
-              </a:rPr>
-              <a:t>| SRH as specified in RFC 8754                                  |</a:t>
-            </a:r>
-          </a:p>
-          <a:p>
-            <a:r>
-              <a:rPr lang="en-CA" sz="900" dirty="0">
-                <a:latin typeface="Courier" pitchFamily="2" charset="0"/>
-              </a:rPr>
-              <a:t>.  &lt;Segment List&gt;                                               .</a:t>
-            </a:r>
-          </a:p>
-          <a:p>
-            <a:r>
-              <a:rPr lang="en-CA" sz="900" dirty="0">
-                <a:latin typeface="Courier" pitchFamily="2" charset="0"/>
-              </a:rPr>
-              <a:t>.  </a:t>
-            </a:r>
-            <a:r>
-              <a:rPr lang="en-CA" sz="900" b="1" dirty="0" err="1">
-                <a:latin typeface="Courier" pitchFamily="2" charset="0"/>
-              </a:rPr>
-              <a:t>End.TSF</a:t>
-            </a:r>
-            <a:r>
-              <a:rPr lang="en-CA" sz="900" b="1" dirty="0">
-                <a:latin typeface="Courier" pitchFamily="2" charset="0"/>
-              </a:rPr>
-              <a:t> (TBA2) with Reflector SID                            </a:t>
-            </a:r>
-            <a:r>
-              <a:rPr lang="en-CA" sz="900" dirty="0">
-                <a:latin typeface="Courier" pitchFamily="2" charset="0"/>
-              </a:rPr>
-              <a:t>.</a:t>
-            </a:r>
-          </a:p>
-          <a:p>
-            <a:r>
-              <a:rPr lang="en-CA" sz="900" dirty="0">
-                <a:latin typeface="Courier" pitchFamily="2" charset="0"/>
-              </a:rPr>
-              <a:t>.                                                               .</a:t>
-            </a:r>
-          </a:p>
-          <a:p>
-            <a:r>
-              <a:rPr lang="en-CA" sz="900" dirty="0">
-                <a:latin typeface="Courier" pitchFamily="2" charset="0"/>
-              </a:rPr>
-              <a:t>+---------------------------------------------------------------+</a:t>
-            </a:r>
-          </a:p>
-          <a:p>
-            <a:r>
-              <a:rPr lang="en-CA" sz="900" dirty="0">
-                <a:latin typeface="Courier" pitchFamily="2" charset="0"/>
-              </a:rPr>
-              <a:t>| IP Header                                                     |</a:t>
-            </a:r>
-          </a:p>
-          <a:p>
-            <a:r>
-              <a:rPr lang="en-CA" sz="900" dirty="0">
-                <a:latin typeface="Courier" pitchFamily="2" charset="0"/>
-              </a:rPr>
-              <a:t>.  Source IP Address = </a:t>
-            </a:r>
-            <a:r>
-              <a:rPr lang="en-CA" sz="900" b="1" dirty="0">
+              <a:rPr lang="en-CA" sz="850" dirty="0">
+                <a:latin typeface="Courier" pitchFamily="2" charset="0"/>
+              </a:rPr>
+              <a:t>0 1 2 3 4 5 6 7 8 9 0 1 2 3 4 5 6 7 8 9 0 1 2 3 4 5 6 7 8 9 0 1   +-+-+-+-+-+-+-+-+-+-+-+-+-+-+-+-+-+-+-+-+-+-+-+-+-+-+-+-+-+-+-+-+ |            Label(1)                   | TC  |S|      TTL      | +-+-+-+-+-+-+-+-+-+-+-+-+-+-+-+-+-+-+-+-+-+-+-+-+-+-+-+-+-+-+-+-+ .                                                               . .                                                               . .                                                               . +-+-+-+-+-+-+-+-+-+-+-+-+-+-+-+-+-+-+-+-+-+-+-+-+-+-+-+-+-+-+-+-+ |            Label(n)                   | TC  |S|      TTL      | +-+-+-+-+-+-+-+-+-+-+-+-+-+-+-+-+-+-+-+-+-+-+-+-+-+-+-+-+-+-+-+-+ |            Extension Label (15)       | TC  |S|      TTL      | +-+-+-+-+-+-+-+-+-+-+-+-+-+-+-+-+-+-+-+-+-+-+-+-+-+-+-+-+-+-+-+-+ |            </a:t>
+            </a:r>
+            <a:r>
+              <a:rPr lang="en-CA" sz="850" b="1" dirty="0">
+                <a:latin typeface="Courier" pitchFamily="2" charset="0"/>
+              </a:rPr>
+              <a:t>Timestamp Label (TBA1)     </a:t>
+            </a:r>
+            <a:r>
+              <a:rPr lang="en-CA" sz="850" dirty="0">
+                <a:latin typeface="Courier" pitchFamily="2" charset="0"/>
+              </a:rPr>
+              <a:t>| TC  |S|      TTL      | +-+-+-+-+-+-+-+-+-+-+-+-+-+-+-+-+-+-+-+-+-+-+-+-+-+-+-+-+-+-+-+-+ | IP Header                                                     | .  Source IP Address = </a:t>
+            </a:r>
+            <a:r>
+              <a:rPr lang="en-CA" sz="850" b="1" dirty="0">
                 <a:latin typeface="Courier" pitchFamily="2" charset="0"/>
               </a:rPr>
               <a:t>Reflector</a:t>
             </a:r>
             <a:r>
-              <a:rPr lang="en-CA" sz="900" dirty="0">
-                <a:latin typeface="Courier" pitchFamily="2" charset="0"/>
-              </a:rPr>
-              <a:t> IPv6 Address                   .</a:t>
-            </a:r>
-          </a:p>
-          <a:p>
-            <a:r>
-              <a:rPr lang="en-CA" sz="900" dirty="0">
-                <a:latin typeface="Courier" pitchFamily="2" charset="0"/>
-              </a:rPr>
-              <a:t>.  Destination IP Address = </a:t>
-            </a:r>
-            <a:r>
-              <a:rPr lang="en-CA" sz="900" b="1" dirty="0">
+              <a:rPr lang="en-CA" sz="850" dirty="0">
+                <a:latin typeface="Courier" pitchFamily="2" charset="0"/>
+              </a:rPr>
+              <a:t> IPv4 or IPv6 Address           . .  Destination IP Address = </a:t>
+            </a:r>
+            <a:r>
+              <a:rPr lang="en-CA" sz="850" b="1" dirty="0">
                 <a:latin typeface="Courier" pitchFamily="2" charset="0"/>
               </a:rPr>
               <a:t>Sender</a:t>
             </a:r>
             <a:r>
-              <a:rPr lang="en-CA" sz="900" dirty="0">
-                <a:latin typeface="Courier" pitchFamily="2" charset="0"/>
-              </a:rPr>
-              <a:t> IPv6 Address                 .</a:t>
-            </a:r>
-          </a:p>
-          <a:p>
-            <a:r>
-              <a:rPr lang="en-CA" sz="900" dirty="0">
-                <a:latin typeface="Courier" pitchFamily="2" charset="0"/>
-              </a:rPr>
-              <a:t>.                                                               .</a:t>
-            </a:r>
-          </a:p>
-          <a:p>
-            <a:r>
-              <a:rPr lang="en-CA" sz="900" dirty="0">
-                <a:latin typeface="Courier" pitchFamily="2" charset="0"/>
-              </a:rPr>
-              <a:t>+---------------------------------------------------------------+</a:t>
-            </a:r>
-          </a:p>
-          <a:p>
-            <a:r>
-              <a:rPr lang="en-CA" sz="900" dirty="0">
-                <a:latin typeface="Courier" pitchFamily="2" charset="0"/>
-              </a:rPr>
-              <a:t>| UDP Header                                                    |</a:t>
-            </a:r>
-          </a:p>
-          <a:p>
-            <a:r>
-              <a:rPr lang="en-CA" sz="900" dirty="0">
-                <a:latin typeface="Courier" pitchFamily="2" charset="0"/>
-              </a:rPr>
-              <a:t>.  Source Port = As chosen by Sender                            . </a:t>
-            </a:r>
-          </a:p>
-          <a:p>
-            <a:r>
-              <a:rPr lang="en-CA" sz="900" dirty="0">
-                <a:latin typeface="Courier" pitchFamily="2" charset="0"/>
-              </a:rPr>
-              <a:t>.  Destination Port = As chosen by Sender                       .</a:t>
-            </a:r>
-          </a:p>
-          <a:p>
-            <a:r>
-              <a:rPr lang="en-CA" sz="900" dirty="0">
-                <a:latin typeface="Courier" pitchFamily="2" charset="0"/>
-              </a:rPr>
-              <a:t>.                                                               .</a:t>
-            </a:r>
-          </a:p>
-          <a:p>
-            <a:r>
-              <a:rPr lang="en-CA" sz="900" dirty="0">
-                <a:latin typeface="Courier" pitchFamily="2" charset="0"/>
-              </a:rPr>
-              <a:t>+---------------------------------------------------------------+</a:t>
-            </a:r>
-          </a:p>
-          <a:p>
-            <a:r>
-              <a:rPr lang="en-CA" sz="900" dirty="0">
-                <a:latin typeface="Courier" pitchFamily="2" charset="0"/>
-              </a:rPr>
-              <a:t>| Payload                                                       |</a:t>
-            </a:r>
-          </a:p>
-          <a:p>
-            <a:r>
-              <a:rPr lang="en-CA" sz="900" dirty="0">
-                <a:latin typeface="Courier" pitchFamily="2" charset="0"/>
-              </a:rPr>
-              <a:t>.                                                               .</a:t>
-            </a:r>
-          </a:p>
-          <a:p>
-            <a:r>
-              <a:rPr lang="en-CA" sz="900" dirty="0">
-                <a:latin typeface="Courier" pitchFamily="2" charset="0"/>
-              </a:rPr>
-              <a:t>+---------------------------------------------------------------+</a:t>
-            </a:r>
-          </a:p>
-          <a:p>
-            <a:r>
-              <a:rPr lang="en-CA" sz="900" dirty="0">
-                <a:latin typeface="Courier" pitchFamily="2" charset="0"/>
-              </a:rPr>
-              <a:t> </a:t>
-            </a:r>
-          </a:p>
-          <a:p>
-            <a:r>
-              <a:rPr lang="en-CA" sz="900" dirty="0">
-                <a:latin typeface="Courier" pitchFamily="2" charset="0"/>
-              </a:rPr>
-              <a:t> Example Probe Message with Timestamp Endpoint Function for SRv6</a:t>
-            </a:r>
-            <a:endParaRPr lang="en-US" sz="900" dirty="0">
+              <a:rPr lang="en-CA" sz="850" dirty="0">
+                <a:latin typeface="Courier" pitchFamily="2" charset="0"/>
+              </a:rPr>
+              <a:t> IPv4 or IPv6 Address         .</a:t>
+            </a:r>
+          </a:p>
+          <a:p>
+            <a:r>
+              <a:rPr lang="en-CA" sz="850" dirty="0">
+                <a:latin typeface="Courier" pitchFamily="2" charset="0"/>
+              </a:rPr>
+              <a:t>.                                                               . </a:t>
+            </a:r>
+          </a:p>
+          <a:p>
+            <a:r>
+              <a:rPr lang="en-CA" sz="850" dirty="0">
+                <a:latin typeface="Courier" pitchFamily="2" charset="0"/>
+              </a:rPr>
+              <a:t>+---------------------------------------------------------------+ | UDP Header                                                    | .  Source Port = As chosen by Sender                            . .  Destination Port = As chosen by Sender                       . .                                                               . +---------------------------------------------------------------+ | Payload                                                       | </a:t>
+            </a:r>
+          </a:p>
+          <a:p>
+            <a:r>
+              <a:rPr lang="en-CA" sz="850" dirty="0">
+                <a:latin typeface="Courier" pitchFamily="2" charset="0"/>
+              </a:rPr>
+              <a:t>.                                                               . +---------------------------------------------------------------+</a:t>
+            </a:r>
+          </a:p>
+          <a:p>
+            <a:r>
+              <a:rPr lang="en-CA" sz="850" dirty="0">
+                <a:latin typeface="Courier" pitchFamily="2" charset="0"/>
+              </a:rPr>
+              <a:t>    </a:t>
+            </a:r>
+          </a:p>
+          <a:p>
+            <a:r>
+              <a:rPr lang="en-CA" sz="850" dirty="0">
+                <a:latin typeface="Courier" pitchFamily="2" charset="0"/>
+              </a:rPr>
+              <a:t>     Example Probe Message with Timestamp Label for SR-MPLS</a:t>
+            </a:r>
+            <a:endParaRPr lang="en-US" sz="850" dirty="0">
               <a:latin typeface="Courier" pitchFamily="2" charset="0"/>
             </a:endParaRPr>
           </a:p>
@@ -6281,8 +6222,8 @@
         </p:nvSpPr>
         <p:spPr>
           <a:xfrm>
-            <a:off x="5135688" y="933449"/>
-            <a:ext cx="3678973" cy="3276600"/>
+            <a:off x="5007827" y="1123950"/>
+            <a:ext cx="3678973" cy="2590800"/>
           </a:xfrm>
         </p:spPr>
         <p:txBody>
@@ -6290,66 +6231,31 @@
           <a:lstStyle/>
           <a:p>
             <a:r>
-              <a:rPr lang="en-US" sz="1400" dirty="0"/>
-              <a:t>Timestamp Endpoint Function </a:t>
-            </a:r>
-            <a:r>
-              <a:rPr lang="en-US" sz="1400" dirty="0" err="1"/>
-              <a:t>End.TSF</a:t>
-            </a:r>
-            <a:r>
-              <a:rPr lang="en-US" sz="1400" dirty="0"/>
-              <a:t> (TBA2) is defined for Timestamp and Forward and is carried with the Reflector node SID</a:t>
-            </a:r>
-          </a:p>
-          <a:p>
-            <a:r>
-              <a:rPr lang="en-US" sz="1400" dirty="0"/>
-              <a:t>Reverse path can be IP</a:t>
-            </a:r>
-          </a:p>
-          <a:p>
-            <a:pPr lvl="1"/>
-            <a:r>
-              <a:rPr lang="en-US" sz="1400" dirty="0"/>
-              <a:t>Reflector node removes SRH</a:t>
-            </a:r>
-          </a:p>
-          <a:p>
-            <a:r>
-              <a:rPr lang="en-US" sz="1400" dirty="0"/>
-              <a:t>Reverse path can be SR</a:t>
-            </a:r>
-          </a:p>
-          <a:p>
-            <a:pPr lvl="1"/>
-            <a:r>
-              <a:rPr lang="en-US" sz="1400" dirty="0"/>
-              <a:t>Reverse direction SR path Segment-list carried in SRH</a:t>
-            </a:r>
-          </a:p>
-          <a:p>
-            <a:pPr lvl="1"/>
-            <a:r>
-              <a:rPr lang="en-US" sz="1400" dirty="0"/>
-              <a:t>Reflector node does not remove the SRH</a:t>
-            </a:r>
-          </a:p>
-          <a:p>
-            <a:r>
-              <a:rPr lang="en-US" sz="1400" dirty="0"/>
-              <a:t>Source and Destination Addresses are swapped that represent the Reverse direction path in the inner IPv6 header</a:t>
-            </a:r>
-          </a:p>
-          <a:p>
-            <a:endParaRPr lang="en-US" sz="1400" dirty="0"/>
+              <a:rPr lang="en-US" sz="1600" dirty="0"/>
+              <a:t>Timestamp label (TBA1) is defined for Timestamp, Pop and Forward function</a:t>
+            </a:r>
+          </a:p>
+          <a:p>
+            <a:r>
+              <a:rPr lang="en-US" sz="1600" dirty="0"/>
+              <a:t>Reverse Path can be IP or SR-MPLS</a:t>
+            </a:r>
+          </a:p>
+          <a:p>
+            <a:r>
+              <a:rPr lang="en-US" sz="1600" dirty="0"/>
+              <a:t>Source and Destination Addresses are swapped that represent the Reverse direction path</a:t>
+            </a:r>
+          </a:p>
+          <a:p>
+            <a:endParaRPr lang="en-US" sz="1600" dirty="0"/>
           </a:p>
         </p:txBody>
       </p:sp>
     </p:spTree>
     <p:extLst>
       <p:ext uri="{BB962C8B-B14F-4D97-AF65-F5344CB8AC3E}">
-        <p14:creationId xmlns:p14="http://schemas.microsoft.com/office/powerpoint/2010/main" val="3310436608"/>
+        <p14:creationId xmlns:p14="http://schemas.microsoft.com/office/powerpoint/2010/main" val="3257992778"/>
       </p:ext>
     </p:extLst>
   </p:cSld>
@@ -6388,8 +6294,8 @@
         </p:nvSpPr>
         <p:spPr>
           <a:xfrm>
-            <a:off x="457200" y="0"/>
-            <a:ext cx="8229600" cy="857250"/>
+            <a:off x="0" y="0"/>
+            <a:ext cx="9144000" cy="640642"/>
           </a:xfrm>
         </p:spPr>
         <p:txBody>
@@ -6404,143 +6310,24 @@
                 <a:latin typeface="Calibri Light" panose="020F0302020204030204" pitchFamily="34" charset="0"/>
                 <a:cs typeface="Calibri Light" panose="020F0302020204030204" pitchFamily="34" charset="0"/>
               </a:rPr>
-              <a:t>ECMP Support for SR Paths</a:t>
-            </a:r>
-          </a:p>
-        </p:txBody>
-      </p:sp>
-      <p:sp>
-        <p:nvSpPr>
-          <p:cNvPr id="3" name="Content Placeholder 2"/>
+              <a:t>SRv6 with Timestamp Endpoint Function</a:t>
+            </a:r>
+          </a:p>
+        </p:txBody>
+      </p:sp>
+      <p:sp>
+        <p:nvSpPr>
+          <p:cNvPr id="4" name="Footer Placeholder 3"/>
           <p:cNvSpPr>
             <a:spLocks noGrp="1"/>
           </p:cNvSpPr>
           <p:nvPr>
-            <p:ph idx="1"/>
+            <p:ph type="ftr" sz="quarter" idx="11"/>
           </p:nvPr>
         </p:nvSpPr>
         <p:spPr>
           <a:xfrm>
-            <a:off x="419100" y="912200"/>
-            <a:ext cx="8305800" cy="3564549"/>
-          </a:xfrm>
-        </p:spPr>
-        <p:txBody>
-          <a:bodyPr/>
-          <a:lstStyle/>
-          <a:p>
-            <a:pPr>
-              <a:lnSpc>
-                <a:spcPts val="2280"/>
-              </a:lnSpc>
-              <a:spcBef>
-                <a:spcPts val="0"/>
-              </a:spcBef>
-            </a:pPr>
-            <a:r>
-              <a:rPr lang="en-US" sz="1600" dirty="0"/>
-              <a:t>SR Paths can have ECMPs between the ingress and transit nodes, between transit nodes and between transit and egress nodes.</a:t>
-            </a:r>
-          </a:p>
-          <a:p>
-            <a:pPr>
-              <a:lnSpc>
-                <a:spcPts val="2280"/>
-              </a:lnSpc>
-              <a:spcBef>
-                <a:spcPts val="0"/>
-              </a:spcBef>
-            </a:pPr>
-            <a:r>
-              <a:rPr lang="en-US" sz="1600" dirty="0"/>
-              <a:t>PM probe messages can take advantage of the hashing function in forwarding plane to explore ECMP paths.</a:t>
-            </a:r>
-          </a:p>
-          <a:p>
-            <a:pPr>
-              <a:lnSpc>
-                <a:spcPts val="2280"/>
-              </a:lnSpc>
-              <a:spcBef>
-                <a:spcPts val="0"/>
-              </a:spcBef>
-            </a:pPr>
-            <a:r>
-              <a:rPr lang="en-US" sz="1600" dirty="0"/>
-              <a:t>Existing forwarding mechanisms are applicable to PM probe messages. Examples are:</a:t>
-            </a:r>
-          </a:p>
-          <a:p>
-            <a:pPr lvl="1">
-              <a:lnSpc>
-                <a:spcPts val="2280"/>
-              </a:lnSpc>
-              <a:spcBef>
-                <a:spcPts val="0"/>
-              </a:spcBef>
-            </a:pPr>
-            <a:r>
-              <a:rPr lang="en-US" sz="1600" dirty="0"/>
-              <a:t>For IPv4 when return path is also SR-MPLS</a:t>
-            </a:r>
-          </a:p>
-          <a:p>
-            <a:pPr lvl="2">
-              <a:lnSpc>
-                <a:spcPts val="2280"/>
-              </a:lnSpc>
-              <a:spcBef>
-                <a:spcPts val="0"/>
-              </a:spcBef>
-            </a:pPr>
-            <a:r>
-              <a:rPr lang="en-US" sz="1600" dirty="0"/>
-              <a:t>Sweeping destination address in IPv4 header (e.g. 127/8)</a:t>
-            </a:r>
-          </a:p>
-          <a:p>
-            <a:pPr lvl="1">
-              <a:lnSpc>
-                <a:spcPts val="2280"/>
-              </a:lnSpc>
-              <a:spcBef>
-                <a:spcPts val="0"/>
-              </a:spcBef>
-            </a:pPr>
-            <a:r>
-              <a:rPr lang="en-US" sz="1600" dirty="0"/>
-              <a:t>For IPv6</a:t>
-            </a:r>
-          </a:p>
-          <a:p>
-            <a:pPr lvl="2">
-              <a:lnSpc>
-                <a:spcPts val="2280"/>
-              </a:lnSpc>
-              <a:spcBef>
-                <a:spcPts val="0"/>
-              </a:spcBef>
-            </a:pPr>
-            <a:r>
-              <a:rPr lang="en-US" sz="1600" dirty="0"/>
-              <a:t>Sweeping flow label in IPv6 header</a:t>
-            </a:r>
-          </a:p>
-        </p:txBody>
-      </p:sp>
-      <p:sp>
-        <p:nvSpPr>
-          <p:cNvPr id="4" name="Footer Placeholder 3"/>
-          <p:cNvSpPr>
-            <a:spLocks noGrp="1"/>
-          </p:cNvSpPr>
-          <p:nvPr>
-            <p:ph type="ftr" sz="quarter" idx="11"/>
-          </p:nvPr>
-        </p:nvSpPr>
-        <p:spPr>
-          <a:xfrm>
-            <a:off x="3124200" y="4786312"/>
+            <a:off x="2836126" y="4786312"/>
             <a:ext cx="2895600" cy="357188"/>
           </a:xfrm>
         </p:spPr>
@@ -6550,7 +6337,15 @@
           <a:p>
             <a:r>
               <a:rPr lang="en-CA" dirty="0"/>
-              <a:t>MPLS WG Interim, September 2020</a:t>
+              <a:t>109</a:t>
+            </a:r>
+            <a:r>
+              <a:rPr lang="en-CA" baseline="30000" dirty="0"/>
+              <a:t>th</a:t>
+            </a:r>
+            <a:r>
+              <a:rPr lang="en-CA" dirty="0"/>
+              <a:t> IETF Online</a:t>
             </a:r>
           </a:p>
         </p:txBody>
@@ -6584,10 +6379,380 @@
           </a:p>
         </p:txBody>
       </p:sp>
+      <p:sp>
+        <p:nvSpPr>
+          <p:cNvPr id="6" name="Rectangle 5">
+            <a:extLst>
+              <a:ext uri="{FF2B5EF4-FFF2-40B4-BE49-F238E27FC236}">
+                <a16:creationId xmlns:a16="http://schemas.microsoft.com/office/drawing/2014/main" id="{4C15A4CE-6545-5142-97A8-EDA8B07CB60B}"/>
+              </a:ext>
+            </a:extLst>
+          </p:cNvPr>
+          <p:cNvSpPr/>
+          <p:nvPr/>
+        </p:nvSpPr>
+        <p:spPr>
+          <a:xfrm>
+            <a:off x="381000" y="742949"/>
+            <a:ext cx="4674030" cy="3831818"/>
+          </a:xfrm>
+          <a:prstGeom prst="rect">
+            <a:avLst/>
+          </a:prstGeom>
+          <a:solidFill>
+            <a:schemeClr val="accent6">
+              <a:lumMod val="20000"/>
+              <a:lumOff val="80000"/>
+            </a:schemeClr>
+          </a:solidFill>
+        </p:spPr>
+        <p:txBody>
+          <a:bodyPr wrap="square">
+            <a:spAutoFit/>
+          </a:bodyPr>
+          <a:lstStyle/>
+          <a:p>
+            <a:r>
+              <a:rPr lang="en-CA" sz="900" dirty="0">
+                <a:latin typeface="Courier" pitchFamily="2" charset="0"/>
+              </a:rPr>
+              <a:t>+---------------------------------------------------------------+</a:t>
+            </a:r>
+          </a:p>
+          <a:p>
+            <a:r>
+              <a:rPr lang="en-CA" sz="900" dirty="0">
+                <a:latin typeface="Courier" pitchFamily="2" charset="0"/>
+              </a:rPr>
+              <a:t>| IP Header                                                     |</a:t>
+            </a:r>
+          </a:p>
+          <a:p>
+            <a:r>
+              <a:rPr lang="en-CA" sz="900" dirty="0">
+                <a:latin typeface="Courier" pitchFamily="2" charset="0"/>
+              </a:rPr>
+              <a:t>.  Source IP Address = Sender IPv6 Address                      .</a:t>
+            </a:r>
+          </a:p>
+          <a:p>
+            <a:r>
+              <a:rPr lang="en-CA" sz="900" dirty="0">
+                <a:latin typeface="Courier" pitchFamily="2" charset="0"/>
+              </a:rPr>
+              <a:t>.  Destination IP Address = Destination IPv6 Address            .</a:t>
+            </a:r>
+          </a:p>
+          <a:p>
+            <a:r>
+              <a:rPr lang="en-CA" sz="900" dirty="0">
+                <a:latin typeface="Courier" pitchFamily="2" charset="0"/>
+              </a:rPr>
+              <a:t>.                                                               .</a:t>
+            </a:r>
+          </a:p>
+          <a:p>
+            <a:r>
+              <a:rPr lang="en-CA" sz="900" dirty="0">
+                <a:latin typeface="Courier" pitchFamily="2" charset="0"/>
+              </a:rPr>
+              <a:t>+---------------------------------------------------------------+</a:t>
+            </a:r>
+          </a:p>
+          <a:p>
+            <a:r>
+              <a:rPr lang="en-CA" sz="900" dirty="0">
+                <a:latin typeface="Courier" pitchFamily="2" charset="0"/>
+              </a:rPr>
+              <a:t>| SRH as specified in RFC 8754                                  |</a:t>
+            </a:r>
+          </a:p>
+          <a:p>
+            <a:r>
+              <a:rPr lang="en-CA" sz="900" dirty="0">
+                <a:latin typeface="Courier" pitchFamily="2" charset="0"/>
+              </a:rPr>
+              <a:t>.  &lt;Segment List&gt;                                               .</a:t>
+            </a:r>
+          </a:p>
+          <a:p>
+            <a:r>
+              <a:rPr lang="en-CA" sz="900" dirty="0">
+                <a:latin typeface="Courier" pitchFamily="2" charset="0"/>
+              </a:rPr>
+              <a:t>.  </a:t>
+            </a:r>
+            <a:r>
+              <a:rPr lang="en-CA" sz="900" b="1" dirty="0" err="1">
+                <a:latin typeface="Courier" pitchFamily="2" charset="0"/>
+              </a:rPr>
+              <a:t>End.TSF</a:t>
+            </a:r>
+            <a:r>
+              <a:rPr lang="en-CA" sz="900" b="1" dirty="0">
+                <a:latin typeface="Courier" pitchFamily="2" charset="0"/>
+              </a:rPr>
+              <a:t> (TBA2) with Reflector SID                            </a:t>
+            </a:r>
+            <a:r>
+              <a:rPr lang="en-CA" sz="900" dirty="0">
+                <a:latin typeface="Courier" pitchFamily="2" charset="0"/>
+              </a:rPr>
+              <a:t>.</a:t>
+            </a:r>
+          </a:p>
+          <a:p>
+            <a:r>
+              <a:rPr lang="en-CA" sz="900" dirty="0">
+                <a:latin typeface="Courier" pitchFamily="2" charset="0"/>
+              </a:rPr>
+              <a:t>.                                                               .</a:t>
+            </a:r>
+          </a:p>
+          <a:p>
+            <a:r>
+              <a:rPr lang="en-CA" sz="900" dirty="0">
+                <a:latin typeface="Courier" pitchFamily="2" charset="0"/>
+              </a:rPr>
+              <a:t>+---------------------------------------------------------------+</a:t>
+            </a:r>
+          </a:p>
+          <a:p>
+            <a:r>
+              <a:rPr lang="en-CA" sz="900" dirty="0">
+                <a:latin typeface="Courier" pitchFamily="2" charset="0"/>
+              </a:rPr>
+              <a:t>| IP Header                                                     |</a:t>
+            </a:r>
+          </a:p>
+          <a:p>
+            <a:r>
+              <a:rPr lang="en-CA" sz="900" dirty="0">
+                <a:latin typeface="Courier" pitchFamily="2" charset="0"/>
+              </a:rPr>
+              <a:t>.  Source IP Address = </a:t>
+            </a:r>
+            <a:r>
+              <a:rPr lang="en-CA" sz="900" b="1" dirty="0">
+                <a:latin typeface="Courier" pitchFamily="2" charset="0"/>
+              </a:rPr>
+              <a:t>Reflector</a:t>
+            </a:r>
+            <a:r>
+              <a:rPr lang="en-CA" sz="900" dirty="0">
+                <a:latin typeface="Courier" pitchFamily="2" charset="0"/>
+              </a:rPr>
+              <a:t> IPv6 Address                   .</a:t>
+            </a:r>
+          </a:p>
+          <a:p>
+            <a:r>
+              <a:rPr lang="en-CA" sz="900" dirty="0">
+                <a:latin typeface="Courier" pitchFamily="2" charset="0"/>
+              </a:rPr>
+              <a:t>.  Destination IP Address = </a:t>
+            </a:r>
+            <a:r>
+              <a:rPr lang="en-CA" sz="900" b="1" dirty="0">
+                <a:latin typeface="Courier" pitchFamily="2" charset="0"/>
+              </a:rPr>
+              <a:t>Sender</a:t>
+            </a:r>
+            <a:r>
+              <a:rPr lang="en-CA" sz="900" dirty="0">
+                <a:latin typeface="Courier" pitchFamily="2" charset="0"/>
+              </a:rPr>
+              <a:t> IPv6 Address                 .</a:t>
+            </a:r>
+          </a:p>
+          <a:p>
+            <a:r>
+              <a:rPr lang="en-CA" sz="900" dirty="0">
+                <a:latin typeface="Courier" pitchFamily="2" charset="0"/>
+              </a:rPr>
+              <a:t>.                                                               .</a:t>
+            </a:r>
+          </a:p>
+          <a:p>
+            <a:r>
+              <a:rPr lang="en-CA" sz="900" dirty="0">
+                <a:latin typeface="Courier" pitchFamily="2" charset="0"/>
+              </a:rPr>
+              <a:t>+---------------------------------------------------------------+</a:t>
+            </a:r>
+          </a:p>
+          <a:p>
+            <a:r>
+              <a:rPr lang="en-CA" sz="900" dirty="0">
+                <a:latin typeface="Courier" pitchFamily="2" charset="0"/>
+              </a:rPr>
+              <a:t>| UDP Header                                                    |</a:t>
+            </a:r>
+          </a:p>
+          <a:p>
+            <a:r>
+              <a:rPr lang="en-CA" sz="900" dirty="0">
+                <a:latin typeface="Courier" pitchFamily="2" charset="0"/>
+              </a:rPr>
+              <a:t>.  Source Port = As chosen by Sender                            . </a:t>
+            </a:r>
+          </a:p>
+          <a:p>
+            <a:r>
+              <a:rPr lang="en-CA" sz="900" dirty="0">
+                <a:latin typeface="Courier" pitchFamily="2" charset="0"/>
+              </a:rPr>
+              <a:t>.  Destination Port = As chosen by Sender                       .</a:t>
+            </a:r>
+          </a:p>
+          <a:p>
+            <a:r>
+              <a:rPr lang="en-CA" sz="900" dirty="0">
+                <a:latin typeface="Courier" pitchFamily="2" charset="0"/>
+              </a:rPr>
+              <a:t>.                                                               .</a:t>
+            </a:r>
+          </a:p>
+          <a:p>
+            <a:r>
+              <a:rPr lang="en-CA" sz="900" dirty="0">
+                <a:latin typeface="Courier" pitchFamily="2" charset="0"/>
+              </a:rPr>
+              <a:t>+---------------------------------------------------------------+</a:t>
+            </a:r>
+          </a:p>
+          <a:p>
+            <a:r>
+              <a:rPr lang="en-CA" sz="900" dirty="0">
+                <a:latin typeface="Courier" pitchFamily="2" charset="0"/>
+              </a:rPr>
+              <a:t>| Payload                                                       |</a:t>
+            </a:r>
+          </a:p>
+          <a:p>
+            <a:r>
+              <a:rPr lang="en-CA" sz="900" dirty="0">
+                <a:latin typeface="Courier" pitchFamily="2" charset="0"/>
+              </a:rPr>
+              <a:t>.                                                               .</a:t>
+            </a:r>
+          </a:p>
+          <a:p>
+            <a:r>
+              <a:rPr lang="en-CA" sz="900" dirty="0">
+                <a:latin typeface="Courier" pitchFamily="2" charset="0"/>
+              </a:rPr>
+              <a:t>+---------------------------------------------------------------+</a:t>
+            </a:r>
+          </a:p>
+          <a:p>
+            <a:r>
+              <a:rPr lang="en-CA" sz="900" dirty="0">
+                <a:latin typeface="Courier" pitchFamily="2" charset="0"/>
+              </a:rPr>
+              <a:t> </a:t>
+            </a:r>
+          </a:p>
+          <a:p>
+            <a:r>
+              <a:rPr lang="en-CA" sz="900" dirty="0">
+                <a:latin typeface="Courier" pitchFamily="2" charset="0"/>
+              </a:rPr>
+              <a:t> Example Probe Message with Timestamp Endpoint Function for SRv6</a:t>
+            </a:r>
+            <a:endParaRPr lang="en-US" sz="900" dirty="0">
+              <a:latin typeface="Courier" pitchFamily="2" charset="0"/>
+            </a:endParaRPr>
+          </a:p>
+        </p:txBody>
+      </p:sp>
+      <p:sp>
+        <p:nvSpPr>
+          <p:cNvPr id="8" name="Content Placeholder 7">
+            <a:extLst>
+              <a:ext uri="{FF2B5EF4-FFF2-40B4-BE49-F238E27FC236}">
+                <a16:creationId xmlns:a16="http://schemas.microsoft.com/office/drawing/2014/main" id="{FC6E1890-536D-9D49-8207-C42BBF301FF3}"/>
+              </a:ext>
+            </a:extLst>
+          </p:cNvPr>
+          <p:cNvSpPr>
+            <a:spLocks noGrp="1"/>
+          </p:cNvSpPr>
+          <p:nvPr>
+            <p:ph idx="1"/>
+          </p:nvPr>
+        </p:nvSpPr>
+        <p:spPr>
+          <a:xfrm>
+            <a:off x="5135688" y="933449"/>
+            <a:ext cx="3678973" cy="3276600"/>
+          </a:xfrm>
+        </p:spPr>
+        <p:txBody>
+          <a:bodyPr/>
+          <a:lstStyle/>
+          <a:p>
+            <a:r>
+              <a:rPr lang="en-US" sz="1400" dirty="0"/>
+              <a:t>Timestamp Endpoint Function </a:t>
+            </a:r>
+            <a:r>
+              <a:rPr lang="en-US" sz="1400" dirty="0" err="1"/>
+              <a:t>End.TSF</a:t>
+            </a:r>
+            <a:r>
+              <a:rPr lang="en-US" sz="1400" dirty="0"/>
+              <a:t> (TBA2) is defined for Timestamp and Forward and is carried with the Reflector node SID</a:t>
+            </a:r>
+          </a:p>
+          <a:p>
+            <a:r>
+              <a:rPr lang="en-US" sz="1400" dirty="0"/>
+              <a:t>Reverse path can be IP</a:t>
+            </a:r>
+          </a:p>
+          <a:p>
+            <a:pPr lvl="1"/>
+            <a:r>
+              <a:rPr lang="en-US" sz="1400" dirty="0"/>
+              <a:t>Reflector node removes SRH</a:t>
+            </a:r>
+          </a:p>
+          <a:p>
+            <a:r>
+              <a:rPr lang="en-US" sz="1400" dirty="0"/>
+              <a:t>Reverse path can be SR</a:t>
+            </a:r>
+          </a:p>
+          <a:p>
+            <a:pPr lvl="1"/>
+            <a:r>
+              <a:rPr lang="en-US" sz="1400" dirty="0"/>
+              <a:t>Reverse direction SR path Segment-list carried in SRH</a:t>
+            </a:r>
+          </a:p>
+          <a:p>
+            <a:pPr lvl="1"/>
+            <a:r>
+              <a:rPr lang="en-US" sz="1400" dirty="0"/>
+              <a:t>Reflector node does not remove the SRH</a:t>
+            </a:r>
+          </a:p>
+          <a:p>
+            <a:r>
+              <a:rPr lang="en-US" sz="1400" dirty="0"/>
+              <a:t>Source and Destination Addresses are swapped that represent the Reverse direction path in the inner IPv6 header</a:t>
+            </a:r>
+          </a:p>
+          <a:p>
+            <a:endParaRPr lang="en-US" sz="1400" dirty="0"/>
+          </a:p>
+        </p:txBody>
+      </p:sp>
     </p:spTree>
     <p:extLst>
       <p:ext uri="{BB962C8B-B14F-4D97-AF65-F5344CB8AC3E}">
-        <p14:creationId xmlns:p14="http://schemas.microsoft.com/office/powerpoint/2010/main" val="3637512675"/>
+        <p14:creationId xmlns:p14="http://schemas.microsoft.com/office/powerpoint/2010/main" val="3310436608"/>
       </p:ext>
     </p:extLst>
   </p:cSld>
@@ -6626,8 +6791,8 @@
         </p:nvSpPr>
         <p:spPr>
           <a:xfrm>
-            <a:off x="57149" y="76090"/>
-            <a:ext cx="9029700" cy="710446"/>
+            <a:off x="457200" y="0"/>
+            <a:ext cx="8229600" cy="857250"/>
           </a:xfrm>
         </p:spPr>
         <p:txBody>
@@ -6642,24 +6807,143 @@
                 <a:latin typeface="Calibri Light" panose="020F0302020204030204" pitchFamily="34" charset="0"/>
                 <a:cs typeface="Calibri Light" panose="020F0302020204030204" pitchFamily="34" charset="0"/>
               </a:rPr>
-              <a:t>Notifications</a:t>
-            </a:r>
-          </a:p>
-        </p:txBody>
-      </p:sp>
-      <p:sp>
-        <p:nvSpPr>
-          <p:cNvPr id="4" name="Footer Placeholder 3"/>
+              <a:t>ECMP Support for SR Paths</a:t>
+            </a:r>
+          </a:p>
+        </p:txBody>
+      </p:sp>
+      <p:sp>
+        <p:nvSpPr>
+          <p:cNvPr id="3" name="Content Placeholder 2"/>
           <p:cNvSpPr>
             <a:spLocks noGrp="1"/>
           </p:cNvSpPr>
           <p:nvPr>
-            <p:ph type="ftr" sz="quarter" idx="11"/>
+            <p:ph idx="1"/>
           </p:nvPr>
         </p:nvSpPr>
         <p:spPr>
           <a:xfrm>
-            <a:off x="3124199" y="4786312"/>
+            <a:off x="419100" y="912200"/>
+            <a:ext cx="8305800" cy="3564549"/>
+          </a:xfrm>
+        </p:spPr>
+        <p:txBody>
+          <a:bodyPr/>
+          <a:lstStyle/>
+          <a:p>
+            <a:pPr>
+              <a:lnSpc>
+                <a:spcPts val="2280"/>
+              </a:lnSpc>
+              <a:spcBef>
+                <a:spcPts val="0"/>
+              </a:spcBef>
+            </a:pPr>
+            <a:r>
+              <a:rPr lang="en-US" sz="1600" dirty="0"/>
+              <a:t>SR Paths can have ECMPs between the ingress and transit nodes, between transit nodes and between transit and egress nodes.</a:t>
+            </a:r>
+          </a:p>
+          <a:p>
+            <a:pPr>
+              <a:lnSpc>
+                <a:spcPts val="2280"/>
+              </a:lnSpc>
+              <a:spcBef>
+                <a:spcPts val="0"/>
+              </a:spcBef>
+            </a:pPr>
+            <a:r>
+              <a:rPr lang="en-US" sz="1600" dirty="0"/>
+              <a:t>PM probe messages can take advantage of the hashing function in forwarding plane to explore ECMP paths.</a:t>
+            </a:r>
+          </a:p>
+          <a:p>
+            <a:pPr>
+              <a:lnSpc>
+                <a:spcPts val="2280"/>
+              </a:lnSpc>
+              <a:spcBef>
+                <a:spcPts val="0"/>
+              </a:spcBef>
+            </a:pPr>
+            <a:r>
+              <a:rPr lang="en-US" sz="1600" dirty="0"/>
+              <a:t>Existing forwarding mechanisms are applicable to PM probe messages. Examples are:</a:t>
+            </a:r>
+          </a:p>
+          <a:p>
+            <a:pPr lvl="1">
+              <a:lnSpc>
+                <a:spcPts val="2280"/>
+              </a:lnSpc>
+              <a:spcBef>
+                <a:spcPts val="0"/>
+              </a:spcBef>
+            </a:pPr>
+            <a:r>
+              <a:rPr lang="en-US" sz="1600" dirty="0"/>
+              <a:t>For IPv4 when return path is also SR-MPLS</a:t>
+            </a:r>
+          </a:p>
+          <a:p>
+            <a:pPr lvl="2">
+              <a:lnSpc>
+                <a:spcPts val="2280"/>
+              </a:lnSpc>
+              <a:spcBef>
+                <a:spcPts val="0"/>
+              </a:spcBef>
+            </a:pPr>
+            <a:r>
+              <a:rPr lang="en-US" sz="1600" dirty="0"/>
+              <a:t>Sweeping destination address in IPv4 header (e.g. 127/8)</a:t>
+            </a:r>
+          </a:p>
+          <a:p>
+            <a:pPr lvl="1">
+              <a:lnSpc>
+                <a:spcPts val="2280"/>
+              </a:lnSpc>
+              <a:spcBef>
+                <a:spcPts val="0"/>
+              </a:spcBef>
+            </a:pPr>
+            <a:r>
+              <a:rPr lang="en-US" sz="1600" dirty="0"/>
+              <a:t>For IPv6</a:t>
+            </a:r>
+          </a:p>
+          <a:p>
+            <a:pPr lvl="2">
+              <a:lnSpc>
+                <a:spcPts val="2280"/>
+              </a:lnSpc>
+              <a:spcBef>
+                <a:spcPts val="0"/>
+              </a:spcBef>
+            </a:pPr>
+            <a:r>
+              <a:rPr lang="en-US" sz="1600" dirty="0"/>
+              <a:t>Sweeping flow label in IPv6 header</a:t>
+            </a:r>
+          </a:p>
+        </p:txBody>
+      </p:sp>
+      <p:sp>
+        <p:nvSpPr>
+          <p:cNvPr id="4" name="Footer Placeholder 3"/>
+          <p:cNvSpPr>
+            <a:spLocks noGrp="1"/>
+          </p:cNvSpPr>
+          <p:nvPr>
+            <p:ph type="ftr" sz="quarter" idx="11"/>
+          </p:nvPr>
+        </p:nvSpPr>
+        <p:spPr>
+          <a:xfrm>
+            <a:off x="3124200" y="4786312"/>
             <a:ext cx="2895600" cy="357188"/>
           </a:xfrm>
         </p:spPr>
@@ -6669,108 +6953,30 @@
           <a:p>
             <a:r>
               <a:rPr lang="en-CA" dirty="0"/>
-              <a:t>MPLS WG Interim, September 2020</a:t>
-            </a:r>
-          </a:p>
-        </p:txBody>
-      </p:sp>
-      <p:sp>
-        <p:nvSpPr>
-          <p:cNvPr id="6" name="Content Placeholder 2"/>
+              <a:t>109</a:t>
+            </a:r>
+            <a:r>
+              <a:rPr lang="en-CA" baseline="30000" dirty="0"/>
+              <a:t>th</a:t>
+            </a:r>
+            <a:r>
+              <a:rPr lang="en-CA" dirty="0"/>
+              <a:t> IETF Online</a:t>
+            </a:r>
+          </a:p>
+        </p:txBody>
+      </p:sp>
+      <p:sp>
+        <p:nvSpPr>
+          <p:cNvPr id="5" name="Slide Number Placeholder 4"/>
           <p:cNvSpPr>
             <a:spLocks noGrp="1"/>
           </p:cNvSpPr>
           <p:nvPr>
-            <p:ph idx="1"/>
-          </p:nvPr>
-        </p:nvSpPr>
-        <p:spPr>
-          <a:xfrm>
-            <a:off x="647699" y="965020"/>
-            <a:ext cx="7848601" cy="3359330"/>
-          </a:xfrm>
-        </p:spPr>
-        <p:txBody>
-          <a:bodyPr/>
-          <a:lstStyle/>
-          <a:p>
-            <a:pPr>
-              <a:lnSpc>
-                <a:spcPts val="2180"/>
-              </a:lnSpc>
-              <a:spcBef>
-                <a:spcPts val="600"/>
-              </a:spcBef>
-            </a:pPr>
-            <a:r>
-              <a:rPr lang="en-US" sz="2000" dirty="0"/>
-              <a:t>Delay metrics are notified as an example, when consecutive M number of probe messages have delay values exceed the configured thresholds</a:t>
-            </a:r>
-          </a:p>
-          <a:p>
-            <a:pPr>
-              <a:lnSpc>
-                <a:spcPts val="2180"/>
-              </a:lnSpc>
-              <a:spcBef>
-                <a:spcPts val="600"/>
-              </a:spcBef>
-            </a:pPr>
-            <a:r>
-              <a:rPr lang="en-US" sz="2000" dirty="0"/>
-              <a:t>Liveness failure (bring-down - loss of heart beats) is notified when consecutive N number of return probe messages are not received at the sender node</a:t>
-            </a:r>
-          </a:p>
-          <a:p>
-            <a:pPr>
-              <a:lnSpc>
-                <a:spcPts val="2180"/>
-              </a:lnSpc>
-              <a:spcBef>
-                <a:spcPts val="600"/>
-              </a:spcBef>
-            </a:pPr>
-            <a:r>
-              <a:rPr lang="en-US" sz="2000" dirty="0"/>
-              <a:t>Liveness success (bring-up - success of heart beats) initially is notified as soon as one or more return probe messages are received at the sender node</a:t>
-            </a:r>
-            <a:endParaRPr lang="en-CA" sz="2000" dirty="0"/>
-          </a:p>
-          <a:p>
-            <a:pPr>
-              <a:lnSpc>
-                <a:spcPts val="2180"/>
-              </a:lnSpc>
-              <a:spcBef>
-                <a:spcPts val="600"/>
-              </a:spcBef>
-            </a:pPr>
-            <a:endParaRPr lang="en-US" sz="2000" dirty="0"/>
-          </a:p>
-        </p:txBody>
-      </p:sp>
-      <p:sp>
-        <p:nvSpPr>
-          <p:cNvPr id="7" name="Slide Number Placeholder 4">
-            <a:extLst>
-              <a:ext uri="{FF2B5EF4-FFF2-40B4-BE49-F238E27FC236}">
-                <a16:creationId xmlns:a16="http://schemas.microsoft.com/office/drawing/2014/main" id="{23B8A35F-BB55-F94F-9CE5-879C79FDD88D}"/>
-              </a:ext>
-            </a:extLst>
-          </p:cNvPr>
-          <p:cNvSpPr>
-            <a:spLocks noGrp="1"/>
-          </p:cNvSpPr>
-          <p:nvPr>
             <p:ph type="sldNum" sz="quarter" idx="12"/>
           </p:nvPr>
         </p:nvSpPr>
-        <p:spPr>
-          <a:xfrm>
-            <a:off x="6553200" y="4683919"/>
-            <a:ext cx="2133600" cy="357188"/>
-          </a:xfrm>
-        </p:spPr>
+        <p:spPr/>
         <p:txBody>
           <a:bodyPr/>
           <a:lstStyle/>
@@ -6785,14 +6991,14 @@
               </a:pPr>
               <a:t>12</a:t>
             </a:fld>
-            <a:endParaRPr lang="en-US" altLang="zh-CN" dirty="0"/>
+            <a:endParaRPr lang="en-US" altLang="zh-CN"/>
           </a:p>
         </p:txBody>
       </p:sp>
     </p:spTree>
     <p:extLst>
       <p:ext uri="{BB962C8B-B14F-4D97-AF65-F5344CB8AC3E}">
-        <p14:creationId xmlns:p14="http://schemas.microsoft.com/office/powerpoint/2010/main" val="2176312737"/>
+        <p14:creationId xmlns:p14="http://schemas.microsoft.com/office/powerpoint/2010/main" val="3637512675"/>
       </p:ext>
     </p:extLst>
   </p:cSld>
@@ -6831,8 +7037,8 @@
         </p:nvSpPr>
         <p:spPr>
           <a:xfrm>
-            <a:off x="457200" y="0"/>
-            <a:ext cx="8229600" cy="857250"/>
+            <a:off x="57149" y="76090"/>
+            <a:ext cx="9029700" cy="710446"/>
           </a:xfrm>
         </p:spPr>
         <p:txBody>
@@ -6847,66 +7053,24 @@
                 <a:latin typeface="Calibri Light" panose="020F0302020204030204" pitchFamily="34" charset="0"/>
                 <a:cs typeface="Calibri Light" panose="020F0302020204030204" pitchFamily="34" charset="0"/>
               </a:rPr>
-              <a:t>Next Steps</a:t>
-            </a:r>
-          </a:p>
-        </p:txBody>
-      </p:sp>
-      <p:sp>
-        <p:nvSpPr>
-          <p:cNvPr id="3" name="Content Placeholder 2"/>
+              <a:t>Notifications</a:t>
+            </a:r>
+          </a:p>
+        </p:txBody>
+      </p:sp>
+      <p:sp>
+        <p:nvSpPr>
+          <p:cNvPr id="4" name="Footer Placeholder 3"/>
           <p:cNvSpPr>
             <a:spLocks noGrp="1"/>
           </p:cNvSpPr>
           <p:nvPr>
-            <p:ph idx="1"/>
+            <p:ph type="ftr" sz="quarter" idx="11"/>
           </p:nvPr>
         </p:nvSpPr>
         <p:spPr>
           <a:xfrm>
-            <a:off x="685800" y="1123950"/>
-            <a:ext cx="8001000" cy="2514599"/>
-          </a:xfrm>
-        </p:spPr>
-        <p:txBody>
-          <a:bodyPr/>
-          <a:lstStyle/>
-          <a:p>
-            <a:pPr lvl="0"/>
-            <a:r>
-              <a:rPr lang="en-US" sz="2400" dirty="0">
-                <a:latin typeface="Calibri" charset="0"/>
-                <a:ea typeface="Calibri" charset="0"/>
-                <a:cs typeface="Calibri" charset="0"/>
-              </a:rPr>
-              <a:t>Welcome your comments and suggestions</a:t>
-            </a:r>
-          </a:p>
-          <a:p>
-            <a:r>
-              <a:rPr lang="en-US" sz="2400" dirty="0">
-                <a:latin typeface="Calibri" charset="0"/>
-                <a:ea typeface="Calibri" charset="0"/>
-                <a:cs typeface="Calibri" charset="0"/>
-              </a:rPr>
-              <a:t>Requesting SPRING WG adoption</a:t>
-            </a:r>
-          </a:p>
-        </p:txBody>
-      </p:sp>
-      <p:sp>
-        <p:nvSpPr>
-          <p:cNvPr id="4" name="Footer Placeholder 3"/>
-          <p:cNvSpPr>
-            <a:spLocks noGrp="1"/>
-          </p:cNvSpPr>
-          <p:nvPr>
-            <p:ph type="ftr" sz="quarter" idx="11"/>
-          </p:nvPr>
-        </p:nvSpPr>
-        <p:spPr>
-          <a:xfrm>
-            <a:off x="3124200" y="4786312"/>
+            <a:off x="3124199" y="4786312"/>
             <a:ext cx="2895600" cy="357188"/>
           </a:xfrm>
         </p:spPr>
@@ -6916,22 +7080,116 @@
           <a:p>
             <a:r>
               <a:rPr lang="en-CA" dirty="0"/>
-              <a:t>MPLS WG Interim, September 2020</a:t>
-            </a:r>
-          </a:p>
-        </p:txBody>
-      </p:sp>
-      <p:sp>
-        <p:nvSpPr>
-          <p:cNvPr id="5" name="Slide Number Placeholder 4"/>
+              <a:t>109</a:t>
+            </a:r>
+            <a:r>
+              <a:rPr lang="en-CA" baseline="30000" dirty="0"/>
+              <a:t>th</a:t>
+            </a:r>
+            <a:r>
+              <a:rPr lang="en-CA" dirty="0"/>
+              <a:t> IETF Online</a:t>
+            </a:r>
+          </a:p>
+        </p:txBody>
+      </p:sp>
+      <p:sp>
+        <p:nvSpPr>
+          <p:cNvPr id="6" name="Content Placeholder 2"/>
           <p:cNvSpPr>
             <a:spLocks noGrp="1"/>
           </p:cNvSpPr>
           <p:nvPr>
+            <p:ph idx="1"/>
+          </p:nvPr>
+        </p:nvSpPr>
+        <p:spPr>
+          <a:xfrm>
+            <a:off x="647699" y="965020"/>
+            <a:ext cx="7848601" cy="3359330"/>
+          </a:xfrm>
+        </p:spPr>
+        <p:txBody>
+          <a:bodyPr/>
+          <a:lstStyle/>
+          <a:p>
+            <a:pPr>
+              <a:lnSpc>
+                <a:spcPts val="2180"/>
+              </a:lnSpc>
+              <a:spcBef>
+                <a:spcPts val="600"/>
+              </a:spcBef>
+            </a:pPr>
+            <a:r>
+              <a:rPr lang="en-US" sz="2000" dirty="0"/>
+              <a:t>Delay metrics are notified as an example, when consecutive M number of probe messages have delay values exceed the configured thresholds</a:t>
+            </a:r>
+          </a:p>
+          <a:p>
+            <a:pPr>
+              <a:lnSpc>
+                <a:spcPts val="2180"/>
+              </a:lnSpc>
+              <a:spcBef>
+                <a:spcPts val="600"/>
+              </a:spcBef>
+            </a:pPr>
+            <a:r>
+              <a:rPr lang="en-US" sz="2000" dirty="0"/>
+              <a:t>Liveness failure (bring-down - loss of heart beats) is notified when consecutive N number of return probe messages are not received at the sender node</a:t>
+            </a:r>
+          </a:p>
+          <a:p>
+            <a:pPr>
+              <a:lnSpc>
+                <a:spcPts val="2180"/>
+              </a:lnSpc>
+              <a:spcBef>
+                <a:spcPts val="600"/>
+              </a:spcBef>
+            </a:pPr>
+            <a:r>
+              <a:rPr lang="en-US" sz="2000" dirty="0"/>
+              <a:t>Liveness success (bring-up - success of heart beats) initially is notified as soon as one or more return probe messages are received at the sender node</a:t>
+            </a:r>
+            <a:endParaRPr lang="en-CA" sz="2000" dirty="0"/>
+          </a:p>
+          <a:p>
+            <a:pPr>
+              <a:lnSpc>
+                <a:spcPts val="2180"/>
+              </a:lnSpc>
+              <a:spcBef>
+                <a:spcPts val="600"/>
+              </a:spcBef>
+            </a:pPr>
+            <a:endParaRPr lang="en-US" sz="2000" dirty="0"/>
+          </a:p>
+        </p:txBody>
+      </p:sp>
+      <p:sp>
+        <p:nvSpPr>
+          <p:cNvPr id="7" name="Slide Number Placeholder 4">
+            <a:extLst>
+              <a:ext uri="{FF2B5EF4-FFF2-40B4-BE49-F238E27FC236}">
+                <a16:creationId xmlns:a16="http://schemas.microsoft.com/office/drawing/2014/main" id="{23B8A35F-BB55-F94F-9CE5-879C79FDD88D}"/>
+              </a:ext>
+            </a:extLst>
+          </p:cNvPr>
+          <p:cNvSpPr>
+            <a:spLocks noGrp="1"/>
+          </p:cNvSpPr>
+          <p:nvPr>
             <p:ph type="sldNum" sz="quarter" idx="12"/>
           </p:nvPr>
         </p:nvSpPr>
-        <p:spPr/>
+        <p:spPr>
+          <a:xfrm>
+            <a:off x="6553200" y="4683919"/>
+            <a:ext cx="2133600" cy="357188"/>
+          </a:xfrm>
+        </p:spPr>
         <p:txBody>
           <a:bodyPr/>
           <a:lstStyle/>
@@ -6946,14 +7204,14 @@
               </a:pPr>
               <a:t>13</a:t>
             </a:fld>
-            <a:endParaRPr lang="en-US" altLang="zh-CN"/>
+            <a:endParaRPr lang="en-US" altLang="zh-CN" dirty="0"/>
           </a:p>
         </p:txBody>
       </p:sp>
     </p:spTree>
     <p:extLst>
       <p:ext uri="{BB962C8B-B14F-4D97-AF65-F5344CB8AC3E}">
-        <p14:creationId xmlns:p14="http://schemas.microsoft.com/office/powerpoint/2010/main" val="2309160477"/>
+        <p14:creationId xmlns:p14="http://schemas.microsoft.com/office/powerpoint/2010/main" val="2176312737"/>
       </p:ext>
     </p:extLst>
   </p:cSld>
@@ -6982,6 +7240,81 @@
       </p:grpSpPr>
       <p:sp>
         <p:nvSpPr>
+          <p:cNvPr id="2" name="Title 1"/>
+          <p:cNvSpPr>
+            <a:spLocks noGrp="1"/>
+          </p:cNvSpPr>
+          <p:nvPr>
+            <p:ph type="title"/>
+          </p:nvPr>
+        </p:nvSpPr>
+        <p:spPr>
+          <a:xfrm>
+            <a:off x="457200" y="0"/>
+            <a:ext cx="8229600" cy="857250"/>
+          </a:xfrm>
+        </p:spPr>
+        <p:txBody>
+          <a:bodyPr/>
+          <a:lstStyle/>
+          <a:p>
+            <a:r>
+              <a:rPr lang="en-US" sz="3200" dirty="0">
+                <a:solidFill>
+                  <a:srgbClr val="0070C0"/>
+                </a:solidFill>
+                <a:latin typeface="Calibri Light" panose="020F0302020204030204" pitchFamily="34" charset="0"/>
+                <a:cs typeface="Calibri Light" panose="020F0302020204030204" pitchFamily="34" charset="0"/>
+              </a:rPr>
+              <a:t>Next Steps</a:t>
+            </a:r>
+          </a:p>
+        </p:txBody>
+      </p:sp>
+      <p:sp>
+        <p:nvSpPr>
+          <p:cNvPr id="3" name="Content Placeholder 2"/>
+          <p:cNvSpPr>
+            <a:spLocks noGrp="1"/>
+          </p:cNvSpPr>
+          <p:nvPr>
+            <p:ph idx="1"/>
+          </p:nvPr>
+        </p:nvSpPr>
+        <p:spPr>
+          <a:xfrm>
+            <a:off x="685800" y="1123950"/>
+            <a:ext cx="8001000" cy="2514599"/>
+          </a:xfrm>
+        </p:spPr>
+        <p:txBody>
+          <a:bodyPr/>
+          <a:lstStyle/>
+          <a:p>
+            <a:pPr lvl="0"/>
+            <a:r>
+              <a:rPr lang="en-US" sz="2400" dirty="0">
+                <a:latin typeface="Calibri" charset="0"/>
+                <a:ea typeface="Calibri" charset="0"/>
+                <a:cs typeface="Calibri" charset="0"/>
+              </a:rPr>
+              <a:t>Welcome your comments and suggestions</a:t>
+            </a:r>
+          </a:p>
+          <a:p>
+            <a:r>
+              <a:rPr lang="en-US" sz="2400" dirty="0">
+                <a:latin typeface="Calibri" charset="0"/>
+                <a:ea typeface="Calibri" charset="0"/>
+                <a:cs typeface="Calibri" charset="0"/>
+              </a:rPr>
+              <a:t>Requesting SPRING WG adoption</a:t>
+            </a:r>
+          </a:p>
+        </p:txBody>
+      </p:sp>
+      <p:sp>
+        <p:nvSpPr>
           <p:cNvPr id="4" name="Footer Placeholder 3"/>
           <p:cNvSpPr>
             <a:spLocks noGrp="1"/>
@@ -7002,7 +7335,109 @@
           <a:p>
             <a:r>
               <a:rPr lang="en-CA" dirty="0"/>
-              <a:t>MPLS WG Interim, September 2020</a:t>
+              <a:t>109</a:t>
+            </a:r>
+            <a:r>
+              <a:rPr lang="en-CA" baseline="30000" dirty="0"/>
+              <a:t>th</a:t>
+            </a:r>
+            <a:r>
+              <a:rPr lang="en-CA" dirty="0"/>
+              <a:t> IETF Online</a:t>
+            </a:r>
+          </a:p>
+        </p:txBody>
+      </p:sp>
+      <p:sp>
+        <p:nvSpPr>
+          <p:cNvPr id="5" name="Slide Number Placeholder 4"/>
+          <p:cNvSpPr>
+            <a:spLocks noGrp="1"/>
+          </p:cNvSpPr>
+          <p:nvPr>
+            <p:ph type="sldNum" sz="quarter" idx="12"/>
+          </p:nvPr>
+        </p:nvSpPr>
+        <p:spPr/>
+        <p:txBody>
+          <a:bodyPr/>
+          <a:lstStyle/>
+          <a:p>
+            <a:pPr>
+              <a:defRPr/>
+            </a:pPr>
+            <a:fld id="{BD6E0F59-1DD8-40FC-9C92-B6295CBA6CCA}" type="slidenum">
+              <a:rPr lang="en-US" altLang="zh-CN" smtClean="0"/>
+              <a:pPr>
+                <a:defRPr/>
+              </a:pPr>
+              <a:t>14</a:t>
+            </a:fld>
+            <a:endParaRPr lang="en-US" altLang="zh-CN"/>
+          </a:p>
+        </p:txBody>
+      </p:sp>
+    </p:spTree>
+    <p:extLst>
+      <p:ext uri="{BB962C8B-B14F-4D97-AF65-F5344CB8AC3E}">
+        <p14:creationId xmlns:p14="http://schemas.microsoft.com/office/powerpoint/2010/main" val="2309160477"/>
+      </p:ext>
+    </p:extLst>
+  </p:cSld>
+  <p:clrMapOvr>
+    <a:masterClrMapping/>
+  </p:clrMapOvr>
+</p:sld>
+</file>
+
+<file path=ppt/slides/slide15.xml><?xml version="1.0" encoding="utf-8"?>
+<p:sld xmlns:a="http://schemas.openxmlformats.org/drawingml/2006/main" xmlns:r="http://schemas.openxmlformats.org/officeDocument/2006/relationships" xmlns:p="http://schemas.openxmlformats.org/presentationml/2006/main">
+  <p:cSld>
+    <p:spTree>
+      <p:nvGrpSpPr>
+        <p:cNvPr id="1" name=""/>
+        <p:cNvGrpSpPr/>
+        <p:nvPr/>
+      </p:nvGrpSpPr>
+      <p:grpSpPr>
+        <a:xfrm>
+          <a:off x="0" y="0"/>
+          <a:ext cx="0" cy="0"/>
+          <a:chOff x="0" y="0"/>
+          <a:chExt cx="0" cy="0"/>
+        </a:xfrm>
+      </p:grpSpPr>
+      <p:sp>
+        <p:nvSpPr>
+          <p:cNvPr id="4" name="Footer Placeholder 3"/>
+          <p:cNvSpPr>
+            <a:spLocks noGrp="1"/>
+          </p:cNvSpPr>
+          <p:nvPr>
+            <p:ph type="ftr" sz="quarter" idx="11"/>
+          </p:nvPr>
+        </p:nvSpPr>
+        <p:spPr>
+          <a:xfrm>
+            <a:off x="3124200" y="4786312"/>
+            <a:ext cx="2895600" cy="357188"/>
+          </a:xfrm>
+        </p:spPr>
+        <p:txBody>
+          <a:bodyPr/>
+          <a:lstStyle/>
+          <a:p>
+            <a:r>
+              <a:rPr lang="en-CA" dirty="0"/>
+              <a:t>109</a:t>
+            </a:r>
+            <a:r>
+              <a:rPr lang="en-CA" baseline="30000" dirty="0"/>
+              <a:t>th</a:t>
+            </a:r>
+            <a:r>
+              <a:rPr lang="en-CA" dirty="0"/>
+              <a:t> IETF Online</a:t>
             </a:r>
           </a:p>
         </p:txBody>
@@ -7219,7 +7654,7 @@
               <a:pPr>
                 <a:defRPr/>
               </a:pPr>
-              <a:t>14</a:t>
+              <a:t>15</a:t>
             </a:fld>
             <a:endParaRPr lang="en-US" altLang="zh-CN" dirty="0"/>
           </a:p>
@@ -7238,7 +7673,7 @@
 </p:sld>
 </file>
 
-<file path=ppt/slides/slide15.xml><?xml version="1.0" encoding="utf-8"?>
+<file path=ppt/slides/slide16.xml><?xml version="1.0" encoding="utf-8"?>
 <p:sld xmlns:a="http://schemas.openxmlformats.org/drawingml/2006/main" xmlns:r="http://schemas.openxmlformats.org/officeDocument/2006/relationships" xmlns:p="http://schemas.openxmlformats.org/presentationml/2006/main">
   <p:cSld>
     <p:spTree>
@@ -7277,7 +7712,15 @@
           <a:p>
             <a:r>
               <a:rPr lang="en-CA" dirty="0"/>
-              <a:t>MPLS WG Interim, September 2020</a:t>
+              <a:t>109</a:t>
+            </a:r>
+            <a:r>
+              <a:rPr lang="en-CA" baseline="30000" dirty="0"/>
+              <a:t>th</a:t>
+            </a:r>
+            <a:r>
+              <a:rPr lang="en-CA" dirty="0"/>
+              <a:t> IETF Online</a:t>
             </a:r>
           </a:p>
         </p:txBody>
@@ -7305,7 +7748,7 @@
               <a:pPr>
                 <a:defRPr/>
               </a:pPr>
-              <a:t>15</a:t>
+              <a:t>16</a:t>
             </a:fld>
             <a:endParaRPr lang="en-US" altLang="zh-CN"/>
           </a:p>
@@ -7352,7 +7795,7 @@
 </p:sld>
 </file>
 
-<file path=ppt/slides/slide16.xml><?xml version="1.0" encoding="utf-8"?>
+<file path=ppt/slides/slide17.xml><?xml version="1.0" encoding="utf-8"?>
 <p:sld xmlns:a="http://schemas.openxmlformats.org/drawingml/2006/main" xmlns:r="http://schemas.openxmlformats.org/officeDocument/2006/relationships" xmlns:p="http://schemas.openxmlformats.org/presentationml/2006/main">
   <p:cSld>
     <p:spTree>
@@ -8646,7 +9089,15 @@
           <a:p>
             <a:r>
               <a:rPr lang="en-CA" dirty="0"/>
-              <a:t>MPLS WG Interim, September 2020</a:t>
+              <a:t>109</a:t>
+            </a:r>
+            <a:r>
+              <a:rPr lang="en-CA" baseline="30000" dirty="0"/>
+              <a:t>th</a:t>
+            </a:r>
+            <a:r>
+              <a:rPr lang="en-CA" dirty="0"/>
+              <a:t> IETF Online</a:t>
             </a:r>
           </a:p>
         </p:txBody>
@@ -8685,7 +9136,7 @@
               <a:pPr>
                 <a:defRPr/>
               </a:pPr>
-              <a:t>16</a:t>
+              <a:t>17</a:t>
             </a:fld>
             <a:endParaRPr lang="en-US" altLang="zh-CN" dirty="0"/>
           </a:p>
@@ -8704,7 +9155,7 @@
 </p:sld>
 </file>
 
-<file path=ppt/slides/slide17.xml><?xml version="1.0" encoding="utf-8"?>
+<file path=ppt/slides/slide18.xml><?xml version="1.0" encoding="utf-8"?>
 <p:sld xmlns:a="http://schemas.openxmlformats.org/drawingml/2006/main" xmlns:r="http://schemas.openxmlformats.org/officeDocument/2006/relationships" xmlns:p="http://schemas.openxmlformats.org/presentationml/2006/main">
   <p:cSld>
     <p:spTree>
@@ -8743,7 +9194,15 @@
           <a:p>
             <a:r>
               <a:rPr lang="en-CA" dirty="0"/>
-              <a:t>MPLS WG Interim, September 2020</a:t>
+              <a:t>109</a:t>
+            </a:r>
+            <a:r>
+              <a:rPr lang="en-CA" baseline="30000" dirty="0"/>
+              <a:t>th</a:t>
+            </a:r>
+            <a:r>
+              <a:rPr lang="en-CA" dirty="0"/>
+              <a:t> IETF Online</a:t>
             </a:r>
           </a:p>
         </p:txBody>
@@ -8960,7 +9419,7 @@
               <a:pPr>
                 <a:defRPr/>
               </a:pPr>
-              <a:t>17</a:t>
+              <a:t>18</a:t>
             </a:fld>
             <a:endParaRPr lang="en-US" altLang="zh-CN" dirty="0"/>
           </a:p>
@@ -9057,7 +9516,13 @@
           <a:p>
             <a:r>
               <a:rPr lang="en-US" sz="2400" dirty="0"/>
-              <a:t>Summary</a:t>
+              <a:t>History and Summary of Updates</a:t>
+            </a:r>
+          </a:p>
+          <a:p>
+            <a:r>
+              <a:rPr lang="en-US" sz="2400" dirty="0"/>
+              <a:t>Review of the Procedure</a:t>
             </a:r>
           </a:p>
           <a:p>
@@ -9090,7 +9555,15 @@
           <a:p>
             <a:r>
               <a:rPr lang="en-CA" dirty="0"/>
-              <a:t>MPLS WG Interim, September 2020</a:t>
+              <a:t>109</a:t>
+            </a:r>
+            <a:r>
+              <a:rPr lang="en-CA" baseline="30000" dirty="0"/>
+              <a:t>th</a:t>
+            </a:r>
+            <a:r>
+              <a:rPr lang="en-CA" dirty="0"/>
+              <a:t> IETF Online</a:t>
             </a:r>
           </a:p>
         </p:txBody>
@@ -9381,7 +9854,15 @@
           <a:p>
             <a:r>
               <a:rPr lang="en-CA" dirty="0"/>
-              <a:t>MPLS WG Interim, September 2020</a:t>
+              <a:t>109</a:t>
+            </a:r>
+            <a:r>
+              <a:rPr lang="en-CA" baseline="30000" dirty="0"/>
+              <a:t>th</a:t>
+            </a:r>
+            <a:r>
+              <a:rPr lang="en-CA" dirty="0"/>
+              <a:t> IETF Online</a:t>
             </a:r>
           </a:p>
         </p:txBody>
@@ -9576,7 +10057,15 @@
           <a:p>
             <a:r>
               <a:rPr lang="en-CA" dirty="0"/>
-              <a:t>MPLS WG Interim, September 2020</a:t>
+              <a:t>109</a:t>
+            </a:r>
+            <a:r>
+              <a:rPr lang="en-CA" baseline="30000" dirty="0"/>
+              <a:t>th</a:t>
+            </a:r>
+            <a:r>
+              <a:rPr lang="en-CA" dirty="0"/>
+              <a:t> IETF Online</a:t>
             </a:r>
           </a:p>
         </p:txBody>
@@ -9652,8 +10141,8 @@
         </p:nvSpPr>
         <p:spPr>
           <a:xfrm>
-            <a:off x="367748" y="0"/>
-            <a:ext cx="8319052" cy="686133"/>
+            <a:off x="457200" y="0"/>
+            <a:ext cx="8229600" cy="857250"/>
           </a:xfrm>
         </p:spPr>
         <p:txBody>
@@ -9661,31 +10150,140 @@
           <a:lstStyle/>
           <a:p>
             <a:r>
-              <a:rPr lang="en-US" sz="2800" dirty="0">
+              <a:rPr lang="en-US" sz="3600" dirty="0">
                 <a:solidFill>
                   <a:srgbClr val="0070C0"/>
                 </a:solidFill>
                 <a:latin typeface="Calibri Light" panose="020F0302020204030204" pitchFamily="34" charset="0"/>
                 <a:cs typeface="Calibri Light" panose="020F0302020204030204" pitchFamily="34" charset="0"/>
               </a:rPr>
-              <a:t>PM Probes in Loopback Mode for SR Policy</a:t>
-            </a:r>
-          </a:p>
-        </p:txBody>
-      </p:sp>
-      <p:sp>
-        <p:nvSpPr>
-          <p:cNvPr id="4" name="Footer Placeholder 3"/>
+              <a:t>Updates Since IETF-107 (Version-02)</a:t>
+            </a:r>
+          </a:p>
+        </p:txBody>
+      </p:sp>
+      <p:sp>
+        <p:nvSpPr>
+          <p:cNvPr id="3" name="Content Placeholder 2"/>
           <p:cNvSpPr>
             <a:spLocks noGrp="1"/>
           </p:cNvSpPr>
           <p:nvPr>
-            <p:ph type="ftr" sz="quarter" idx="11"/>
+            <p:ph idx="1"/>
           </p:nvPr>
         </p:nvSpPr>
         <p:spPr>
           <a:xfrm>
-            <a:off x="3105494" y="4786312"/>
+            <a:off x="533400" y="1026318"/>
+            <a:ext cx="8229600" cy="3298031"/>
+          </a:xfrm>
+        </p:spPr>
+        <p:txBody>
+          <a:bodyPr/>
+          <a:lstStyle/>
+          <a:p>
+            <a:pPr marL="0" indent="0">
+              <a:buNone/>
+            </a:pPr>
+            <a:r>
+              <a:rPr lang="en-US" sz="1600" dirty="0"/>
+              <a:t>Updates:</a:t>
+            </a:r>
+          </a:p>
+          <a:p>
+            <a:pPr lvl="1">
+              <a:buFont typeface="Wingdings" pitchFamily="2" charset="2"/>
+              <a:buChar char="ü"/>
+            </a:pPr>
+            <a:r>
+              <a:rPr lang="en-CA" sz="1600" dirty="0"/>
+              <a:t>Decouple with TWAMP (STAMP) protocol using new TWAMP (STAMP) compatible message format</a:t>
+            </a:r>
+          </a:p>
+          <a:p>
+            <a:pPr lvl="1">
+              <a:buFont typeface="Wingdings" pitchFamily="2" charset="2"/>
+              <a:buChar char="ü"/>
+            </a:pPr>
+            <a:r>
+              <a:rPr lang="en-CA" sz="1600" dirty="0"/>
+              <a:t>Use consistent terms for MPLS Timestamp Label and SRv6 Timestamp Endpoint</a:t>
+            </a:r>
+          </a:p>
+          <a:p>
+            <a:pPr lvl="1">
+              <a:buFont typeface="Wingdings" pitchFamily="2" charset="2"/>
+              <a:buChar char="ü"/>
+            </a:pPr>
+            <a:r>
+              <a:rPr lang="en-CA" sz="1600" dirty="0"/>
+              <a:t>Show extension Label 15 in MPLS header</a:t>
+            </a:r>
+          </a:p>
+          <a:p>
+            <a:pPr lvl="1">
+              <a:buFont typeface="Wingdings" pitchFamily="2" charset="2"/>
+              <a:buChar char="ü"/>
+            </a:pPr>
+            <a:r>
+              <a:rPr lang="en-CA" sz="1600" dirty="0"/>
+              <a:t>New section on SRv6 Timestamp Endpoint function assignment and Node Capability</a:t>
+            </a:r>
+          </a:p>
+          <a:p>
+            <a:pPr lvl="1">
+              <a:buFont typeface="Wingdings" pitchFamily="2" charset="2"/>
+              <a:buChar char="ü"/>
+            </a:pPr>
+            <a:r>
+              <a:rPr lang="en-CA" sz="1600" dirty="0"/>
+              <a:t>Update IANA section for a registry name</a:t>
+            </a:r>
+          </a:p>
+          <a:p>
+            <a:pPr lvl="1">
+              <a:buFont typeface="Wingdings" pitchFamily="2" charset="2"/>
+              <a:buChar char="ü"/>
+            </a:pPr>
+            <a:r>
+              <a:rPr lang="en-CA" sz="1600" dirty="0"/>
+              <a:t>Various editorial changes (e.g. moving text to new Overview section)</a:t>
+            </a:r>
+          </a:p>
+          <a:p>
+            <a:pPr marL="0" lvl="1" indent="0">
+              <a:buNone/>
+            </a:pPr>
+            <a:r>
+              <a:rPr lang="en-US" sz="1600" dirty="0"/>
+              <a:t>Open Items:</a:t>
+            </a:r>
+          </a:p>
+          <a:p>
+            <a:pPr marL="742950" lvl="2" indent="-342900">
+              <a:buFont typeface="Wingdings" pitchFamily="2" charset="2"/>
+              <a:buChar char="§"/>
+            </a:pPr>
+            <a:r>
+              <a:rPr lang="en-US" sz="1600" dirty="0"/>
+              <a:t>None</a:t>
+            </a:r>
+          </a:p>
+        </p:txBody>
+      </p:sp>
+      <p:sp>
+        <p:nvSpPr>
+          <p:cNvPr id="4" name="Footer Placeholder 3"/>
+          <p:cNvSpPr>
+            <a:spLocks noGrp="1"/>
+          </p:cNvSpPr>
+          <p:nvPr>
+            <p:ph type="ftr" sz="quarter" idx="11"/>
+          </p:nvPr>
+        </p:nvSpPr>
+        <p:spPr>
+          <a:xfrm>
+            <a:off x="3124200" y="4786312"/>
             <a:ext cx="2895600" cy="357188"/>
           </a:xfrm>
         </p:spPr>
@@ -9695,372 +10293,30 @@
           <a:p>
             <a:r>
               <a:rPr lang="en-CA" dirty="0"/>
-              <a:t>MPLS WG Interim, September 2020</a:t>
-            </a:r>
-          </a:p>
-        </p:txBody>
-      </p:sp>
-      <p:sp>
-        <p:nvSpPr>
-          <p:cNvPr id="6" name="Content Placeholder 2"/>
+              <a:t>109</a:t>
+            </a:r>
+            <a:r>
+              <a:rPr lang="en-CA" baseline="30000" dirty="0"/>
+              <a:t>th</a:t>
+            </a:r>
+            <a:r>
+              <a:rPr lang="en-CA" dirty="0"/>
+              <a:t> IETF Online</a:t>
+            </a:r>
+          </a:p>
+        </p:txBody>
+      </p:sp>
+      <p:sp>
+        <p:nvSpPr>
+          <p:cNvPr id="5" name="Slide Number Placeholder 4"/>
           <p:cNvSpPr>
             <a:spLocks noGrp="1"/>
           </p:cNvSpPr>
           <p:nvPr>
-            <p:ph idx="1"/>
-          </p:nvPr>
-        </p:nvSpPr>
-        <p:spPr>
-          <a:xfrm>
-            <a:off x="533400" y="3193752"/>
-            <a:ext cx="7924800" cy="1327365"/>
-          </a:xfrm>
-        </p:spPr>
-        <p:txBody>
-          <a:bodyPr/>
-          <a:lstStyle/>
-          <a:p>
-            <a:pPr>
-              <a:lnSpc>
-                <a:spcPts val="1960"/>
-              </a:lnSpc>
-              <a:spcBef>
-                <a:spcPts val="0"/>
-              </a:spcBef>
-            </a:pPr>
-            <a:r>
-              <a:rPr lang="en-US" sz="1600" dirty="0"/>
-              <a:t>Using PM delay measurement probe messages in Loopback Mode</a:t>
-            </a:r>
-          </a:p>
-          <a:p>
-            <a:pPr>
-              <a:lnSpc>
-                <a:spcPts val="1960"/>
-              </a:lnSpc>
-              <a:spcBef>
-                <a:spcPts val="0"/>
-              </a:spcBef>
-            </a:pPr>
-            <a:r>
-              <a:rPr lang="en-US" sz="1600" dirty="0"/>
-              <a:t>Probe messages are sent using Segment List(s) of the SR Policy Candidate Path(s)</a:t>
-            </a:r>
-          </a:p>
-          <a:p>
-            <a:pPr>
-              <a:lnSpc>
-                <a:spcPts val="1960"/>
-              </a:lnSpc>
-              <a:spcBef>
-                <a:spcPts val="0"/>
-              </a:spcBef>
-            </a:pPr>
-            <a:r>
-              <a:rPr lang="en-US" sz="1600" dirty="0"/>
-              <a:t>Probe messages are not punted on the reflector node out of fast-path in forwarding</a:t>
-            </a:r>
-          </a:p>
-          <a:p>
-            <a:pPr>
-              <a:lnSpc>
-                <a:spcPts val="1960"/>
-              </a:lnSpc>
-              <a:spcBef>
-                <a:spcPts val="0"/>
-              </a:spcBef>
-            </a:pPr>
-            <a:r>
-              <a:rPr lang="en-US" sz="1600" dirty="0"/>
-              <a:t>Reflector is agnostic to the monitoring protocol </a:t>
-            </a:r>
-          </a:p>
-          <a:p>
-            <a:pPr>
-              <a:lnSpc>
-                <a:spcPts val="1960"/>
-              </a:lnSpc>
-              <a:spcBef>
-                <a:spcPts val="0"/>
-              </a:spcBef>
-            </a:pPr>
-            <a:r>
-              <a:rPr lang="en-US" sz="1600" dirty="0"/>
-              <a:t>Round-trip delay = (t4 - t1)</a:t>
-            </a:r>
-          </a:p>
-          <a:p>
-            <a:pPr>
-              <a:lnSpc>
-                <a:spcPts val="1960"/>
-              </a:lnSpc>
-              <a:spcBef>
-                <a:spcPts val="0"/>
-              </a:spcBef>
-            </a:pPr>
-            <a:endParaRPr lang="en-US" sz="1600" dirty="0"/>
-          </a:p>
-        </p:txBody>
-      </p:sp>
-      <p:sp>
-        <p:nvSpPr>
-          <p:cNvPr id="3" name="Rectangle 2">
-            <a:extLst>
-              <a:ext uri="{FF2B5EF4-FFF2-40B4-BE49-F238E27FC236}">
-                <a16:creationId xmlns:a16="http://schemas.microsoft.com/office/drawing/2014/main" id="{31B17E9C-96E0-344B-B58B-37B6A946A9B7}"/>
-              </a:ext>
-            </a:extLst>
-          </p:cNvPr>
-          <p:cNvSpPr/>
-          <p:nvPr/>
-        </p:nvSpPr>
-        <p:spPr>
-          <a:xfrm>
-            <a:off x="2409997" y="780787"/>
-            <a:ext cx="4019206" cy="2092881"/>
-          </a:xfrm>
-          <a:prstGeom prst="rect">
-            <a:avLst/>
-          </a:prstGeom>
-          <a:solidFill>
-            <a:schemeClr val="accent6">
-              <a:lumMod val="20000"/>
-              <a:lumOff val="80000"/>
-            </a:schemeClr>
-          </a:solidFill>
-          <a:ln>
-            <a:solidFill>
-              <a:srgbClr val="002060"/>
-            </a:solidFill>
-          </a:ln>
-        </p:spPr>
-        <p:txBody>
-          <a:bodyPr wrap="square">
-            <a:spAutoFit/>
-          </a:bodyPr>
-          <a:lstStyle/>
-          <a:p>
-            <a:pPr>
-              <a:spcAft>
-                <a:spcPts val="0"/>
-              </a:spcAft>
-            </a:pPr>
-            <a:r>
-              <a:rPr lang="en-CA" sz="1000" dirty="0">
-                <a:latin typeface="Courier" pitchFamily="2" charset="0"/>
-                <a:ea typeface="Calibri" panose="020F0502020204030204" pitchFamily="34" charset="0"/>
-                <a:cs typeface="Times New Roman" panose="02020603050405020304" pitchFamily="18" charset="0"/>
-              </a:rPr>
-              <a:t>          t1</a:t>
-            </a:r>
-          </a:p>
-          <a:p>
-            <a:pPr>
-              <a:spcAft>
-                <a:spcPts val="0"/>
-              </a:spcAft>
-            </a:pPr>
-            <a:r>
-              <a:rPr lang="en-CA" sz="1000" dirty="0">
-                <a:latin typeface="Courier" pitchFamily="2" charset="0"/>
-                <a:ea typeface="Calibri" panose="020F0502020204030204" pitchFamily="34" charset="0"/>
-                <a:cs typeface="Times New Roman" panose="02020603050405020304" pitchFamily="18" charset="0"/>
-              </a:rPr>
-              <a:t>         /</a:t>
-            </a:r>
-          </a:p>
-          <a:p>
-            <a:pPr>
-              <a:spcAft>
-                <a:spcPts val="0"/>
-              </a:spcAft>
-            </a:pPr>
-            <a:r>
-              <a:rPr lang="en-CA" sz="1000" dirty="0">
-                <a:latin typeface="Courier" pitchFamily="2" charset="0"/>
-                <a:ea typeface="Calibri" panose="020F0502020204030204" pitchFamily="34" charset="0"/>
-                <a:cs typeface="Times New Roman" panose="02020603050405020304" pitchFamily="18" charset="0"/>
-              </a:rPr>
-              <a:t>+-------+      Probe          +-------+</a:t>
-            </a:r>
-          </a:p>
-          <a:p>
-            <a:pPr>
-              <a:spcAft>
-                <a:spcPts val="0"/>
-              </a:spcAft>
-            </a:pPr>
-            <a:r>
-              <a:rPr lang="en-CA" sz="1000" dirty="0">
-                <a:latin typeface="Courier" pitchFamily="2" charset="0"/>
-                <a:ea typeface="Calibri" panose="020F0502020204030204" pitchFamily="34" charset="0"/>
-                <a:cs typeface="Times New Roman" panose="02020603050405020304" pitchFamily="18" charset="0"/>
-              </a:rPr>
-              <a:t>|       | - - - - - - - - - - |       |</a:t>
-            </a:r>
-          </a:p>
-          <a:p>
-            <a:pPr>
-              <a:spcAft>
-                <a:spcPts val="0"/>
-              </a:spcAft>
-            </a:pPr>
-            <a:r>
-              <a:rPr lang="en-CA" sz="1000" dirty="0">
-                <a:latin typeface="Courier" pitchFamily="2" charset="0"/>
-                <a:ea typeface="Calibri" panose="020F0502020204030204" pitchFamily="34" charset="0"/>
-                <a:cs typeface="Times New Roman" panose="02020603050405020304" pitchFamily="18" charset="0"/>
-              </a:rPr>
-              <a:t>|   R1  |====================||  R5   |</a:t>
-            </a:r>
-          </a:p>
-          <a:p>
-            <a:pPr>
-              <a:spcAft>
-                <a:spcPts val="0"/>
-              </a:spcAft>
-            </a:pPr>
-            <a:r>
-              <a:rPr lang="en-CA" sz="1000" dirty="0">
-                <a:latin typeface="Courier" pitchFamily="2" charset="0"/>
-                <a:ea typeface="Calibri" panose="020F0502020204030204" pitchFamily="34" charset="0"/>
-                <a:cs typeface="Times New Roman" panose="02020603050405020304" pitchFamily="18" charset="0"/>
-              </a:rPr>
-              <a:t>|       |&lt;- - - - - - - - - - |       |</a:t>
-            </a:r>
-          </a:p>
-          <a:p>
-            <a:pPr>
-              <a:spcAft>
-                <a:spcPts val="0"/>
-              </a:spcAft>
-            </a:pPr>
-            <a:r>
-              <a:rPr lang="en-CA" sz="1000" dirty="0">
-                <a:latin typeface="Courier" pitchFamily="2" charset="0"/>
-                <a:ea typeface="Calibri" panose="020F0502020204030204" pitchFamily="34" charset="0"/>
-                <a:cs typeface="Times New Roman" panose="02020603050405020304" pitchFamily="18" charset="0"/>
-              </a:rPr>
-              <a:t>+-------+      Return Probe   +-------+</a:t>
-            </a:r>
-          </a:p>
-          <a:p>
-            <a:pPr>
-              <a:spcAft>
-                <a:spcPts val="0"/>
-              </a:spcAft>
-            </a:pPr>
-            <a:r>
-              <a:rPr lang="en-CA" sz="1000" dirty="0">
-                <a:latin typeface="Courier" pitchFamily="2" charset="0"/>
-                <a:ea typeface="Calibri" panose="020F0502020204030204" pitchFamily="34" charset="0"/>
-                <a:cs typeface="Times New Roman" panose="02020603050405020304" pitchFamily="18" charset="0"/>
-              </a:rPr>
-              <a:t>         \</a:t>
-            </a:r>
-          </a:p>
-          <a:p>
-            <a:pPr>
-              <a:spcAft>
-                <a:spcPts val="0"/>
-              </a:spcAft>
-            </a:pPr>
-            <a:r>
-              <a:rPr lang="en-CA" sz="1000" dirty="0">
-                <a:latin typeface="Courier" pitchFamily="2" charset="0"/>
-                <a:ea typeface="Calibri" panose="020F0502020204030204" pitchFamily="34" charset="0"/>
-                <a:cs typeface="Times New Roman" panose="02020603050405020304" pitchFamily="18" charset="0"/>
-              </a:rPr>
-              <a:t>          t4</a:t>
-            </a:r>
-          </a:p>
-          <a:p>
-            <a:pPr>
-              <a:spcAft>
-                <a:spcPts val="0"/>
-              </a:spcAft>
-            </a:pPr>
-            <a:r>
-              <a:rPr lang="en-CA" sz="1000" dirty="0">
-                <a:latin typeface="Courier" pitchFamily="2" charset="0"/>
-                <a:ea typeface="Calibri" panose="020F0502020204030204" pitchFamily="34" charset="0"/>
-                <a:cs typeface="Times New Roman" panose="02020603050405020304" pitchFamily="18" charset="0"/>
-              </a:rPr>
-              <a:t>  Sender                      Reflector</a:t>
-            </a:r>
-          </a:p>
-          <a:p>
-            <a:pPr>
-              <a:spcAft>
-                <a:spcPts val="0"/>
-              </a:spcAft>
-            </a:pPr>
-            <a:r>
-              <a:rPr lang="en-CA" sz="1000" dirty="0">
-                <a:latin typeface="Courier" pitchFamily="2" charset="0"/>
-                <a:ea typeface="Calibri" panose="020F0502020204030204" pitchFamily="34" charset="0"/>
-                <a:cs typeface="Times New Roman" panose="02020603050405020304" pitchFamily="18" charset="0"/>
-              </a:rPr>
-              <a:t>                              (Forward, Not Punt)</a:t>
-            </a:r>
-          </a:p>
-          <a:p>
-            <a:pPr>
-              <a:spcAft>
-                <a:spcPts val="0"/>
-              </a:spcAft>
-            </a:pPr>
-            <a:endParaRPr lang="en-CA" sz="1000" dirty="0">
-              <a:latin typeface="Courier" pitchFamily="2" charset="0"/>
-              <a:ea typeface="Calibri" panose="020F0502020204030204" pitchFamily="34" charset="0"/>
-              <a:cs typeface="Times New Roman" panose="02020603050405020304" pitchFamily="18" charset="0"/>
-            </a:endParaRPr>
-          </a:p>
-          <a:p>
-            <a:pPr>
-              <a:spcAft>
-                <a:spcPts val="0"/>
-              </a:spcAft>
-            </a:pPr>
-            <a:r>
-              <a:rPr lang="en-CA" sz="1000" dirty="0">
-                <a:latin typeface="Courier" pitchFamily="2" charset="0"/>
-                <a:ea typeface="Calibri" panose="020F0502020204030204" pitchFamily="34" charset="0"/>
-                <a:cs typeface="Times New Roman" panose="02020603050405020304" pitchFamily="18" charset="0"/>
-              </a:rPr>
-              <a:t>           Figure: PM Loopback Mode</a:t>
-            </a:r>
-            <a:endParaRPr lang="en-CA" sz="1000" dirty="0">
-              <a:effectLst/>
-              <a:latin typeface="Courier" pitchFamily="2" charset="0"/>
-              <a:ea typeface="Calibri" panose="020F0502020204030204" pitchFamily="34" charset="0"/>
-              <a:cs typeface="Times New Roman" panose="02020603050405020304" pitchFamily="18" charset="0"/>
-            </a:endParaRPr>
-          </a:p>
-        </p:txBody>
-      </p:sp>
-      <p:sp>
-        <p:nvSpPr>
-          <p:cNvPr id="7" name="Slide Number Placeholder 4">
-            <a:extLst>
-              <a:ext uri="{FF2B5EF4-FFF2-40B4-BE49-F238E27FC236}">
-                <a16:creationId xmlns:a16="http://schemas.microsoft.com/office/drawing/2014/main" id="{3D476F52-EE2A-D340-BC0B-FF970B352F58}"/>
-              </a:ext>
-            </a:extLst>
-          </p:cNvPr>
-          <p:cNvSpPr>
-            <a:spLocks noGrp="1"/>
-          </p:cNvSpPr>
-          <p:nvPr>
             <p:ph type="sldNum" sz="quarter" idx="12"/>
           </p:nvPr>
         </p:nvSpPr>
-        <p:spPr>
-          <a:xfrm>
-            <a:off x="6553200" y="4683919"/>
-            <a:ext cx="2133600" cy="357188"/>
-          </a:xfrm>
-        </p:spPr>
+        <p:spPr/>
         <p:txBody>
           <a:bodyPr/>
           <a:lstStyle/>
@@ -10075,14 +10331,14 @@
               </a:pPr>
               <a:t>5</a:t>
             </a:fld>
-            <a:endParaRPr lang="en-US" altLang="zh-CN" dirty="0"/>
+            <a:endParaRPr lang="en-US" altLang="zh-CN"/>
           </a:p>
         </p:txBody>
       </p:sp>
     </p:spTree>
     <p:extLst>
       <p:ext uri="{BB962C8B-B14F-4D97-AF65-F5344CB8AC3E}">
-        <p14:creationId xmlns:p14="http://schemas.microsoft.com/office/powerpoint/2010/main" val="2835041583"/>
+        <p14:creationId xmlns:p14="http://schemas.microsoft.com/office/powerpoint/2010/main" val="316978498"/>
       </p:ext>
     </p:extLst>
   </p:cSld>
@@ -10121,8 +10377,8 @@
         </p:nvSpPr>
         <p:spPr>
           <a:xfrm>
-            <a:off x="57150" y="0"/>
-            <a:ext cx="9029700" cy="618771"/>
+            <a:off x="367748" y="0"/>
+            <a:ext cx="8319052" cy="686133"/>
           </a:xfrm>
         </p:spPr>
         <p:txBody>
@@ -10130,22 +10386,15 @@
           <a:lstStyle/>
           <a:p>
             <a:r>
-              <a:rPr lang="en-US" sz="2400" dirty="0">
+              <a:rPr lang="en-US" sz="2800" dirty="0">
                 <a:solidFill>
                   <a:srgbClr val="0070C0"/>
                 </a:solidFill>
                 <a:latin typeface="Calibri Light" panose="020F0302020204030204" pitchFamily="34" charset="0"/>
                 <a:cs typeface="Calibri Light" panose="020F0302020204030204" pitchFamily="34" charset="0"/>
               </a:rPr>
-              <a:t>Loopback Mode Enabled with Network Programming Function</a:t>
-            </a:r>
-            <a:endParaRPr lang="en-US" sz="2600" dirty="0">
-              <a:solidFill>
-                <a:srgbClr val="0070C0"/>
-              </a:solidFill>
-              <a:latin typeface="Calibri Light" panose="020F0302020204030204" pitchFamily="34" charset="0"/>
-              <a:cs typeface="Calibri Light" panose="020F0302020204030204" pitchFamily="34" charset="0"/>
-            </a:endParaRPr>
+              <a:t>PM Probes in Loopback Mode for SR Policy</a:t>
+            </a:r>
           </a:p>
         </p:txBody>
       </p:sp>
@@ -10161,7 +10410,7 @@
         </p:nvSpPr>
         <p:spPr>
           <a:xfrm>
-            <a:off x="3124200" y="4777934"/>
+            <a:off x="3105494" y="4786312"/>
             <a:ext cx="2895600" cy="357188"/>
           </a:xfrm>
         </p:spPr>
@@ -10171,7 +10420,15 @@
           <a:p>
             <a:r>
               <a:rPr lang="en-CA" dirty="0"/>
-              <a:t>MPLS WG Interim, September 2020</a:t>
+              <a:t>109</a:t>
+            </a:r>
+            <a:r>
+              <a:rPr lang="en-CA" baseline="30000" dirty="0"/>
+              <a:t>th</a:t>
+            </a:r>
+            <a:r>
+              <a:rPr lang="en-CA" dirty="0"/>
+              <a:t> IETF Online</a:t>
             </a:r>
           </a:p>
         </p:txBody>
@@ -10188,110 +10445,93 @@
         </p:nvSpPr>
         <p:spPr>
           <a:xfrm>
-            <a:off x="381000" y="2794838"/>
-            <a:ext cx="8534400" cy="1983096"/>
+            <a:off x="533400" y="3193752"/>
+            <a:ext cx="7924800" cy="1327365"/>
           </a:xfrm>
         </p:spPr>
         <p:txBody>
           <a:bodyPr/>
           <a:lstStyle/>
           <a:p>
-            <a:pPr lvl="0">
+            <a:pPr>
               <a:lnSpc>
-                <a:spcPts val="1380"/>
+                <a:spcPts val="1960"/>
               </a:lnSpc>
               <a:spcBef>
-                <a:spcPts val="600"/>
+                <a:spcPts val="0"/>
               </a:spcBef>
             </a:pPr>
             <a:r>
-              <a:rPr lang="en-CA" sz="1200" dirty="0"/>
-              <a:t>PM probes sent in loopback mode enabled with network programming function</a:t>
-            </a:r>
-          </a:p>
-          <a:p>
-            <a:pPr lvl="1">
+              <a:rPr lang="en-US" sz="1600" dirty="0"/>
+              <a:t>Using PM delay measurement probe messages in Loopback Mode</a:t>
+            </a:r>
+          </a:p>
+          <a:p>
+            <a:pPr>
               <a:lnSpc>
-                <a:spcPts val="1380"/>
+                <a:spcPts val="1960"/>
               </a:lnSpc>
               <a:spcBef>
-                <a:spcPts val="600"/>
+                <a:spcPts val="0"/>
               </a:spcBef>
             </a:pPr>
             <a:r>
-              <a:rPr lang="en-CA" sz="1200" dirty="0"/>
-              <a:t>The network programming function optimizes the "operations of punt and inject the probe packet" on the reflector node</a:t>
-            </a:r>
-          </a:p>
-          <a:p>
-            <a:pPr lvl="1">
+              <a:rPr lang="en-US" sz="1600" dirty="0"/>
+              <a:t>Probe messages are sent using Segment List(s) of the SR Policy Candidate Path(s)</a:t>
+            </a:r>
+          </a:p>
+          <a:p>
+            <a:pPr>
               <a:lnSpc>
-                <a:spcPts val="1380"/>
+                <a:spcPts val="1960"/>
               </a:lnSpc>
               <a:spcBef>
-                <a:spcPts val="600"/>
+                <a:spcPts val="0"/>
               </a:spcBef>
             </a:pPr>
             <a:r>
-              <a:rPr lang="en-CA" sz="1200" dirty="0"/>
-              <a:t>As probe packets are forwarded in fast-path, higher scale with faster interval is possible resulting in faster failure detection</a:t>
-            </a:r>
-          </a:p>
-          <a:p>
-            <a:pPr lvl="0">
+              <a:rPr lang="en-US" sz="1600" dirty="0"/>
+              <a:t>Probe messages are not punted on the reflector node out of fast-path in forwarding</a:t>
+            </a:r>
+          </a:p>
+          <a:p>
+            <a:pPr>
               <a:lnSpc>
-                <a:spcPts val="1380"/>
+                <a:spcPts val="1960"/>
               </a:lnSpc>
               <a:spcBef>
-                <a:spcPts val="600"/>
+                <a:spcPts val="0"/>
               </a:spcBef>
             </a:pPr>
             <a:r>
-              <a:rPr lang="en-CA" sz="1200" dirty="0"/>
-              <a:t>Reflector node adds the receive timestamp at a specific location in the payload of the received probe message in fast-path</a:t>
-            </a:r>
-          </a:p>
-          <a:p>
-            <a:pPr lvl="1">
+              <a:rPr lang="en-US" sz="1600" dirty="0"/>
+              <a:t>Reflector is agnostic to the monitoring protocol </a:t>
+            </a:r>
+          </a:p>
+          <a:p>
+            <a:pPr>
               <a:lnSpc>
-                <a:spcPts val="1380"/>
+                <a:spcPts val="1960"/>
               </a:lnSpc>
               <a:spcBef>
-                <a:spcPts val="600"/>
+                <a:spcPts val="0"/>
               </a:spcBef>
             </a:pPr>
             <a:r>
-              <a:rPr lang="en-CA" sz="1200" dirty="0"/>
-              <a:t>Only adds the receive timestamp if the source address or destination address in the probe message matches the local node address</a:t>
-            </a:r>
-          </a:p>
-          <a:p>
-            <a:pPr lvl="1">
+              <a:rPr lang="en-US" sz="1600" dirty="0"/>
+              <a:t>Round-trip delay = (t4 - t1)</a:t>
+            </a:r>
+          </a:p>
+          <a:p>
+            <a:pPr>
               <a:lnSpc>
-                <a:spcPts val="1380"/>
+                <a:spcPts val="1960"/>
               </a:lnSpc>
               <a:spcBef>
-                <a:spcPts val="600"/>
+                <a:spcPts val="0"/>
               </a:spcBef>
             </a:pPr>
-            <a:r>
-              <a:rPr lang="en-CA" sz="1200" dirty="0"/>
-              <a:t>Ensure loopback probe packets return from the intended reflector node</a:t>
-            </a:r>
-          </a:p>
-          <a:p>
-            <a:pPr>
-              <a:lnSpc>
-                <a:spcPts val="1380"/>
-              </a:lnSpc>
-              <a:spcBef>
-                <a:spcPts val="600"/>
-              </a:spcBef>
-            </a:pPr>
-            <a:r>
-              <a:rPr lang="en-CA" sz="1200" dirty="0"/>
-              <a:t>One-way delay = (t2 – t1)</a:t>
-            </a:r>
+            <a:endParaRPr lang="en-US" sz="1600" dirty="0"/>
           </a:p>
         </p:txBody>
       </p:sp>
@@ -10309,8 +10549,8 @@
         </p:nvSpPr>
         <p:spPr>
           <a:xfrm>
-            <a:off x="1981200" y="692825"/>
-            <a:ext cx="4648200" cy="2031325"/>
+            <a:off x="2409997" y="780787"/>
+            <a:ext cx="4019206" cy="2092881"/>
           </a:xfrm>
           <a:prstGeom prst="rect">
             <a:avLst/>
@@ -10333,103 +10573,202 @@
           </a:bodyPr>
           <a:lstStyle/>
           <a:p>
-            <a:r>
-              <a:rPr lang="en-CA" sz="1050" dirty="0">
-                <a:latin typeface="Courier" pitchFamily="2" charset="0"/>
-              </a:rPr>
-              <a:t>             t1                t2</a:t>
-            </a:r>
-          </a:p>
-          <a:p>
-            <a:r>
-              <a:rPr lang="en-CA" sz="1050" dirty="0">
-                <a:latin typeface="Courier" pitchFamily="2" charset="0"/>
-              </a:rPr>
-              <a:t>            /                   \</a:t>
-            </a:r>
-            <a:br>
-              <a:rPr lang="en-CA" sz="1050" dirty="0">
-                <a:latin typeface="Courier" pitchFamily="2" charset="0"/>
-              </a:rPr>
-            </a:br>
-            <a:r>
-              <a:rPr lang="en-CA" sz="1050" dirty="0">
-                <a:latin typeface="Courier" pitchFamily="2" charset="0"/>
-              </a:rPr>
-              <a:t>   +-------+      Probe          +-------+</a:t>
-            </a:r>
-          </a:p>
-          <a:p>
-            <a:r>
-              <a:rPr lang="en-CA" sz="1050" dirty="0">
-                <a:latin typeface="Courier" pitchFamily="2" charset="0"/>
-              </a:rPr>
-              <a:t>   |       | - - - - - - - - - - |       |</a:t>
-            </a:r>
-          </a:p>
-          <a:p>
-            <a:r>
-              <a:rPr lang="en-CA" sz="1050" dirty="0">
-                <a:latin typeface="Courier" pitchFamily="2" charset="0"/>
-              </a:rPr>
-              <a:t>   |   R1  |====================||  R5   |</a:t>
-            </a:r>
-          </a:p>
-          <a:p>
-            <a:r>
-              <a:rPr lang="en-CA" sz="1050" dirty="0">
-                <a:latin typeface="Courier" pitchFamily="2" charset="0"/>
-              </a:rPr>
-              <a:t>   |       |&lt;- - - - - - - - - - |       |</a:t>
-            </a:r>
-          </a:p>
-          <a:p>
-            <a:r>
-              <a:rPr lang="en-CA" sz="1050" dirty="0">
-                <a:latin typeface="Courier" pitchFamily="2" charset="0"/>
-              </a:rPr>
-              <a:t>   +-------+      Return Probe   +-------+</a:t>
-            </a:r>
-          </a:p>
-          <a:p>
-            <a:r>
-              <a:rPr lang="en-CA" sz="1050" dirty="0">
-                <a:latin typeface="Courier" pitchFamily="2" charset="0"/>
-              </a:rPr>
-              <a:t>    Sender                       Reflector</a:t>
-            </a:r>
-          </a:p>
-          <a:p>
-            <a:r>
-              <a:rPr lang="en-CA" sz="1050" dirty="0">
-                <a:latin typeface="Courier" pitchFamily="2" charset="0"/>
-              </a:rPr>
-              <a:t>                                 (Timestamp,</a:t>
-            </a:r>
-          </a:p>
-          <a:p>
-            <a:r>
-              <a:rPr lang="en-CA" sz="1050" dirty="0">
-                <a:latin typeface="Courier" pitchFamily="2" charset="0"/>
-              </a:rPr>
-              <a:t>                                  Pop and Forward)</a:t>
-            </a:r>
-          </a:p>
-          <a:p>
-            <a:r>
-              <a:rPr lang="en-CA" sz="1050" dirty="0">
-                <a:latin typeface="Courier" pitchFamily="2" charset="0"/>
-              </a:rPr>
-              <a:t> </a:t>
-            </a:r>
-          </a:p>
-          <a:p>
-            <a:r>
-              <a:rPr lang="en-CA" sz="1050" dirty="0">
-                <a:latin typeface="Courier" pitchFamily="2" charset="0"/>
-              </a:rPr>
-              <a:t>Loopback Mode Enabled with Network Programming Function</a:t>
-            </a:r>
+            <a:pPr>
+              <a:spcAft>
+                <a:spcPts val="0"/>
+              </a:spcAft>
+            </a:pPr>
+            <a:r>
+              <a:rPr lang="en-CA" sz="1000" dirty="0">
+                <a:latin typeface="Courier" pitchFamily="2" charset="0"/>
+                <a:ea typeface="Calibri" panose="020F0502020204030204" pitchFamily="34" charset="0"/>
+                <a:cs typeface="Times New Roman" panose="02020603050405020304" pitchFamily="18" charset="0"/>
+              </a:rPr>
+              <a:t>          t1</a:t>
+            </a:r>
+          </a:p>
+          <a:p>
+            <a:pPr>
+              <a:spcAft>
+                <a:spcPts val="0"/>
+              </a:spcAft>
+            </a:pPr>
+            <a:r>
+              <a:rPr lang="en-CA" sz="1000" dirty="0">
+                <a:latin typeface="Courier" pitchFamily="2" charset="0"/>
+                <a:ea typeface="Calibri" panose="020F0502020204030204" pitchFamily="34" charset="0"/>
+                <a:cs typeface="Times New Roman" panose="02020603050405020304" pitchFamily="18" charset="0"/>
+              </a:rPr>
+              <a:t>         /</a:t>
+            </a:r>
+          </a:p>
+          <a:p>
+            <a:pPr>
+              <a:spcAft>
+                <a:spcPts val="0"/>
+              </a:spcAft>
+            </a:pPr>
+            <a:r>
+              <a:rPr lang="en-CA" sz="1000" dirty="0">
+                <a:latin typeface="Courier" pitchFamily="2" charset="0"/>
+                <a:ea typeface="Calibri" panose="020F0502020204030204" pitchFamily="34" charset="0"/>
+                <a:cs typeface="Times New Roman" panose="02020603050405020304" pitchFamily="18" charset="0"/>
+              </a:rPr>
+              <a:t>+-------+      Probe          +-------+</a:t>
+            </a:r>
+          </a:p>
+          <a:p>
+            <a:pPr>
+              <a:spcAft>
+                <a:spcPts val="0"/>
+              </a:spcAft>
+            </a:pPr>
+            <a:r>
+              <a:rPr lang="en-CA" sz="1000" dirty="0">
+                <a:latin typeface="Courier" pitchFamily="2" charset="0"/>
+                <a:ea typeface="Calibri" panose="020F0502020204030204" pitchFamily="34" charset="0"/>
+                <a:cs typeface="Times New Roman" panose="02020603050405020304" pitchFamily="18" charset="0"/>
+              </a:rPr>
+              <a:t>|       | - - - - - - - - - - |       |</a:t>
+            </a:r>
+          </a:p>
+          <a:p>
+            <a:pPr>
+              <a:spcAft>
+                <a:spcPts val="0"/>
+              </a:spcAft>
+            </a:pPr>
+            <a:r>
+              <a:rPr lang="en-CA" sz="1000" dirty="0">
+                <a:latin typeface="Courier" pitchFamily="2" charset="0"/>
+                <a:ea typeface="Calibri" panose="020F0502020204030204" pitchFamily="34" charset="0"/>
+                <a:cs typeface="Times New Roman" panose="02020603050405020304" pitchFamily="18" charset="0"/>
+              </a:rPr>
+              <a:t>|   R1  |====================||  R5   |</a:t>
+            </a:r>
+          </a:p>
+          <a:p>
+            <a:pPr>
+              <a:spcAft>
+                <a:spcPts val="0"/>
+              </a:spcAft>
+            </a:pPr>
+            <a:r>
+              <a:rPr lang="en-CA" sz="1000" dirty="0">
+                <a:latin typeface="Courier" pitchFamily="2" charset="0"/>
+                <a:ea typeface="Calibri" panose="020F0502020204030204" pitchFamily="34" charset="0"/>
+                <a:cs typeface="Times New Roman" panose="02020603050405020304" pitchFamily="18" charset="0"/>
+              </a:rPr>
+              <a:t>|       |&lt;- - - - - - - - - - |       |</a:t>
+            </a:r>
+          </a:p>
+          <a:p>
+            <a:pPr>
+              <a:spcAft>
+                <a:spcPts val="0"/>
+              </a:spcAft>
+            </a:pPr>
+            <a:r>
+              <a:rPr lang="en-CA" sz="1000" dirty="0">
+                <a:latin typeface="Courier" pitchFamily="2" charset="0"/>
+                <a:ea typeface="Calibri" panose="020F0502020204030204" pitchFamily="34" charset="0"/>
+                <a:cs typeface="Times New Roman" panose="02020603050405020304" pitchFamily="18" charset="0"/>
+              </a:rPr>
+              <a:t>+-------+      Return Probe   +-------+</a:t>
+            </a:r>
+          </a:p>
+          <a:p>
+            <a:pPr>
+              <a:spcAft>
+                <a:spcPts val="0"/>
+              </a:spcAft>
+            </a:pPr>
+            <a:r>
+              <a:rPr lang="en-CA" sz="1000" dirty="0">
+                <a:latin typeface="Courier" pitchFamily="2" charset="0"/>
+                <a:ea typeface="Calibri" panose="020F0502020204030204" pitchFamily="34" charset="0"/>
+                <a:cs typeface="Times New Roman" panose="02020603050405020304" pitchFamily="18" charset="0"/>
+              </a:rPr>
+              <a:t>         \</a:t>
+            </a:r>
+          </a:p>
+          <a:p>
+            <a:pPr>
+              <a:spcAft>
+                <a:spcPts val="0"/>
+              </a:spcAft>
+            </a:pPr>
+            <a:r>
+              <a:rPr lang="en-CA" sz="1000" dirty="0">
+                <a:latin typeface="Courier" pitchFamily="2" charset="0"/>
+                <a:ea typeface="Calibri" panose="020F0502020204030204" pitchFamily="34" charset="0"/>
+                <a:cs typeface="Times New Roman" panose="02020603050405020304" pitchFamily="18" charset="0"/>
+              </a:rPr>
+              <a:t>          t4</a:t>
+            </a:r>
+          </a:p>
+          <a:p>
+            <a:pPr>
+              <a:spcAft>
+                <a:spcPts val="0"/>
+              </a:spcAft>
+            </a:pPr>
+            <a:r>
+              <a:rPr lang="en-CA" sz="1000" dirty="0">
+                <a:latin typeface="Courier" pitchFamily="2" charset="0"/>
+                <a:ea typeface="Calibri" panose="020F0502020204030204" pitchFamily="34" charset="0"/>
+                <a:cs typeface="Times New Roman" panose="02020603050405020304" pitchFamily="18" charset="0"/>
+              </a:rPr>
+              <a:t>  Sender                      Reflector</a:t>
+            </a:r>
+          </a:p>
+          <a:p>
+            <a:pPr>
+              <a:spcAft>
+                <a:spcPts val="0"/>
+              </a:spcAft>
+            </a:pPr>
+            <a:r>
+              <a:rPr lang="en-CA" sz="1000" dirty="0">
+                <a:latin typeface="Courier" pitchFamily="2" charset="0"/>
+                <a:ea typeface="Calibri" panose="020F0502020204030204" pitchFamily="34" charset="0"/>
+                <a:cs typeface="Times New Roman" panose="02020603050405020304" pitchFamily="18" charset="0"/>
+              </a:rPr>
+              <a:t>                              (Forward, Not Punt)</a:t>
+            </a:r>
+          </a:p>
+          <a:p>
+            <a:pPr>
+              <a:spcAft>
+                <a:spcPts val="0"/>
+              </a:spcAft>
+            </a:pPr>
+            <a:endParaRPr lang="en-CA" sz="1000" dirty="0">
+              <a:latin typeface="Courier" pitchFamily="2" charset="0"/>
+              <a:ea typeface="Calibri" panose="020F0502020204030204" pitchFamily="34" charset="0"/>
+              <a:cs typeface="Times New Roman" panose="02020603050405020304" pitchFamily="18" charset="0"/>
+            </a:endParaRPr>
+          </a:p>
+          <a:p>
+            <a:pPr>
+              <a:spcAft>
+                <a:spcPts val="0"/>
+              </a:spcAft>
+            </a:pPr>
+            <a:r>
+              <a:rPr lang="en-CA" sz="1000" dirty="0">
+                <a:latin typeface="Courier" pitchFamily="2" charset="0"/>
+                <a:ea typeface="Calibri" panose="020F0502020204030204" pitchFamily="34" charset="0"/>
+                <a:cs typeface="Times New Roman" panose="02020603050405020304" pitchFamily="18" charset="0"/>
+              </a:rPr>
+              <a:t>           Figure: PM Loopback Mode</a:t>
+            </a:r>
+            <a:endParaRPr lang="en-CA" sz="1000" dirty="0">
+              <a:effectLst/>
+              <a:latin typeface="Courier" pitchFamily="2" charset="0"/>
+              <a:ea typeface="Calibri" panose="020F0502020204030204" pitchFamily="34" charset="0"/>
+              <a:cs typeface="Times New Roman" panose="02020603050405020304" pitchFamily="18" charset="0"/>
+            </a:endParaRPr>
           </a:p>
         </p:txBody>
       </p:sp>
@@ -10438,7 +10777,7 @@
           <p:cNvPr id="7" name="Slide Number Placeholder 4">
             <a:extLst>
               <a:ext uri="{FF2B5EF4-FFF2-40B4-BE49-F238E27FC236}">
-                <a16:creationId xmlns:a16="http://schemas.microsoft.com/office/drawing/2014/main" id="{23B8A35F-BB55-F94F-9CE5-879C79FDD88D}"/>
+                <a16:creationId xmlns:a16="http://schemas.microsoft.com/office/drawing/2014/main" id="{3D476F52-EE2A-D340-BC0B-FF970B352F58}"/>
               </a:ext>
             </a:extLst>
           </p:cNvPr>
@@ -10476,7 +10815,7 @@
     </p:spTree>
     <p:extLst>
       <p:ext uri="{BB962C8B-B14F-4D97-AF65-F5344CB8AC3E}">
-        <p14:creationId xmlns:p14="http://schemas.microsoft.com/office/powerpoint/2010/main" val="3722295587"/>
+        <p14:creationId xmlns:p14="http://schemas.microsoft.com/office/powerpoint/2010/main" val="2835041583"/>
       </p:ext>
     </p:extLst>
   </p:cSld>
@@ -10505,13 +10844,7 @@
       </p:grpSpPr>
       <p:sp>
         <p:nvSpPr>
-          <p:cNvPr id="2" name="Title 1">
-            <a:extLst>
-              <a:ext uri="{FF2B5EF4-FFF2-40B4-BE49-F238E27FC236}">
-                <a16:creationId xmlns:a16="http://schemas.microsoft.com/office/drawing/2014/main" id="{9A6F4236-AC14-394A-A36C-F2BD8CED3237}"/>
-              </a:ext>
-            </a:extLst>
-          </p:cNvPr>
+          <p:cNvPr id="2" name="Title 1"/>
           <p:cNvSpPr>
             <a:spLocks noGrp="1"/>
           </p:cNvSpPr>
@@ -10521,8 +10854,8 @@
         </p:nvSpPr>
         <p:spPr>
           <a:xfrm>
-            <a:off x="457200" y="-19050"/>
-            <a:ext cx="8229600" cy="753591"/>
+            <a:off x="57150" y="0"/>
+            <a:ext cx="9029700" cy="618771"/>
           </a:xfrm>
         </p:spPr>
         <p:txBody>
@@ -10530,27 +10863,28 @@
           <a:lstStyle/>
           <a:p>
             <a:r>
-              <a:rPr lang="en-US" sz="3200" dirty="0">
+              <a:rPr lang="en-US" sz="2400" dirty="0">
                 <a:solidFill>
                   <a:srgbClr val="0070C0"/>
                 </a:solidFill>
                 <a:latin typeface="Calibri Light" panose="020F0302020204030204" pitchFamily="34" charset="0"/>
                 <a:cs typeface="Calibri Light" panose="020F0302020204030204" pitchFamily="34" charset="0"/>
               </a:rPr>
-              <a:t>Example Provisioning Model</a:t>
-            </a:r>
-          </a:p>
-        </p:txBody>
-      </p:sp>
-      <p:sp>
-        <p:nvSpPr>
-          <p:cNvPr id="4" name="Footer Placeholder 3">
-            <a:extLst>
-              <a:ext uri="{FF2B5EF4-FFF2-40B4-BE49-F238E27FC236}">
-                <a16:creationId xmlns:a16="http://schemas.microsoft.com/office/drawing/2014/main" id="{643D160E-CC3C-EB46-A6F1-43B8E2996F46}"/>
-              </a:ext>
-            </a:extLst>
-          </p:cNvPr>
+              <a:t>Loopback Mode Enabled with Network Programming Function</a:t>
+            </a:r>
+            <a:endParaRPr lang="en-US" sz="2600" dirty="0">
+              <a:solidFill>
+                <a:srgbClr val="0070C0"/>
+              </a:solidFill>
+              <a:latin typeface="Calibri Light" panose="020F0302020204030204" pitchFamily="34" charset="0"/>
+              <a:cs typeface="Calibri Light" panose="020F0302020204030204" pitchFamily="34" charset="0"/>
+            </a:endParaRPr>
+          </a:p>
+        </p:txBody>
+      </p:sp>
+      <p:sp>
+        <p:nvSpPr>
+          <p:cNvPr id="4" name="Footer Placeholder 3"/>
           <p:cNvSpPr>
             <a:spLocks noGrp="1"/>
           </p:cNvSpPr>
@@ -10560,7 +10894,7 @@
         </p:nvSpPr>
         <p:spPr>
           <a:xfrm>
-            <a:off x="3124200" y="4841881"/>
+            <a:off x="3124200" y="4777934"/>
             <a:ext cx="2895600" cy="357188"/>
           </a:xfrm>
         </p:spPr>
@@ -10570,52 +10904,144 @@
           <a:p>
             <a:r>
               <a:rPr lang="en-CA" dirty="0"/>
-              <a:t>MPLS WG Interim, September 2020</a:t>
-            </a:r>
-          </a:p>
-        </p:txBody>
-      </p:sp>
-      <p:sp>
-        <p:nvSpPr>
-          <p:cNvPr id="5" name="Slide Number Placeholder 4">
+              <a:t>109</a:t>
+            </a:r>
+            <a:r>
+              <a:rPr lang="en-CA" baseline="30000" dirty="0"/>
+              <a:t>th</a:t>
+            </a:r>
+            <a:r>
+              <a:rPr lang="en-CA" dirty="0"/>
+              <a:t> IETF Online</a:t>
+            </a:r>
+          </a:p>
+        </p:txBody>
+      </p:sp>
+      <p:sp>
+        <p:nvSpPr>
+          <p:cNvPr id="6" name="Content Placeholder 2"/>
+          <p:cNvSpPr>
+            <a:spLocks noGrp="1"/>
+          </p:cNvSpPr>
+          <p:nvPr>
+            <p:ph idx="1"/>
+          </p:nvPr>
+        </p:nvSpPr>
+        <p:spPr>
+          <a:xfrm>
+            <a:off x="381000" y="2794838"/>
+            <a:ext cx="8534400" cy="1983096"/>
+          </a:xfrm>
+        </p:spPr>
+        <p:txBody>
+          <a:bodyPr/>
+          <a:lstStyle/>
+          <a:p>
+            <a:pPr lvl="0">
+              <a:lnSpc>
+                <a:spcPts val="1380"/>
+              </a:lnSpc>
+              <a:spcBef>
+                <a:spcPts val="600"/>
+              </a:spcBef>
+            </a:pPr>
+            <a:r>
+              <a:rPr lang="en-CA" sz="1200" dirty="0"/>
+              <a:t>PM probes sent in loopback mode enabled with network programming function</a:t>
+            </a:r>
+          </a:p>
+          <a:p>
+            <a:pPr lvl="1">
+              <a:lnSpc>
+                <a:spcPts val="1380"/>
+              </a:lnSpc>
+              <a:spcBef>
+                <a:spcPts val="600"/>
+              </a:spcBef>
+            </a:pPr>
+            <a:r>
+              <a:rPr lang="en-CA" sz="1200" dirty="0"/>
+              <a:t>The network programming function optimizes the "operations of punt and inject the probe packet" on the reflector node</a:t>
+            </a:r>
+          </a:p>
+          <a:p>
+            <a:pPr lvl="1">
+              <a:lnSpc>
+                <a:spcPts val="1380"/>
+              </a:lnSpc>
+              <a:spcBef>
+                <a:spcPts val="600"/>
+              </a:spcBef>
+            </a:pPr>
+            <a:r>
+              <a:rPr lang="en-CA" sz="1200" dirty="0"/>
+              <a:t>As probe packets are forwarded in fast-path, higher scale with faster interval is possible resulting in faster failure detection</a:t>
+            </a:r>
+          </a:p>
+          <a:p>
+            <a:pPr lvl="0">
+              <a:lnSpc>
+                <a:spcPts val="1380"/>
+              </a:lnSpc>
+              <a:spcBef>
+                <a:spcPts val="600"/>
+              </a:spcBef>
+            </a:pPr>
+            <a:r>
+              <a:rPr lang="en-CA" sz="1200" dirty="0"/>
+              <a:t>Reflector node adds the receive timestamp at a specific location in the payload of the received probe message in fast-path</a:t>
+            </a:r>
+          </a:p>
+          <a:p>
+            <a:pPr lvl="1">
+              <a:lnSpc>
+                <a:spcPts val="1380"/>
+              </a:lnSpc>
+              <a:spcBef>
+                <a:spcPts val="600"/>
+              </a:spcBef>
+            </a:pPr>
+            <a:r>
+              <a:rPr lang="en-CA" sz="1200" dirty="0"/>
+              <a:t>Only adds the receive timestamp if the source address or destination address in the probe message matches the local node address</a:t>
+            </a:r>
+          </a:p>
+          <a:p>
+            <a:pPr lvl="1">
+              <a:lnSpc>
+                <a:spcPts val="1380"/>
+              </a:lnSpc>
+              <a:spcBef>
+                <a:spcPts val="600"/>
+              </a:spcBef>
+            </a:pPr>
+            <a:r>
+              <a:rPr lang="en-CA" sz="1200" dirty="0"/>
+              <a:t>Ensure loopback probe packets return from the intended reflector node</a:t>
+            </a:r>
+          </a:p>
+          <a:p>
+            <a:pPr>
+              <a:lnSpc>
+                <a:spcPts val="1380"/>
+              </a:lnSpc>
+              <a:spcBef>
+                <a:spcPts val="600"/>
+              </a:spcBef>
+            </a:pPr>
+            <a:r>
+              <a:rPr lang="en-CA" sz="1200" dirty="0"/>
+              <a:t>One-way delay = (t2 – t1)</a:t>
+            </a:r>
+          </a:p>
+        </p:txBody>
+      </p:sp>
+      <p:sp>
+        <p:nvSpPr>
+          <p:cNvPr id="3" name="Rectangle 2">
             <a:extLst>
               <a:ext uri="{FF2B5EF4-FFF2-40B4-BE49-F238E27FC236}">
-                <a16:creationId xmlns:a16="http://schemas.microsoft.com/office/drawing/2014/main" id="{A8B868AE-B105-7547-A646-14FCDF91C2DD}"/>
-              </a:ext>
-            </a:extLst>
-          </p:cNvPr>
-          <p:cNvSpPr>
-            <a:spLocks noGrp="1"/>
-          </p:cNvSpPr>
-          <p:nvPr>
-            <p:ph type="sldNum" sz="quarter" idx="12"/>
-          </p:nvPr>
-        </p:nvSpPr>
-        <p:spPr/>
-        <p:txBody>
-          <a:bodyPr/>
-          <a:lstStyle/>
-          <a:p>
-            <a:pPr>
-              <a:defRPr/>
-            </a:pPr>
-            <a:fld id="{BD6E0F59-1DD8-40FC-9C92-B6295CBA6CCA}" type="slidenum">
-              <a:rPr lang="en-US" altLang="zh-CN" smtClean="0"/>
-              <a:pPr>
-                <a:defRPr/>
-              </a:pPr>
-              <a:t>7</a:t>
-            </a:fld>
-            <a:endParaRPr lang="en-US" altLang="zh-CN"/>
-          </a:p>
-        </p:txBody>
-      </p:sp>
-      <p:sp>
-        <p:nvSpPr>
-          <p:cNvPr id="7" name="Rectangle 6">
-            <a:extLst>
-              <a:ext uri="{FF2B5EF4-FFF2-40B4-BE49-F238E27FC236}">
-                <a16:creationId xmlns:a16="http://schemas.microsoft.com/office/drawing/2014/main" id="{AA6E66CA-28BC-2C4A-BC04-4600D8FEBF3B}"/>
+                <a16:creationId xmlns:a16="http://schemas.microsoft.com/office/drawing/2014/main" id="{31B17E9C-96E0-344B-B58B-37B6A946A9B7}"/>
               </a:ext>
             </a:extLst>
           </p:cNvPr>
@@ -10624,8 +11050,8 @@
         </p:nvSpPr>
         <p:spPr>
           <a:xfrm>
-            <a:off x="1371600" y="694047"/>
-            <a:ext cx="5905500" cy="3931141"/>
+            <a:off x="1981200" y="692825"/>
+            <a:ext cx="4648200" cy="2031325"/>
           </a:xfrm>
           <a:prstGeom prst="rect">
             <a:avLst/>
@@ -10636,6 +11062,11 @@
               <a:lumOff val="80000"/>
             </a:schemeClr>
           </a:solidFill>
+          <a:ln>
+            <a:solidFill>
+              <a:srgbClr val="002060"/>
+            </a:solidFill>
+          </a:ln>
         </p:spPr>
         <p:txBody>
           <a:bodyPr wrap="square">
@@ -10643,377 +11074,150 @@
           </a:bodyPr>
           <a:lstStyle/>
           <a:p>
-            <a:pPr>
-              <a:lnSpc>
-                <a:spcPts val="1540"/>
-              </a:lnSpc>
-            </a:pPr>
             <a:r>
               <a:rPr lang="en-CA" sz="1050" dirty="0">
                 <a:latin typeface="Courier" pitchFamily="2" charset="0"/>
               </a:rPr>
-              <a:t>                               +------------+</a:t>
-            </a:r>
-          </a:p>
-          <a:p>
-            <a:pPr>
-              <a:lnSpc>
-                <a:spcPts val="1540"/>
-              </a:lnSpc>
-            </a:pPr>
+              <a:t>             t1                t2</a:t>
+            </a:r>
+          </a:p>
+          <a:p>
             <a:r>
               <a:rPr lang="en-CA" sz="1050" dirty="0">
                 <a:latin typeface="Courier" pitchFamily="2" charset="0"/>
               </a:rPr>
-              <a:t>                               | Controller |</a:t>
-            </a:r>
-          </a:p>
-          <a:p>
-            <a:pPr>
-              <a:lnSpc>
-                <a:spcPts val="1540"/>
-              </a:lnSpc>
-            </a:pPr>
-            <a:r>
+              <a:t>            /                   \</a:t>
+            </a:r>
+            <a:br>
               <a:rPr lang="en-CA" sz="1050" dirty="0">
                 <a:latin typeface="Courier" pitchFamily="2" charset="0"/>
               </a:rPr>
-              <a:t>                               +------------+</a:t>
-            </a:r>
-          </a:p>
-          <a:p>
-            <a:pPr>
-              <a:lnSpc>
-                <a:spcPts val="1540"/>
-              </a:lnSpc>
-            </a:pPr>
+            </a:br>
             <a:r>
               <a:rPr lang="en-CA" sz="1050" dirty="0">
                 <a:latin typeface="Courier" pitchFamily="2" charset="0"/>
               </a:rPr>
-              <a:t>     PDLM Mode                     /    \      </a:t>
-            </a:r>
+              <a:t>   +-------+      Probe          +-------+</a:t>
+            </a:r>
+          </a:p>
+          <a:p>
             <a:r>
               <a:rPr lang="en-CA" sz="1050" dirty="0">
-                <a:solidFill>
-                  <a:srgbClr val="0070C0"/>
-                </a:solidFill>
-                <a:latin typeface="Courier" pitchFamily="2" charset="0"/>
-              </a:rPr>
-              <a:t>Timestamp Label/SRv6 EP*</a:t>
-            </a:r>
-          </a:p>
-          <a:p>
-            <a:pPr>
-              <a:lnSpc>
-                <a:spcPts val="1540"/>
-              </a:lnSpc>
-            </a:pPr>
+                <a:latin typeface="Courier" pitchFamily="2" charset="0"/>
+              </a:rPr>
+              <a:t>   |       | - - - - - - - - - - |       |</a:t>
+            </a:r>
+          </a:p>
+          <a:p>
             <a:r>
               <a:rPr lang="en-CA" sz="1050" dirty="0">
                 <a:latin typeface="Courier" pitchFamily="2" charset="0"/>
               </a:rPr>
-              <a:t>       LB or Enhanced Mode        /      \       </a:t>
-            </a:r>
+              <a:t>   |   R1  |====================||  R5   |</a:t>
+            </a:r>
+          </a:p>
+          <a:p>
             <a:r>
               <a:rPr lang="en-CA" sz="1050" dirty="0">
-                <a:solidFill>
-                  <a:srgbClr val="0070C0"/>
-                </a:solidFill>
-                <a:latin typeface="Courier" pitchFamily="2" charset="0"/>
-              </a:rPr>
-              <a:t>Timestamp2 Offset</a:t>
-            </a:r>
-          </a:p>
-          <a:p>
-            <a:pPr>
-              <a:lnSpc>
-                <a:spcPts val="1540"/>
-              </a:lnSpc>
-            </a:pPr>
+                <a:latin typeface="Courier" pitchFamily="2" charset="0"/>
+              </a:rPr>
+              <a:t>   |       |&lt;- - - - - - - - - - |       |</a:t>
+            </a:r>
+          </a:p>
+          <a:p>
             <a:r>
               <a:rPr lang="en-CA" sz="1050" dirty="0">
                 <a:latin typeface="Courier" pitchFamily="2" charset="0"/>
               </a:rPr>
-              <a:t>     Message Format              /        \      </a:t>
-            </a:r>
+              <a:t>   +-------+      Return Probe   +-------+</a:t>
+            </a:r>
+          </a:p>
+          <a:p>
             <a:r>
               <a:rPr lang="en-CA" sz="1050" dirty="0">
-                <a:solidFill>
-                  <a:srgbClr val="0070C0"/>
-                </a:solidFill>
-                <a:latin typeface="Courier" pitchFamily="2" charset="0"/>
-              </a:rPr>
-              <a:t>Timestamp Format</a:t>
-            </a:r>
-          </a:p>
-          <a:p>
-            <a:pPr>
-              <a:lnSpc>
-                <a:spcPts val="1540"/>
-              </a:lnSpc>
-            </a:pPr>
+                <a:latin typeface="Courier" pitchFamily="2" charset="0"/>
+              </a:rPr>
+              <a:t>    Sender                       Reflector</a:t>
+            </a:r>
+          </a:p>
+          <a:p>
             <a:r>
               <a:rPr lang="en-CA" sz="1050" dirty="0">
                 <a:latin typeface="Courier" pitchFamily="2" charset="0"/>
               </a:rPr>
-              <a:t>     Missed Probe Message Count /          \</a:t>
-            </a:r>
-          </a:p>
-          <a:p>
-            <a:pPr>
-              <a:lnSpc>
-                <a:spcPts val="1540"/>
-              </a:lnSpc>
-            </a:pPr>
+              <a:t>                                 (Timestamp,</a:t>
+            </a:r>
+          </a:p>
+          <a:p>
             <a:r>
               <a:rPr lang="en-CA" sz="1050" dirty="0">
                 <a:latin typeface="Courier" pitchFamily="2" charset="0"/>
               </a:rPr>
-              <a:t>     </a:t>
-            </a:r>
+              <a:t>                                  Pop and Forward)</a:t>
+            </a:r>
+          </a:p>
+          <a:p>
             <a:r>
               <a:rPr lang="en-CA" sz="1050" dirty="0">
-                <a:solidFill>
-                  <a:srgbClr val="0070C0"/>
-                </a:solidFill>
-                <a:latin typeface="Courier" pitchFamily="2" charset="0"/>
-              </a:rPr>
-              <a:t>Timestamp Label/SRv6 EP*</a:t>
-            </a:r>
+                <a:latin typeface="Courier" pitchFamily="2" charset="0"/>
+              </a:rPr>
+              <a:t> </a:t>
+            </a:r>
+          </a:p>
+          <a:p>
             <a:r>
               <a:rPr lang="en-CA" sz="1050" dirty="0">
                 <a:latin typeface="Courier" pitchFamily="2" charset="0"/>
               </a:rPr>
-              <a:t>  /            \</a:t>
-            </a:r>
-          </a:p>
-          <a:p>
-            <a:pPr>
-              <a:lnSpc>
-                <a:spcPts val="1540"/>
-              </a:lnSpc>
-            </a:pPr>
-            <a:r>
-              <a:rPr lang="en-CA" sz="1050" dirty="0">
-                <a:latin typeface="Courier" pitchFamily="2" charset="0"/>
-              </a:rPr>
-              <a:t>       </a:t>
-            </a:r>
-            <a:r>
-              <a:rPr lang="en-CA" sz="1050" dirty="0">
-                <a:solidFill>
-                  <a:srgbClr val="0070C0"/>
-                </a:solidFill>
-                <a:latin typeface="Courier" pitchFamily="2" charset="0"/>
-              </a:rPr>
-              <a:t>Timestamp Format       </a:t>
-            </a:r>
-            <a:r>
-              <a:rPr lang="en-CA" sz="1050" dirty="0">
-                <a:latin typeface="Courier" pitchFamily="2" charset="0"/>
-              </a:rPr>
-              <a:t>/              \</a:t>
-            </a:r>
-          </a:p>
-          <a:p>
-            <a:pPr>
-              <a:lnSpc>
-                <a:spcPts val="1540"/>
-              </a:lnSpc>
-            </a:pPr>
-            <a:r>
-              <a:rPr lang="en-CA" sz="1050" dirty="0">
-                <a:latin typeface="Courier" pitchFamily="2" charset="0"/>
-              </a:rPr>
-              <a:t>     Delay threshold/Count   /                \</a:t>
-            </a:r>
-          </a:p>
-          <a:p>
-            <a:pPr>
-              <a:lnSpc>
-                <a:spcPts val="1540"/>
-              </a:lnSpc>
-            </a:pPr>
-            <a:r>
-              <a:rPr lang="en-CA" sz="1050" dirty="0">
-                <a:latin typeface="Courier" pitchFamily="2" charset="0"/>
-              </a:rPr>
-              <a:t>     Source/</a:t>
-            </a:r>
-            <a:r>
-              <a:rPr lang="en-CA" sz="1050" dirty="0" err="1">
-                <a:latin typeface="Courier" pitchFamily="2" charset="0"/>
-              </a:rPr>
-              <a:t>Dest</a:t>
-            </a:r>
-            <a:r>
-              <a:rPr lang="en-CA" sz="1050" dirty="0">
-                <a:latin typeface="Courier" pitchFamily="2" charset="0"/>
-              </a:rPr>
-              <a:t> UDP Ports  /                  \</a:t>
-            </a:r>
-          </a:p>
-          <a:p>
-            <a:pPr>
-              <a:lnSpc>
-                <a:spcPts val="1540"/>
-              </a:lnSpc>
-            </a:pPr>
-            <a:r>
-              <a:rPr lang="en-CA" sz="1050" dirty="0">
-                <a:latin typeface="Courier" pitchFamily="2" charset="0"/>
-              </a:rPr>
-              <a:t>                           v                    v</a:t>
-            </a:r>
-          </a:p>
-          <a:p>
-            <a:pPr>
-              <a:lnSpc>
-                <a:spcPts val="1540"/>
-              </a:lnSpc>
-            </a:pPr>
-            <a:r>
-              <a:rPr lang="en-CA" sz="1050" dirty="0">
-                <a:latin typeface="Courier" pitchFamily="2" charset="0"/>
-              </a:rPr>
-              <a:t>                       +-------+            +-------+</a:t>
-            </a:r>
-          </a:p>
-          <a:p>
-            <a:pPr>
-              <a:lnSpc>
-                <a:spcPts val="1540"/>
-              </a:lnSpc>
-            </a:pPr>
-            <a:r>
-              <a:rPr lang="en-CA" sz="1050" dirty="0">
-                <a:latin typeface="Courier" pitchFamily="2" charset="0"/>
-              </a:rPr>
-              <a:t>                       |       |            |       |</a:t>
-            </a:r>
-          </a:p>
-          <a:p>
-            <a:pPr>
-              <a:lnSpc>
-                <a:spcPts val="1540"/>
-              </a:lnSpc>
-            </a:pPr>
-            <a:r>
-              <a:rPr lang="en-CA" sz="1050" dirty="0">
-                <a:latin typeface="Courier" pitchFamily="2" charset="0"/>
-              </a:rPr>
-              <a:t>                       |   R1  |============|   R5  |</a:t>
-            </a:r>
-          </a:p>
-          <a:p>
-            <a:pPr>
-              <a:lnSpc>
-                <a:spcPts val="1540"/>
-              </a:lnSpc>
-            </a:pPr>
-            <a:r>
-              <a:rPr lang="en-CA" sz="1050" dirty="0">
-                <a:latin typeface="Courier" pitchFamily="2" charset="0"/>
-              </a:rPr>
-              <a:t>                       |       |  SR Path   |       |</a:t>
-            </a:r>
-          </a:p>
-          <a:p>
-            <a:pPr>
-              <a:lnSpc>
-                <a:spcPts val="1540"/>
-              </a:lnSpc>
-            </a:pPr>
-            <a:r>
-              <a:rPr lang="en-CA" sz="1050" dirty="0">
-                <a:latin typeface="Courier" pitchFamily="2" charset="0"/>
-              </a:rPr>
-              <a:t>                       +-------+            +-------+</a:t>
-            </a:r>
-          </a:p>
-          <a:p>
-            <a:pPr>
-              <a:lnSpc>
-                <a:spcPts val="1540"/>
-              </a:lnSpc>
-            </a:pPr>
-            <a:r>
-              <a:rPr lang="en-CA" sz="1050" dirty="0">
-                <a:latin typeface="Courier" pitchFamily="2" charset="0"/>
-              </a:rPr>
-              <a:t>                        Sender              Reflector</a:t>
-            </a:r>
-          </a:p>
-          <a:p>
-            <a:pPr>
-              <a:lnSpc>
-                <a:spcPts val="1540"/>
-              </a:lnSpc>
-            </a:pPr>
-            <a:endParaRPr lang="en-CA" sz="1050" dirty="0">
-              <a:latin typeface="Courier" pitchFamily="2" charset="0"/>
-            </a:endParaRPr>
-          </a:p>
-          <a:p>
-            <a:pPr>
-              <a:lnSpc>
-                <a:spcPts val="1540"/>
-              </a:lnSpc>
-            </a:pPr>
-            <a:r>
-              <a:rPr lang="en-CA" sz="1050" dirty="0">
-                <a:latin typeface="Courier" pitchFamily="2" charset="0"/>
-              </a:rPr>
-              <a:t>                          Example Provisioning Model</a:t>
-            </a:r>
-          </a:p>
-        </p:txBody>
-      </p:sp>
-      <p:sp>
-        <p:nvSpPr>
-          <p:cNvPr id="3" name="TextBox 2">
+              <a:t>Loopback Mode Enabled with Network Programming Function</a:t>
+            </a:r>
+          </a:p>
+        </p:txBody>
+      </p:sp>
+      <p:sp>
+        <p:nvSpPr>
+          <p:cNvPr id="7" name="Slide Number Placeholder 4">
             <a:extLst>
               <a:ext uri="{FF2B5EF4-FFF2-40B4-BE49-F238E27FC236}">
-                <a16:creationId xmlns:a16="http://schemas.microsoft.com/office/drawing/2014/main" id="{AE7FA884-76F1-D743-8A93-0084B2789ED9}"/>
+                <a16:creationId xmlns:a16="http://schemas.microsoft.com/office/drawing/2014/main" id="{23B8A35F-BB55-F94F-9CE5-879C79FDD88D}"/>
               </a:ext>
             </a:extLst>
           </p:cNvPr>
-          <p:cNvSpPr txBox="1"/>
-          <p:nvPr/>
+          <p:cNvSpPr>
+            <a:spLocks noGrp="1"/>
+          </p:cNvSpPr>
+          <p:nvPr>
+            <p:ph type="sldNum" sz="quarter" idx="12"/>
+          </p:nvPr>
         </p:nvSpPr>
         <p:spPr>
           <a:xfrm>
-            <a:off x="7285494" y="3257550"/>
-            <a:ext cx="1629905" cy="600164"/>
+            <a:off x="6553200" y="4683919"/>
+            <a:ext cx="2133600" cy="357188"/>
           </a:xfrm>
-          <a:prstGeom prst="rect">
-            <a:avLst/>
-          </a:prstGeom>
-          <a:noFill/>
         </p:spPr>
         <p:txBody>
-          <a:bodyPr wrap="square" rtlCol="0">
-            <a:spAutoFit/>
-          </a:bodyPr>
+          <a:bodyPr/>
           <a:lstStyle/>
           <a:p>
-            <a:r>
-              <a:rPr lang="en-US" sz="1100" dirty="0">
-                <a:solidFill>
-                  <a:srgbClr val="0070C0"/>
-                </a:solidFill>
-                <a:latin typeface="Courier" pitchFamily="2" charset="0"/>
-              </a:rPr>
-              <a:t>* Provisioned, Flooded/Signaled or IANA Allocated</a:t>
-            </a:r>
+            <a:pPr>
+              <a:defRPr/>
+            </a:pPr>
+            <a:fld id="{BD6E0F59-1DD8-40FC-9C92-B6295CBA6CCA}" type="slidenum">
+              <a:rPr lang="en-US" altLang="zh-CN" smtClean="0"/>
+              <a:pPr>
+                <a:defRPr/>
+              </a:pPr>
+              <a:t>7</a:t>
+            </a:fld>
+            <a:endParaRPr lang="en-US" altLang="zh-CN" dirty="0"/>
           </a:p>
         </p:txBody>
       </p:sp>
     </p:spTree>
     <p:extLst>
       <p:ext uri="{BB962C8B-B14F-4D97-AF65-F5344CB8AC3E}">
-        <p14:creationId xmlns:p14="http://schemas.microsoft.com/office/powerpoint/2010/main" val="21907870"/>
+        <p14:creationId xmlns:p14="http://schemas.microsoft.com/office/powerpoint/2010/main" val="3722295587"/>
       </p:ext>
     </p:extLst>
   </p:cSld>
@@ -11042,7 +11246,13 @@
       </p:grpSpPr>
       <p:sp>
         <p:nvSpPr>
-          <p:cNvPr id="2" name="Title 1"/>
+          <p:cNvPr id="2" name="Title 1">
+            <a:extLst>
+              <a:ext uri="{FF2B5EF4-FFF2-40B4-BE49-F238E27FC236}">
+                <a16:creationId xmlns:a16="http://schemas.microsoft.com/office/drawing/2014/main" id="{9A6F4236-AC14-394A-A36C-F2BD8CED3237}"/>
+              </a:ext>
+            </a:extLst>
+          </p:cNvPr>
           <p:cNvSpPr>
             <a:spLocks noGrp="1"/>
           </p:cNvSpPr>
@@ -11052,8 +11262,8 @@
         </p:nvSpPr>
         <p:spPr>
           <a:xfrm>
-            <a:off x="24974" y="0"/>
-            <a:ext cx="9144000" cy="731027"/>
+            <a:off x="457200" y="-19050"/>
+            <a:ext cx="8229600" cy="753591"/>
           </a:xfrm>
         </p:spPr>
         <p:txBody>
@@ -11061,21 +11271,68 @@
           <a:lstStyle/>
           <a:p>
             <a:r>
-              <a:rPr lang="en-US" sz="3000" dirty="0">
+              <a:rPr lang="en-US" sz="3200" dirty="0">
                 <a:solidFill>
                   <a:srgbClr val="0070C0"/>
                 </a:solidFill>
                 <a:latin typeface="Calibri Light" panose="020F0302020204030204" pitchFamily="34" charset="0"/>
                 <a:cs typeface="Calibri Light" panose="020F0302020204030204" pitchFamily="34" charset="0"/>
               </a:rPr>
-              <a:t>Probe Message Formats</a:t>
-            </a:r>
-          </a:p>
-        </p:txBody>
-      </p:sp>
-      <p:sp>
-        <p:nvSpPr>
-          <p:cNvPr id="5" name="Slide Number Placeholder 4"/>
+              <a:t>Example Provisioning Model</a:t>
+            </a:r>
+          </a:p>
+        </p:txBody>
+      </p:sp>
+      <p:sp>
+        <p:nvSpPr>
+          <p:cNvPr id="4" name="Footer Placeholder 3">
+            <a:extLst>
+              <a:ext uri="{FF2B5EF4-FFF2-40B4-BE49-F238E27FC236}">
+                <a16:creationId xmlns:a16="http://schemas.microsoft.com/office/drawing/2014/main" id="{643D160E-CC3C-EB46-A6F1-43B8E2996F46}"/>
+              </a:ext>
+            </a:extLst>
+          </p:cNvPr>
+          <p:cNvSpPr>
+            <a:spLocks noGrp="1"/>
+          </p:cNvSpPr>
+          <p:nvPr>
+            <p:ph type="ftr" sz="quarter" idx="11"/>
+          </p:nvPr>
+        </p:nvSpPr>
+        <p:spPr>
+          <a:xfrm>
+            <a:off x="3124200" y="4841881"/>
+            <a:ext cx="2895600" cy="357188"/>
+          </a:xfrm>
+        </p:spPr>
+        <p:txBody>
+          <a:bodyPr/>
+          <a:lstStyle/>
+          <a:p>
+            <a:r>
+              <a:rPr lang="en-CA" dirty="0"/>
+              <a:t>109</a:t>
+            </a:r>
+            <a:r>
+              <a:rPr lang="en-CA" baseline="30000" dirty="0"/>
+              <a:t>th</a:t>
+            </a:r>
+            <a:r>
+              <a:rPr lang="en-CA" dirty="0"/>
+              <a:t> IETF Online</a:t>
+            </a:r>
+          </a:p>
+        </p:txBody>
+      </p:sp>
+      <p:sp>
+        <p:nvSpPr>
+          <p:cNvPr id="5" name="Slide Number Placeholder 4">
+            <a:extLst>
+              <a:ext uri="{FF2B5EF4-FFF2-40B4-BE49-F238E27FC236}">
+                <a16:creationId xmlns:a16="http://schemas.microsoft.com/office/drawing/2014/main" id="{A8B868AE-B105-7547-A646-14FCDF91C2DD}"/>
+              </a:ext>
+            </a:extLst>
+          </p:cNvPr>
           <p:cNvSpPr>
             <a:spLocks noGrp="1"/>
           </p:cNvSpPr>
@@ -11104,10 +11361,10 @@
       </p:sp>
       <p:sp>
         <p:nvSpPr>
-          <p:cNvPr id="6" name="Rectangle 5">
+          <p:cNvPr id="7" name="Rectangle 6">
             <a:extLst>
               <a:ext uri="{FF2B5EF4-FFF2-40B4-BE49-F238E27FC236}">
-                <a16:creationId xmlns:a16="http://schemas.microsoft.com/office/drawing/2014/main" id="{4C15A4CE-6545-5142-97A8-EDA8B07CB60B}"/>
+                <a16:creationId xmlns:a16="http://schemas.microsoft.com/office/drawing/2014/main" id="{AA6E66CA-28BC-2C4A-BC04-4600D8FEBF3B}"/>
               </a:ext>
             </a:extLst>
           </p:cNvPr>
@@ -11116,8 +11373,8 @@
         </p:nvSpPr>
         <p:spPr>
           <a:xfrm>
-            <a:off x="329774" y="2125517"/>
-            <a:ext cx="4242226" cy="2554545"/>
+            <a:off x="1371600" y="694047"/>
+            <a:ext cx="5905500" cy="3931141"/>
           </a:xfrm>
           <a:prstGeom prst="rect">
             <a:avLst/>
@@ -11135,456 +11392,377 @@
           </a:bodyPr>
           <a:lstStyle/>
           <a:p>
-            <a:r>
-              <a:rPr lang="en-CA" sz="800" dirty="0">
-                <a:latin typeface="Courier" pitchFamily="2" charset="0"/>
-              </a:rPr>
-              <a:t> +-+-+-+-+-+-+-+-+-+-+-+-+-+-+-+-+-+-+-+-+-+-+-+-+-+-+-+-+-+-+-+-+</a:t>
-            </a:r>
-          </a:p>
-          <a:p>
-            <a:r>
-              <a:rPr lang="en-CA" sz="800" dirty="0">
-                <a:latin typeface="Courier" pitchFamily="2" charset="0"/>
-              </a:rPr>
-              <a:t> |                     Sequence Number                           |</a:t>
-            </a:r>
-          </a:p>
-          <a:p>
-            <a:r>
-              <a:rPr lang="en-CA" sz="800" dirty="0">
-                <a:latin typeface="Courier" pitchFamily="2" charset="0"/>
-              </a:rPr>
-              <a:t> +-+-+-+-+-+-+-+-+-+-+-+-+-+-+-+-+-+-+-+-+-+-+-+-+-+-+-+-+-+-+-+-+</a:t>
-            </a:r>
-          </a:p>
-          <a:p>
-            <a:r>
-              <a:rPr lang="en-CA" sz="800" dirty="0">
-                <a:latin typeface="Courier" pitchFamily="2" charset="0"/>
-              </a:rPr>
-              <a:t> |                     Transmit Timestamp (t1)                   |</a:t>
-            </a:r>
-          </a:p>
-          <a:p>
-            <a:r>
-              <a:rPr lang="en-CA" sz="800" dirty="0">
-                <a:latin typeface="Courier" pitchFamily="2" charset="0"/>
-              </a:rPr>
-              <a:t> |                                                               |</a:t>
-            </a:r>
-          </a:p>
-          <a:p>
-            <a:r>
-              <a:rPr lang="en-CA" sz="800" dirty="0">
-                <a:latin typeface="Courier" pitchFamily="2" charset="0"/>
-              </a:rPr>
-              <a:t> +-+-+-+-+-+-+-+-+-+-+-+-+-+-+-+-+-+-+-+-+-+-+-+-+-+-+-+-+-+-+-+-+</a:t>
-            </a:r>
-          </a:p>
-          <a:p>
-            <a:r>
-              <a:rPr lang="en-CA" sz="800" dirty="0">
-                <a:latin typeface="Courier" pitchFamily="2" charset="0"/>
-              </a:rPr>
-              <a:t> |  Transmit Error Estimate      |  MBZ                          |</a:t>
-            </a:r>
-          </a:p>
-          <a:p>
-            <a:r>
-              <a:rPr lang="en-CA" sz="800" dirty="0">
-                <a:latin typeface="Courier" pitchFamily="2" charset="0"/>
-              </a:rPr>
-              <a:t> +-+-+-+-+-+-+-+-+-+-+-+-+-+-+-+-+-+-+-+-+-+-+-+-+-+-+-+-+-+-+-+-+</a:t>
-            </a:r>
-          </a:p>
-          <a:p>
-            <a:r>
-              <a:rPr lang="en-CA" sz="800" dirty="0">
-                <a:latin typeface="Courier" pitchFamily="2" charset="0"/>
-              </a:rPr>
-              <a:t> |                     Receive Timestamp (t2)                    |</a:t>
-            </a:r>
-          </a:p>
-          <a:p>
-            <a:r>
-              <a:rPr lang="en-CA" sz="800" dirty="0">
-                <a:latin typeface="Courier" pitchFamily="2" charset="0"/>
-              </a:rPr>
-              <a:t> |                                                               |</a:t>
-            </a:r>
-          </a:p>
-          <a:p>
-            <a:r>
-              <a:rPr lang="en-CA" sz="800" dirty="0">
-                <a:latin typeface="Courier" pitchFamily="2" charset="0"/>
-              </a:rPr>
-              <a:t> +-+-+-+-+-+-+-+-+-+-+-+-+-+-+-+-+-+-+-+-+-+-+-+-+-+-+-+-+-+-+-+-+</a:t>
-            </a:r>
-          </a:p>
-          <a:p>
-            <a:r>
-              <a:rPr lang="en-CA" sz="800" dirty="0">
-                <a:latin typeface="Courier" pitchFamily="2" charset="0"/>
-              </a:rPr>
-              <a:t> |  Receive Error Estimate       |  MBZ                          |</a:t>
-            </a:r>
-          </a:p>
-          <a:p>
-            <a:r>
-              <a:rPr lang="en-CA" sz="800" dirty="0">
-                <a:latin typeface="Courier" pitchFamily="2" charset="0"/>
-              </a:rPr>
-              <a:t> +-+-+-+-+-+-+-+-+-+-+-+-+-+-+-+-+-+-+-+-+-+-+-+-+-+-+-+-+-+-+-+-+</a:t>
-            </a:r>
-          </a:p>
-          <a:p>
-            <a:r>
-              <a:rPr lang="en-CA" sz="800" dirty="0">
-                <a:latin typeface="Courier" pitchFamily="2" charset="0"/>
-              </a:rPr>
-              <a:t> .                     Variable Length Padding                   .</a:t>
-            </a:r>
-          </a:p>
-          <a:p>
-            <a:r>
-              <a:rPr lang="en-CA" sz="800" dirty="0">
-                <a:latin typeface="Courier" pitchFamily="2" charset="0"/>
-              </a:rPr>
-              <a:t> ~                                                               ~</a:t>
-            </a:r>
-          </a:p>
-          <a:p>
-            <a:r>
-              <a:rPr lang="en-CA" sz="800" dirty="0">
-                <a:latin typeface="Courier" pitchFamily="2" charset="0"/>
-              </a:rPr>
-              <a:t> .                                                               .</a:t>
-            </a:r>
-          </a:p>
-          <a:p>
-            <a:r>
-              <a:rPr lang="en-CA" sz="800" dirty="0">
-                <a:latin typeface="Courier" pitchFamily="2" charset="0"/>
-              </a:rPr>
-              <a:t> .                                                               .</a:t>
-            </a:r>
-          </a:p>
-          <a:p>
-            <a:r>
-              <a:rPr lang="en-CA" sz="800" dirty="0">
-                <a:latin typeface="Courier" pitchFamily="2" charset="0"/>
-              </a:rPr>
-              <a:t> +-+-+-+-+-+-+-+-+-+-+-+-+-+-+-+-+-+-+-+-+-+-+-+-+-+-+-+-+-+-+-+-+</a:t>
-            </a:r>
-          </a:p>
-          <a:p>
-            <a:endParaRPr lang="en-CA" sz="800" dirty="0">
-              <a:solidFill>
-                <a:schemeClr val="bg2">
-                  <a:lumMod val="50000"/>
-                </a:schemeClr>
-              </a:solidFill>
+            <a:pPr>
+              <a:lnSpc>
+                <a:spcPts val="1540"/>
+              </a:lnSpc>
+            </a:pPr>
+            <a:r>
+              <a:rPr lang="en-CA" sz="1050" dirty="0">
+                <a:latin typeface="Courier" pitchFamily="2" charset="0"/>
+              </a:rPr>
+              <a:t>                               +------------+</a:t>
+            </a:r>
+          </a:p>
+          <a:p>
+            <a:pPr>
+              <a:lnSpc>
+                <a:spcPts val="1540"/>
+              </a:lnSpc>
+            </a:pPr>
+            <a:r>
+              <a:rPr lang="en-CA" sz="1050" dirty="0">
+                <a:latin typeface="Courier" pitchFamily="2" charset="0"/>
+              </a:rPr>
+              <a:t>                               | Controller |</a:t>
+            </a:r>
+          </a:p>
+          <a:p>
+            <a:pPr>
+              <a:lnSpc>
+                <a:spcPts val="1540"/>
+              </a:lnSpc>
+            </a:pPr>
+            <a:r>
+              <a:rPr lang="en-CA" sz="1050" dirty="0">
+                <a:latin typeface="Courier" pitchFamily="2" charset="0"/>
+              </a:rPr>
+              <a:t>                               +------------+</a:t>
+            </a:r>
+          </a:p>
+          <a:p>
+            <a:pPr>
+              <a:lnSpc>
+                <a:spcPts val="1540"/>
+              </a:lnSpc>
+            </a:pPr>
+            <a:r>
+              <a:rPr lang="en-CA" sz="1050" dirty="0">
+                <a:latin typeface="Courier" pitchFamily="2" charset="0"/>
+              </a:rPr>
+              <a:t>     PDLM Mode                     /    \      </a:t>
+            </a:r>
+            <a:r>
+              <a:rPr lang="en-CA" sz="1050" dirty="0">
+                <a:solidFill>
+                  <a:srgbClr val="0070C0"/>
+                </a:solidFill>
+                <a:latin typeface="Courier" pitchFamily="2" charset="0"/>
+              </a:rPr>
+              <a:t>Timestamp Label/SRv6 EP*</a:t>
+            </a:r>
+          </a:p>
+          <a:p>
+            <a:pPr>
+              <a:lnSpc>
+                <a:spcPts val="1540"/>
+              </a:lnSpc>
+            </a:pPr>
+            <a:r>
+              <a:rPr lang="en-CA" sz="1050" dirty="0">
+                <a:latin typeface="Courier" pitchFamily="2" charset="0"/>
+              </a:rPr>
+              <a:t>       LB or Enhanced Mode        /      \       </a:t>
+            </a:r>
+            <a:r>
+              <a:rPr lang="en-CA" sz="1050" dirty="0">
+                <a:solidFill>
+                  <a:srgbClr val="0070C0"/>
+                </a:solidFill>
+                <a:latin typeface="Courier" pitchFamily="2" charset="0"/>
+              </a:rPr>
+              <a:t>Timestamp2 Offset</a:t>
+            </a:r>
+          </a:p>
+          <a:p>
+            <a:pPr>
+              <a:lnSpc>
+                <a:spcPts val="1540"/>
+              </a:lnSpc>
+            </a:pPr>
+            <a:r>
+              <a:rPr lang="en-CA" sz="1050" dirty="0">
+                <a:latin typeface="Courier" pitchFamily="2" charset="0"/>
+              </a:rPr>
+              <a:t>     Message Format              /        \      </a:t>
+            </a:r>
+            <a:r>
+              <a:rPr lang="en-CA" sz="1050" dirty="0">
+                <a:solidFill>
+                  <a:srgbClr val="0070C0"/>
+                </a:solidFill>
+                <a:latin typeface="Courier" pitchFamily="2" charset="0"/>
+              </a:rPr>
+              <a:t>Timestamp Format</a:t>
+            </a:r>
+          </a:p>
+          <a:p>
+            <a:pPr>
+              <a:lnSpc>
+                <a:spcPts val="1540"/>
+              </a:lnSpc>
+            </a:pPr>
+            <a:r>
+              <a:rPr lang="en-CA" sz="1050" dirty="0">
+                <a:latin typeface="Courier" pitchFamily="2" charset="0"/>
+              </a:rPr>
+              <a:t>     Missed Probe Message Count /          \</a:t>
+            </a:r>
+          </a:p>
+          <a:p>
+            <a:pPr>
+              <a:lnSpc>
+                <a:spcPts val="1540"/>
+              </a:lnSpc>
+            </a:pPr>
+            <a:r>
+              <a:rPr lang="en-CA" sz="1050" dirty="0">
+                <a:latin typeface="Courier" pitchFamily="2" charset="0"/>
+              </a:rPr>
+              <a:t>     </a:t>
+            </a:r>
+            <a:r>
+              <a:rPr lang="en-CA" sz="1050" dirty="0">
+                <a:solidFill>
+                  <a:srgbClr val="0070C0"/>
+                </a:solidFill>
+                <a:latin typeface="Courier" pitchFamily="2" charset="0"/>
+              </a:rPr>
+              <a:t>Timestamp Label/SRv6 EP*</a:t>
+            </a:r>
+            <a:r>
+              <a:rPr lang="en-CA" sz="1050" dirty="0">
+                <a:latin typeface="Courier" pitchFamily="2" charset="0"/>
+              </a:rPr>
+              <a:t>  /            \</a:t>
+            </a:r>
+          </a:p>
+          <a:p>
+            <a:pPr>
+              <a:lnSpc>
+                <a:spcPts val="1540"/>
+              </a:lnSpc>
+            </a:pPr>
+            <a:r>
+              <a:rPr lang="en-CA" sz="1050" dirty="0">
+                <a:latin typeface="Courier" pitchFamily="2" charset="0"/>
+              </a:rPr>
+              <a:t>       </a:t>
+            </a:r>
+            <a:r>
+              <a:rPr lang="en-CA" sz="1050" dirty="0">
+                <a:solidFill>
+                  <a:srgbClr val="0070C0"/>
+                </a:solidFill>
+                <a:latin typeface="Courier" pitchFamily="2" charset="0"/>
+              </a:rPr>
+              <a:t>Timestamp Format       </a:t>
+            </a:r>
+            <a:r>
+              <a:rPr lang="en-CA" sz="1050" dirty="0">
+                <a:latin typeface="Courier" pitchFamily="2" charset="0"/>
+              </a:rPr>
+              <a:t>/              \</a:t>
+            </a:r>
+          </a:p>
+          <a:p>
+            <a:pPr>
+              <a:lnSpc>
+                <a:spcPts val="1540"/>
+              </a:lnSpc>
+            </a:pPr>
+            <a:r>
+              <a:rPr lang="en-CA" sz="1050" dirty="0">
+                <a:latin typeface="Courier" pitchFamily="2" charset="0"/>
+              </a:rPr>
+              <a:t>     Delay threshold/Count   /                \</a:t>
+            </a:r>
+          </a:p>
+          <a:p>
+            <a:pPr>
+              <a:lnSpc>
+                <a:spcPts val="1540"/>
+              </a:lnSpc>
+            </a:pPr>
+            <a:r>
+              <a:rPr lang="en-CA" sz="1050" dirty="0">
+                <a:latin typeface="Courier" pitchFamily="2" charset="0"/>
+              </a:rPr>
+              <a:t>     Source/</a:t>
+            </a:r>
+            <a:r>
+              <a:rPr lang="en-CA" sz="1050" dirty="0" err="1">
+                <a:latin typeface="Courier" pitchFamily="2" charset="0"/>
+              </a:rPr>
+              <a:t>Dest</a:t>
+            </a:r>
+            <a:r>
+              <a:rPr lang="en-CA" sz="1050" dirty="0">
+                <a:latin typeface="Courier" pitchFamily="2" charset="0"/>
+              </a:rPr>
+              <a:t> UDP Ports  /                  \</a:t>
+            </a:r>
+          </a:p>
+          <a:p>
+            <a:pPr>
+              <a:lnSpc>
+                <a:spcPts val="1540"/>
+              </a:lnSpc>
+            </a:pPr>
+            <a:r>
+              <a:rPr lang="en-CA" sz="1050" dirty="0">
+                <a:latin typeface="Courier" pitchFamily="2" charset="0"/>
+              </a:rPr>
+              <a:t>                           v                    v</a:t>
+            </a:r>
+          </a:p>
+          <a:p>
+            <a:pPr>
+              <a:lnSpc>
+                <a:spcPts val="1540"/>
+              </a:lnSpc>
+            </a:pPr>
+            <a:r>
+              <a:rPr lang="en-CA" sz="1050" dirty="0">
+                <a:latin typeface="Courier" pitchFamily="2" charset="0"/>
+              </a:rPr>
+              <a:t>                       +-------+            +-------+</a:t>
+            </a:r>
+          </a:p>
+          <a:p>
+            <a:pPr>
+              <a:lnSpc>
+                <a:spcPts val="1540"/>
+              </a:lnSpc>
+            </a:pPr>
+            <a:r>
+              <a:rPr lang="en-CA" sz="1050" dirty="0">
+                <a:latin typeface="Courier" pitchFamily="2" charset="0"/>
+              </a:rPr>
+              <a:t>                       |       |            |       |</a:t>
+            </a:r>
+          </a:p>
+          <a:p>
+            <a:pPr>
+              <a:lnSpc>
+                <a:spcPts val="1540"/>
+              </a:lnSpc>
+            </a:pPr>
+            <a:r>
+              <a:rPr lang="en-CA" sz="1050" dirty="0">
+                <a:latin typeface="Courier" pitchFamily="2" charset="0"/>
+              </a:rPr>
+              <a:t>                       |   R1  |============|   R5  |</a:t>
+            </a:r>
+          </a:p>
+          <a:p>
+            <a:pPr>
+              <a:lnSpc>
+                <a:spcPts val="1540"/>
+              </a:lnSpc>
+            </a:pPr>
+            <a:r>
+              <a:rPr lang="en-CA" sz="1050" dirty="0">
+                <a:latin typeface="Courier" pitchFamily="2" charset="0"/>
+              </a:rPr>
+              <a:t>                       |       |  SR Path   |       |</a:t>
+            </a:r>
+          </a:p>
+          <a:p>
+            <a:pPr>
+              <a:lnSpc>
+                <a:spcPts val="1540"/>
+              </a:lnSpc>
+            </a:pPr>
+            <a:r>
+              <a:rPr lang="en-CA" sz="1050" dirty="0">
+                <a:latin typeface="Courier" pitchFamily="2" charset="0"/>
+              </a:rPr>
+              <a:t>                       +-------+            +-------+</a:t>
+            </a:r>
+          </a:p>
+          <a:p>
+            <a:pPr>
+              <a:lnSpc>
+                <a:spcPts val="1540"/>
+              </a:lnSpc>
+            </a:pPr>
+            <a:r>
+              <a:rPr lang="en-CA" sz="1050" dirty="0">
+                <a:latin typeface="Courier" pitchFamily="2" charset="0"/>
+              </a:rPr>
+              <a:t>                        Sender              Reflector</a:t>
+            </a:r>
+          </a:p>
+          <a:p>
+            <a:pPr>
+              <a:lnSpc>
+                <a:spcPts val="1540"/>
+              </a:lnSpc>
+            </a:pPr>
+            <a:endParaRPr lang="en-CA" sz="1050" dirty="0">
               <a:latin typeface="Courier" pitchFamily="2" charset="0"/>
             </a:endParaRPr>
           </a:p>
           <a:p>
-            <a:r>
-              <a:rPr lang="en-CA" sz="800" dirty="0">
-                <a:latin typeface="Courier" pitchFamily="2" charset="0"/>
-              </a:rPr>
-              <a:t>               TWAMP Compatible Probe Message Format</a:t>
-            </a:r>
-            <a:endParaRPr lang="en-US" sz="800" dirty="0">
-              <a:latin typeface="Courier" pitchFamily="2" charset="0"/>
-            </a:endParaRPr>
-          </a:p>
-        </p:txBody>
-      </p:sp>
-      <p:sp>
-        <p:nvSpPr>
-          <p:cNvPr id="8" name="Content Placeholder 7">
+            <a:pPr>
+              <a:lnSpc>
+                <a:spcPts val="1540"/>
+              </a:lnSpc>
+            </a:pPr>
+            <a:r>
+              <a:rPr lang="en-CA" sz="1050" dirty="0">
+                <a:latin typeface="Courier" pitchFamily="2" charset="0"/>
+              </a:rPr>
+              <a:t>                          Example Provisioning Model</a:t>
+            </a:r>
+          </a:p>
+        </p:txBody>
+      </p:sp>
+      <p:sp>
+        <p:nvSpPr>
+          <p:cNvPr id="3" name="TextBox 2">
             <a:extLst>
               <a:ext uri="{FF2B5EF4-FFF2-40B4-BE49-F238E27FC236}">
-                <a16:creationId xmlns:a16="http://schemas.microsoft.com/office/drawing/2014/main" id="{FC6E1890-536D-9D49-8207-C42BBF301FF3}"/>
+                <a16:creationId xmlns:a16="http://schemas.microsoft.com/office/drawing/2014/main" id="{AE7FA884-76F1-D743-8A93-0084B2789ED9}"/>
               </a:ext>
             </a:extLst>
           </p:cNvPr>
-          <p:cNvSpPr>
-            <a:spLocks noGrp="1"/>
-          </p:cNvSpPr>
-          <p:nvPr>
-            <p:ph idx="1"/>
-          </p:nvPr>
+          <p:cNvSpPr txBox="1"/>
+          <p:nvPr/>
         </p:nvSpPr>
         <p:spPr>
           <a:xfrm>
-            <a:off x="464738" y="652095"/>
-            <a:ext cx="8264471" cy="1462454"/>
-          </a:xfrm>
-        </p:spPr>
-        <p:txBody>
-          <a:bodyPr/>
-          <a:lstStyle/>
-          <a:p>
-            <a:r>
-              <a:rPr lang="en-US" sz="1400" dirty="0"/>
-              <a:t>Leverage existing TWAMP implementations and deployments using compatible probe message format</a:t>
-            </a:r>
-          </a:p>
-          <a:p>
-            <a:r>
-              <a:rPr lang="en-US" sz="1400" dirty="0"/>
-              <a:t>Sender adds Transmit Timestamp (t1)</a:t>
-            </a:r>
-          </a:p>
-          <a:p>
-            <a:r>
-              <a:rPr lang="en-US" sz="1400" dirty="0"/>
-              <a:t>Reflector adds Receive Timestamp (t2) at offset-byte location in payload </a:t>
-            </a:r>
-          </a:p>
-          <a:p>
-            <a:pPr lvl="1"/>
-            <a:r>
-              <a:rPr lang="en-US" sz="1400" dirty="0"/>
-              <a:t>offset-byte 16 from the start of the payload, or</a:t>
-            </a:r>
-          </a:p>
-          <a:p>
-            <a:pPr lvl="1"/>
-            <a:r>
-              <a:rPr lang="en-US" sz="1400" dirty="0"/>
-              <a:t>locally provisioned location (consistently in the network) </a:t>
-            </a:r>
-          </a:p>
-        </p:txBody>
-      </p:sp>
-      <p:sp>
-        <p:nvSpPr>
-          <p:cNvPr id="4" name="Footer Placeholder 3"/>
-          <p:cNvSpPr>
-            <a:spLocks noGrp="1"/>
-          </p:cNvSpPr>
-          <p:nvPr>
-            <p:ph type="ftr" sz="quarter" idx="11"/>
-          </p:nvPr>
-        </p:nvSpPr>
-        <p:spPr>
-          <a:xfrm>
-            <a:off x="3124200" y="4786312"/>
-            <a:ext cx="2895600" cy="357188"/>
-          </a:xfrm>
-        </p:spPr>
-        <p:txBody>
-          <a:bodyPr/>
-          <a:lstStyle/>
-          <a:p>
-            <a:r>
-              <a:rPr lang="en-CA" dirty="0"/>
-              <a:t>MPLS WG Interim, September 2020</a:t>
-            </a:r>
-          </a:p>
-        </p:txBody>
-      </p:sp>
-      <p:sp>
-        <p:nvSpPr>
-          <p:cNvPr id="7" name="Rectangle 6">
-            <a:extLst>
-              <a:ext uri="{FF2B5EF4-FFF2-40B4-BE49-F238E27FC236}">
-                <a16:creationId xmlns:a16="http://schemas.microsoft.com/office/drawing/2014/main" id="{379A9A6A-2ADE-4772-8A9B-054CD2389A6C}"/>
-              </a:ext>
-            </a:extLst>
-          </p:cNvPr>
-          <p:cNvSpPr/>
-          <p:nvPr/>
-        </p:nvSpPr>
-        <p:spPr>
-          <a:xfrm>
-            <a:off x="4673174" y="2114550"/>
-            <a:ext cx="4242226" cy="2554545"/>
+            <a:off x="7285494" y="3257550"/>
+            <a:ext cx="1629905" cy="600164"/>
           </a:xfrm>
           <a:prstGeom prst="rect">
             <a:avLst/>
           </a:prstGeom>
-          <a:solidFill>
-            <a:schemeClr val="accent6">
-              <a:lumMod val="20000"/>
-              <a:lumOff val="80000"/>
-            </a:schemeClr>
-          </a:solidFill>
+          <a:noFill/>
         </p:spPr>
         <p:txBody>
-          <a:bodyPr wrap="square">
+          <a:bodyPr wrap="square" rtlCol="0">
             <a:spAutoFit/>
           </a:bodyPr>
           <a:lstStyle/>
           <a:p>
             <a:r>
-              <a:rPr lang="en-CA" sz="800" dirty="0">
-                <a:latin typeface="Courier" pitchFamily="2" charset="0"/>
-              </a:rPr>
-              <a:t> +-+-+-+-+-+-+-+-+-+-+-+-+-+-+-+-+-+-+-+-+-+-+-+-+-+-+-+-+-+-+-+-+</a:t>
-            </a:r>
-          </a:p>
-          <a:p>
-            <a:r>
-              <a:rPr lang="en-CA" sz="800" dirty="0">
-                <a:latin typeface="Courier" pitchFamily="2" charset="0"/>
-              </a:rPr>
-              <a:t> |                     Sequence Number                           |</a:t>
-            </a:r>
-          </a:p>
-          <a:p>
-            <a:r>
-              <a:rPr lang="en-CA" sz="800" dirty="0">
-                <a:latin typeface="Courier" pitchFamily="2" charset="0"/>
-              </a:rPr>
-              <a:t> +-+-+-+-+-+-+-+-+-+-+-+-+-+-+-+-+-+-+-+-+-+-+-+-+-+-+-+-+-+-+-+-+</a:t>
-            </a:r>
-          </a:p>
-          <a:p>
-            <a:r>
-              <a:rPr lang="en-CA" sz="800" dirty="0">
-                <a:latin typeface="Courier" pitchFamily="2" charset="0"/>
-              </a:rPr>
-              <a:t> |                     Transmit Timestamp (t1)                   |</a:t>
-            </a:r>
-          </a:p>
-          <a:p>
-            <a:r>
-              <a:rPr lang="en-CA" sz="800" dirty="0">
-                <a:latin typeface="Courier" pitchFamily="2" charset="0"/>
-              </a:rPr>
-              <a:t> |                                                               |</a:t>
-            </a:r>
-          </a:p>
-          <a:p>
-            <a:r>
-              <a:rPr lang="en-CA" sz="800" dirty="0">
-                <a:latin typeface="Courier" pitchFamily="2" charset="0"/>
-              </a:rPr>
-              <a:t> +-+-+-+-+-+-+-+-+-+-+-+-+-+-+-+-+-+-+-+-+-+-+-+-+-+-+-+-+-+-+-+-+</a:t>
-            </a:r>
-          </a:p>
-          <a:p>
-            <a:r>
-              <a:rPr lang="en-CA" sz="800" dirty="0">
-                <a:latin typeface="Courier" pitchFamily="2" charset="0"/>
-              </a:rPr>
-              <a:t> |  Transmit Error Estimate      |  SSID                         |</a:t>
-            </a:r>
-          </a:p>
-          <a:p>
-            <a:r>
-              <a:rPr lang="en-CA" sz="800" dirty="0">
-                <a:latin typeface="Courier" pitchFamily="2" charset="0"/>
-              </a:rPr>
-              <a:t> +-+-+-+-+-+-+-+-+-+-+-+-+-+-+-+-+-+-+-+-+-+-+-+-+-+-+-+-+-+-+-+-+</a:t>
-            </a:r>
-          </a:p>
-          <a:p>
-            <a:r>
-              <a:rPr lang="en-CA" sz="800" dirty="0">
-                <a:latin typeface="Courier" pitchFamily="2" charset="0"/>
-              </a:rPr>
-              <a:t> |                     Receive Timestamp (t2)                    |</a:t>
-            </a:r>
-          </a:p>
-          <a:p>
-            <a:r>
-              <a:rPr lang="en-CA" sz="800" dirty="0">
-                <a:latin typeface="Courier" pitchFamily="2" charset="0"/>
-              </a:rPr>
-              <a:t> |                                                               |</a:t>
-            </a:r>
-          </a:p>
-          <a:p>
-            <a:r>
-              <a:rPr lang="en-CA" sz="800" dirty="0">
-                <a:latin typeface="Courier" pitchFamily="2" charset="0"/>
-              </a:rPr>
-              <a:t> +-+-+-+-+-+-+-+-+-+-+-+-+-+-+-+-+-+-+-+-+-+-+-+-+-+-+-+-+-+-+-+-+</a:t>
-            </a:r>
-          </a:p>
-          <a:p>
-            <a:r>
-              <a:rPr lang="en-CA" sz="800" dirty="0">
-                <a:latin typeface="Courier" pitchFamily="2" charset="0"/>
-              </a:rPr>
-              <a:t> |  Receive Error Estimate       |  MBZ                          |</a:t>
-            </a:r>
-          </a:p>
-          <a:p>
-            <a:r>
-              <a:rPr lang="en-CA" sz="800" dirty="0">
-                <a:latin typeface="Courier" pitchFamily="2" charset="0"/>
-              </a:rPr>
-              <a:t> +-+-+-+-+-+-+-+-+-+-+-+-+-+-+-+-+-+-+-+-+-+-+-+-+-+-+-+-+-+-+-+-+</a:t>
-            </a:r>
-          </a:p>
-          <a:p>
-            <a:r>
-              <a:rPr lang="en-CA" sz="800" dirty="0">
-                <a:latin typeface="Courier" pitchFamily="2" charset="0"/>
-              </a:rPr>
-              <a:t> |                     Fixed Length Padding                      |</a:t>
-            </a:r>
-          </a:p>
-          <a:p>
-            <a:r>
-              <a:rPr lang="en-CA" sz="800" dirty="0">
-                <a:latin typeface="Courier" pitchFamily="2" charset="0"/>
-              </a:rPr>
-              <a:t> |                                                               |</a:t>
-            </a:r>
-          </a:p>
-          <a:p>
-            <a:r>
-              <a:rPr lang="en-CA" sz="800" dirty="0">
-                <a:latin typeface="Courier" pitchFamily="2" charset="0"/>
-              </a:rPr>
-              <a:t> |                                                               |</a:t>
-            </a:r>
-          </a:p>
-          <a:p>
-            <a:r>
-              <a:rPr lang="en-CA" sz="800" dirty="0">
-                <a:latin typeface="Courier" pitchFamily="2" charset="0"/>
-              </a:rPr>
-              <a:t> |                                                               |</a:t>
-            </a:r>
-          </a:p>
-          <a:p>
-            <a:r>
-              <a:rPr lang="en-CA" sz="800" dirty="0">
-                <a:latin typeface="Courier" pitchFamily="2" charset="0"/>
-              </a:rPr>
-              <a:t> +-+-+-+-+-+-+-+-+-+-+-+-+-+-+-+-+-+-+-+-+-+-+-+-+-+-+-+-+-+-+-+-+</a:t>
-            </a:r>
-          </a:p>
-          <a:p>
-            <a:br>
-              <a:rPr lang="en-CA" sz="800" dirty="0">
-                <a:latin typeface="Courier" pitchFamily="2" charset="0"/>
-              </a:rPr>
-            </a:br>
-            <a:r>
-              <a:rPr lang="en-CA" sz="800" dirty="0">
-                <a:latin typeface="Courier" pitchFamily="2" charset="0"/>
-              </a:rPr>
-              <a:t>                 STAMP Compatible Probe Message Format</a:t>
-            </a:r>
-            <a:endParaRPr lang="en-US" sz="800" dirty="0">
-              <a:latin typeface="Courier" pitchFamily="2" charset="0"/>
-            </a:endParaRPr>
+              <a:rPr lang="en-US" sz="1100" dirty="0">
+                <a:solidFill>
+                  <a:srgbClr val="0070C0"/>
+                </a:solidFill>
+                <a:latin typeface="Courier" pitchFamily="2" charset="0"/>
+              </a:rPr>
+              <a:t>* Provisioned, Flooded/Signaled or IANA Allocated</a:t>
+            </a:r>
           </a:p>
         </p:txBody>
       </p:sp>
     </p:spTree>
     <p:extLst>
       <p:ext uri="{BB962C8B-B14F-4D97-AF65-F5344CB8AC3E}">
-        <p14:creationId xmlns:p14="http://schemas.microsoft.com/office/powerpoint/2010/main" val="3909069486"/>
+        <p14:creationId xmlns:p14="http://schemas.microsoft.com/office/powerpoint/2010/main" val="21907870"/>
       </p:ext>
     </p:extLst>
   </p:cSld>
@@ -11623,8 +11801,8 @@
         </p:nvSpPr>
         <p:spPr>
           <a:xfrm>
-            <a:off x="0" y="0"/>
-            <a:ext cx="9144000" cy="640642"/>
+            <a:off x="24974" y="0"/>
+            <a:ext cx="9144000" cy="731027"/>
           </a:xfrm>
         </p:spPr>
         <p:txBody>
@@ -11632,41 +11810,14 @@
           <a:lstStyle/>
           <a:p>
             <a:r>
-              <a:rPr lang="en-US" sz="3200" dirty="0">
+              <a:rPr lang="en-US" sz="3000" dirty="0">
                 <a:solidFill>
                   <a:srgbClr val="0070C0"/>
                 </a:solidFill>
                 <a:latin typeface="Calibri Light" panose="020F0302020204030204" pitchFamily="34" charset="0"/>
                 <a:cs typeface="Calibri Light" panose="020F0302020204030204" pitchFamily="34" charset="0"/>
               </a:rPr>
-              <a:t>SR-MPLS with Timestamp Label</a:t>
-            </a:r>
-          </a:p>
-        </p:txBody>
-      </p:sp>
-      <p:sp>
-        <p:nvSpPr>
-          <p:cNvPr id="4" name="Footer Placeholder 3"/>
-          <p:cNvSpPr>
-            <a:spLocks noGrp="1"/>
-          </p:cNvSpPr>
-          <p:nvPr>
-            <p:ph type="ftr" sz="quarter" idx="11"/>
-          </p:nvPr>
-        </p:nvSpPr>
-        <p:spPr>
-          <a:xfrm>
-            <a:off x="2836126" y="4786312"/>
-            <a:ext cx="2895600" cy="357188"/>
-          </a:xfrm>
-        </p:spPr>
-        <p:txBody>
-          <a:bodyPr/>
-          <a:lstStyle/>
-          <a:p>
-            <a:r>
-              <a:rPr lang="en-CA" dirty="0"/>
-              <a:t>MPLS WG Interim, September 2020</a:t>
+              <a:t>Probe Message Formats</a:t>
             </a:r>
           </a:p>
         </p:txBody>
@@ -11714,8 +11865,8 @@
         </p:nvSpPr>
         <p:spPr>
           <a:xfrm>
-            <a:off x="336380" y="739794"/>
-            <a:ext cx="4468386" cy="3885679"/>
+            <a:off x="329774" y="2125517"/>
+            <a:ext cx="4242226" cy="2554545"/>
           </a:xfrm>
           <a:prstGeom prst="rect">
             <a:avLst/>
@@ -11734,88 +11885,166 @@
           <a:lstStyle/>
           <a:p>
             <a:r>
-              <a:rPr lang="en-CA" sz="850" dirty="0">
-                <a:latin typeface="Courier" pitchFamily="2" charset="0"/>
-              </a:rPr>
-              <a:t>0 1 2 3 4 5 6 7 8 9 0 1 2 3 4 5 6 7 8 9 0 1 2 3 4 5 6 7 8 9 0 1   +-+-+-+-+-+-+-+-+-+-+-+-+-+-+-+-+-+-+-+-+-+-+-+-+-+-+-+-+-+-+-+-+ |            Label(1)                   | TC  |S|      TTL      | +-+-+-+-+-+-+-+-+-+-+-+-+-+-+-+-+-+-+-+-+-+-+-+-+-+-+-+-+-+-+-+-+ .                                                               . .                                                               . .                                                               . +-+-+-+-+-+-+-+-+-+-+-+-+-+-+-+-+-+-+-+-+-+-+-+-+-+-+-+-+-+-+-+-+ |            Label(n)                   | TC  |S|      TTL      | +-+-+-+-+-+-+-+-+-+-+-+-+-+-+-+-+-+-+-+-+-+-+-+-+-+-+-+-+-+-+-+-+ |            Extension Label (15)       | TC  |S|      TTL      | +-+-+-+-+-+-+-+-+-+-+-+-+-+-+-+-+-+-+-+-+-+-+-+-+-+-+-+-+-+-+-+-+ |            </a:t>
-            </a:r>
-            <a:r>
-              <a:rPr lang="en-CA" sz="850" b="1" dirty="0">
-                <a:latin typeface="Courier" pitchFamily="2" charset="0"/>
-              </a:rPr>
-              <a:t>Timestamp Label (TBA1)     </a:t>
-            </a:r>
-            <a:r>
-              <a:rPr lang="en-CA" sz="850" dirty="0">
-                <a:latin typeface="Courier" pitchFamily="2" charset="0"/>
-              </a:rPr>
-              <a:t>| TC  |S|      TTL      | +-+-+-+-+-+-+-+-+-+-+-+-+-+-+-+-+-+-+-+-+-+-+-+-+-+-+-+-+-+-+-+-+ | IP Header                                                     | .  Source IP Address = </a:t>
-            </a:r>
-            <a:r>
-              <a:rPr lang="en-CA" sz="850" b="1" dirty="0">
-                <a:latin typeface="Courier" pitchFamily="2" charset="0"/>
-              </a:rPr>
-              <a:t>Reflector</a:t>
-            </a:r>
-            <a:r>
-              <a:rPr lang="en-CA" sz="850" dirty="0">
-                <a:latin typeface="Courier" pitchFamily="2" charset="0"/>
-              </a:rPr>
-              <a:t> IPv4 or IPv6 Address           . .  Destination IP Address = </a:t>
-            </a:r>
-            <a:r>
-              <a:rPr lang="en-CA" sz="850" b="1" dirty="0">
-                <a:latin typeface="Courier" pitchFamily="2" charset="0"/>
-              </a:rPr>
-              <a:t>Sender</a:t>
-            </a:r>
-            <a:r>
-              <a:rPr lang="en-CA" sz="850" dirty="0">
-                <a:latin typeface="Courier" pitchFamily="2" charset="0"/>
-              </a:rPr>
-              <a:t> IPv4 or IPv6 Address         .</a:t>
-            </a:r>
-          </a:p>
-          <a:p>
-            <a:r>
-              <a:rPr lang="en-CA" sz="850" dirty="0">
-                <a:latin typeface="Courier" pitchFamily="2" charset="0"/>
-              </a:rPr>
-              <a:t>.                                                               . </a:t>
-            </a:r>
-          </a:p>
-          <a:p>
-            <a:r>
-              <a:rPr lang="en-CA" sz="850" dirty="0">
-                <a:latin typeface="Courier" pitchFamily="2" charset="0"/>
-              </a:rPr>
-              <a:t>+---------------------------------------------------------------+ | UDP Header                                                    | .  Source Port = As chosen by Sender                            . .  Destination Port = As chosen by Sender                       . .                                                               . +---------------------------------------------------------------+ | Payload                                                       | </a:t>
-            </a:r>
-          </a:p>
-          <a:p>
-            <a:r>
-              <a:rPr lang="en-CA" sz="850" dirty="0">
-                <a:latin typeface="Courier" pitchFamily="2" charset="0"/>
-              </a:rPr>
-              <a:t>.                                                               . +---------------------------------------------------------------+</a:t>
-            </a:r>
-          </a:p>
-          <a:p>
-            <a:r>
-              <a:rPr lang="en-CA" sz="850" dirty="0">
-                <a:latin typeface="Courier" pitchFamily="2" charset="0"/>
-              </a:rPr>
-              <a:t>    </a:t>
-            </a:r>
-          </a:p>
-          <a:p>
-            <a:r>
-              <a:rPr lang="en-CA" sz="850" dirty="0">
-                <a:latin typeface="Courier" pitchFamily="2" charset="0"/>
-              </a:rPr>
-              <a:t>     Example Probe Message with Timestamp Label for SR-MPLS</a:t>
-            </a:r>
-            <a:endParaRPr lang="en-US" sz="850" dirty="0">
+              <a:rPr lang="en-CA" sz="800" dirty="0">
+                <a:latin typeface="Courier" pitchFamily="2" charset="0"/>
+              </a:rPr>
+              <a:t> +-+-+-+-+-+-+-+-+-+-+-+-+-+-+-+-+-+-+-+-+-+-+-+-+-+-+-+-+-+-+-+-+</a:t>
+            </a:r>
+          </a:p>
+          <a:p>
+            <a:r>
+              <a:rPr lang="en-CA" sz="800" dirty="0">
+                <a:latin typeface="Courier" pitchFamily="2" charset="0"/>
+              </a:rPr>
+              <a:t> |                     Sequence Number                           |</a:t>
+            </a:r>
+          </a:p>
+          <a:p>
+            <a:r>
+              <a:rPr lang="en-CA" sz="800" dirty="0">
+                <a:latin typeface="Courier" pitchFamily="2" charset="0"/>
+              </a:rPr>
+              <a:t> +-+-+-+-+-+-+-+-+-+-+-+-+-+-+-+-+-+-+-+-+-+-+-+-+-+-+-+-+-+-+-+-+</a:t>
+            </a:r>
+          </a:p>
+          <a:p>
+            <a:r>
+              <a:rPr lang="en-CA" sz="800" dirty="0">
+                <a:latin typeface="Courier" pitchFamily="2" charset="0"/>
+              </a:rPr>
+              <a:t> |                     Transmit Timestamp (t1)                   |</a:t>
+            </a:r>
+          </a:p>
+          <a:p>
+            <a:r>
+              <a:rPr lang="en-CA" sz="800" dirty="0">
+                <a:latin typeface="Courier" pitchFamily="2" charset="0"/>
+              </a:rPr>
+              <a:t> |                                                               |</a:t>
+            </a:r>
+          </a:p>
+          <a:p>
+            <a:r>
+              <a:rPr lang="en-CA" sz="800" dirty="0">
+                <a:latin typeface="Courier" pitchFamily="2" charset="0"/>
+              </a:rPr>
+              <a:t> +-+-+-+-+-+-+-+-+-+-+-+-+-+-+-+-+-+-+-+-+-+-+-+-+-+-+-+-+-+-+-+-+</a:t>
+            </a:r>
+          </a:p>
+          <a:p>
+            <a:r>
+              <a:rPr lang="en-CA" sz="800" dirty="0">
+                <a:latin typeface="Courier" pitchFamily="2" charset="0"/>
+              </a:rPr>
+              <a:t> |  Transmit Error Estimate      |  MBZ                          |</a:t>
+            </a:r>
+          </a:p>
+          <a:p>
+            <a:r>
+              <a:rPr lang="en-CA" sz="800" dirty="0">
+                <a:latin typeface="Courier" pitchFamily="2" charset="0"/>
+              </a:rPr>
+              <a:t> +-+-+-+-+-+-+-+-+-+-+-+-+-+-+-+-+-+-+-+-+-+-+-+-+-+-+-+-+-+-+-+-+</a:t>
+            </a:r>
+          </a:p>
+          <a:p>
+            <a:r>
+              <a:rPr lang="en-CA" sz="800" dirty="0">
+                <a:latin typeface="Courier" pitchFamily="2" charset="0"/>
+              </a:rPr>
+              <a:t> |                     Receive Timestamp (t2)                    |</a:t>
+            </a:r>
+          </a:p>
+          <a:p>
+            <a:r>
+              <a:rPr lang="en-CA" sz="800" dirty="0">
+                <a:latin typeface="Courier" pitchFamily="2" charset="0"/>
+              </a:rPr>
+              <a:t> |                                                               |</a:t>
+            </a:r>
+          </a:p>
+          <a:p>
+            <a:r>
+              <a:rPr lang="en-CA" sz="800" dirty="0">
+                <a:latin typeface="Courier" pitchFamily="2" charset="0"/>
+              </a:rPr>
+              <a:t> +-+-+-+-+-+-+-+-+-+-+-+-+-+-+-+-+-+-+-+-+-+-+-+-+-+-+-+-+-+-+-+-+</a:t>
+            </a:r>
+          </a:p>
+          <a:p>
+            <a:r>
+              <a:rPr lang="en-CA" sz="800" dirty="0">
+                <a:latin typeface="Courier" pitchFamily="2" charset="0"/>
+              </a:rPr>
+              <a:t> |  Receive Error Estimate       |  MBZ                          |</a:t>
+            </a:r>
+          </a:p>
+          <a:p>
+            <a:r>
+              <a:rPr lang="en-CA" sz="800" dirty="0">
+                <a:latin typeface="Courier" pitchFamily="2" charset="0"/>
+              </a:rPr>
+              <a:t> +-+-+-+-+-+-+-+-+-+-+-+-+-+-+-+-+-+-+-+-+-+-+-+-+-+-+-+-+-+-+-+-+</a:t>
+            </a:r>
+          </a:p>
+          <a:p>
+            <a:r>
+              <a:rPr lang="en-CA" sz="800" dirty="0">
+                <a:latin typeface="Courier" pitchFamily="2" charset="0"/>
+              </a:rPr>
+              <a:t> .                     Variable Length Padding                   .</a:t>
+            </a:r>
+          </a:p>
+          <a:p>
+            <a:r>
+              <a:rPr lang="en-CA" sz="800" dirty="0">
+                <a:latin typeface="Courier" pitchFamily="2" charset="0"/>
+              </a:rPr>
+              <a:t> ~                                                               ~</a:t>
+            </a:r>
+          </a:p>
+          <a:p>
+            <a:r>
+              <a:rPr lang="en-CA" sz="800" dirty="0">
+                <a:latin typeface="Courier" pitchFamily="2" charset="0"/>
+              </a:rPr>
+              <a:t> .                                                               .</a:t>
+            </a:r>
+          </a:p>
+          <a:p>
+            <a:r>
+              <a:rPr lang="en-CA" sz="800" dirty="0">
+                <a:latin typeface="Courier" pitchFamily="2" charset="0"/>
+              </a:rPr>
+              <a:t> .                                                               .</a:t>
+            </a:r>
+          </a:p>
+          <a:p>
+            <a:r>
+              <a:rPr lang="en-CA" sz="800" dirty="0">
+                <a:latin typeface="Courier" pitchFamily="2" charset="0"/>
+              </a:rPr>
+              <a:t> +-+-+-+-+-+-+-+-+-+-+-+-+-+-+-+-+-+-+-+-+-+-+-+-+-+-+-+-+-+-+-+-+</a:t>
+            </a:r>
+          </a:p>
+          <a:p>
+            <a:endParaRPr lang="en-CA" sz="800" dirty="0">
+              <a:solidFill>
+                <a:schemeClr val="bg2">
+                  <a:lumMod val="50000"/>
+                </a:schemeClr>
+              </a:solidFill>
+              <a:latin typeface="Courier" pitchFamily="2" charset="0"/>
+            </a:endParaRPr>
+          </a:p>
+          <a:p>
+            <a:r>
+              <a:rPr lang="en-CA" sz="800" dirty="0">
+                <a:latin typeface="Courier" pitchFamily="2" charset="0"/>
+              </a:rPr>
+              <a:t>               TWAMP Compatible Probe Message Format</a:t>
+            </a:r>
+            <a:endParaRPr lang="en-US" sz="800" dirty="0">
               <a:latin typeface="Courier" pitchFamily="2" charset="0"/>
             </a:endParaRPr>
           </a:p>
@@ -11839,8 +12068,8 @@
         </p:nvSpPr>
         <p:spPr>
           <a:xfrm>
-            <a:off x="5007827" y="1123950"/>
-            <a:ext cx="3678973" cy="2590800"/>
+            <a:off x="464738" y="652095"/>
+            <a:ext cx="8264471" cy="1462454"/>
           </a:xfrm>
         </p:spPr>
         <p:txBody>
@@ -11848,31 +12077,271 @@
           <a:lstStyle/>
           <a:p>
             <a:r>
-              <a:rPr lang="en-US" sz="1600" dirty="0"/>
-              <a:t>Timestamp label (TBA1) is defined for Timestamp, Pop and Forward function</a:t>
-            </a:r>
-          </a:p>
-          <a:p>
-            <a:r>
-              <a:rPr lang="en-US" sz="1600" dirty="0"/>
-              <a:t>Reverse Path can be IP or SR-MPLS</a:t>
-            </a:r>
-          </a:p>
-          <a:p>
-            <a:r>
-              <a:rPr lang="en-US" sz="1600" dirty="0"/>
-              <a:t>Source and Destination Addresses are swapped that represent the Reverse direction path</a:t>
-            </a:r>
-          </a:p>
-          <a:p>
-            <a:endParaRPr lang="en-US" sz="1600" dirty="0"/>
+              <a:rPr lang="en-US" sz="1400" dirty="0"/>
+              <a:t>Leverage existing TWAMP implementations and deployments using compatible probe message format</a:t>
+            </a:r>
+          </a:p>
+          <a:p>
+            <a:r>
+              <a:rPr lang="en-US" sz="1400" dirty="0"/>
+              <a:t>Sender adds Transmit Timestamp (t1)</a:t>
+            </a:r>
+          </a:p>
+          <a:p>
+            <a:r>
+              <a:rPr lang="en-US" sz="1400" dirty="0"/>
+              <a:t>Reflector adds Receive Timestamp (t2) at offset-byte location in payload </a:t>
+            </a:r>
+          </a:p>
+          <a:p>
+            <a:pPr lvl="1"/>
+            <a:r>
+              <a:rPr lang="en-US" sz="1400" dirty="0"/>
+              <a:t>offset-byte 16 from the start of the payload, or</a:t>
+            </a:r>
+          </a:p>
+          <a:p>
+            <a:pPr lvl="1"/>
+            <a:r>
+              <a:rPr lang="en-US" sz="1400" dirty="0"/>
+              <a:t>locally provisioned location (consistently in the network) </a:t>
+            </a:r>
+          </a:p>
+        </p:txBody>
+      </p:sp>
+      <p:sp>
+        <p:nvSpPr>
+          <p:cNvPr id="4" name="Footer Placeholder 3"/>
+          <p:cNvSpPr>
+            <a:spLocks noGrp="1"/>
+          </p:cNvSpPr>
+          <p:nvPr>
+            <p:ph type="ftr" sz="quarter" idx="11"/>
+          </p:nvPr>
+        </p:nvSpPr>
+        <p:spPr>
+          <a:xfrm>
+            <a:off x="3124200" y="4786312"/>
+            <a:ext cx="2895600" cy="357188"/>
+          </a:xfrm>
+        </p:spPr>
+        <p:txBody>
+          <a:bodyPr/>
+          <a:lstStyle/>
+          <a:p>
+            <a:r>
+              <a:rPr lang="en-CA" dirty="0"/>
+              <a:t>109</a:t>
+            </a:r>
+            <a:r>
+              <a:rPr lang="en-CA" baseline="30000" dirty="0"/>
+              <a:t>th</a:t>
+            </a:r>
+            <a:r>
+              <a:rPr lang="en-CA" dirty="0"/>
+              <a:t> IETF Online</a:t>
+            </a:r>
+          </a:p>
+        </p:txBody>
+      </p:sp>
+      <p:sp>
+        <p:nvSpPr>
+          <p:cNvPr id="7" name="Rectangle 6">
+            <a:extLst>
+              <a:ext uri="{FF2B5EF4-FFF2-40B4-BE49-F238E27FC236}">
+                <a16:creationId xmlns:a16="http://schemas.microsoft.com/office/drawing/2014/main" id="{379A9A6A-2ADE-4772-8A9B-054CD2389A6C}"/>
+              </a:ext>
+            </a:extLst>
+          </p:cNvPr>
+          <p:cNvSpPr/>
+          <p:nvPr/>
+        </p:nvSpPr>
+        <p:spPr>
+          <a:xfrm>
+            <a:off x="4673174" y="2114550"/>
+            <a:ext cx="4242226" cy="2554545"/>
+          </a:xfrm>
+          <a:prstGeom prst="rect">
+            <a:avLst/>
+          </a:prstGeom>
+          <a:solidFill>
+            <a:schemeClr val="accent6">
+              <a:lumMod val="20000"/>
+              <a:lumOff val="80000"/>
+            </a:schemeClr>
+          </a:solidFill>
+        </p:spPr>
+        <p:txBody>
+          <a:bodyPr wrap="square">
+            <a:spAutoFit/>
+          </a:bodyPr>
+          <a:lstStyle/>
+          <a:p>
+            <a:r>
+              <a:rPr lang="en-CA" sz="800" dirty="0">
+                <a:latin typeface="Courier" pitchFamily="2" charset="0"/>
+              </a:rPr>
+              <a:t> +-+-+-+-+-+-+-+-+-+-+-+-+-+-+-+-+-+-+-+-+-+-+-+-+-+-+-+-+-+-+-+-+</a:t>
+            </a:r>
+          </a:p>
+          <a:p>
+            <a:r>
+              <a:rPr lang="en-CA" sz="800" dirty="0">
+                <a:latin typeface="Courier" pitchFamily="2" charset="0"/>
+              </a:rPr>
+              <a:t> |                     Sequence Number                           |</a:t>
+            </a:r>
+          </a:p>
+          <a:p>
+            <a:r>
+              <a:rPr lang="en-CA" sz="800" dirty="0">
+                <a:latin typeface="Courier" pitchFamily="2" charset="0"/>
+              </a:rPr>
+              <a:t> +-+-+-+-+-+-+-+-+-+-+-+-+-+-+-+-+-+-+-+-+-+-+-+-+-+-+-+-+-+-+-+-+</a:t>
+            </a:r>
+          </a:p>
+          <a:p>
+            <a:r>
+              <a:rPr lang="en-CA" sz="800" dirty="0">
+                <a:latin typeface="Courier" pitchFamily="2" charset="0"/>
+              </a:rPr>
+              <a:t> |                     Transmit Timestamp (t1)                   |</a:t>
+            </a:r>
+          </a:p>
+          <a:p>
+            <a:r>
+              <a:rPr lang="en-CA" sz="800" dirty="0">
+                <a:latin typeface="Courier" pitchFamily="2" charset="0"/>
+              </a:rPr>
+              <a:t> |                                                               |</a:t>
+            </a:r>
+          </a:p>
+          <a:p>
+            <a:r>
+              <a:rPr lang="en-CA" sz="800" dirty="0">
+                <a:latin typeface="Courier" pitchFamily="2" charset="0"/>
+              </a:rPr>
+              <a:t> +-+-+-+-+-+-+-+-+-+-+-+-+-+-+-+-+-+-+-+-+-+-+-+-+-+-+-+-+-+-+-+-+</a:t>
+            </a:r>
+          </a:p>
+          <a:p>
+            <a:r>
+              <a:rPr lang="en-CA" sz="800" dirty="0">
+                <a:latin typeface="Courier" pitchFamily="2" charset="0"/>
+              </a:rPr>
+              <a:t> |  Transmit Error Estimate      |  SSID                         |</a:t>
+            </a:r>
+          </a:p>
+          <a:p>
+            <a:r>
+              <a:rPr lang="en-CA" sz="800" dirty="0">
+                <a:latin typeface="Courier" pitchFamily="2" charset="0"/>
+              </a:rPr>
+              <a:t> +-+-+-+-+-+-+-+-+-+-+-+-+-+-+-+-+-+-+-+-+-+-+-+-+-+-+-+-+-+-+-+-+</a:t>
+            </a:r>
+          </a:p>
+          <a:p>
+            <a:r>
+              <a:rPr lang="en-CA" sz="800" dirty="0">
+                <a:latin typeface="Courier" pitchFamily="2" charset="0"/>
+              </a:rPr>
+              <a:t> |                     Receive Timestamp (t2)                    |</a:t>
+            </a:r>
+          </a:p>
+          <a:p>
+            <a:r>
+              <a:rPr lang="en-CA" sz="800" dirty="0">
+                <a:latin typeface="Courier" pitchFamily="2" charset="0"/>
+              </a:rPr>
+              <a:t> |                                                               |</a:t>
+            </a:r>
+          </a:p>
+          <a:p>
+            <a:r>
+              <a:rPr lang="en-CA" sz="800" dirty="0">
+                <a:latin typeface="Courier" pitchFamily="2" charset="0"/>
+              </a:rPr>
+              <a:t> +-+-+-+-+-+-+-+-+-+-+-+-+-+-+-+-+-+-+-+-+-+-+-+-+-+-+-+-+-+-+-+-+</a:t>
+            </a:r>
+          </a:p>
+          <a:p>
+            <a:r>
+              <a:rPr lang="en-CA" sz="800" dirty="0">
+                <a:latin typeface="Courier" pitchFamily="2" charset="0"/>
+              </a:rPr>
+              <a:t> |  Receive Error Estimate       |  MBZ                          |</a:t>
+            </a:r>
+          </a:p>
+          <a:p>
+            <a:r>
+              <a:rPr lang="en-CA" sz="800" dirty="0">
+                <a:latin typeface="Courier" pitchFamily="2" charset="0"/>
+              </a:rPr>
+              <a:t> +-+-+-+-+-+-+-+-+-+-+-+-+-+-+-+-+-+-+-+-+-+-+-+-+-+-+-+-+-+-+-+-+</a:t>
+            </a:r>
+          </a:p>
+          <a:p>
+            <a:r>
+              <a:rPr lang="en-CA" sz="800" dirty="0">
+                <a:latin typeface="Courier" pitchFamily="2" charset="0"/>
+              </a:rPr>
+              <a:t> |                     Fixed Length Padding                      |</a:t>
+            </a:r>
+          </a:p>
+          <a:p>
+            <a:r>
+              <a:rPr lang="en-CA" sz="800" dirty="0">
+                <a:latin typeface="Courier" pitchFamily="2" charset="0"/>
+              </a:rPr>
+              <a:t> |                                                               |</a:t>
+            </a:r>
+          </a:p>
+          <a:p>
+            <a:r>
+              <a:rPr lang="en-CA" sz="800" dirty="0">
+                <a:latin typeface="Courier" pitchFamily="2" charset="0"/>
+              </a:rPr>
+              <a:t> |                                                               |</a:t>
+            </a:r>
+          </a:p>
+          <a:p>
+            <a:r>
+              <a:rPr lang="en-CA" sz="800" dirty="0">
+                <a:latin typeface="Courier" pitchFamily="2" charset="0"/>
+              </a:rPr>
+              <a:t> |                                                               |</a:t>
+            </a:r>
+          </a:p>
+          <a:p>
+            <a:r>
+              <a:rPr lang="en-CA" sz="800" dirty="0">
+                <a:latin typeface="Courier" pitchFamily="2" charset="0"/>
+              </a:rPr>
+              <a:t> +-+-+-+-+-+-+-+-+-+-+-+-+-+-+-+-+-+-+-+-+-+-+-+-+-+-+-+-+-+-+-+-+</a:t>
+            </a:r>
+          </a:p>
+          <a:p>
+            <a:br>
+              <a:rPr lang="en-CA" sz="800" dirty="0">
+                <a:latin typeface="Courier" pitchFamily="2" charset="0"/>
+              </a:rPr>
+            </a:br>
+            <a:r>
+              <a:rPr lang="en-CA" sz="800" dirty="0">
+                <a:latin typeface="Courier" pitchFamily="2" charset="0"/>
+              </a:rPr>
+              <a:t>                 STAMP Compatible Probe Message Format</a:t>
+            </a:r>
+            <a:endParaRPr lang="en-US" sz="800" dirty="0">
+              <a:latin typeface="Courier" pitchFamily="2" charset="0"/>
+            </a:endParaRPr>
           </a:p>
         </p:txBody>
       </p:sp>
     </p:spTree>
     <p:extLst>
       <p:ext uri="{BB962C8B-B14F-4D97-AF65-F5344CB8AC3E}">
-        <p14:creationId xmlns:p14="http://schemas.microsoft.com/office/powerpoint/2010/main" val="3257992778"/>
+        <p14:creationId xmlns:p14="http://schemas.microsoft.com/office/powerpoint/2010/main" val="3909069486"/>
       </p:ext>
     </p:extLst>
   </p:cSld>

--- a/draft-gandhi-spring-sr-enhanced-plm-03.pptx
+++ b/draft-gandhi-spring-sr-enhanced-plm-03.pptx
@@ -261,7 +261,7 @@
           <a:p>
             <a:fld id="{E8FA3DB5-7722-3F4F-947D-12B203669AD7}" type="datetimeFigureOut">
               <a:rPr lang="en-US" smtClean="0"/>
-              <a:t>9/27/20</a:t>
+              <a:t>11/6/20</a:t>
             </a:fld>
             <a:endParaRPr lang="en-US"/>
           </a:p>
@@ -10197,7 +10197,7 @@
             </a:pPr>
             <a:r>
               <a:rPr lang="en-CA" sz="1600" dirty="0"/>
-              <a:t>Decouple with TWAMP (STAMP) protocol using new TWAMP (STAMP) compatible message format</a:t>
+              <a:t>Use TWAMP (STAMP) compatible probe message format</a:t>
             </a:r>
           </a:p>
           <a:p>
@@ -10217,7 +10217,7 @@
             </a:pPr>
             <a:r>
               <a:rPr lang="en-CA" sz="1600" dirty="0"/>
-              <a:t>Show extension Label 15 in MPLS header</a:t>
+              <a:t>Add extension Label 15 in MPLS header</a:t>
             </a:r>
           </a:p>
           <a:p>
@@ -10227,7 +10227,7 @@
             </a:pPr>
             <a:r>
               <a:rPr lang="en-CA" sz="1600" dirty="0"/>
-              <a:t>New section on SRv6 Timestamp Endpoint function assignment and Node Capability</a:t>
+              <a:t>Add section on SRv6 Timestamp Endpoint function assignment and Node Capability</a:t>
             </a:r>
           </a:p>
           <a:p>
@@ -10237,7 +10237,7 @@
             </a:pPr>
             <a:r>
               <a:rPr lang="en-CA" sz="1600" dirty="0"/>
-              <a:t>Update IANA section for a registry name</a:t>
+              <a:t>Update IANA section</a:t>
             </a:r>
           </a:p>
           <a:p>
@@ -10247,7 +10247,7 @@
             </a:pPr>
             <a:r>
               <a:rPr lang="en-CA" sz="1600" dirty="0"/>
-              <a:t>Various editorial changes (e.g. moving text to new Overview section)</a:t>
+              <a:t>Various editorial changes (e.g. moving some text to new Overview section)</a:t>
             </a:r>
           </a:p>
           <a:p>

--- a/draft-gandhi-spring-sr-enhanced-plm-03.pptx
+++ b/draft-gandhi-spring-sr-enhanced-plm-03.pptx
@@ -261,7 +261,7 @@
           <a:p>
             <a:fld id="{E8FA3DB5-7722-3F4F-947D-12B203669AD7}" type="datetimeFigureOut">
               <a:rPr lang="en-US" smtClean="0"/>
-              <a:t>11/6/20</a:t>
+              <a:t>11/9/20</a:t>
             </a:fld>
             <a:endParaRPr lang="en-US"/>
           </a:p>
@@ -10157,7 +10157,7 @@
                 <a:latin typeface="Calibri Light" panose="020F0302020204030204" pitchFamily="34" charset="0"/>
                 <a:cs typeface="Calibri Light" panose="020F0302020204030204" pitchFamily="34" charset="0"/>
               </a:rPr>
-              <a:t>Updates Since IETF-107 (Version-02)</a:t>
+              <a:t>Updates Since IETF-108 (Version-02)</a:t>
             </a:r>
           </a:p>
         </p:txBody>
@@ -10505,7 +10505,7 @@
             </a:pPr>
             <a:r>
               <a:rPr lang="en-US" sz="1600" dirty="0"/>
-              <a:t>Reflector is agnostic to the monitoring protocol </a:t>
+              <a:t>Reflector is agnostic to the performance monitoring protocol </a:t>
             </a:r>
           </a:p>
           <a:p>

--- a/draft-gandhi-spring-sr-enhanced-plm-03.pptx
+++ b/draft-gandhi-spring-sr-enhanced-plm-03.pptx
@@ -261,7 +261,7 @@
           <a:p>
             <a:fld id="{E8FA3DB5-7722-3F4F-947D-12B203669AD7}" type="datetimeFigureOut">
               <a:rPr lang="en-US" smtClean="0"/>
-              <a:t>11/9/20</a:t>
+              <a:t>11/10/20</a:t>
             </a:fld>
             <a:endParaRPr lang="en-US"/>
           </a:p>
@@ -6098,7 +6098,7 @@
         <p:spPr>
           <a:xfrm>
             <a:off x="336380" y="739794"/>
-            <a:ext cx="4468386" cy="3885679"/>
+            <a:ext cx="4468386" cy="4016484"/>
           </a:xfrm>
           <a:prstGeom prst="rect">
             <a:avLst/>
@@ -6138,25 +6138,25 @@
               <a:rPr lang="en-CA" sz="850" b="1" dirty="0">
                 <a:latin typeface="Courier" pitchFamily="2" charset="0"/>
               </a:rPr>
-              <a:t>Reflector</a:t>
+              <a:t>Session-Reflector</a:t>
             </a:r>
             <a:r>
               <a:rPr lang="en-CA" sz="850" dirty="0">
                 <a:latin typeface="Courier" pitchFamily="2" charset="0"/>
               </a:rPr>
-              <a:t> IPv4 or IPv6 Address           . .  Destination IP Address = </a:t>
+              <a:t> IPv4 or IPv6 Address   . .  Destination IP Address = </a:t>
             </a:r>
             <a:r>
               <a:rPr lang="en-CA" sz="850" b="1" dirty="0">
                 <a:latin typeface="Courier" pitchFamily="2" charset="0"/>
               </a:rPr>
-              <a:t>Sender</a:t>
+              <a:t>Session-Sender</a:t>
             </a:r>
             <a:r>
               <a:rPr lang="en-CA" sz="850" dirty="0">
                 <a:latin typeface="Courier" pitchFamily="2" charset="0"/>
               </a:rPr>
-              <a:t> IPv4 or IPv6 Address         .</a:t>
+              <a:t> IPv4 or IPv6 Address .</a:t>
             </a:r>
           </a:p>
           <a:p>
@@ -6172,7 +6172,7 @@
               <a:rPr lang="en-CA" sz="850" dirty="0">
                 <a:latin typeface="Courier" pitchFamily="2" charset="0"/>
               </a:rPr>
-              <a:t>+---------------------------------------------------------------+ | UDP Header                                                    | .  Source Port = As chosen by Sender                            . .  Destination Port = As chosen by Sender                       . .                                                               . +---------------------------------------------------------------+ | Payload                                                       | </a:t>
+              <a:t>+---------------------------------------------------------------+ | UDP Header                                                    | .  Source Port = As chosen by Session-Sender                    . .  Destination Port = As chosen by Session-Sender               . .                                                               . +---------------------------------------------------------------+ | Payload                                                       | </a:t>
             </a:r>
           </a:p>
           <a:p>
@@ -6394,7 +6394,7 @@
         <p:spPr>
           <a:xfrm>
             <a:off x="381000" y="742949"/>
-            <a:ext cx="4674030" cy="3831818"/>
+            <a:ext cx="4674030" cy="3693319"/>
           </a:xfrm>
           <a:prstGeom prst="rect">
             <a:avLst/>
@@ -6432,7 +6432,7 @@
               <a:rPr lang="en-CA" sz="900" dirty="0">
                 <a:latin typeface="Courier" pitchFamily="2" charset="0"/>
               </a:rPr>
-              <a:t>.  Source IP Address = Sender IPv6 Address                      .</a:t>
+              <a:t>.  Source IP Address = Session-Sender IPv6 Address              .</a:t>
             </a:r>
           </a:p>
           <a:p>
@@ -6492,7 +6492,7 @@
               <a:rPr lang="en-CA" sz="900" b="1" dirty="0">
                 <a:latin typeface="Courier" pitchFamily="2" charset="0"/>
               </a:rPr>
-              <a:t> (TBA2) with Reflector SID                            </a:t>
+              <a:t> (TBA2) with Session-Reflector SID                    </a:t>
             </a:r>
             <a:r>
               <a:rPr lang="en-CA" sz="900" dirty="0">
@@ -6536,13 +6536,13 @@
               <a:rPr lang="en-CA" sz="900" b="1" dirty="0">
                 <a:latin typeface="Courier" pitchFamily="2" charset="0"/>
               </a:rPr>
-              <a:t>Reflector</a:t>
+              <a:t>Session-Reflector</a:t>
             </a:r>
             <a:r>
               <a:rPr lang="en-CA" sz="900" dirty="0">
                 <a:latin typeface="Courier" pitchFamily="2" charset="0"/>
               </a:rPr>
-              <a:t> IPv6 Address                   .</a:t>
+              <a:t> IPv6 Address           .</a:t>
             </a:r>
           </a:p>
           <a:p>
@@ -6556,13 +6556,13 @@
               <a:rPr lang="en-CA" sz="900" b="1" dirty="0">
                 <a:latin typeface="Courier" pitchFamily="2" charset="0"/>
               </a:rPr>
-              <a:t>Sender</a:t>
+              <a:t>Session-Sender</a:t>
             </a:r>
             <a:r>
               <a:rPr lang="en-CA" sz="900" dirty="0">
                 <a:latin typeface="Courier" pitchFamily="2" charset="0"/>
               </a:rPr>
-              <a:t> IPv6 Address                 .</a:t>
+              <a:t> IPv6 Address         .</a:t>
             </a:r>
           </a:p>
           <a:p>
@@ -6594,7 +6594,7 @@
               <a:rPr lang="en-CA" sz="900" dirty="0">
                 <a:latin typeface="Courier" pitchFamily="2" charset="0"/>
               </a:rPr>
-              <a:t>.  Source Port = As chosen by Sender                            . </a:t>
+              <a:t>.  Source Port = As chosen by Session-Sender                    . </a:t>
             </a:r>
           </a:p>
           <a:p>
@@ -6602,7 +6602,7 @@
               <a:rPr lang="en-CA" sz="900" dirty="0">
                 <a:latin typeface="Courier" pitchFamily="2" charset="0"/>
               </a:rPr>
-              <a:t>.  Destination Port = As chosen by Sender                       .</a:t>
+              <a:t>.  Destination Port = As chosen by Session-Sender               .</a:t>
             </a:r>
           </a:p>
           <a:p>
@@ -6702,7 +6702,7 @@
             </a:r>
             <a:r>
               <a:rPr lang="en-US" sz="1400" dirty="0"/>
-              <a:t> (TBA2) is defined for Timestamp and Forward and is carried with the Reflector node SID</a:t>
+              <a:t> (TBA2) is defined for Timestamp and Forward and is carried with the Session-Reflector node SID</a:t>
             </a:r>
           </a:p>
           <a:p>
@@ -6715,7 +6715,7 @@
             <a:pPr lvl="1"/>
             <a:r>
               <a:rPr lang="en-US" sz="1400" dirty="0"/>
-              <a:t>Reflector node removes SRH</a:t>
+              <a:t>Session-Reflector node removes SRH</a:t>
             </a:r>
           </a:p>
           <a:p>
@@ -6735,7 +6735,7 @@
             <a:pPr lvl="1"/>
             <a:r>
               <a:rPr lang="en-US" sz="1400" dirty="0"/>
-              <a:t>Reflector node does not remove the SRH</a:t>
+              <a:t>Session-Reflector node does not remove the SRH</a:t>
             </a:r>
           </a:p>
           <a:p>
@@ -7053,7 +7053,7 @@
                 <a:latin typeface="Calibri Light" panose="020F0302020204030204" pitchFamily="34" charset="0"/>
                 <a:cs typeface="Calibri Light" panose="020F0302020204030204" pitchFamily="34" charset="0"/>
               </a:rPr>
-              <a:t>Notifications</a:t>
+              <a:t>Performance Metric Notifications</a:t>
             </a:r>
           </a:p>
         </p:txBody>
@@ -7105,8 +7105,8 @@
         </p:nvSpPr>
         <p:spPr>
           <a:xfrm>
-            <a:off x="647699" y="965020"/>
-            <a:ext cx="7848601" cy="3359330"/>
+            <a:off x="762000" y="875778"/>
+            <a:ext cx="7734299" cy="3718899"/>
           </a:xfrm>
         </p:spPr>
         <p:txBody>
@@ -7122,7 +7122,7 @@
               </a:spcBef>
             </a:pPr>
             <a:r>
-              <a:rPr lang="en-US" sz="2000" dirty="0"/>
+              <a:rPr lang="en-US" sz="1800" dirty="0"/>
               <a:t>Delay metrics are notified as an example, when consecutive M number of probe messages have delay values exceed the configured thresholds</a:t>
             </a:r>
           </a:p>
@@ -7136,8 +7136,8 @@
               </a:spcBef>
             </a:pPr>
             <a:r>
-              <a:rPr lang="en-US" sz="2000" dirty="0"/>
-              <a:t>Liveness failure (bring-down - loss of heart beats) is notified when consecutive N number of return probe messages are not received at the sender node</a:t>
+              <a:rPr lang="en-US" sz="1800" dirty="0"/>
+              <a:t>Liveness failure (connection loss - loss of heart beats) is notified when consecutive N number of return probe messages are not received at the Session-Sender node</a:t>
             </a:r>
           </a:p>
           <a:p>
@@ -7150,10 +7150,9 @@
               </a:spcBef>
             </a:pPr>
             <a:r>
-              <a:rPr lang="en-US" sz="2000" dirty="0"/>
-              <a:t>Liveness success (bring-up - success of heart beats) initially is notified as soon as one or more return probe messages are received at the sender node</a:t>
-            </a:r>
-            <a:endParaRPr lang="en-CA" sz="2000" dirty="0"/>
+              <a:rPr lang="en-US" sz="1800" dirty="0"/>
+              <a:t>Liveness success (connection Up - success of heart beats) initially is notified as soon as one or more return probe messages are received at the Session-Sender node</a:t>
+            </a:r>
           </a:p>
           <a:p>
             <a:pPr>
@@ -7164,7 +7163,40 @@
                 <a:spcPts val="600"/>
               </a:spcBef>
             </a:pPr>
-            <a:endParaRPr lang="en-US" sz="2000" dirty="0"/>
+            <a:r>
+              <a:rPr lang="en-US" sz="1800" dirty="0">
+                <a:solidFill>
+                  <a:srgbClr val="0070C0"/>
+                </a:solidFill>
+              </a:rPr>
+              <a:t>Synthetic packet loss is notified when X number of return probe messages not received at the Session-Sender node out of last Y probe messages sent</a:t>
+            </a:r>
+          </a:p>
+          <a:p>
+            <a:pPr>
+              <a:lnSpc>
+                <a:spcPts val="2180"/>
+              </a:lnSpc>
+              <a:spcBef>
+                <a:spcPts val="600"/>
+              </a:spcBef>
+            </a:pPr>
+            <a:endParaRPr lang="en-CA" sz="1800" dirty="0">
+              <a:solidFill>
+                <a:srgbClr val="0070C0"/>
+              </a:solidFill>
+            </a:endParaRPr>
+          </a:p>
+          <a:p>
+            <a:pPr>
+              <a:lnSpc>
+                <a:spcPts val="2180"/>
+              </a:lnSpc>
+              <a:spcBef>
+                <a:spcPts val="600"/>
+              </a:spcBef>
+            </a:pPr>
+            <a:endParaRPr lang="en-US" sz="1800" dirty="0"/>
           </a:p>
         </p:txBody>
       </p:sp>
@@ -9755,7 +9787,7 @@
             </a:pPr>
             <a:r>
               <a:rPr lang="en-US" sz="1200" dirty="0"/>
-              <a:t>No reflector dependency</a:t>
+              <a:t>No Session-Reflector dependency</a:t>
             </a:r>
           </a:p>
           <a:p>
@@ -9765,7 +9797,7 @@
             </a:pPr>
             <a:r>
               <a:rPr lang="en-US" sz="1200" dirty="0"/>
-              <a:t>Stateless on reflector (e.g. reflector unaware of the monitoring protocol) </a:t>
+              <a:t>Stateless on Session-Reflector (e.g. Session-Reflector unaware of the monitoring protocol) </a:t>
             </a:r>
           </a:p>
           <a:p>
@@ -10491,7 +10523,7 @@
             </a:pPr>
             <a:r>
               <a:rPr lang="en-US" sz="1600" dirty="0"/>
-              <a:t>Probe messages are not punted on the reflector node out of fast-path in forwarding</a:t>
+              <a:t>Probe messages are not punted on the Session-Reflector node out of fast-path in forwarding</a:t>
             </a:r>
           </a:p>
           <a:p>
@@ -10505,7 +10537,7 @@
             </a:pPr>
             <a:r>
               <a:rPr lang="en-US" sz="1600" dirty="0"/>
-              <a:t>Reflector is agnostic to the performance monitoring protocol </a:t>
+              <a:t>Session-Reflector is agnostic to the performance monitoring protocol </a:t>
             </a:r>
           </a:p>
           <a:p>
@@ -10550,7 +10582,7 @@
         <p:spPr>
           <a:xfrm>
             <a:off x="2409997" y="780787"/>
-            <a:ext cx="4019206" cy="2092881"/>
+            <a:ext cx="3686003" cy="2246769"/>
           </a:xfrm>
           <a:prstGeom prst="rect">
             <a:avLst/>
@@ -10713,36 +10745,6 @@
                 <a:spcPts val="0"/>
               </a:spcAft>
             </a:pPr>
-            <a:r>
-              <a:rPr lang="en-CA" sz="1000" dirty="0">
-                <a:latin typeface="Courier" pitchFamily="2" charset="0"/>
-                <a:ea typeface="Calibri" panose="020F0502020204030204" pitchFamily="34" charset="0"/>
-                <a:cs typeface="Times New Roman" panose="02020603050405020304" pitchFamily="18" charset="0"/>
-              </a:rPr>
-              <a:t>  Sender                      Reflector</a:t>
-            </a:r>
-          </a:p>
-          <a:p>
-            <a:pPr>
-              <a:spcAft>
-                <a:spcPts val="0"/>
-              </a:spcAft>
-            </a:pPr>
-            <a:r>
-              <a:rPr lang="en-CA" sz="1000" dirty="0">
-                <a:latin typeface="Courier" pitchFamily="2" charset="0"/>
-                <a:ea typeface="Calibri" panose="020F0502020204030204" pitchFamily="34" charset="0"/>
-                <a:cs typeface="Times New Roman" panose="02020603050405020304" pitchFamily="18" charset="0"/>
-              </a:rPr>
-              <a:t>                              (Forward, Not Punt)</a:t>
-            </a:r>
-          </a:p>
-          <a:p>
-            <a:pPr>
-              <a:spcAft>
-                <a:spcPts val="0"/>
-              </a:spcAft>
-            </a:pPr>
             <a:endParaRPr lang="en-CA" sz="1000" dirty="0">
               <a:latin typeface="Courier" pitchFamily="2" charset="0"/>
               <a:ea typeface="Calibri" panose="020F0502020204030204" pitchFamily="34" charset="0"/>
@@ -10761,7 +10763,49 @@
                 <a:ea typeface="Calibri" panose="020F0502020204030204" pitchFamily="34" charset="0"/>
                 <a:cs typeface="Times New Roman" panose="02020603050405020304" pitchFamily="18" charset="0"/>
               </a:rPr>
-              <a:t>           Figure: PM Loopback Mode</a:t>
+              <a:t>Session-Sender            Session-Reflector</a:t>
+            </a:r>
+          </a:p>
+          <a:p>
+            <a:pPr>
+              <a:spcAft>
+                <a:spcPts val="0"/>
+              </a:spcAft>
+            </a:pPr>
+            <a:r>
+              <a:rPr lang="en-CA" sz="1000" dirty="0">
+                <a:latin typeface="Courier" pitchFamily="2" charset="0"/>
+                <a:ea typeface="Calibri" panose="020F0502020204030204" pitchFamily="34" charset="0"/>
+                <a:cs typeface="Times New Roman" panose="02020603050405020304" pitchFamily="18" charset="0"/>
+              </a:rPr>
+              <a:t>                          (Forward, Not Punt)</a:t>
+            </a:r>
+          </a:p>
+          <a:p>
+            <a:pPr>
+              <a:spcAft>
+                <a:spcPts val="0"/>
+              </a:spcAft>
+            </a:pPr>
+            <a:endParaRPr lang="en-CA" sz="1000" dirty="0">
+              <a:latin typeface="Courier" pitchFamily="2" charset="0"/>
+              <a:ea typeface="Calibri" panose="020F0502020204030204" pitchFamily="34" charset="0"/>
+              <a:cs typeface="Times New Roman" panose="02020603050405020304" pitchFamily="18" charset="0"/>
+            </a:endParaRPr>
+          </a:p>
+          <a:p>
+            <a:pPr>
+              <a:spcAft>
+                <a:spcPts val="0"/>
+              </a:spcAft>
+            </a:pPr>
+            <a:r>
+              <a:rPr lang="en-CA" sz="1000" dirty="0">
+                <a:latin typeface="Courier" pitchFamily="2" charset="0"/>
+                <a:ea typeface="Calibri" panose="020F0502020204030204" pitchFamily="34" charset="0"/>
+                <a:cs typeface="Times New Roman" panose="02020603050405020304" pitchFamily="18" charset="0"/>
+              </a:rPr>
+              <a:t>         Figure: PM Loopback Mode</a:t>
             </a:r>
             <a:endParaRPr lang="en-CA" sz="1000" dirty="0">
               <a:effectLst/>
@@ -10930,7 +10974,7 @@
         <p:spPr>
           <a:xfrm>
             <a:off x="381000" y="2794838"/>
-            <a:ext cx="8534400" cy="1983096"/>
+            <a:ext cx="8534400" cy="2139112"/>
           </a:xfrm>
         </p:spPr>
         <p:txBody>
@@ -10961,7 +11005,7 @@
             </a:pPr>
             <a:r>
               <a:rPr lang="en-CA" sz="1200" dirty="0"/>
-              <a:t>The network programming function optimizes the "operations of punt and inject the probe packet" on the reflector node</a:t>
+              <a:t>The network programming function optimizes the "operations of punt and inject the probe packet" on the Session-Reflector node</a:t>
             </a:r>
           </a:p>
           <a:p>
@@ -10989,7 +11033,7 @@
             </a:pPr>
             <a:r>
               <a:rPr lang="en-CA" sz="1200" dirty="0"/>
-              <a:t>Reflector node adds the receive timestamp at a specific location in the payload of the received probe message in fast-path</a:t>
+              <a:t>Session-Reflector node adds receive timestamp at a specific location in the payload of the received probe message in fast-path</a:t>
             </a:r>
           </a:p>
           <a:p>
@@ -11017,7 +11061,7 @@
             </a:pPr>
             <a:r>
               <a:rPr lang="en-CA" sz="1200" dirty="0"/>
-              <a:t>Ensure loopback probe packets return from the intended reflector node</a:t>
+              <a:t>Ensure loopback probe packets return from the intended Session-Reflector node</a:t>
             </a:r>
           </a:p>
           <a:p>
@@ -11050,7 +11094,7 @@
         </p:nvSpPr>
         <p:spPr>
           <a:xfrm>
-            <a:off x="1981200" y="692825"/>
+            <a:off x="1981200" y="638934"/>
             <a:ext cx="4648200" cy="2031325"/>
           </a:xfrm>
           <a:prstGeom prst="rect">
@@ -11137,7 +11181,7 @@
               <a:rPr lang="en-CA" sz="1050" dirty="0">
                 <a:latin typeface="Courier" pitchFamily="2" charset="0"/>
               </a:rPr>
-              <a:t>    Sender                       Reflector</a:t>
+              <a:t>Session-Sender                Session-Reflector</a:t>
             </a:r>
           </a:p>
           <a:p>
@@ -11145,7 +11189,7 @@
               <a:rPr lang="en-CA" sz="1050" dirty="0">
                 <a:latin typeface="Courier" pitchFamily="2" charset="0"/>
               </a:rPr>
-              <a:t>                                 (Timestamp,</a:t>
+              <a:t>                                (Timestamp,</a:t>
             </a:r>
           </a:p>
           <a:p>
@@ -11153,7 +11197,7 @@
               <a:rPr lang="en-CA" sz="1050" dirty="0">
                 <a:latin typeface="Courier" pitchFamily="2" charset="0"/>
               </a:rPr>
-              <a:t>                                  Pop and Forward)</a:t>
+              <a:t>                                 Pop and Forward)</a:t>
             </a:r>
           </a:p>
           <a:p>
@@ -11691,7 +11735,7 @@
               <a:rPr lang="en-CA" sz="1050" dirty="0">
                 <a:latin typeface="Courier" pitchFamily="2" charset="0"/>
               </a:rPr>
-              <a:t>                        Sender              Reflector</a:t>
+              <a:t>                    Session-Sender       Session-Reflector</a:t>
             </a:r>
           </a:p>
           <a:p>
@@ -12084,13 +12128,13 @@
           <a:p>
             <a:r>
               <a:rPr lang="en-US" sz="1400" dirty="0"/>
-              <a:t>Sender adds Transmit Timestamp (t1)</a:t>
+              <a:t>Session-Sender adds Transmit Timestamp (t1)</a:t>
             </a:r>
           </a:p>
           <a:p>
             <a:r>
               <a:rPr lang="en-US" sz="1400" dirty="0"/>
-              <a:t>Reflector adds Receive Timestamp (t2) at offset-byte location in payload </a:t>
+              <a:t>Session-Reflector adds Receive Timestamp (t2) at offset-byte location in payload </a:t>
             </a:r>
           </a:p>
           <a:p>
